--- a/articles.pptx
+++ b/articles.pptx
@@ -105,6 +105,11 @@
       </a:defRPr>
     </a:lvl9pPr>
   </p:defaultTextStyle>
+  <p:extLst>
+    <p:ext uri="{EFAFB233-063F-42B5-8137-9DF3F51BA10A}">
+      <p15:sldGuideLst xmlns:p15="http://schemas.microsoft.com/office/powerpoint/2012/main"/>
+    </p:ext>
+  </p:extLst>
 </p:presentation>
 </file>
 
@@ -3449,14 +3454,14 @@
             <p:ph idx="1"/>
             <p:extLst>
               <p:ext uri="{D42A27DB-BD31-4B8C-83A1-F6EECF244321}">
-                <p14:modId xmlns:p14="http://schemas.microsoft.com/office/powerpoint/2010/main" val="142430498"/>
+                <p14:modId xmlns:p14="http://schemas.microsoft.com/office/powerpoint/2010/main" val="1957648535"/>
               </p:ext>
             </p:extLst>
           </p:nvPr>
         </p:nvGraphicFramePr>
         <p:xfrm>
           <a:off x="838200" y="1825625"/>
-          <a:ext cx="10515597" cy="1112520"/>
+          <a:ext cx="10515596" cy="3931920"/>
         </p:xfrm>
         <a:graphic>
           <a:graphicData uri="http://schemas.openxmlformats.org/drawingml/2006/table">
@@ -3465,24 +3470,31 @@
                 <a:tableStyleId>{5C22544A-7EE6-4342-B048-85BDC9FD1C3A}</a:tableStyleId>
               </a:tblPr>
               <a:tblGrid>
-                <a:gridCol w="3505199">
+                <a:gridCol w="1179443">
                   <a:extLst>
                     <a:ext uri="{9D8B030D-6E8A-4147-A177-3AD203B41FA5}">
                       <a16:colId xmlns:a16="http://schemas.microsoft.com/office/drawing/2014/main" val="1032559416"/>
                     </a:ext>
                   </a:extLst>
                 </a:gridCol>
-                <a:gridCol w="3505199">
+                <a:gridCol w="834887">
                   <a:extLst>
                     <a:ext uri="{9D8B030D-6E8A-4147-A177-3AD203B41FA5}">
                       <a16:colId xmlns:a16="http://schemas.microsoft.com/office/drawing/2014/main" val="1254089605"/>
                     </a:ext>
                   </a:extLst>
                 </a:gridCol>
-                <a:gridCol w="3505199">
+                <a:gridCol w="2847561">
                   <a:extLst>
                     <a:ext uri="{9D8B030D-6E8A-4147-A177-3AD203B41FA5}">
                       <a16:colId xmlns:a16="http://schemas.microsoft.com/office/drawing/2014/main" val="3646178479"/>
+                    </a:ext>
+                  </a:extLst>
+                </a:gridCol>
+                <a:gridCol w="5653705">
+                  <a:extLst>
+                    <a:ext uri="{9D8B030D-6E8A-4147-A177-3AD203B41FA5}">
+                      <a16:colId xmlns:a16="http://schemas.microsoft.com/office/drawing/2014/main" val="1207384894"/>
                     </a:ext>
                   </a:extLst>
                 </a:gridCol>
@@ -3494,7 +3506,7 @@
                     <a:lstStyle/>
                     <a:p>
                       <a:r>
-                        <a:rPr lang="en-US" dirty="0"/>
+                        <a:rPr lang="en-US" sz="1000" dirty="0"/>
                         <a:t>Model</a:t>
                       </a:r>
                     </a:p>
@@ -3507,7 +3519,7 @@
                     <a:lstStyle/>
                     <a:p>
                       <a:r>
-                        <a:rPr lang="en-US" dirty="0"/>
+                        <a:rPr lang="en-US" sz="1000" dirty="0"/>
                         <a:t>Dataset</a:t>
                       </a:r>
                     </a:p>
@@ -3520,8 +3532,37 @@
                     <a:lstStyle/>
                     <a:p>
                       <a:r>
-                        <a:rPr lang="en-US" dirty="0"/>
-                        <a:t>Evaluation Metrics</a:t>
+                        <a:rPr lang="en-US" sz="1000" dirty="0"/>
+                        <a:t>Evaluation Metrics {</a:t>
+                      </a:r>
+                      <a:r>
+                        <a:rPr lang="en-US" sz="1000" b="0" i="0" kern="1200" dirty="0">
+                          <a:solidFill>
+                            <a:schemeClr val="lt1"/>
+                          </a:solidFill>
+                          <a:effectLst/>
+                          <a:latin typeface="+mn-lt"/>
+                          <a:ea typeface="+mn-ea"/>
+                          <a:cs typeface="+mn-cs"/>
+                        </a:rPr>
+                        <a:t>ROC-AUC, PR-AUC, F1 for binary task, MSE, R-squared, Concordance Index</a:t>
+                      </a:r>
+                      <a:r>
+                        <a:rPr lang="en-US" sz="1000" dirty="0"/>
+                        <a:t>}</a:t>
+                      </a:r>
+                    </a:p>
+                  </a:txBody>
+                  <a:tcPr/>
+                </a:tc>
+                <a:tc>
+                  <a:txBody>
+                    <a:bodyPr/>
+                    <a:lstStyle/>
+                    <a:p>
+                      <a:r>
+                        <a:rPr lang="en-US" sz="1000" dirty="0"/>
+                        <a:t>Configuration</a:t>
                       </a:r>
                     </a:p>
                   </a:txBody>
@@ -3540,10 +3581,10 @@
                     <a:lstStyle/>
                     <a:p>
                       <a:r>
-                        <a:rPr lang="en-US" dirty="0" err="1"/>
+                        <a:rPr lang="en-US" sz="1000" dirty="0" err="1"/>
                         <a:t>DeepDTA</a:t>
                       </a:r>
-                      <a:endParaRPr lang="en-US" dirty="0"/>
+                      <a:endParaRPr lang="en-US" sz="1000" dirty="0"/>
                     </a:p>
                   </a:txBody>
                   <a:tcPr/>
@@ -3553,7 +3594,10 @@
                     <a:bodyPr/>
                     <a:lstStyle/>
                     <a:p>
-                      <a:endParaRPr lang="en-US" dirty="0"/>
+                      <a:r>
+                        <a:rPr lang="en-US" sz="1000" dirty="0"/>
+                        <a:t>KIBA</a:t>
+                      </a:r>
                     </a:p>
                   </a:txBody>
                   <a:tcPr/>
@@ -3563,7 +3607,421 @@
                     <a:bodyPr/>
                     <a:lstStyle/>
                     <a:p>
-                      <a:endParaRPr lang="en-US"/>
+                      <a:r>
+                        <a:rPr lang="en-US" sz="1000" dirty="0"/>
+                        <a:t>{_,_,_,_,_,0.8559}</a:t>
+                      </a:r>
+                    </a:p>
+                  </a:txBody>
+                  <a:tcPr/>
+                </a:tc>
+                <a:tc>
+                  <a:txBody>
+                    <a:bodyPr/>
+                    <a:lstStyle/>
+                    <a:p>
+                      <a:r>
+                        <a:rPr lang="en-US" sz="1000" b="0" kern="1200" dirty="0">
+                          <a:solidFill>
+                            <a:schemeClr val="dk1"/>
+                          </a:solidFill>
+                          <a:effectLst/>
+                          <a:latin typeface="+mn-lt"/>
+                          <a:ea typeface="+mn-ea"/>
+                          <a:cs typeface="+mn-cs"/>
+                        </a:rPr>
+                        <a:t>--</a:t>
+                      </a:r>
+                      <a:r>
+                        <a:rPr lang="en-US" sz="1000" b="0" kern="1200" dirty="0" err="1">
+                          <a:solidFill>
+                            <a:schemeClr val="dk1"/>
+                          </a:solidFill>
+                          <a:effectLst/>
+                          <a:latin typeface="+mn-lt"/>
+                          <a:ea typeface="+mn-ea"/>
+                          <a:cs typeface="+mn-cs"/>
+                        </a:rPr>
+                        <a:t>num_windows</a:t>
+                      </a:r>
+                      <a:r>
+                        <a:rPr lang="en-US" sz="1000" b="0" kern="1200" dirty="0">
+                          <a:solidFill>
+                            <a:schemeClr val="dk1"/>
+                          </a:solidFill>
+                          <a:effectLst/>
+                          <a:latin typeface="+mn-lt"/>
+                          <a:ea typeface="+mn-ea"/>
+                          <a:cs typeface="+mn-cs"/>
+                        </a:rPr>
+                        <a:t> 32 \</a:t>
+                      </a:r>
+                    </a:p>
+                    <a:p>
+                      <a:r>
+                        <a:rPr lang="en-US" sz="1000" b="0" kern="1200" dirty="0">
+                          <a:solidFill>
+                            <a:schemeClr val="dk1"/>
+                          </a:solidFill>
+                          <a:effectLst/>
+                          <a:latin typeface="+mn-lt"/>
+                          <a:ea typeface="+mn-ea"/>
+                          <a:cs typeface="+mn-cs"/>
+                        </a:rPr>
+                        <a:t>--</a:t>
+                      </a:r>
+                      <a:r>
+                        <a:rPr lang="en-US" sz="1000" b="0" kern="1200" dirty="0" err="1">
+                          <a:solidFill>
+                            <a:schemeClr val="dk1"/>
+                          </a:solidFill>
+                          <a:effectLst/>
+                          <a:latin typeface="+mn-lt"/>
+                          <a:ea typeface="+mn-ea"/>
+                          <a:cs typeface="+mn-cs"/>
+                        </a:rPr>
+                        <a:t>seq_window_lengths</a:t>
+                      </a:r>
+                      <a:r>
+                        <a:rPr lang="en-US" sz="1000" b="0" kern="1200" dirty="0">
+                          <a:solidFill>
+                            <a:schemeClr val="dk1"/>
+                          </a:solidFill>
+                          <a:effectLst/>
+                          <a:latin typeface="+mn-lt"/>
+                          <a:ea typeface="+mn-ea"/>
+                          <a:cs typeface="+mn-cs"/>
+                        </a:rPr>
+                        <a:t> 8 12 \</a:t>
+                      </a:r>
+                    </a:p>
+                    <a:p>
+                      <a:r>
+                        <a:rPr lang="en-US" sz="1000" b="0" kern="1200" dirty="0">
+                          <a:solidFill>
+                            <a:schemeClr val="dk1"/>
+                          </a:solidFill>
+                          <a:effectLst/>
+                          <a:latin typeface="+mn-lt"/>
+                          <a:ea typeface="+mn-ea"/>
+                          <a:cs typeface="+mn-cs"/>
+                        </a:rPr>
+                        <a:t>--</a:t>
+                      </a:r>
+                      <a:r>
+                        <a:rPr lang="en-US" sz="1000" b="0" kern="1200" dirty="0" err="1">
+                          <a:solidFill>
+                            <a:schemeClr val="dk1"/>
+                          </a:solidFill>
+                          <a:effectLst/>
+                          <a:latin typeface="+mn-lt"/>
+                          <a:ea typeface="+mn-ea"/>
+                          <a:cs typeface="+mn-cs"/>
+                        </a:rPr>
+                        <a:t>smi_window_lengths</a:t>
+                      </a:r>
+                      <a:r>
+                        <a:rPr lang="en-US" sz="1000" b="0" kern="1200" dirty="0">
+                          <a:solidFill>
+                            <a:schemeClr val="dk1"/>
+                          </a:solidFill>
+                          <a:effectLst/>
+                          <a:latin typeface="+mn-lt"/>
+                          <a:ea typeface="+mn-ea"/>
+                          <a:cs typeface="+mn-cs"/>
+                        </a:rPr>
+                        <a:t> 4 8 \</a:t>
+                      </a:r>
+                    </a:p>
+                    <a:p>
+                      <a:r>
+                        <a:rPr lang="en-US" sz="1000" b="0" kern="1200" dirty="0">
+                          <a:solidFill>
+                            <a:schemeClr val="dk1"/>
+                          </a:solidFill>
+                          <a:effectLst/>
+                          <a:latin typeface="+mn-lt"/>
+                          <a:ea typeface="+mn-ea"/>
+                          <a:cs typeface="+mn-cs"/>
+                        </a:rPr>
+                        <a:t>--</a:t>
+                      </a:r>
+                      <a:r>
+                        <a:rPr lang="en-US" sz="1000" b="0" kern="1200" dirty="0" err="1">
+                          <a:solidFill>
+                            <a:schemeClr val="dk1"/>
+                          </a:solidFill>
+                          <a:effectLst/>
+                          <a:latin typeface="+mn-lt"/>
+                          <a:ea typeface="+mn-ea"/>
+                          <a:cs typeface="+mn-cs"/>
+                        </a:rPr>
+                        <a:t>batch_size</a:t>
+                      </a:r>
+                      <a:r>
+                        <a:rPr lang="en-US" sz="1000" b="0" kern="1200" dirty="0">
+                          <a:solidFill>
+                            <a:schemeClr val="dk1"/>
+                          </a:solidFill>
+                          <a:effectLst/>
+                          <a:latin typeface="+mn-lt"/>
+                          <a:ea typeface="+mn-ea"/>
+                          <a:cs typeface="+mn-cs"/>
+                        </a:rPr>
+                        <a:t> 256 \</a:t>
+                      </a:r>
+                    </a:p>
+                    <a:p>
+                      <a:r>
+                        <a:rPr lang="en-US" sz="1000" b="0" kern="1200" dirty="0">
+                          <a:solidFill>
+                            <a:schemeClr val="dk1"/>
+                          </a:solidFill>
+                          <a:effectLst/>
+                          <a:latin typeface="+mn-lt"/>
+                          <a:ea typeface="+mn-ea"/>
+                          <a:cs typeface="+mn-cs"/>
+                        </a:rPr>
+                        <a:t>--</a:t>
+                      </a:r>
+                      <a:r>
+                        <a:rPr lang="en-US" sz="1000" b="0" kern="1200" dirty="0" err="1">
+                          <a:solidFill>
+                            <a:schemeClr val="dk1"/>
+                          </a:solidFill>
+                          <a:effectLst/>
+                          <a:latin typeface="+mn-lt"/>
+                          <a:ea typeface="+mn-ea"/>
+                          <a:cs typeface="+mn-cs"/>
+                        </a:rPr>
+                        <a:t>num_epoch</a:t>
+                      </a:r>
+                      <a:r>
+                        <a:rPr lang="en-US" sz="1000" b="0" kern="1200" dirty="0">
+                          <a:solidFill>
+                            <a:schemeClr val="dk1"/>
+                          </a:solidFill>
+                          <a:effectLst/>
+                          <a:latin typeface="+mn-lt"/>
+                          <a:ea typeface="+mn-ea"/>
+                          <a:cs typeface="+mn-cs"/>
+                        </a:rPr>
+                        <a:t> 100 \</a:t>
+                      </a:r>
+                    </a:p>
+                    <a:p>
+                      <a:r>
+                        <a:rPr lang="en-US" sz="1000" b="0" kern="1200" dirty="0">
+                          <a:solidFill>
+                            <a:schemeClr val="dk1"/>
+                          </a:solidFill>
+                          <a:effectLst/>
+                          <a:latin typeface="+mn-lt"/>
+                          <a:ea typeface="+mn-ea"/>
+                          <a:cs typeface="+mn-cs"/>
+                        </a:rPr>
+                        <a:t>--</a:t>
+                      </a:r>
+                      <a:r>
+                        <a:rPr lang="en-US" sz="1000" b="0" kern="1200" dirty="0" err="1">
+                          <a:solidFill>
+                            <a:schemeClr val="dk1"/>
+                          </a:solidFill>
+                          <a:effectLst/>
+                          <a:latin typeface="+mn-lt"/>
+                          <a:ea typeface="+mn-ea"/>
+                          <a:cs typeface="+mn-cs"/>
+                        </a:rPr>
+                        <a:t>max_seq_len</a:t>
+                      </a:r>
+                      <a:r>
+                        <a:rPr lang="en-US" sz="1000" b="0" kern="1200" dirty="0">
+                          <a:solidFill>
+                            <a:schemeClr val="dk1"/>
+                          </a:solidFill>
+                          <a:effectLst/>
+                          <a:latin typeface="+mn-lt"/>
+                          <a:ea typeface="+mn-ea"/>
+                          <a:cs typeface="+mn-cs"/>
+                        </a:rPr>
+                        <a:t> 1000 \</a:t>
+                      </a:r>
+                    </a:p>
+                    <a:p>
+                      <a:r>
+                        <a:rPr lang="en-US" sz="1000" b="0" kern="1200" dirty="0">
+                          <a:solidFill>
+                            <a:schemeClr val="dk1"/>
+                          </a:solidFill>
+                          <a:effectLst/>
+                          <a:latin typeface="+mn-lt"/>
+                          <a:ea typeface="+mn-ea"/>
+                          <a:cs typeface="+mn-cs"/>
+                        </a:rPr>
+                        <a:t>--</a:t>
+                      </a:r>
+                      <a:r>
+                        <a:rPr lang="en-US" sz="1000" b="0" kern="1200" dirty="0" err="1">
+                          <a:solidFill>
+                            <a:schemeClr val="dk1"/>
+                          </a:solidFill>
+                          <a:effectLst/>
+                          <a:latin typeface="+mn-lt"/>
+                          <a:ea typeface="+mn-ea"/>
+                          <a:cs typeface="+mn-cs"/>
+                        </a:rPr>
+                        <a:t>max_smi_len</a:t>
+                      </a:r>
+                      <a:r>
+                        <a:rPr lang="en-US" sz="1000" b="0" kern="1200" dirty="0">
+                          <a:solidFill>
+                            <a:schemeClr val="dk1"/>
+                          </a:solidFill>
+                          <a:effectLst/>
+                          <a:latin typeface="+mn-lt"/>
+                          <a:ea typeface="+mn-ea"/>
+                          <a:cs typeface="+mn-cs"/>
+                        </a:rPr>
+                        <a:t> 100 \</a:t>
+                      </a:r>
+                    </a:p>
+                    <a:p>
+                      <a:r>
+                        <a:rPr lang="en-US" sz="1000" b="0" kern="1200" dirty="0">
+                          <a:solidFill>
+                            <a:schemeClr val="dk1"/>
+                          </a:solidFill>
+                          <a:effectLst/>
+                          <a:latin typeface="+mn-lt"/>
+                          <a:ea typeface="+mn-ea"/>
+                          <a:cs typeface="+mn-cs"/>
+                        </a:rPr>
+                        <a:t>--</a:t>
+                      </a:r>
+                      <a:r>
+                        <a:rPr lang="en-US" sz="1000" b="0" kern="1200" dirty="0" err="1">
+                          <a:solidFill>
+                            <a:schemeClr val="dk1"/>
+                          </a:solidFill>
+                          <a:effectLst/>
+                          <a:latin typeface="+mn-lt"/>
+                          <a:ea typeface="+mn-ea"/>
+                          <a:cs typeface="+mn-cs"/>
+                        </a:rPr>
+                        <a:t>dataset_path</a:t>
+                      </a:r>
+                      <a:r>
+                        <a:rPr lang="en-US" sz="1000" b="0" kern="1200" dirty="0">
+                          <a:solidFill>
+                            <a:schemeClr val="dk1"/>
+                          </a:solidFill>
+                          <a:effectLst/>
+                          <a:latin typeface="+mn-lt"/>
+                          <a:ea typeface="+mn-ea"/>
+                          <a:cs typeface="+mn-cs"/>
+                        </a:rPr>
+                        <a:t> 'data/</a:t>
+                      </a:r>
+                      <a:r>
+                        <a:rPr lang="en-US" sz="1000" b="0" kern="1200" dirty="0" err="1">
+                          <a:solidFill>
+                            <a:schemeClr val="dk1"/>
+                          </a:solidFill>
+                          <a:effectLst/>
+                          <a:latin typeface="+mn-lt"/>
+                          <a:ea typeface="+mn-ea"/>
+                          <a:cs typeface="+mn-cs"/>
+                        </a:rPr>
+                        <a:t>kiba</a:t>
+                      </a:r>
+                      <a:r>
+                        <a:rPr lang="en-US" sz="1000" b="0" kern="1200" dirty="0">
+                          <a:solidFill>
+                            <a:schemeClr val="dk1"/>
+                          </a:solidFill>
+                          <a:effectLst/>
+                          <a:latin typeface="+mn-lt"/>
+                          <a:ea typeface="+mn-ea"/>
+                          <a:cs typeface="+mn-cs"/>
+                        </a:rPr>
+                        <a:t>/' \</a:t>
+                      </a:r>
+                    </a:p>
+                    <a:p>
+                      <a:r>
+                        <a:rPr lang="en-US" sz="1000" b="0" kern="1200" dirty="0">
+                          <a:solidFill>
+                            <a:schemeClr val="dk1"/>
+                          </a:solidFill>
+                          <a:effectLst/>
+                          <a:latin typeface="+mn-lt"/>
+                          <a:ea typeface="+mn-ea"/>
+                          <a:cs typeface="+mn-cs"/>
+                        </a:rPr>
+                        <a:t>--</a:t>
+                      </a:r>
+                      <a:r>
+                        <a:rPr lang="en-US" sz="1000" b="0" kern="1200" dirty="0" err="1">
+                          <a:solidFill>
+                            <a:schemeClr val="dk1"/>
+                          </a:solidFill>
+                          <a:effectLst/>
+                          <a:latin typeface="+mn-lt"/>
+                          <a:ea typeface="+mn-ea"/>
+                          <a:cs typeface="+mn-cs"/>
+                        </a:rPr>
+                        <a:t>problem_type</a:t>
+                      </a:r>
+                      <a:r>
+                        <a:rPr lang="en-US" sz="1000" b="0" kern="1200" dirty="0">
+                          <a:solidFill>
+                            <a:schemeClr val="dk1"/>
+                          </a:solidFill>
+                          <a:effectLst/>
+                          <a:latin typeface="+mn-lt"/>
+                          <a:ea typeface="+mn-ea"/>
+                          <a:cs typeface="+mn-cs"/>
+                        </a:rPr>
+                        <a:t> 1 \</a:t>
+                      </a:r>
+                    </a:p>
+                    <a:p>
+                      <a:r>
+                        <a:rPr lang="en-US" sz="1000" b="0" kern="1200" dirty="0">
+                          <a:solidFill>
+                            <a:schemeClr val="dk1"/>
+                          </a:solidFill>
+                          <a:effectLst/>
+                          <a:latin typeface="+mn-lt"/>
+                          <a:ea typeface="+mn-ea"/>
+                          <a:cs typeface="+mn-cs"/>
+                        </a:rPr>
+                        <a:t>--</a:t>
+                      </a:r>
+                      <a:r>
+                        <a:rPr lang="en-US" sz="1000" b="0" kern="1200" dirty="0" err="1">
+                          <a:solidFill>
+                            <a:schemeClr val="dk1"/>
+                          </a:solidFill>
+                          <a:effectLst/>
+                          <a:latin typeface="+mn-lt"/>
+                          <a:ea typeface="+mn-ea"/>
+                          <a:cs typeface="+mn-cs"/>
+                        </a:rPr>
+                        <a:t>log_dir</a:t>
+                      </a:r>
+                      <a:r>
+                        <a:rPr lang="en-US" sz="1000" b="0" kern="1200" dirty="0">
+                          <a:solidFill>
+                            <a:schemeClr val="dk1"/>
+                          </a:solidFill>
+                          <a:effectLst/>
+                          <a:latin typeface="+mn-lt"/>
+                          <a:ea typeface="+mn-ea"/>
+                          <a:cs typeface="+mn-cs"/>
+                        </a:rPr>
+                        <a:t> 'logs/'</a:t>
+                      </a:r>
                     </a:p>
                   </a:txBody>
                   <a:tcPr/>
@@ -3580,7 +4038,11 @@
                     <a:bodyPr/>
                     <a:lstStyle/>
                     <a:p>
-                      <a:endParaRPr lang="en-US"/>
+                      <a:r>
+                        <a:rPr lang="en-US" sz="1000" dirty="0" err="1"/>
+                        <a:t>DeepPurpose</a:t>
+                      </a:r>
+                      <a:endParaRPr lang="en-US" sz="1000" dirty="0"/>
                     </a:p>
                   </a:txBody>
                   <a:tcPr/>
@@ -3590,7 +4052,10 @@
                     <a:bodyPr/>
                     <a:lstStyle/>
                     <a:p>
-                      <a:endParaRPr lang="en-US"/>
+                      <a:r>
+                        <a:rPr lang="en-US" sz="1000" dirty="0"/>
+                        <a:t>KIBA</a:t>
+                      </a:r>
                     </a:p>
                   </a:txBody>
                   <a:tcPr/>
@@ -3600,7 +4065,362 @@
                     <a:bodyPr/>
                     <a:lstStyle/>
                     <a:p>
-                      <a:endParaRPr lang="en-US" dirty="0"/>
+                      <a:pPr marL="0" marR="0" lvl="0" indent="0" algn="l" defTabSz="914400" rtl="0" eaLnBrk="1" fontAlgn="auto" latinLnBrk="0" hangingPunct="1">
+                        <a:lnSpc>
+                          <a:spcPct val="100000"/>
+                        </a:lnSpc>
+                        <a:spcBef>
+                          <a:spcPts val="0"/>
+                        </a:spcBef>
+                        <a:spcAft>
+                          <a:spcPts val="0"/>
+                        </a:spcAft>
+                        <a:buClrTx/>
+                        <a:buSzTx/>
+                        <a:buFontTx/>
+                        <a:buNone/>
+                        <a:tabLst/>
+                        <a:defRPr/>
+                      </a:pPr>
+                      <a:r>
+                        <a:rPr lang="en-US" sz="1000" dirty="0"/>
+                        <a:t>{_,_,_,_,_,0.6656}</a:t>
+                      </a:r>
+                    </a:p>
+                  </a:txBody>
+                  <a:tcPr/>
+                </a:tc>
+                <a:tc>
+                  <a:txBody>
+                    <a:bodyPr/>
+                    <a:lstStyle/>
+                    <a:p>
+                      <a:pPr marL="0" marR="0" lvl="0" indent="0" algn="l" defTabSz="914400" rtl="0" eaLnBrk="1" fontAlgn="auto" latinLnBrk="0" hangingPunct="1">
+                        <a:lnSpc>
+                          <a:spcPct val="100000"/>
+                        </a:lnSpc>
+                        <a:spcBef>
+                          <a:spcPts val="0"/>
+                        </a:spcBef>
+                        <a:spcAft>
+                          <a:spcPts val="0"/>
+                        </a:spcAft>
+                        <a:buClrTx/>
+                        <a:buSzTx/>
+                        <a:buFontTx/>
+                        <a:buNone/>
+                        <a:tabLst/>
+                        <a:defRPr/>
+                      </a:pPr>
+                      <a:r>
+                        <a:rPr lang="en-US" sz="1000" b="0" kern="1200" dirty="0" err="1">
+                          <a:solidFill>
+                            <a:schemeClr val="dk1"/>
+                          </a:solidFill>
+                          <a:effectLst/>
+                          <a:latin typeface="+mn-lt"/>
+                          <a:ea typeface="+mn-ea"/>
+                          <a:cs typeface="+mn-cs"/>
+                        </a:rPr>
+                        <a:t>drug_encoding</a:t>
+                      </a:r>
+                      <a:r>
+                        <a:rPr lang="en-US" sz="1000" b="0" kern="1200" dirty="0">
+                          <a:solidFill>
+                            <a:schemeClr val="dk1"/>
+                          </a:solidFill>
+                          <a:effectLst/>
+                          <a:latin typeface="+mn-lt"/>
+                          <a:ea typeface="+mn-ea"/>
+                          <a:cs typeface="+mn-cs"/>
+                        </a:rPr>
+                        <a:t> = ‘MPNN’, </a:t>
+                      </a:r>
+                    </a:p>
+                    <a:p>
+                      <a:pPr marL="0" marR="0" lvl="0" indent="0" algn="l" defTabSz="914400" rtl="0" eaLnBrk="1" fontAlgn="auto" latinLnBrk="0" hangingPunct="1">
+                        <a:lnSpc>
+                          <a:spcPct val="100000"/>
+                        </a:lnSpc>
+                        <a:spcBef>
+                          <a:spcPts val="0"/>
+                        </a:spcBef>
+                        <a:spcAft>
+                          <a:spcPts val="0"/>
+                        </a:spcAft>
+                        <a:buClrTx/>
+                        <a:buSzTx/>
+                        <a:buFontTx/>
+                        <a:buNone/>
+                        <a:tabLst/>
+                        <a:defRPr/>
+                      </a:pPr>
+                      <a:r>
+                        <a:rPr lang="en-US" sz="1000" b="0" kern="1200" dirty="0" err="1">
+                          <a:solidFill>
+                            <a:schemeClr val="dk1"/>
+                          </a:solidFill>
+                          <a:effectLst/>
+                          <a:latin typeface="+mn-lt"/>
+                          <a:ea typeface="+mn-ea"/>
+                          <a:cs typeface="+mn-cs"/>
+                        </a:rPr>
+                        <a:t>target_encoding</a:t>
+                      </a:r>
+                      <a:r>
+                        <a:rPr lang="en-US" sz="1000" b="0" kern="1200" dirty="0">
+                          <a:solidFill>
+                            <a:schemeClr val="dk1"/>
+                          </a:solidFill>
+                          <a:effectLst/>
+                          <a:latin typeface="+mn-lt"/>
+                          <a:ea typeface="+mn-ea"/>
+                          <a:cs typeface="+mn-cs"/>
+                        </a:rPr>
+                        <a:t> = 'CNN'</a:t>
+                      </a:r>
+                    </a:p>
+                    <a:p>
+                      <a:r>
+                        <a:rPr lang="en-US" sz="1000" b="0" kern="1200" dirty="0" err="1">
+                          <a:solidFill>
+                            <a:schemeClr val="dk1"/>
+                          </a:solidFill>
+                          <a:effectLst/>
+                          <a:latin typeface="+mn-lt"/>
+                          <a:ea typeface="+mn-ea"/>
+                          <a:cs typeface="+mn-cs"/>
+                        </a:rPr>
+                        <a:t>cls_hidden_dims</a:t>
+                      </a:r>
+                      <a:r>
+                        <a:rPr lang="en-US" sz="1000" b="0" kern="1200" dirty="0">
+                          <a:solidFill>
+                            <a:schemeClr val="dk1"/>
+                          </a:solidFill>
+                          <a:effectLst/>
+                          <a:latin typeface="+mn-lt"/>
+                          <a:ea typeface="+mn-ea"/>
+                          <a:cs typeface="+mn-cs"/>
+                        </a:rPr>
+                        <a:t> = [1024,1024,512], </a:t>
+                      </a:r>
+                    </a:p>
+                    <a:p>
+                      <a:r>
+                        <a:rPr lang="en-US" sz="1000" b="0" kern="1200" dirty="0" err="1">
+                          <a:solidFill>
+                            <a:schemeClr val="dk1"/>
+                          </a:solidFill>
+                          <a:effectLst/>
+                          <a:latin typeface="+mn-lt"/>
+                          <a:ea typeface="+mn-ea"/>
+                          <a:cs typeface="+mn-cs"/>
+                        </a:rPr>
+                        <a:t>train_epoch</a:t>
+                      </a:r>
+                      <a:r>
+                        <a:rPr lang="en-US" sz="1000" b="0" kern="1200" dirty="0">
+                          <a:solidFill>
+                            <a:schemeClr val="dk1"/>
+                          </a:solidFill>
+                          <a:effectLst/>
+                          <a:latin typeface="+mn-lt"/>
+                          <a:ea typeface="+mn-ea"/>
+                          <a:cs typeface="+mn-cs"/>
+                        </a:rPr>
+                        <a:t> = 1, </a:t>
+                      </a:r>
+                    </a:p>
+                    <a:p>
+                      <a:r>
+                        <a:rPr lang="en-US" sz="1000" b="0" kern="1200" dirty="0">
+                          <a:solidFill>
+                            <a:schemeClr val="dk1"/>
+                          </a:solidFill>
+                          <a:effectLst/>
+                          <a:latin typeface="+mn-lt"/>
+                          <a:ea typeface="+mn-ea"/>
+                          <a:cs typeface="+mn-cs"/>
+                        </a:rPr>
+                        <a:t>LR = 0.001,</a:t>
+                      </a:r>
+                    </a:p>
+                    <a:p>
+                      <a:r>
+                        <a:rPr lang="en-US" sz="1000" b="0" kern="1200" dirty="0" err="1">
+                          <a:solidFill>
+                            <a:schemeClr val="dk1"/>
+                          </a:solidFill>
+                          <a:effectLst/>
+                          <a:latin typeface="+mn-lt"/>
+                          <a:ea typeface="+mn-ea"/>
+                          <a:cs typeface="+mn-cs"/>
+                        </a:rPr>
+                        <a:t>batch_size</a:t>
+                      </a:r>
+                      <a:r>
+                        <a:rPr lang="en-US" sz="1000" b="0" kern="1200" dirty="0">
+                          <a:solidFill>
+                            <a:schemeClr val="dk1"/>
+                          </a:solidFill>
+                          <a:effectLst/>
+                          <a:latin typeface="+mn-lt"/>
+                          <a:ea typeface="+mn-ea"/>
+                          <a:cs typeface="+mn-cs"/>
+                        </a:rPr>
+                        <a:t> = 128,</a:t>
+                      </a:r>
+                    </a:p>
+                    <a:p>
+                      <a:r>
+                        <a:rPr lang="en-US" sz="1000" b="0" kern="1200" dirty="0" err="1">
+                          <a:solidFill>
+                            <a:schemeClr val="dk1"/>
+                          </a:solidFill>
+                          <a:effectLst/>
+                          <a:latin typeface="+mn-lt"/>
+                          <a:ea typeface="+mn-ea"/>
+                          <a:cs typeface="+mn-cs"/>
+                        </a:rPr>
+                        <a:t>hidden_dim_drug</a:t>
+                      </a:r>
+                      <a:r>
+                        <a:rPr lang="en-US" sz="1000" b="0" kern="1200" dirty="0">
+                          <a:solidFill>
+                            <a:schemeClr val="dk1"/>
+                          </a:solidFill>
+                          <a:effectLst/>
+                          <a:latin typeface="+mn-lt"/>
+                          <a:ea typeface="+mn-ea"/>
+                          <a:cs typeface="+mn-cs"/>
+                        </a:rPr>
+                        <a:t> = 128,</a:t>
+                      </a:r>
+                    </a:p>
+                    <a:p>
+                      <a:r>
+                        <a:rPr lang="en-US" sz="1000" b="0" kern="1200" dirty="0" err="1">
+                          <a:solidFill>
+                            <a:schemeClr val="dk1"/>
+                          </a:solidFill>
+                          <a:effectLst/>
+                          <a:latin typeface="+mn-lt"/>
+                          <a:ea typeface="+mn-ea"/>
+                          <a:cs typeface="+mn-cs"/>
+                        </a:rPr>
+                        <a:t>mpnn_hidden_size</a:t>
+                      </a:r>
+                      <a:r>
+                        <a:rPr lang="en-US" sz="1000" b="0" kern="1200" dirty="0">
+                          <a:solidFill>
+                            <a:schemeClr val="dk1"/>
+                          </a:solidFill>
+                          <a:effectLst/>
+                          <a:latin typeface="+mn-lt"/>
+                          <a:ea typeface="+mn-ea"/>
+                          <a:cs typeface="+mn-cs"/>
+                        </a:rPr>
+                        <a:t> = 128,</a:t>
+                      </a:r>
+                    </a:p>
+                    <a:p>
+                      <a:r>
+                        <a:rPr lang="en-US" sz="1000" b="0" kern="1200" dirty="0" err="1">
+                          <a:solidFill>
+                            <a:schemeClr val="dk1"/>
+                          </a:solidFill>
+                          <a:effectLst/>
+                          <a:latin typeface="+mn-lt"/>
+                          <a:ea typeface="+mn-ea"/>
+                          <a:cs typeface="+mn-cs"/>
+                        </a:rPr>
+                        <a:t>mpnn_depth</a:t>
+                      </a:r>
+                      <a:r>
+                        <a:rPr lang="en-US" sz="1000" b="0" kern="1200" dirty="0">
+                          <a:solidFill>
+                            <a:schemeClr val="dk1"/>
+                          </a:solidFill>
+                          <a:effectLst/>
+                          <a:latin typeface="+mn-lt"/>
+                          <a:ea typeface="+mn-ea"/>
+                          <a:cs typeface="+mn-cs"/>
+                        </a:rPr>
+                        <a:t> = 3,</a:t>
+                      </a:r>
+                    </a:p>
+                    <a:p>
+                      <a:r>
+                        <a:rPr lang="en-US" sz="1000" b="0" kern="1200" dirty="0" err="1">
+                          <a:solidFill>
+                            <a:schemeClr val="dk1"/>
+                          </a:solidFill>
+                          <a:effectLst/>
+                          <a:latin typeface="+mn-lt"/>
+                          <a:ea typeface="+mn-ea"/>
+                          <a:cs typeface="+mn-cs"/>
+                        </a:rPr>
+                        <a:t>cnn_target_filters</a:t>
+                      </a:r>
+                      <a:r>
+                        <a:rPr lang="en-US" sz="1000" b="0" kern="1200" dirty="0">
+                          <a:solidFill>
+                            <a:schemeClr val="dk1"/>
+                          </a:solidFill>
+                          <a:effectLst/>
+                          <a:latin typeface="+mn-lt"/>
+                          <a:ea typeface="+mn-ea"/>
+                          <a:cs typeface="+mn-cs"/>
+                        </a:rPr>
+                        <a:t> = [32,64,96],</a:t>
+                      </a:r>
+                    </a:p>
+                    <a:p>
+                      <a:r>
+                        <a:rPr lang="en-US" sz="1000" b="0" kern="1200" dirty="0" err="1">
+                          <a:solidFill>
+                            <a:schemeClr val="dk1"/>
+                          </a:solidFill>
+                          <a:effectLst/>
+                          <a:latin typeface="+mn-lt"/>
+                          <a:ea typeface="+mn-ea"/>
+                          <a:cs typeface="+mn-cs"/>
+                        </a:rPr>
+                        <a:t>cnn_target_kernels</a:t>
+                      </a:r>
+                      <a:r>
+                        <a:rPr lang="en-US" sz="1000" b="0" kern="1200" dirty="0">
+                          <a:solidFill>
+                            <a:schemeClr val="dk1"/>
+                          </a:solidFill>
+                          <a:effectLst/>
+                          <a:latin typeface="+mn-lt"/>
+                          <a:ea typeface="+mn-ea"/>
+                          <a:cs typeface="+mn-cs"/>
+                        </a:rPr>
+                        <a:t> = [4,8,12]</a:t>
+                      </a:r>
+                    </a:p>
+                    <a:p>
+                      <a:pPr marL="0" marR="0" lvl="0" indent="0" algn="l" defTabSz="914400" rtl="0" eaLnBrk="1" fontAlgn="auto" latinLnBrk="0" hangingPunct="1">
+                        <a:lnSpc>
+                          <a:spcPct val="100000"/>
+                        </a:lnSpc>
+                        <a:spcBef>
+                          <a:spcPts val="0"/>
+                        </a:spcBef>
+                        <a:spcAft>
+                          <a:spcPts val="0"/>
+                        </a:spcAft>
+                        <a:buClrTx/>
+                        <a:buSzTx/>
+                        <a:buFontTx/>
+                        <a:buNone/>
+                        <a:tabLst/>
+                        <a:defRPr/>
+                      </a:pPr>
+                      <a:endParaRPr lang="en-US" sz="1000" dirty="0"/>
                     </a:p>
                   </a:txBody>
                   <a:tcPr/>

--- a/articles.pptx
+++ b/articles.pptx
@@ -6,7 +6,12 @@
   </p:sldMasterIdLst>
   <p:sldIdLst>
     <p:sldId id="256" r:id="rId2"/>
-    <p:sldId id="257" r:id="rId3"/>
+    <p:sldId id="261" r:id="rId3"/>
+    <p:sldId id="262" r:id="rId4"/>
+    <p:sldId id="257" r:id="rId5"/>
+    <p:sldId id="258" r:id="rId6"/>
+    <p:sldId id="259" r:id="rId7"/>
+    <p:sldId id="260" r:id="rId8"/>
   </p:sldIdLst>
   <p:sldSz cx="12192000" cy="6858000"/>
   <p:notesSz cx="6858000" cy="9144000"/>
@@ -260,7 +265,7 @@
           <a:p>
             <a:fld id="{415D4241-0516-4243-9AE4-6000D2BA9A19}" type="datetimeFigureOut">
               <a:rPr lang="en-US" smtClean="0"/>
-              <a:t>1/30/2024</a:t>
+              <a:t>2/1/2024</a:t>
             </a:fld>
             <a:endParaRPr lang="en-US"/>
           </a:p>
@@ -458,7 +463,7 @@
           <a:p>
             <a:fld id="{415D4241-0516-4243-9AE4-6000D2BA9A19}" type="datetimeFigureOut">
               <a:rPr lang="en-US" smtClean="0"/>
-              <a:t>1/30/2024</a:t>
+              <a:t>2/1/2024</a:t>
             </a:fld>
             <a:endParaRPr lang="en-US"/>
           </a:p>
@@ -666,7 +671,7 @@
           <a:p>
             <a:fld id="{415D4241-0516-4243-9AE4-6000D2BA9A19}" type="datetimeFigureOut">
               <a:rPr lang="en-US" smtClean="0"/>
-              <a:t>1/30/2024</a:t>
+              <a:t>2/1/2024</a:t>
             </a:fld>
             <a:endParaRPr lang="en-US"/>
           </a:p>
@@ -864,7 +869,7 @@
           <a:p>
             <a:fld id="{415D4241-0516-4243-9AE4-6000D2BA9A19}" type="datetimeFigureOut">
               <a:rPr lang="en-US" smtClean="0"/>
-              <a:t>1/30/2024</a:t>
+              <a:t>2/1/2024</a:t>
             </a:fld>
             <a:endParaRPr lang="en-US"/>
           </a:p>
@@ -1139,7 +1144,7 @@
           <a:p>
             <a:fld id="{415D4241-0516-4243-9AE4-6000D2BA9A19}" type="datetimeFigureOut">
               <a:rPr lang="en-US" smtClean="0"/>
-              <a:t>1/30/2024</a:t>
+              <a:t>2/1/2024</a:t>
             </a:fld>
             <a:endParaRPr lang="en-US"/>
           </a:p>
@@ -1404,7 +1409,7 @@
           <a:p>
             <a:fld id="{415D4241-0516-4243-9AE4-6000D2BA9A19}" type="datetimeFigureOut">
               <a:rPr lang="en-US" smtClean="0"/>
-              <a:t>1/30/2024</a:t>
+              <a:t>2/1/2024</a:t>
             </a:fld>
             <a:endParaRPr lang="en-US"/>
           </a:p>
@@ -1816,7 +1821,7 @@
           <a:p>
             <a:fld id="{415D4241-0516-4243-9AE4-6000D2BA9A19}" type="datetimeFigureOut">
               <a:rPr lang="en-US" smtClean="0"/>
-              <a:t>1/30/2024</a:t>
+              <a:t>2/1/2024</a:t>
             </a:fld>
             <a:endParaRPr lang="en-US"/>
           </a:p>
@@ -1957,7 +1962,7 @@
           <a:p>
             <a:fld id="{415D4241-0516-4243-9AE4-6000D2BA9A19}" type="datetimeFigureOut">
               <a:rPr lang="en-US" smtClean="0"/>
-              <a:t>1/30/2024</a:t>
+              <a:t>2/1/2024</a:t>
             </a:fld>
             <a:endParaRPr lang="en-US"/>
           </a:p>
@@ -2070,7 +2075,7 @@
           <a:p>
             <a:fld id="{415D4241-0516-4243-9AE4-6000D2BA9A19}" type="datetimeFigureOut">
               <a:rPr lang="en-US" smtClean="0"/>
-              <a:t>1/30/2024</a:t>
+              <a:t>2/1/2024</a:t>
             </a:fld>
             <a:endParaRPr lang="en-US"/>
           </a:p>
@@ -2381,7 +2386,7 @@
           <a:p>
             <a:fld id="{415D4241-0516-4243-9AE4-6000D2BA9A19}" type="datetimeFigureOut">
               <a:rPr lang="en-US" smtClean="0"/>
-              <a:t>1/30/2024</a:t>
+              <a:t>2/1/2024</a:t>
             </a:fld>
             <a:endParaRPr lang="en-US"/>
           </a:p>
@@ -2669,7 +2674,7 @@
           <a:p>
             <a:fld id="{415D4241-0516-4243-9AE4-6000D2BA9A19}" type="datetimeFigureOut">
               <a:rPr lang="en-US" smtClean="0"/>
-              <a:t>1/30/2024</a:t>
+              <a:t>2/1/2024</a:t>
             </a:fld>
             <a:endParaRPr lang="en-US"/>
           </a:p>
@@ -2910,7 +2915,7 @@
           <a:p>
             <a:fld id="{415D4241-0516-4243-9AE4-6000D2BA9A19}" type="datetimeFigureOut">
               <a:rPr lang="en-US" smtClean="0"/>
-              <a:t>1/30/2024</a:t>
+              <a:t>2/1/2024</a:t>
             </a:fld>
             <a:endParaRPr lang="en-US"/>
           </a:p>
@@ -3415,7 +3420,7 @@
           <p:cNvPr id="2" name="Title 1">
             <a:extLst>
               <a:ext uri="{FF2B5EF4-FFF2-40B4-BE49-F238E27FC236}">
-                <a16:creationId xmlns:a16="http://schemas.microsoft.com/office/drawing/2014/main" id="{E81F7B50-9BF1-4222-91DC-15309FA2837B}"/>
+                <a16:creationId xmlns:a16="http://schemas.microsoft.com/office/drawing/2014/main" id="{2D97A0FF-3D41-47E7-B93B-D594602EA22F}"/>
               </a:ext>
             </a:extLst>
           </p:cNvPr>
@@ -3433,6 +3438,189 @@
           <a:p>
             <a:r>
               <a:rPr lang="en-US" dirty="0"/>
+              <a:t>Terms</a:t>
+            </a:r>
+          </a:p>
+        </p:txBody>
+      </p:sp>
+      <p:sp>
+        <p:nvSpPr>
+          <p:cNvPr id="3" name="Content Placeholder 2">
+            <a:extLst>
+              <a:ext uri="{FF2B5EF4-FFF2-40B4-BE49-F238E27FC236}">
+                <a16:creationId xmlns:a16="http://schemas.microsoft.com/office/drawing/2014/main" id="{EF870BB7-377E-44EA-836A-8A60CAAC3E71}"/>
+              </a:ext>
+            </a:extLst>
+          </p:cNvPr>
+          <p:cNvSpPr>
+            <a:spLocks noGrp="1"/>
+          </p:cNvSpPr>
+          <p:nvPr>
+            <p:ph idx="1"/>
+          </p:nvPr>
+        </p:nvSpPr>
+        <p:spPr/>
+        <p:txBody>
+          <a:bodyPr>
+            <a:normAutofit/>
+          </a:bodyPr>
+          <a:lstStyle/>
+          <a:p>
+            <a:r>
+              <a:rPr lang="en-US" sz="1800" dirty="0" err="1"/>
+              <a:t>Corcordance</a:t>
+            </a:r>
+            <a:r>
+              <a:rPr lang="en-US" sz="1800" dirty="0"/>
+              <a:t> index:  Measures the ability of a predictor to order subjects by estimating the proportion of correctly ordered pairs among all comparable pairs in the dataset.</a:t>
+            </a:r>
+          </a:p>
+        </p:txBody>
+      </p:sp>
+    </p:spTree>
+    <p:extLst>
+      <p:ext uri="{BB962C8B-B14F-4D97-AF65-F5344CB8AC3E}">
+        <p14:creationId xmlns:p14="http://schemas.microsoft.com/office/powerpoint/2010/main" val="581413022"/>
+      </p:ext>
+    </p:extLst>
+  </p:cSld>
+  <p:clrMapOvr>
+    <a:masterClrMapping/>
+  </p:clrMapOvr>
+</p:sld>
+</file>
+
+<file path=ppt/slides/slide3.xml><?xml version="1.0" encoding="utf-8"?>
+<p:sld xmlns:a="http://schemas.openxmlformats.org/drawingml/2006/main" xmlns:r="http://schemas.openxmlformats.org/officeDocument/2006/relationships" xmlns:p="http://schemas.openxmlformats.org/presentationml/2006/main">
+  <p:cSld>
+    <p:spTree>
+      <p:nvGrpSpPr>
+        <p:cNvPr id="1" name=""/>
+        <p:cNvGrpSpPr/>
+        <p:nvPr/>
+      </p:nvGrpSpPr>
+      <p:grpSpPr>
+        <a:xfrm>
+          <a:off x="0" y="0"/>
+          <a:ext cx="0" cy="0"/>
+          <a:chOff x="0" y="0"/>
+          <a:chExt cx="0" cy="0"/>
+        </a:xfrm>
+      </p:grpSpPr>
+      <p:sp>
+        <p:nvSpPr>
+          <p:cNvPr id="2" name="Title 1">
+            <a:extLst>
+              <a:ext uri="{FF2B5EF4-FFF2-40B4-BE49-F238E27FC236}">
+                <a16:creationId xmlns:a16="http://schemas.microsoft.com/office/drawing/2014/main" id="{D45CD144-7B57-4CDF-AD0F-9285BF21690A}"/>
+              </a:ext>
+            </a:extLst>
+          </p:cNvPr>
+          <p:cNvSpPr>
+            <a:spLocks noGrp="1"/>
+          </p:cNvSpPr>
+          <p:nvPr>
+            <p:ph type="title"/>
+          </p:nvPr>
+        </p:nvSpPr>
+        <p:spPr/>
+        <p:txBody>
+          <a:bodyPr/>
+          <a:lstStyle/>
+          <a:p>
+            <a:r>
+              <a:rPr lang="en-US" dirty="0"/>
+              <a:t>FAQ</a:t>
+            </a:r>
+          </a:p>
+        </p:txBody>
+      </p:sp>
+      <p:sp>
+        <p:nvSpPr>
+          <p:cNvPr id="3" name="Content Placeholder 2">
+            <a:extLst>
+              <a:ext uri="{FF2B5EF4-FFF2-40B4-BE49-F238E27FC236}">
+                <a16:creationId xmlns:a16="http://schemas.microsoft.com/office/drawing/2014/main" id="{16FE1401-77E3-4234-9851-9930C479DF1E}"/>
+              </a:ext>
+            </a:extLst>
+          </p:cNvPr>
+          <p:cNvSpPr>
+            <a:spLocks noGrp="1"/>
+          </p:cNvSpPr>
+          <p:nvPr>
+            <p:ph idx="1"/>
+          </p:nvPr>
+        </p:nvSpPr>
+        <p:spPr/>
+        <p:txBody>
+          <a:bodyPr>
+            <a:normAutofit/>
+          </a:bodyPr>
+          <a:lstStyle/>
+          <a:p>
+            <a:pPr marL="0" indent="0">
+              <a:buNone/>
+            </a:pPr>
+            <a:r>
+              <a:rPr lang="en-US" sz="1800" dirty="0"/>
+              <a:t>1. Why particularly these papers?</a:t>
+            </a:r>
+          </a:p>
+        </p:txBody>
+      </p:sp>
+    </p:spTree>
+    <p:extLst>
+      <p:ext uri="{BB962C8B-B14F-4D97-AF65-F5344CB8AC3E}">
+        <p14:creationId xmlns:p14="http://schemas.microsoft.com/office/powerpoint/2010/main" val="3765484933"/>
+      </p:ext>
+    </p:extLst>
+  </p:cSld>
+  <p:clrMapOvr>
+    <a:masterClrMapping/>
+  </p:clrMapOvr>
+</p:sld>
+</file>
+
+<file path=ppt/slides/slide4.xml><?xml version="1.0" encoding="utf-8"?>
+<p:sld xmlns:a="http://schemas.openxmlformats.org/drawingml/2006/main" xmlns:r="http://schemas.openxmlformats.org/officeDocument/2006/relationships" xmlns:p="http://schemas.openxmlformats.org/presentationml/2006/main">
+  <p:cSld>
+    <p:spTree>
+      <p:nvGrpSpPr>
+        <p:cNvPr id="1" name=""/>
+        <p:cNvGrpSpPr/>
+        <p:nvPr/>
+      </p:nvGrpSpPr>
+      <p:grpSpPr>
+        <a:xfrm>
+          <a:off x="0" y="0"/>
+          <a:ext cx="0" cy="0"/>
+          <a:chOff x="0" y="0"/>
+          <a:chExt cx="0" cy="0"/>
+        </a:xfrm>
+      </p:grpSpPr>
+      <p:sp>
+        <p:nvSpPr>
+          <p:cNvPr id="2" name="Title 1">
+            <a:extLst>
+              <a:ext uri="{FF2B5EF4-FFF2-40B4-BE49-F238E27FC236}">
+                <a16:creationId xmlns:a16="http://schemas.microsoft.com/office/drawing/2014/main" id="{E81F7B50-9BF1-4222-91DC-15309FA2837B}"/>
+              </a:ext>
+            </a:extLst>
+          </p:cNvPr>
+          <p:cNvSpPr>
+            <a:spLocks noGrp="1"/>
+          </p:cNvSpPr>
+          <p:nvPr>
+            <p:ph type="title"/>
+          </p:nvPr>
+        </p:nvSpPr>
+        <p:spPr/>
+        <p:txBody>
+          <a:bodyPr/>
+          <a:lstStyle/>
+          <a:p>
+            <a:r>
+              <a:rPr lang="en-US" dirty="0"/>
               <a:t>Task – DTI Prediction</a:t>
             </a:r>
           </a:p>
@@ -3454,14 +3642,1075 @@
             <p:ph idx="1"/>
             <p:extLst>
               <p:ext uri="{D42A27DB-BD31-4B8C-83A1-F6EECF244321}">
-                <p14:modId xmlns:p14="http://schemas.microsoft.com/office/powerpoint/2010/main" val="1957648535"/>
+                <p14:modId xmlns:p14="http://schemas.microsoft.com/office/powerpoint/2010/main" val="3319252824"/>
               </p:ext>
             </p:extLst>
           </p:nvPr>
         </p:nvGraphicFramePr>
         <p:xfrm>
           <a:off x="838200" y="1825625"/>
-          <a:ext cx="10515596" cy="3931920"/>
+          <a:ext cx="10515595" cy="4467418"/>
+        </p:xfrm>
+        <a:graphic>
+          <a:graphicData uri="http://schemas.openxmlformats.org/drawingml/2006/table">
+            <a:tbl>
+              <a:tblPr firstRow="1" bandRow="1">
+                <a:tableStyleId>{5C22544A-7EE6-4342-B048-85BDC9FD1C3A}</a:tableStyleId>
+              </a:tblPr>
+              <a:tblGrid>
+                <a:gridCol w="1339921">
+                  <a:extLst>
+                    <a:ext uri="{9D8B030D-6E8A-4147-A177-3AD203B41FA5}">
+                      <a16:colId xmlns:a16="http://schemas.microsoft.com/office/drawing/2014/main" val="1032559416"/>
+                    </a:ext>
+                  </a:extLst>
+                </a:gridCol>
+                <a:gridCol w="626724">
+                  <a:extLst>
+                    <a:ext uri="{9D8B030D-6E8A-4147-A177-3AD203B41FA5}">
+                      <a16:colId xmlns:a16="http://schemas.microsoft.com/office/drawing/2014/main" val="1254089605"/>
+                    </a:ext>
+                  </a:extLst>
+                </a:gridCol>
+                <a:gridCol w="1469204">
+                  <a:extLst>
+                    <a:ext uri="{9D8B030D-6E8A-4147-A177-3AD203B41FA5}">
+                      <a16:colId xmlns:a16="http://schemas.microsoft.com/office/drawing/2014/main" val="3352502958"/>
+                    </a:ext>
+                  </a:extLst>
+                </a:gridCol>
+                <a:gridCol w="4726113">
+                  <a:extLst>
+                    <a:ext uri="{9D8B030D-6E8A-4147-A177-3AD203B41FA5}">
+                      <a16:colId xmlns:a16="http://schemas.microsoft.com/office/drawing/2014/main" val="3646178479"/>
+                    </a:ext>
+                  </a:extLst>
+                </a:gridCol>
+                <a:gridCol w="2353633">
+                  <a:extLst>
+                    <a:ext uri="{9D8B030D-6E8A-4147-A177-3AD203B41FA5}">
+                      <a16:colId xmlns:a16="http://schemas.microsoft.com/office/drawing/2014/main" val="1207384894"/>
+                    </a:ext>
+                  </a:extLst>
+                </a:gridCol>
+              </a:tblGrid>
+              <a:tr h="712092">
+                <a:tc>
+                  <a:txBody>
+                    <a:bodyPr/>
+                    <a:lstStyle/>
+                    <a:p>
+                      <a:r>
+                        <a:rPr lang="en-US" sz="1000" dirty="0"/>
+                        <a:t>Model</a:t>
+                      </a:r>
+                    </a:p>
+                  </a:txBody>
+                  <a:tcPr/>
+                </a:tc>
+                <a:tc>
+                  <a:txBody>
+                    <a:bodyPr/>
+                    <a:lstStyle/>
+                    <a:p>
+                      <a:r>
+                        <a:rPr lang="en-US" sz="1000" dirty="0"/>
+                        <a:t>Dataset</a:t>
+                      </a:r>
+                    </a:p>
+                  </a:txBody>
+                  <a:tcPr/>
+                </a:tc>
+                <a:tc>
+                  <a:txBody>
+                    <a:bodyPr/>
+                    <a:lstStyle/>
+                    <a:p>
+                      <a:r>
+                        <a:rPr lang="en-US" sz="1000" dirty="0"/>
+                        <a:t>Encodings – drug, target</a:t>
+                      </a:r>
+                    </a:p>
+                  </a:txBody>
+                  <a:tcPr/>
+                </a:tc>
+                <a:tc>
+                  <a:txBody>
+                    <a:bodyPr/>
+                    <a:lstStyle/>
+                    <a:p>
+                      <a:r>
+                        <a:rPr lang="en-US" sz="1000" dirty="0"/>
+                        <a:t>Evaluation Metrics {</a:t>
+                      </a:r>
+                      <a:r>
+                        <a:rPr lang="en-US" sz="1000" b="0" i="0" kern="1200" dirty="0">
+                          <a:solidFill>
+                            <a:schemeClr val="lt1"/>
+                          </a:solidFill>
+                          <a:effectLst/>
+                          <a:latin typeface="+mn-lt"/>
+                          <a:ea typeface="+mn-ea"/>
+                          <a:cs typeface="+mn-cs"/>
+                        </a:rPr>
+                        <a:t>ROC-AUC, PR-AUC, F1 for binary task, MSE, R-squared, C-Index</a:t>
+                      </a:r>
+                      <a:r>
+                        <a:rPr lang="en-US" sz="1000" dirty="0"/>
+                        <a:t>}</a:t>
+                      </a:r>
+                    </a:p>
+                  </a:txBody>
+                  <a:tcPr/>
+                </a:tc>
+                <a:tc>
+                  <a:txBody>
+                    <a:bodyPr/>
+                    <a:lstStyle/>
+                    <a:p>
+                      <a:r>
+                        <a:rPr lang="en-US" sz="1000" dirty="0"/>
+                        <a:t>Configuration</a:t>
+                      </a:r>
+                    </a:p>
+                  </a:txBody>
+                  <a:tcPr/>
+                </a:tc>
+                <a:extLst>
+                  <a:ext uri="{0D108BD9-81ED-4DB2-BD59-A6C34878D82A}">
+                    <a16:rowId xmlns:a16="http://schemas.microsoft.com/office/drawing/2014/main" val="1167944617"/>
+                  </a:ext>
+                </a:extLst>
+              </a:tr>
+              <a:tr h="1835086">
+                <a:tc rowSpan="2">
+                  <a:txBody>
+                    <a:bodyPr/>
+                    <a:lstStyle/>
+                    <a:p>
+                      <a:r>
+                        <a:rPr lang="en-US" sz="1000" dirty="0" err="1"/>
+                        <a:t>DeepPurpose</a:t>
+                      </a:r>
+                      <a:endParaRPr lang="en-US" sz="1000" dirty="0"/>
+                    </a:p>
+                  </a:txBody>
+                  <a:tcPr/>
+                </a:tc>
+                <a:tc>
+                  <a:txBody>
+                    <a:bodyPr/>
+                    <a:lstStyle/>
+                    <a:p>
+                      <a:r>
+                        <a:rPr lang="en-US" sz="1000" dirty="0"/>
+                        <a:t>KIBA</a:t>
+                      </a:r>
+                    </a:p>
+                  </a:txBody>
+                  <a:tcPr/>
+                </a:tc>
+                <a:tc>
+                  <a:txBody>
+                    <a:bodyPr/>
+                    <a:lstStyle/>
+                    <a:p>
+                      <a:r>
+                        <a:rPr lang="en-US" sz="1000" dirty="0"/>
+                        <a:t>‘MPNN’, ‘CNN’</a:t>
+                      </a:r>
+                    </a:p>
+                  </a:txBody>
+                  <a:tcPr/>
+                </a:tc>
+                <a:tc>
+                  <a:txBody>
+                    <a:bodyPr/>
+                    <a:lstStyle/>
+                    <a:p>
+                      <a:pPr marL="0" marR="0" lvl="0" indent="0" algn="l" defTabSz="914400" rtl="0" eaLnBrk="1" fontAlgn="auto" latinLnBrk="0" hangingPunct="1">
+                        <a:lnSpc>
+                          <a:spcPct val="100000"/>
+                        </a:lnSpc>
+                        <a:spcBef>
+                          <a:spcPts val="0"/>
+                        </a:spcBef>
+                        <a:spcAft>
+                          <a:spcPts val="0"/>
+                        </a:spcAft>
+                        <a:buClrTx/>
+                        <a:buSzTx/>
+                        <a:buFontTx/>
+                        <a:buNone/>
+                        <a:tabLst/>
+                        <a:defRPr/>
+                      </a:pPr>
+                      <a:r>
+                        <a:rPr lang="en-US" sz="1000" dirty="0"/>
+                        <a:t>{_,_,_, 0.6161,_, 0.6736}</a:t>
+                      </a:r>
+                    </a:p>
+                  </a:txBody>
+                  <a:tcPr/>
+                </a:tc>
+                <a:tc>
+                  <a:txBody>
+                    <a:bodyPr/>
+                    <a:lstStyle/>
+                    <a:p>
+                      <a:pPr marL="0" marR="0" lvl="0" indent="0" algn="l" defTabSz="914400" rtl="0" eaLnBrk="1" fontAlgn="auto" latinLnBrk="0" hangingPunct="1">
+                        <a:lnSpc>
+                          <a:spcPct val="100000"/>
+                        </a:lnSpc>
+                        <a:spcBef>
+                          <a:spcPts val="0"/>
+                        </a:spcBef>
+                        <a:spcAft>
+                          <a:spcPts val="0"/>
+                        </a:spcAft>
+                        <a:buClrTx/>
+                        <a:buSzTx/>
+                        <a:buFontTx/>
+                        <a:buNone/>
+                        <a:tabLst/>
+                        <a:defRPr/>
+                      </a:pPr>
+                      <a:r>
+                        <a:rPr lang="en-US" sz="1000" b="0" kern="1200" dirty="0" err="1">
+                          <a:solidFill>
+                            <a:schemeClr val="dk1"/>
+                          </a:solidFill>
+                          <a:effectLst/>
+                          <a:latin typeface="+mn-lt"/>
+                          <a:ea typeface="+mn-ea"/>
+                          <a:cs typeface="+mn-cs"/>
+                        </a:rPr>
+                        <a:t>drug_encoding</a:t>
+                      </a:r>
+                      <a:r>
+                        <a:rPr lang="en-US" sz="1000" b="0" kern="1200" dirty="0">
+                          <a:solidFill>
+                            <a:schemeClr val="dk1"/>
+                          </a:solidFill>
+                          <a:effectLst/>
+                          <a:latin typeface="+mn-lt"/>
+                          <a:ea typeface="+mn-ea"/>
+                          <a:cs typeface="+mn-cs"/>
+                        </a:rPr>
+                        <a:t> = ‘MPNN’, </a:t>
+                      </a:r>
+                    </a:p>
+                    <a:p>
+                      <a:pPr marL="0" marR="0" lvl="0" indent="0" algn="l" defTabSz="914400" rtl="0" eaLnBrk="1" fontAlgn="auto" latinLnBrk="0" hangingPunct="1">
+                        <a:lnSpc>
+                          <a:spcPct val="100000"/>
+                        </a:lnSpc>
+                        <a:spcBef>
+                          <a:spcPts val="0"/>
+                        </a:spcBef>
+                        <a:spcAft>
+                          <a:spcPts val="0"/>
+                        </a:spcAft>
+                        <a:buClrTx/>
+                        <a:buSzTx/>
+                        <a:buFontTx/>
+                        <a:buNone/>
+                        <a:tabLst/>
+                        <a:defRPr/>
+                      </a:pPr>
+                      <a:r>
+                        <a:rPr lang="en-US" sz="1000" b="0" kern="1200" dirty="0" err="1">
+                          <a:solidFill>
+                            <a:schemeClr val="dk1"/>
+                          </a:solidFill>
+                          <a:effectLst/>
+                          <a:latin typeface="+mn-lt"/>
+                          <a:ea typeface="+mn-ea"/>
+                          <a:cs typeface="+mn-cs"/>
+                        </a:rPr>
+                        <a:t>target_encoding</a:t>
+                      </a:r>
+                      <a:r>
+                        <a:rPr lang="en-US" sz="1000" b="0" kern="1200" dirty="0">
+                          <a:solidFill>
+                            <a:schemeClr val="dk1"/>
+                          </a:solidFill>
+                          <a:effectLst/>
+                          <a:latin typeface="+mn-lt"/>
+                          <a:ea typeface="+mn-ea"/>
+                          <a:cs typeface="+mn-cs"/>
+                        </a:rPr>
+                        <a:t> = 'CNN'</a:t>
+                      </a:r>
+                    </a:p>
+                    <a:p>
+                      <a:r>
+                        <a:rPr lang="en-US" sz="1000" b="0" kern="1200" dirty="0" err="1">
+                          <a:solidFill>
+                            <a:schemeClr val="dk1"/>
+                          </a:solidFill>
+                          <a:effectLst/>
+                          <a:latin typeface="+mn-lt"/>
+                          <a:ea typeface="+mn-ea"/>
+                          <a:cs typeface="+mn-cs"/>
+                        </a:rPr>
+                        <a:t>cls_hidden_dims</a:t>
+                      </a:r>
+                      <a:r>
+                        <a:rPr lang="en-US" sz="1000" b="0" kern="1200" dirty="0">
+                          <a:solidFill>
+                            <a:schemeClr val="dk1"/>
+                          </a:solidFill>
+                          <a:effectLst/>
+                          <a:latin typeface="+mn-lt"/>
+                          <a:ea typeface="+mn-ea"/>
+                          <a:cs typeface="+mn-cs"/>
+                        </a:rPr>
+                        <a:t> = [1024,1024,512], </a:t>
+                      </a:r>
+                    </a:p>
+                    <a:p>
+                      <a:r>
+                        <a:rPr lang="en-US" sz="1000" b="0" kern="1200" dirty="0" err="1">
+                          <a:solidFill>
+                            <a:schemeClr val="dk1"/>
+                          </a:solidFill>
+                          <a:effectLst/>
+                          <a:latin typeface="+mn-lt"/>
+                          <a:ea typeface="+mn-ea"/>
+                          <a:cs typeface="+mn-cs"/>
+                        </a:rPr>
+                        <a:t>train_epoch</a:t>
+                      </a:r>
+                      <a:r>
+                        <a:rPr lang="en-US" sz="1000" b="0" kern="1200" dirty="0">
+                          <a:solidFill>
+                            <a:schemeClr val="dk1"/>
+                          </a:solidFill>
+                          <a:effectLst/>
+                          <a:latin typeface="+mn-lt"/>
+                          <a:ea typeface="+mn-ea"/>
+                          <a:cs typeface="+mn-cs"/>
+                        </a:rPr>
+                        <a:t> = 5, </a:t>
+                      </a:r>
+                    </a:p>
+                    <a:p>
+                      <a:r>
+                        <a:rPr lang="en-US" sz="1000" b="0" kern="1200" dirty="0">
+                          <a:solidFill>
+                            <a:schemeClr val="dk1"/>
+                          </a:solidFill>
+                          <a:effectLst/>
+                          <a:latin typeface="+mn-lt"/>
+                          <a:ea typeface="+mn-ea"/>
+                          <a:cs typeface="+mn-cs"/>
+                        </a:rPr>
+                        <a:t>LR = 0.001,</a:t>
+                      </a:r>
+                    </a:p>
+                    <a:p>
+                      <a:r>
+                        <a:rPr lang="en-US" sz="1000" b="0" kern="1200" dirty="0" err="1">
+                          <a:solidFill>
+                            <a:schemeClr val="dk1"/>
+                          </a:solidFill>
+                          <a:effectLst/>
+                          <a:latin typeface="+mn-lt"/>
+                          <a:ea typeface="+mn-ea"/>
+                          <a:cs typeface="+mn-cs"/>
+                        </a:rPr>
+                        <a:t>batch_size</a:t>
+                      </a:r>
+                      <a:r>
+                        <a:rPr lang="en-US" sz="1000" b="0" kern="1200" dirty="0">
+                          <a:solidFill>
+                            <a:schemeClr val="dk1"/>
+                          </a:solidFill>
+                          <a:effectLst/>
+                          <a:latin typeface="+mn-lt"/>
+                          <a:ea typeface="+mn-ea"/>
+                          <a:cs typeface="+mn-cs"/>
+                        </a:rPr>
+                        <a:t> = 128,</a:t>
+                      </a:r>
+                    </a:p>
+                    <a:p>
+                      <a:r>
+                        <a:rPr lang="en-US" sz="1000" b="0" kern="1200" dirty="0" err="1">
+                          <a:solidFill>
+                            <a:schemeClr val="dk1"/>
+                          </a:solidFill>
+                          <a:effectLst/>
+                          <a:latin typeface="+mn-lt"/>
+                          <a:ea typeface="+mn-ea"/>
+                          <a:cs typeface="+mn-cs"/>
+                        </a:rPr>
+                        <a:t>hidden_dim_drug</a:t>
+                      </a:r>
+                      <a:r>
+                        <a:rPr lang="en-US" sz="1000" b="0" kern="1200" dirty="0">
+                          <a:solidFill>
+                            <a:schemeClr val="dk1"/>
+                          </a:solidFill>
+                          <a:effectLst/>
+                          <a:latin typeface="+mn-lt"/>
+                          <a:ea typeface="+mn-ea"/>
+                          <a:cs typeface="+mn-cs"/>
+                        </a:rPr>
+                        <a:t> = 128,</a:t>
+                      </a:r>
+                    </a:p>
+                    <a:p>
+                      <a:r>
+                        <a:rPr lang="en-US" sz="1000" b="0" kern="1200" dirty="0" err="1">
+                          <a:solidFill>
+                            <a:schemeClr val="dk1"/>
+                          </a:solidFill>
+                          <a:effectLst/>
+                          <a:latin typeface="+mn-lt"/>
+                          <a:ea typeface="+mn-ea"/>
+                          <a:cs typeface="+mn-cs"/>
+                        </a:rPr>
+                        <a:t>mpnn_hidden_size</a:t>
+                      </a:r>
+                      <a:r>
+                        <a:rPr lang="en-US" sz="1000" b="0" kern="1200" dirty="0">
+                          <a:solidFill>
+                            <a:schemeClr val="dk1"/>
+                          </a:solidFill>
+                          <a:effectLst/>
+                          <a:latin typeface="+mn-lt"/>
+                          <a:ea typeface="+mn-ea"/>
+                          <a:cs typeface="+mn-cs"/>
+                        </a:rPr>
+                        <a:t> = 128,</a:t>
+                      </a:r>
+                    </a:p>
+                    <a:p>
+                      <a:r>
+                        <a:rPr lang="en-US" sz="1000" b="0" kern="1200" dirty="0" err="1">
+                          <a:solidFill>
+                            <a:schemeClr val="dk1"/>
+                          </a:solidFill>
+                          <a:effectLst/>
+                          <a:latin typeface="+mn-lt"/>
+                          <a:ea typeface="+mn-ea"/>
+                          <a:cs typeface="+mn-cs"/>
+                        </a:rPr>
+                        <a:t>mpnn_depth</a:t>
+                      </a:r>
+                      <a:r>
+                        <a:rPr lang="en-US" sz="1000" b="0" kern="1200" dirty="0">
+                          <a:solidFill>
+                            <a:schemeClr val="dk1"/>
+                          </a:solidFill>
+                          <a:effectLst/>
+                          <a:latin typeface="+mn-lt"/>
+                          <a:ea typeface="+mn-ea"/>
+                          <a:cs typeface="+mn-cs"/>
+                        </a:rPr>
+                        <a:t> = 3,</a:t>
+                      </a:r>
+                    </a:p>
+                    <a:p>
+                      <a:r>
+                        <a:rPr lang="en-US" sz="1000" b="0" kern="1200" dirty="0" err="1">
+                          <a:solidFill>
+                            <a:schemeClr val="dk1"/>
+                          </a:solidFill>
+                          <a:effectLst/>
+                          <a:latin typeface="+mn-lt"/>
+                          <a:ea typeface="+mn-ea"/>
+                          <a:cs typeface="+mn-cs"/>
+                        </a:rPr>
+                        <a:t>cnn_target_filters</a:t>
+                      </a:r>
+                      <a:r>
+                        <a:rPr lang="en-US" sz="1000" b="0" kern="1200" dirty="0">
+                          <a:solidFill>
+                            <a:schemeClr val="dk1"/>
+                          </a:solidFill>
+                          <a:effectLst/>
+                          <a:latin typeface="+mn-lt"/>
+                          <a:ea typeface="+mn-ea"/>
+                          <a:cs typeface="+mn-cs"/>
+                        </a:rPr>
+                        <a:t> = [32,64,96],</a:t>
+                      </a:r>
+                    </a:p>
+                    <a:p>
+                      <a:r>
+                        <a:rPr lang="en-US" sz="1000" b="0" kern="1200" dirty="0" err="1">
+                          <a:solidFill>
+                            <a:schemeClr val="dk1"/>
+                          </a:solidFill>
+                          <a:effectLst/>
+                          <a:latin typeface="+mn-lt"/>
+                          <a:ea typeface="+mn-ea"/>
+                          <a:cs typeface="+mn-cs"/>
+                        </a:rPr>
+                        <a:t>cnn_target_kernels</a:t>
+                      </a:r>
+                      <a:r>
+                        <a:rPr lang="en-US" sz="1000" b="0" kern="1200" dirty="0">
+                          <a:solidFill>
+                            <a:schemeClr val="dk1"/>
+                          </a:solidFill>
+                          <a:effectLst/>
+                          <a:latin typeface="+mn-lt"/>
+                          <a:ea typeface="+mn-ea"/>
+                          <a:cs typeface="+mn-cs"/>
+                        </a:rPr>
+                        <a:t> = [4,8,12]</a:t>
+                      </a:r>
+                    </a:p>
+                  </a:txBody>
+                  <a:tcPr/>
+                </a:tc>
+                <a:extLst>
+                  <a:ext uri="{0D108BD9-81ED-4DB2-BD59-A6C34878D82A}">
+                    <a16:rowId xmlns:a16="http://schemas.microsoft.com/office/drawing/2014/main" val="2810766602"/>
+                  </a:ext>
+                </a:extLst>
+              </a:tr>
+              <a:tr h="1835086">
+                <a:tc vMerge="1">
+                  <a:txBody>
+                    <a:bodyPr/>
+                    <a:lstStyle/>
+                    <a:p>
+                      <a:endParaRPr lang="en-US"/>
+                    </a:p>
+                  </a:txBody>
+                  <a:tcPr/>
+                </a:tc>
+                <a:tc>
+                  <a:txBody>
+                    <a:bodyPr/>
+                    <a:lstStyle/>
+                    <a:p>
+                      <a:r>
+                        <a:rPr lang="en-US" sz="1000" dirty="0"/>
+                        <a:t>DAVIS</a:t>
+                      </a:r>
+                    </a:p>
+                  </a:txBody>
+                  <a:tcPr/>
+                </a:tc>
+                <a:tc>
+                  <a:txBody>
+                    <a:bodyPr/>
+                    <a:lstStyle/>
+                    <a:p>
+                      <a:r>
+                        <a:rPr lang="en-US" sz="1000" dirty="0"/>
+                        <a:t>‘MPNN’, ‘CNN’</a:t>
+                      </a:r>
+                    </a:p>
+                  </a:txBody>
+                  <a:tcPr/>
+                </a:tc>
+                <a:tc>
+                  <a:txBody>
+                    <a:bodyPr/>
+                    <a:lstStyle/>
+                    <a:p>
+                      <a:pPr marL="0" marR="0" lvl="0" indent="0" algn="l" defTabSz="914400" rtl="0" eaLnBrk="1" fontAlgn="auto" latinLnBrk="0" hangingPunct="1">
+                        <a:lnSpc>
+                          <a:spcPct val="100000"/>
+                        </a:lnSpc>
+                        <a:spcBef>
+                          <a:spcPts val="0"/>
+                        </a:spcBef>
+                        <a:spcAft>
+                          <a:spcPts val="0"/>
+                        </a:spcAft>
+                        <a:buClrTx/>
+                        <a:buSzTx/>
+                        <a:buFontTx/>
+                        <a:buNone/>
+                        <a:tabLst/>
+                        <a:defRPr/>
+                      </a:pPr>
+                      <a:r>
+                        <a:rPr lang="en-US" sz="1000" dirty="0"/>
+                        <a:t>{_,_,_,</a:t>
+                      </a:r>
+                      <a:r>
+                        <a:rPr lang="en-US" sz="1000" b="0" i="0" kern="1200" dirty="0">
+                          <a:solidFill>
+                            <a:schemeClr val="tx1"/>
+                          </a:solidFill>
+                          <a:effectLst/>
+                          <a:latin typeface="+mn-lt"/>
+                          <a:ea typeface="+mn-ea"/>
+                          <a:cs typeface="+mn-cs"/>
+                        </a:rPr>
+                        <a:t> 0.7337</a:t>
+                      </a:r>
+                      <a:r>
+                        <a:rPr lang="en-US" sz="1000" dirty="0"/>
+                        <a:t>,_,</a:t>
+                      </a:r>
+                      <a:r>
+                        <a:rPr lang="en-US" sz="1000" b="0" i="0" kern="1200" dirty="0">
+                          <a:solidFill>
+                            <a:schemeClr val="tx1"/>
+                          </a:solidFill>
+                          <a:effectLst/>
+                          <a:latin typeface="+mn-lt"/>
+                          <a:ea typeface="+mn-ea"/>
+                          <a:cs typeface="+mn-cs"/>
+                        </a:rPr>
+                        <a:t> 0.7245</a:t>
+                      </a:r>
+                      <a:r>
+                        <a:rPr lang="en-US" sz="1000" dirty="0"/>
+                        <a:t>}</a:t>
+                      </a:r>
+                    </a:p>
+                    <a:p>
+                      <a:pPr marL="0" marR="0" lvl="0" indent="0" algn="l" defTabSz="914400" rtl="0" eaLnBrk="1" fontAlgn="auto" latinLnBrk="0" hangingPunct="1">
+                        <a:lnSpc>
+                          <a:spcPct val="100000"/>
+                        </a:lnSpc>
+                        <a:spcBef>
+                          <a:spcPts val="0"/>
+                        </a:spcBef>
+                        <a:spcAft>
+                          <a:spcPts val="0"/>
+                        </a:spcAft>
+                        <a:buClrTx/>
+                        <a:buSzTx/>
+                        <a:buFontTx/>
+                        <a:buNone/>
+                        <a:tabLst/>
+                        <a:defRPr/>
+                      </a:pPr>
+                      <a:endParaRPr lang="en-US" sz="1000" dirty="0"/>
+                    </a:p>
+                  </a:txBody>
+                  <a:tcPr/>
+                </a:tc>
+                <a:tc>
+                  <a:txBody>
+                    <a:bodyPr/>
+                    <a:lstStyle/>
+                    <a:p>
+                      <a:pPr marL="0" marR="0" lvl="0" indent="0" algn="l" defTabSz="914400" rtl="0" eaLnBrk="1" fontAlgn="auto" latinLnBrk="0" hangingPunct="1">
+                        <a:lnSpc>
+                          <a:spcPct val="100000"/>
+                        </a:lnSpc>
+                        <a:spcBef>
+                          <a:spcPts val="0"/>
+                        </a:spcBef>
+                        <a:spcAft>
+                          <a:spcPts val="0"/>
+                        </a:spcAft>
+                        <a:buClrTx/>
+                        <a:buSzTx/>
+                        <a:buFontTx/>
+                        <a:buNone/>
+                        <a:tabLst/>
+                        <a:defRPr/>
+                      </a:pPr>
+                      <a:r>
+                        <a:rPr lang="en-US" sz="1000" b="0" kern="1200" dirty="0" err="1">
+                          <a:solidFill>
+                            <a:schemeClr val="dk1"/>
+                          </a:solidFill>
+                          <a:effectLst/>
+                          <a:latin typeface="+mn-lt"/>
+                          <a:ea typeface="+mn-ea"/>
+                          <a:cs typeface="+mn-cs"/>
+                        </a:rPr>
+                        <a:t>drug_encoding</a:t>
+                      </a:r>
+                      <a:r>
+                        <a:rPr lang="en-US" sz="1000" b="0" kern="1200" dirty="0">
+                          <a:solidFill>
+                            <a:schemeClr val="dk1"/>
+                          </a:solidFill>
+                          <a:effectLst/>
+                          <a:latin typeface="+mn-lt"/>
+                          <a:ea typeface="+mn-ea"/>
+                          <a:cs typeface="+mn-cs"/>
+                        </a:rPr>
+                        <a:t> = ‘MPNN’, </a:t>
+                      </a:r>
+                    </a:p>
+                    <a:p>
+                      <a:pPr marL="0" marR="0" lvl="0" indent="0" algn="l" defTabSz="914400" rtl="0" eaLnBrk="1" fontAlgn="auto" latinLnBrk="0" hangingPunct="1">
+                        <a:lnSpc>
+                          <a:spcPct val="100000"/>
+                        </a:lnSpc>
+                        <a:spcBef>
+                          <a:spcPts val="0"/>
+                        </a:spcBef>
+                        <a:spcAft>
+                          <a:spcPts val="0"/>
+                        </a:spcAft>
+                        <a:buClrTx/>
+                        <a:buSzTx/>
+                        <a:buFontTx/>
+                        <a:buNone/>
+                        <a:tabLst/>
+                        <a:defRPr/>
+                      </a:pPr>
+                      <a:r>
+                        <a:rPr lang="en-US" sz="1000" b="0" kern="1200" dirty="0" err="1">
+                          <a:solidFill>
+                            <a:schemeClr val="dk1"/>
+                          </a:solidFill>
+                          <a:effectLst/>
+                          <a:latin typeface="+mn-lt"/>
+                          <a:ea typeface="+mn-ea"/>
+                          <a:cs typeface="+mn-cs"/>
+                        </a:rPr>
+                        <a:t>target_encoding</a:t>
+                      </a:r>
+                      <a:r>
+                        <a:rPr lang="en-US" sz="1000" b="0" kern="1200" dirty="0">
+                          <a:solidFill>
+                            <a:schemeClr val="dk1"/>
+                          </a:solidFill>
+                          <a:effectLst/>
+                          <a:latin typeface="+mn-lt"/>
+                          <a:ea typeface="+mn-ea"/>
+                          <a:cs typeface="+mn-cs"/>
+                        </a:rPr>
+                        <a:t> = 'CNN'</a:t>
+                      </a:r>
+                    </a:p>
+                    <a:p>
+                      <a:r>
+                        <a:rPr lang="en-US" sz="1000" b="0" kern="1200" dirty="0" err="1">
+                          <a:solidFill>
+                            <a:schemeClr val="dk1"/>
+                          </a:solidFill>
+                          <a:effectLst/>
+                          <a:latin typeface="+mn-lt"/>
+                          <a:ea typeface="+mn-ea"/>
+                          <a:cs typeface="+mn-cs"/>
+                        </a:rPr>
+                        <a:t>cls_hidden_dims</a:t>
+                      </a:r>
+                      <a:r>
+                        <a:rPr lang="en-US" sz="1000" b="0" kern="1200" dirty="0">
+                          <a:solidFill>
+                            <a:schemeClr val="dk1"/>
+                          </a:solidFill>
+                          <a:effectLst/>
+                          <a:latin typeface="+mn-lt"/>
+                          <a:ea typeface="+mn-ea"/>
+                          <a:cs typeface="+mn-cs"/>
+                        </a:rPr>
+                        <a:t> = [1024,1024,512], </a:t>
+                      </a:r>
+                    </a:p>
+                    <a:p>
+                      <a:r>
+                        <a:rPr lang="en-US" sz="1000" b="0" kern="1200" dirty="0" err="1">
+                          <a:solidFill>
+                            <a:schemeClr val="dk1"/>
+                          </a:solidFill>
+                          <a:effectLst/>
+                          <a:latin typeface="+mn-lt"/>
+                          <a:ea typeface="+mn-ea"/>
+                          <a:cs typeface="+mn-cs"/>
+                        </a:rPr>
+                        <a:t>train_epoch</a:t>
+                      </a:r>
+                      <a:r>
+                        <a:rPr lang="en-US" sz="1000" b="0" kern="1200" dirty="0">
+                          <a:solidFill>
+                            <a:schemeClr val="dk1"/>
+                          </a:solidFill>
+                          <a:effectLst/>
+                          <a:latin typeface="+mn-lt"/>
+                          <a:ea typeface="+mn-ea"/>
+                          <a:cs typeface="+mn-cs"/>
+                        </a:rPr>
+                        <a:t> = 5, </a:t>
+                      </a:r>
+                    </a:p>
+                    <a:p>
+                      <a:r>
+                        <a:rPr lang="en-US" sz="1000" b="0" kern="1200" dirty="0">
+                          <a:solidFill>
+                            <a:schemeClr val="dk1"/>
+                          </a:solidFill>
+                          <a:effectLst/>
+                          <a:latin typeface="+mn-lt"/>
+                          <a:ea typeface="+mn-ea"/>
+                          <a:cs typeface="+mn-cs"/>
+                        </a:rPr>
+                        <a:t>LR = 0.001,</a:t>
+                      </a:r>
+                    </a:p>
+                    <a:p>
+                      <a:r>
+                        <a:rPr lang="en-US" sz="1000" b="0" kern="1200" dirty="0" err="1">
+                          <a:solidFill>
+                            <a:schemeClr val="dk1"/>
+                          </a:solidFill>
+                          <a:effectLst/>
+                          <a:latin typeface="+mn-lt"/>
+                          <a:ea typeface="+mn-ea"/>
+                          <a:cs typeface="+mn-cs"/>
+                        </a:rPr>
+                        <a:t>batch_size</a:t>
+                      </a:r>
+                      <a:r>
+                        <a:rPr lang="en-US" sz="1000" b="0" kern="1200" dirty="0">
+                          <a:solidFill>
+                            <a:schemeClr val="dk1"/>
+                          </a:solidFill>
+                          <a:effectLst/>
+                          <a:latin typeface="+mn-lt"/>
+                          <a:ea typeface="+mn-ea"/>
+                          <a:cs typeface="+mn-cs"/>
+                        </a:rPr>
+                        <a:t> = 128,</a:t>
+                      </a:r>
+                    </a:p>
+                    <a:p>
+                      <a:r>
+                        <a:rPr lang="en-US" sz="1000" b="0" kern="1200" dirty="0" err="1">
+                          <a:solidFill>
+                            <a:schemeClr val="dk1"/>
+                          </a:solidFill>
+                          <a:effectLst/>
+                          <a:latin typeface="+mn-lt"/>
+                          <a:ea typeface="+mn-ea"/>
+                          <a:cs typeface="+mn-cs"/>
+                        </a:rPr>
+                        <a:t>hidden_dim_drug</a:t>
+                      </a:r>
+                      <a:r>
+                        <a:rPr lang="en-US" sz="1000" b="0" kern="1200" dirty="0">
+                          <a:solidFill>
+                            <a:schemeClr val="dk1"/>
+                          </a:solidFill>
+                          <a:effectLst/>
+                          <a:latin typeface="+mn-lt"/>
+                          <a:ea typeface="+mn-ea"/>
+                          <a:cs typeface="+mn-cs"/>
+                        </a:rPr>
+                        <a:t> = 128,</a:t>
+                      </a:r>
+                    </a:p>
+                    <a:p>
+                      <a:r>
+                        <a:rPr lang="en-US" sz="1000" b="0" kern="1200" dirty="0" err="1">
+                          <a:solidFill>
+                            <a:schemeClr val="dk1"/>
+                          </a:solidFill>
+                          <a:effectLst/>
+                          <a:latin typeface="+mn-lt"/>
+                          <a:ea typeface="+mn-ea"/>
+                          <a:cs typeface="+mn-cs"/>
+                        </a:rPr>
+                        <a:t>mpnn_hidden_size</a:t>
+                      </a:r>
+                      <a:r>
+                        <a:rPr lang="en-US" sz="1000" b="0" kern="1200" dirty="0">
+                          <a:solidFill>
+                            <a:schemeClr val="dk1"/>
+                          </a:solidFill>
+                          <a:effectLst/>
+                          <a:latin typeface="+mn-lt"/>
+                          <a:ea typeface="+mn-ea"/>
+                          <a:cs typeface="+mn-cs"/>
+                        </a:rPr>
+                        <a:t> = 128,</a:t>
+                      </a:r>
+                    </a:p>
+                    <a:p>
+                      <a:r>
+                        <a:rPr lang="en-US" sz="1000" b="0" kern="1200" dirty="0" err="1">
+                          <a:solidFill>
+                            <a:schemeClr val="dk1"/>
+                          </a:solidFill>
+                          <a:effectLst/>
+                          <a:latin typeface="+mn-lt"/>
+                          <a:ea typeface="+mn-ea"/>
+                          <a:cs typeface="+mn-cs"/>
+                        </a:rPr>
+                        <a:t>mpnn_depth</a:t>
+                      </a:r>
+                      <a:r>
+                        <a:rPr lang="en-US" sz="1000" b="0" kern="1200" dirty="0">
+                          <a:solidFill>
+                            <a:schemeClr val="dk1"/>
+                          </a:solidFill>
+                          <a:effectLst/>
+                          <a:latin typeface="+mn-lt"/>
+                          <a:ea typeface="+mn-ea"/>
+                          <a:cs typeface="+mn-cs"/>
+                        </a:rPr>
+                        <a:t> = 3,</a:t>
+                      </a:r>
+                    </a:p>
+                    <a:p>
+                      <a:r>
+                        <a:rPr lang="en-US" sz="1000" b="0" kern="1200" dirty="0" err="1">
+                          <a:solidFill>
+                            <a:schemeClr val="dk1"/>
+                          </a:solidFill>
+                          <a:effectLst/>
+                          <a:latin typeface="+mn-lt"/>
+                          <a:ea typeface="+mn-ea"/>
+                          <a:cs typeface="+mn-cs"/>
+                        </a:rPr>
+                        <a:t>cnn_target_filters</a:t>
+                      </a:r>
+                      <a:r>
+                        <a:rPr lang="en-US" sz="1000" b="0" kern="1200" dirty="0">
+                          <a:solidFill>
+                            <a:schemeClr val="dk1"/>
+                          </a:solidFill>
+                          <a:effectLst/>
+                          <a:latin typeface="+mn-lt"/>
+                          <a:ea typeface="+mn-ea"/>
+                          <a:cs typeface="+mn-cs"/>
+                        </a:rPr>
+                        <a:t> = [32,64,96],</a:t>
+                      </a:r>
+                    </a:p>
+                    <a:p>
+                      <a:r>
+                        <a:rPr lang="en-US" sz="1000" b="0" kern="1200" dirty="0" err="1">
+                          <a:solidFill>
+                            <a:schemeClr val="dk1"/>
+                          </a:solidFill>
+                          <a:effectLst/>
+                          <a:latin typeface="+mn-lt"/>
+                          <a:ea typeface="+mn-ea"/>
+                          <a:cs typeface="+mn-cs"/>
+                        </a:rPr>
+                        <a:t>cnn_target_kernels</a:t>
+                      </a:r>
+                      <a:r>
+                        <a:rPr lang="en-US" sz="1000" b="0" kern="1200" dirty="0">
+                          <a:solidFill>
+                            <a:schemeClr val="dk1"/>
+                          </a:solidFill>
+                          <a:effectLst/>
+                          <a:latin typeface="+mn-lt"/>
+                          <a:ea typeface="+mn-ea"/>
+                          <a:cs typeface="+mn-cs"/>
+                        </a:rPr>
+                        <a:t> = [4,8,12]</a:t>
+                      </a:r>
+                    </a:p>
+                    <a:p>
+                      <a:endParaRPr lang="en-US" sz="1000" b="0" kern="1200" dirty="0">
+                        <a:solidFill>
+                          <a:schemeClr val="dk1"/>
+                        </a:solidFill>
+                        <a:effectLst/>
+                        <a:latin typeface="+mn-lt"/>
+                        <a:ea typeface="+mn-ea"/>
+                        <a:cs typeface="+mn-cs"/>
+                      </a:endParaRPr>
+                    </a:p>
+                  </a:txBody>
+                  <a:tcPr/>
+                </a:tc>
+                <a:extLst>
+                  <a:ext uri="{0D108BD9-81ED-4DB2-BD59-A6C34878D82A}">
+                    <a16:rowId xmlns:a16="http://schemas.microsoft.com/office/drawing/2014/main" val="1095554773"/>
+                  </a:ext>
+                </a:extLst>
+              </a:tr>
+            </a:tbl>
+          </a:graphicData>
+        </a:graphic>
+      </p:graphicFrame>
+    </p:spTree>
+    <p:extLst>
+      <p:ext uri="{BB962C8B-B14F-4D97-AF65-F5344CB8AC3E}">
+        <p14:creationId xmlns:p14="http://schemas.microsoft.com/office/powerpoint/2010/main" val="2211683995"/>
+      </p:ext>
+    </p:extLst>
+  </p:cSld>
+  <p:clrMapOvr>
+    <a:masterClrMapping/>
+  </p:clrMapOvr>
+</p:sld>
+</file>
+
+<file path=ppt/slides/slide5.xml><?xml version="1.0" encoding="utf-8"?>
+<p:sld xmlns:a="http://schemas.openxmlformats.org/drawingml/2006/main" xmlns:r="http://schemas.openxmlformats.org/officeDocument/2006/relationships" xmlns:p="http://schemas.openxmlformats.org/presentationml/2006/main">
+  <p:cSld>
+    <p:spTree>
+      <p:nvGrpSpPr>
+        <p:cNvPr id="1" name=""/>
+        <p:cNvGrpSpPr/>
+        <p:nvPr/>
+      </p:nvGrpSpPr>
+      <p:grpSpPr>
+        <a:xfrm>
+          <a:off x="0" y="0"/>
+          <a:ext cx="0" cy="0"/>
+          <a:chOff x="0" y="0"/>
+          <a:chExt cx="0" cy="0"/>
+        </a:xfrm>
+      </p:grpSpPr>
+      <p:sp>
+        <p:nvSpPr>
+          <p:cNvPr id="2" name="Title 1">
+            <a:extLst>
+              <a:ext uri="{FF2B5EF4-FFF2-40B4-BE49-F238E27FC236}">
+                <a16:creationId xmlns:a16="http://schemas.microsoft.com/office/drawing/2014/main" id="{E81F7B50-9BF1-4222-91DC-15309FA2837B}"/>
+              </a:ext>
+            </a:extLst>
+          </p:cNvPr>
+          <p:cNvSpPr>
+            <a:spLocks noGrp="1"/>
+          </p:cNvSpPr>
+          <p:nvPr>
+            <p:ph type="title"/>
+          </p:nvPr>
+        </p:nvSpPr>
+        <p:spPr/>
+        <p:txBody>
+          <a:bodyPr/>
+          <a:lstStyle/>
+          <a:p>
+            <a:r>
+              <a:rPr lang="en-US" dirty="0"/>
+              <a:t>Task – DTI Prediction</a:t>
+            </a:r>
+          </a:p>
+        </p:txBody>
+      </p:sp>
+      <p:graphicFrame>
+        <p:nvGraphicFramePr>
+          <p:cNvPr id="4" name="Table 4">
+            <a:extLst>
+              <a:ext uri="{FF2B5EF4-FFF2-40B4-BE49-F238E27FC236}">
+                <a16:creationId xmlns:a16="http://schemas.microsoft.com/office/drawing/2014/main" id="{51764396-CEAE-4FE5-892C-79C970533BC9}"/>
+              </a:ext>
+            </a:extLst>
+          </p:cNvPr>
+          <p:cNvGraphicFramePr>
+            <a:graphicFrameLocks noGrp="1"/>
+          </p:cNvGraphicFramePr>
+          <p:nvPr>
+            <p:ph idx="1"/>
+            <p:extLst>
+              <p:ext uri="{D42A27DB-BD31-4B8C-83A1-F6EECF244321}">
+                <p14:modId xmlns:p14="http://schemas.microsoft.com/office/powerpoint/2010/main" val="1512380297"/>
+              </p:ext>
+            </p:extLst>
+          </p:nvPr>
+        </p:nvGraphicFramePr>
+        <p:xfrm>
+          <a:off x="838200" y="1825625"/>
+          <a:ext cx="10515596" cy="4521161"/>
         </p:xfrm>
         <a:graphic>
           <a:graphicData uri="http://schemas.openxmlformats.org/drawingml/2006/table">
@@ -3499,7 +4748,7 @@
                   </a:extLst>
                 </a:gridCol>
               </a:tblGrid>
-              <a:tr h="370840">
+              <a:tr h="997088">
                 <a:tc>
                   <a:txBody>
                     <a:bodyPr/>
@@ -3574,8 +4823,8 @@
                   </a:ext>
                 </a:extLst>
               </a:tr>
-              <a:tr h="370840">
-                <a:tc>
+              <a:tr h="1756233">
+                <a:tc rowSpan="2">
                   <a:txBody>
                     <a:bodyPr/>
                     <a:lstStyle/>
@@ -3609,7 +4858,7 @@
                     <a:p>
                       <a:r>
                         <a:rPr lang="en-US" sz="1000" dirty="0"/>
-                        <a:t>{_,_,_,_,_,0.8559}</a:t>
+                        <a:t>{_,_,_,0.2024,_,0.8559}</a:t>
                       </a:r>
                     </a:p>
                   </a:txBody>
@@ -4032,29 +5281,25 @@
                   </a:ext>
                 </a:extLst>
               </a:tr>
-              <a:tr h="370840">
+              <a:tr h="1756233">
+                <a:tc vMerge="1">
+                  <a:txBody>
+                    <a:bodyPr/>
+                    <a:lstStyle/>
+                    <a:p>
+                      <a:endParaRPr lang="en-US"/>
+                    </a:p>
+                  </a:txBody>
+                  <a:tcPr/>
+                </a:tc>
                 <a:tc>
                   <a:txBody>
                     <a:bodyPr/>
                     <a:lstStyle/>
                     <a:p>
                       <a:r>
-                        <a:rPr lang="en-US" sz="1000" dirty="0" err="1"/>
-                        <a:t>DeepPurpose</a:t>
-                      </a:r>
-                      <a:endParaRPr lang="en-US" sz="1000" dirty="0"/>
-                    </a:p>
-                  </a:txBody>
-                  <a:tcPr/>
-                </a:tc>
-                <a:tc>
-                  <a:txBody>
-                    <a:bodyPr/>
-                    <a:lstStyle/>
-                    <a:p>
-                      <a:r>
                         <a:rPr lang="en-US" sz="1000" dirty="0"/>
-                        <a:t>KIBA</a:t>
+                        <a:t>DAVIS</a:t>
                       </a:r>
                     </a:p>
                   </a:txBody>
@@ -4084,7 +5329,765 @@
                       </a:pPr>
                       <a:r>
                         <a:rPr lang="en-US" sz="1000" dirty="0"/>
-                        <a:t>{_,_,_,_,_,0.6656}</a:t>
+                        <a:t>{_,_,_,_,_,0.8506}</a:t>
+                      </a:r>
+                    </a:p>
+                  </a:txBody>
+                  <a:tcPr/>
+                </a:tc>
+                <a:tc>
+                  <a:txBody>
+                    <a:bodyPr/>
+                    <a:lstStyle/>
+                    <a:p>
+                      <a:r>
+                        <a:rPr lang="en-US" sz="1000" b="0" kern="1200" dirty="0">
+                          <a:solidFill>
+                            <a:schemeClr val="dk1"/>
+                          </a:solidFill>
+                          <a:effectLst/>
+                          <a:latin typeface="+mn-lt"/>
+                          <a:ea typeface="+mn-ea"/>
+                          <a:cs typeface="+mn-cs"/>
+                        </a:rPr>
+                        <a:t>--</a:t>
+                      </a:r>
+                      <a:r>
+                        <a:rPr lang="en-US" sz="1000" b="0" kern="1200" dirty="0" err="1">
+                          <a:solidFill>
+                            <a:schemeClr val="dk1"/>
+                          </a:solidFill>
+                          <a:effectLst/>
+                          <a:latin typeface="+mn-lt"/>
+                          <a:ea typeface="+mn-ea"/>
+                          <a:cs typeface="+mn-cs"/>
+                        </a:rPr>
+                        <a:t>num_windows</a:t>
+                      </a:r>
+                      <a:r>
+                        <a:rPr lang="en-US" sz="1000" b="0" kern="1200" dirty="0">
+                          <a:solidFill>
+                            <a:schemeClr val="dk1"/>
+                          </a:solidFill>
+                          <a:effectLst/>
+                          <a:latin typeface="+mn-lt"/>
+                          <a:ea typeface="+mn-ea"/>
+                          <a:cs typeface="+mn-cs"/>
+                        </a:rPr>
+                        <a:t> 32 \</a:t>
+                      </a:r>
+                    </a:p>
+                    <a:p>
+                      <a:r>
+                        <a:rPr lang="en-US" sz="1000" b="0" kern="1200" dirty="0">
+                          <a:solidFill>
+                            <a:schemeClr val="dk1"/>
+                          </a:solidFill>
+                          <a:effectLst/>
+                          <a:latin typeface="+mn-lt"/>
+                          <a:ea typeface="+mn-ea"/>
+                          <a:cs typeface="+mn-cs"/>
+                        </a:rPr>
+                        <a:t>--</a:t>
+                      </a:r>
+                      <a:r>
+                        <a:rPr lang="en-US" sz="1000" b="0" kern="1200" dirty="0" err="1">
+                          <a:solidFill>
+                            <a:schemeClr val="dk1"/>
+                          </a:solidFill>
+                          <a:effectLst/>
+                          <a:latin typeface="+mn-lt"/>
+                          <a:ea typeface="+mn-ea"/>
+                          <a:cs typeface="+mn-cs"/>
+                        </a:rPr>
+                        <a:t>seq_window_lengths</a:t>
+                      </a:r>
+                      <a:r>
+                        <a:rPr lang="en-US" sz="1000" b="0" kern="1200" dirty="0">
+                          <a:solidFill>
+                            <a:schemeClr val="dk1"/>
+                          </a:solidFill>
+                          <a:effectLst/>
+                          <a:latin typeface="+mn-lt"/>
+                          <a:ea typeface="+mn-ea"/>
+                          <a:cs typeface="+mn-cs"/>
+                        </a:rPr>
+                        <a:t> 8 12 \</a:t>
+                      </a:r>
+                    </a:p>
+                    <a:p>
+                      <a:r>
+                        <a:rPr lang="en-US" sz="1000" b="0" kern="1200" dirty="0">
+                          <a:solidFill>
+                            <a:schemeClr val="dk1"/>
+                          </a:solidFill>
+                          <a:effectLst/>
+                          <a:latin typeface="+mn-lt"/>
+                          <a:ea typeface="+mn-ea"/>
+                          <a:cs typeface="+mn-cs"/>
+                        </a:rPr>
+                        <a:t>--</a:t>
+                      </a:r>
+                      <a:r>
+                        <a:rPr lang="en-US" sz="1000" b="0" kern="1200" dirty="0" err="1">
+                          <a:solidFill>
+                            <a:schemeClr val="dk1"/>
+                          </a:solidFill>
+                          <a:effectLst/>
+                          <a:latin typeface="+mn-lt"/>
+                          <a:ea typeface="+mn-ea"/>
+                          <a:cs typeface="+mn-cs"/>
+                        </a:rPr>
+                        <a:t>smi_window_lengths</a:t>
+                      </a:r>
+                      <a:r>
+                        <a:rPr lang="en-US" sz="1000" b="0" kern="1200" dirty="0">
+                          <a:solidFill>
+                            <a:schemeClr val="dk1"/>
+                          </a:solidFill>
+                          <a:effectLst/>
+                          <a:latin typeface="+mn-lt"/>
+                          <a:ea typeface="+mn-ea"/>
+                          <a:cs typeface="+mn-cs"/>
+                        </a:rPr>
+                        <a:t> 4 8 \</a:t>
+                      </a:r>
+                    </a:p>
+                    <a:p>
+                      <a:r>
+                        <a:rPr lang="en-US" sz="1000" b="0" kern="1200" dirty="0">
+                          <a:solidFill>
+                            <a:schemeClr val="dk1"/>
+                          </a:solidFill>
+                          <a:effectLst/>
+                          <a:latin typeface="+mn-lt"/>
+                          <a:ea typeface="+mn-ea"/>
+                          <a:cs typeface="+mn-cs"/>
+                        </a:rPr>
+                        <a:t>--</a:t>
+                      </a:r>
+                      <a:r>
+                        <a:rPr lang="en-US" sz="1000" b="0" kern="1200" dirty="0" err="1">
+                          <a:solidFill>
+                            <a:schemeClr val="dk1"/>
+                          </a:solidFill>
+                          <a:effectLst/>
+                          <a:latin typeface="+mn-lt"/>
+                          <a:ea typeface="+mn-ea"/>
+                          <a:cs typeface="+mn-cs"/>
+                        </a:rPr>
+                        <a:t>batch_size</a:t>
+                      </a:r>
+                      <a:r>
+                        <a:rPr lang="en-US" sz="1000" b="0" kern="1200" dirty="0">
+                          <a:solidFill>
+                            <a:schemeClr val="dk1"/>
+                          </a:solidFill>
+                          <a:effectLst/>
+                          <a:latin typeface="+mn-lt"/>
+                          <a:ea typeface="+mn-ea"/>
+                          <a:cs typeface="+mn-cs"/>
+                        </a:rPr>
+                        <a:t> 256 \</a:t>
+                      </a:r>
+                    </a:p>
+                    <a:p>
+                      <a:r>
+                        <a:rPr lang="en-US" sz="1000" b="0" kern="1200" dirty="0">
+                          <a:solidFill>
+                            <a:schemeClr val="dk1"/>
+                          </a:solidFill>
+                          <a:effectLst/>
+                          <a:latin typeface="+mn-lt"/>
+                          <a:ea typeface="+mn-ea"/>
+                          <a:cs typeface="+mn-cs"/>
+                        </a:rPr>
+                        <a:t>--</a:t>
+                      </a:r>
+                      <a:r>
+                        <a:rPr lang="en-US" sz="1000" b="0" kern="1200" dirty="0" err="1">
+                          <a:solidFill>
+                            <a:schemeClr val="dk1"/>
+                          </a:solidFill>
+                          <a:effectLst/>
+                          <a:latin typeface="+mn-lt"/>
+                          <a:ea typeface="+mn-ea"/>
+                          <a:cs typeface="+mn-cs"/>
+                        </a:rPr>
+                        <a:t>num_epoch</a:t>
+                      </a:r>
+                      <a:r>
+                        <a:rPr lang="en-US" sz="1000" b="0" kern="1200" dirty="0">
+                          <a:solidFill>
+                            <a:schemeClr val="dk1"/>
+                          </a:solidFill>
+                          <a:effectLst/>
+                          <a:latin typeface="+mn-lt"/>
+                          <a:ea typeface="+mn-ea"/>
+                          <a:cs typeface="+mn-cs"/>
+                        </a:rPr>
+                        <a:t> 100 \</a:t>
+                      </a:r>
+                    </a:p>
+                    <a:p>
+                      <a:r>
+                        <a:rPr lang="en-US" sz="1000" b="0" kern="1200" dirty="0">
+                          <a:solidFill>
+                            <a:schemeClr val="dk1"/>
+                          </a:solidFill>
+                          <a:effectLst/>
+                          <a:latin typeface="+mn-lt"/>
+                          <a:ea typeface="+mn-ea"/>
+                          <a:cs typeface="+mn-cs"/>
+                        </a:rPr>
+                        <a:t>--</a:t>
+                      </a:r>
+                      <a:r>
+                        <a:rPr lang="en-US" sz="1000" b="0" kern="1200" dirty="0" err="1">
+                          <a:solidFill>
+                            <a:schemeClr val="dk1"/>
+                          </a:solidFill>
+                          <a:effectLst/>
+                          <a:latin typeface="+mn-lt"/>
+                          <a:ea typeface="+mn-ea"/>
+                          <a:cs typeface="+mn-cs"/>
+                        </a:rPr>
+                        <a:t>max_seq_len</a:t>
+                      </a:r>
+                      <a:r>
+                        <a:rPr lang="en-US" sz="1000" b="0" kern="1200" dirty="0">
+                          <a:solidFill>
+                            <a:schemeClr val="dk1"/>
+                          </a:solidFill>
+                          <a:effectLst/>
+                          <a:latin typeface="+mn-lt"/>
+                          <a:ea typeface="+mn-ea"/>
+                          <a:cs typeface="+mn-cs"/>
+                        </a:rPr>
+                        <a:t> 1000 \</a:t>
+                      </a:r>
+                    </a:p>
+                    <a:p>
+                      <a:r>
+                        <a:rPr lang="en-US" sz="1000" b="0" kern="1200" dirty="0">
+                          <a:solidFill>
+                            <a:schemeClr val="dk1"/>
+                          </a:solidFill>
+                          <a:effectLst/>
+                          <a:latin typeface="+mn-lt"/>
+                          <a:ea typeface="+mn-ea"/>
+                          <a:cs typeface="+mn-cs"/>
+                        </a:rPr>
+                        <a:t>--</a:t>
+                      </a:r>
+                      <a:r>
+                        <a:rPr lang="en-US" sz="1000" b="0" kern="1200" dirty="0" err="1">
+                          <a:solidFill>
+                            <a:schemeClr val="dk1"/>
+                          </a:solidFill>
+                          <a:effectLst/>
+                          <a:latin typeface="+mn-lt"/>
+                          <a:ea typeface="+mn-ea"/>
+                          <a:cs typeface="+mn-cs"/>
+                        </a:rPr>
+                        <a:t>max_smi_len</a:t>
+                      </a:r>
+                      <a:r>
+                        <a:rPr lang="en-US" sz="1000" b="0" kern="1200" dirty="0">
+                          <a:solidFill>
+                            <a:schemeClr val="dk1"/>
+                          </a:solidFill>
+                          <a:effectLst/>
+                          <a:latin typeface="+mn-lt"/>
+                          <a:ea typeface="+mn-ea"/>
+                          <a:cs typeface="+mn-cs"/>
+                        </a:rPr>
+                        <a:t> 100 \</a:t>
+                      </a:r>
+                    </a:p>
+                    <a:p>
+                      <a:r>
+                        <a:rPr lang="en-US" sz="1000" b="0" kern="1200" dirty="0">
+                          <a:solidFill>
+                            <a:schemeClr val="dk1"/>
+                          </a:solidFill>
+                          <a:effectLst/>
+                          <a:latin typeface="+mn-lt"/>
+                          <a:ea typeface="+mn-ea"/>
+                          <a:cs typeface="+mn-cs"/>
+                        </a:rPr>
+                        <a:t>--</a:t>
+                      </a:r>
+                      <a:r>
+                        <a:rPr lang="en-US" sz="1000" b="0" kern="1200" dirty="0" err="1">
+                          <a:solidFill>
+                            <a:schemeClr val="dk1"/>
+                          </a:solidFill>
+                          <a:effectLst/>
+                          <a:latin typeface="+mn-lt"/>
+                          <a:ea typeface="+mn-ea"/>
+                          <a:cs typeface="+mn-cs"/>
+                        </a:rPr>
+                        <a:t>dataset_path</a:t>
+                      </a:r>
+                      <a:r>
+                        <a:rPr lang="en-US" sz="1000" b="0" kern="1200" dirty="0">
+                          <a:solidFill>
+                            <a:schemeClr val="dk1"/>
+                          </a:solidFill>
+                          <a:effectLst/>
+                          <a:latin typeface="+mn-lt"/>
+                          <a:ea typeface="+mn-ea"/>
+                          <a:cs typeface="+mn-cs"/>
+                        </a:rPr>
+                        <a:t> 'data/</a:t>
+                      </a:r>
+                      <a:r>
+                        <a:rPr lang="en-US" sz="1000" b="0" kern="1200" dirty="0" err="1">
+                          <a:solidFill>
+                            <a:schemeClr val="dk1"/>
+                          </a:solidFill>
+                          <a:effectLst/>
+                          <a:latin typeface="+mn-lt"/>
+                          <a:ea typeface="+mn-ea"/>
+                          <a:cs typeface="+mn-cs"/>
+                        </a:rPr>
+                        <a:t>kiba</a:t>
+                      </a:r>
+                      <a:r>
+                        <a:rPr lang="en-US" sz="1000" b="0" kern="1200" dirty="0">
+                          <a:solidFill>
+                            <a:schemeClr val="dk1"/>
+                          </a:solidFill>
+                          <a:effectLst/>
+                          <a:latin typeface="+mn-lt"/>
+                          <a:ea typeface="+mn-ea"/>
+                          <a:cs typeface="+mn-cs"/>
+                        </a:rPr>
+                        <a:t>/' \</a:t>
+                      </a:r>
+                    </a:p>
+                    <a:p>
+                      <a:r>
+                        <a:rPr lang="en-US" sz="1000" b="0" kern="1200" dirty="0">
+                          <a:solidFill>
+                            <a:schemeClr val="dk1"/>
+                          </a:solidFill>
+                          <a:effectLst/>
+                          <a:latin typeface="+mn-lt"/>
+                          <a:ea typeface="+mn-ea"/>
+                          <a:cs typeface="+mn-cs"/>
+                        </a:rPr>
+                        <a:t>--</a:t>
+                      </a:r>
+                      <a:r>
+                        <a:rPr lang="en-US" sz="1000" b="0" kern="1200" dirty="0" err="1">
+                          <a:solidFill>
+                            <a:schemeClr val="dk1"/>
+                          </a:solidFill>
+                          <a:effectLst/>
+                          <a:latin typeface="+mn-lt"/>
+                          <a:ea typeface="+mn-ea"/>
+                          <a:cs typeface="+mn-cs"/>
+                        </a:rPr>
+                        <a:t>problem_type</a:t>
+                      </a:r>
+                      <a:r>
+                        <a:rPr lang="en-US" sz="1000" b="0" kern="1200" dirty="0">
+                          <a:solidFill>
+                            <a:schemeClr val="dk1"/>
+                          </a:solidFill>
+                          <a:effectLst/>
+                          <a:latin typeface="+mn-lt"/>
+                          <a:ea typeface="+mn-ea"/>
+                          <a:cs typeface="+mn-cs"/>
+                        </a:rPr>
+                        <a:t> 1 \</a:t>
+                      </a:r>
+                    </a:p>
+                    <a:p>
+                      <a:r>
+                        <a:rPr lang="en-US" sz="1000" b="0" kern="1200" dirty="0">
+                          <a:solidFill>
+                            <a:schemeClr val="dk1"/>
+                          </a:solidFill>
+                          <a:effectLst/>
+                          <a:latin typeface="+mn-lt"/>
+                          <a:ea typeface="+mn-ea"/>
+                          <a:cs typeface="+mn-cs"/>
+                        </a:rPr>
+                        <a:t>--</a:t>
+                      </a:r>
+                      <a:r>
+                        <a:rPr lang="en-US" sz="1000" b="0" kern="1200" dirty="0" err="1">
+                          <a:solidFill>
+                            <a:schemeClr val="dk1"/>
+                          </a:solidFill>
+                          <a:effectLst/>
+                          <a:latin typeface="+mn-lt"/>
+                          <a:ea typeface="+mn-ea"/>
+                          <a:cs typeface="+mn-cs"/>
+                        </a:rPr>
+                        <a:t>log_dir</a:t>
+                      </a:r>
+                      <a:r>
+                        <a:rPr lang="en-US" sz="1000" b="0" kern="1200" dirty="0">
+                          <a:solidFill>
+                            <a:schemeClr val="dk1"/>
+                          </a:solidFill>
+                          <a:effectLst/>
+                          <a:latin typeface="+mn-lt"/>
+                          <a:ea typeface="+mn-ea"/>
+                          <a:cs typeface="+mn-cs"/>
+                        </a:rPr>
+                        <a:t> 'logs/'</a:t>
+                      </a:r>
+                    </a:p>
+                    <a:p>
+                      <a:endParaRPr lang="en-US" sz="1000" b="0" kern="1200" dirty="0">
+                        <a:solidFill>
+                          <a:schemeClr val="dk1"/>
+                        </a:solidFill>
+                        <a:effectLst/>
+                        <a:latin typeface="+mn-lt"/>
+                        <a:ea typeface="+mn-ea"/>
+                        <a:cs typeface="+mn-cs"/>
+                      </a:endParaRPr>
+                    </a:p>
+                  </a:txBody>
+                  <a:tcPr/>
+                </a:tc>
+                <a:extLst>
+                  <a:ext uri="{0D108BD9-81ED-4DB2-BD59-A6C34878D82A}">
+                    <a16:rowId xmlns:a16="http://schemas.microsoft.com/office/drawing/2014/main" val="455876409"/>
+                  </a:ext>
+                </a:extLst>
+              </a:tr>
+            </a:tbl>
+          </a:graphicData>
+        </a:graphic>
+      </p:graphicFrame>
+    </p:spTree>
+    <p:extLst>
+      <p:ext uri="{BB962C8B-B14F-4D97-AF65-F5344CB8AC3E}">
+        <p14:creationId xmlns:p14="http://schemas.microsoft.com/office/powerpoint/2010/main" val="3736606643"/>
+      </p:ext>
+    </p:extLst>
+  </p:cSld>
+  <p:clrMapOvr>
+    <a:masterClrMapping/>
+  </p:clrMapOvr>
+</p:sld>
+</file>
+
+<file path=ppt/slides/slide6.xml><?xml version="1.0" encoding="utf-8"?>
+<p:sld xmlns:a="http://schemas.openxmlformats.org/drawingml/2006/main" xmlns:r="http://schemas.openxmlformats.org/officeDocument/2006/relationships" xmlns:p="http://schemas.openxmlformats.org/presentationml/2006/main">
+  <p:cSld>
+    <p:spTree>
+      <p:nvGrpSpPr>
+        <p:cNvPr id="1" name=""/>
+        <p:cNvGrpSpPr/>
+        <p:nvPr/>
+      </p:nvGrpSpPr>
+      <p:grpSpPr>
+        <a:xfrm>
+          <a:off x="0" y="0"/>
+          <a:ext cx="0" cy="0"/>
+          <a:chOff x="0" y="0"/>
+          <a:chExt cx="0" cy="0"/>
+        </a:xfrm>
+      </p:grpSpPr>
+      <p:sp>
+        <p:nvSpPr>
+          <p:cNvPr id="2" name="Title 1">
+            <a:extLst>
+              <a:ext uri="{FF2B5EF4-FFF2-40B4-BE49-F238E27FC236}">
+                <a16:creationId xmlns:a16="http://schemas.microsoft.com/office/drawing/2014/main" id="{E81F7B50-9BF1-4222-91DC-15309FA2837B}"/>
+              </a:ext>
+            </a:extLst>
+          </p:cNvPr>
+          <p:cNvSpPr>
+            <a:spLocks noGrp="1"/>
+          </p:cNvSpPr>
+          <p:nvPr>
+            <p:ph type="title"/>
+          </p:nvPr>
+        </p:nvSpPr>
+        <p:spPr/>
+        <p:txBody>
+          <a:bodyPr/>
+          <a:lstStyle/>
+          <a:p>
+            <a:r>
+              <a:rPr lang="en-US" dirty="0"/>
+              <a:t>Task – DTI Prediction</a:t>
+            </a:r>
+          </a:p>
+        </p:txBody>
+      </p:sp>
+      <p:graphicFrame>
+        <p:nvGraphicFramePr>
+          <p:cNvPr id="4" name="Table 4">
+            <a:extLst>
+              <a:ext uri="{FF2B5EF4-FFF2-40B4-BE49-F238E27FC236}">
+                <a16:creationId xmlns:a16="http://schemas.microsoft.com/office/drawing/2014/main" id="{51764396-CEAE-4FE5-892C-79C970533BC9}"/>
+              </a:ext>
+            </a:extLst>
+          </p:cNvPr>
+          <p:cNvGraphicFramePr>
+            <a:graphicFrameLocks noGrp="1"/>
+          </p:cNvGraphicFramePr>
+          <p:nvPr>
+            <p:ph idx="1"/>
+            <p:extLst>
+              <p:ext uri="{D42A27DB-BD31-4B8C-83A1-F6EECF244321}">
+                <p14:modId xmlns:p14="http://schemas.microsoft.com/office/powerpoint/2010/main" val="2036339464"/>
+              </p:ext>
+            </p:extLst>
+          </p:nvPr>
+        </p:nvGraphicFramePr>
+        <p:xfrm>
+          <a:off x="838200" y="1825625"/>
+          <a:ext cx="10515596" cy="4509554"/>
+        </p:xfrm>
+        <a:graphic>
+          <a:graphicData uri="http://schemas.openxmlformats.org/drawingml/2006/table">
+            <a:tbl>
+              <a:tblPr firstRow="1" bandRow="1">
+                <a:tableStyleId>{5C22544A-7EE6-4342-B048-85BDC9FD1C3A}</a:tableStyleId>
+              </a:tblPr>
+              <a:tblGrid>
+                <a:gridCol w="1179443">
+                  <a:extLst>
+                    <a:ext uri="{9D8B030D-6E8A-4147-A177-3AD203B41FA5}">
+                      <a16:colId xmlns:a16="http://schemas.microsoft.com/office/drawing/2014/main" val="1032559416"/>
+                    </a:ext>
+                  </a:extLst>
+                </a:gridCol>
+                <a:gridCol w="834887">
+                  <a:extLst>
+                    <a:ext uri="{9D8B030D-6E8A-4147-A177-3AD203B41FA5}">
+                      <a16:colId xmlns:a16="http://schemas.microsoft.com/office/drawing/2014/main" val="1254089605"/>
+                    </a:ext>
+                  </a:extLst>
+                </a:gridCol>
+                <a:gridCol w="2847561">
+                  <a:extLst>
+                    <a:ext uri="{9D8B030D-6E8A-4147-A177-3AD203B41FA5}">
+                      <a16:colId xmlns:a16="http://schemas.microsoft.com/office/drawing/2014/main" val="3646178479"/>
+                    </a:ext>
+                  </a:extLst>
+                </a:gridCol>
+                <a:gridCol w="5653705">
+                  <a:extLst>
+                    <a:ext uri="{9D8B030D-6E8A-4147-A177-3AD203B41FA5}">
+                      <a16:colId xmlns:a16="http://schemas.microsoft.com/office/drawing/2014/main" val="1207384894"/>
+                    </a:ext>
+                  </a:extLst>
+                </a:gridCol>
+              </a:tblGrid>
+              <a:tr h="997088">
+                <a:tc>
+                  <a:txBody>
+                    <a:bodyPr/>
+                    <a:lstStyle/>
+                    <a:p>
+                      <a:r>
+                        <a:rPr lang="en-US" sz="1050" dirty="0"/>
+                        <a:t>Model</a:t>
+                      </a:r>
+                    </a:p>
+                  </a:txBody>
+                  <a:tcPr/>
+                </a:tc>
+                <a:tc>
+                  <a:txBody>
+                    <a:bodyPr/>
+                    <a:lstStyle/>
+                    <a:p>
+                      <a:r>
+                        <a:rPr lang="en-US" sz="1050" dirty="0"/>
+                        <a:t>Dataset</a:t>
+                      </a:r>
+                    </a:p>
+                  </a:txBody>
+                  <a:tcPr/>
+                </a:tc>
+                <a:tc>
+                  <a:txBody>
+                    <a:bodyPr/>
+                    <a:lstStyle/>
+                    <a:p>
+                      <a:r>
+                        <a:rPr lang="en-US" sz="1050" dirty="0"/>
+                        <a:t>Evaluation Metrics {</a:t>
+                      </a:r>
+                      <a:r>
+                        <a:rPr lang="en-US" sz="1050" b="0" i="0" kern="1200" dirty="0">
+                          <a:solidFill>
+                            <a:schemeClr val="lt1"/>
+                          </a:solidFill>
+                          <a:effectLst/>
+                          <a:latin typeface="+mn-lt"/>
+                          <a:ea typeface="+mn-ea"/>
+                          <a:cs typeface="+mn-cs"/>
+                        </a:rPr>
+                        <a:t>ROC-AUC, PR-AUC, F1 for binary task, MSE, R-squared, Concordance Index</a:t>
+                      </a:r>
+                      <a:r>
+                        <a:rPr lang="en-US" sz="1050" dirty="0"/>
+                        <a:t>}</a:t>
+                      </a:r>
+                    </a:p>
+                  </a:txBody>
+                  <a:tcPr/>
+                </a:tc>
+                <a:tc>
+                  <a:txBody>
+                    <a:bodyPr/>
+                    <a:lstStyle/>
+                    <a:p>
+                      <a:r>
+                        <a:rPr lang="en-US" sz="1050" dirty="0"/>
+                        <a:t>Configuration</a:t>
+                      </a:r>
+                    </a:p>
+                  </a:txBody>
+                  <a:tcPr/>
+                </a:tc>
+                <a:extLst>
+                  <a:ext uri="{0D108BD9-81ED-4DB2-BD59-A6C34878D82A}">
+                    <a16:rowId xmlns:a16="http://schemas.microsoft.com/office/drawing/2014/main" val="1167944617"/>
+                  </a:ext>
+                </a:extLst>
+              </a:tr>
+              <a:tr h="1756233">
+                <a:tc rowSpan="2">
+                  <a:txBody>
+                    <a:bodyPr/>
+                    <a:lstStyle/>
+                    <a:p>
+                      <a:r>
+                        <a:rPr lang="en-US" sz="1050" dirty="0" err="1"/>
+                        <a:t>GraphDTA</a:t>
+                      </a:r>
+                      <a:endParaRPr lang="en-US" sz="1050" dirty="0"/>
+                    </a:p>
+                  </a:txBody>
+                  <a:tcPr/>
+                </a:tc>
+                <a:tc>
+                  <a:txBody>
+                    <a:bodyPr/>
+                    <a:lstStyle/>
+                    <a:p>
+                      <a:r>
+                        <a:rPr lang="en-US" sz="1050" dirty="0"/>
+                        <a:t>KIBA</a:t>
+                      </a:r>
+                    </a:p>
+                  </a:txBody>
+                  <a:tcPr/>
+                </a:tc>
+                <a:tc>
+                  <a:txBody>
+                    <a:bodyPr/>
+                    <a:lstStyle/>
+                    <a:p>
+                      <a:r>
+                        <a:rPr lang="en-US" sz="1050" dirty="0"/>
+                        <a:t>{_,_,_,0.4639,_,0.7402}</a:t>
+                      </a:r>
+                    </a:p>
+                  </a:txBody>
+                  <a:tcPr/>
+                </a:tc>
+                <a:tc>
+                  <a:txBody>
+                    <a:bodyPr/>
+                    <a:lstStyle/>
+                    <a:p>
+                      <a:r>
+                        <a:rPr lang="en-US" sz="1050" b="0" kern="1200" dirty="0">
+                          <a:solidFill>
+                            <a:schemeClr val="dk1"/>
+                          </a:solidFill>
+                          <a:effectLst/>
+                          <a:latin typeface="+mn-lt"/>
+                          <a:ea typeface="+mn-ea"/>
+                          <a:cs typeface="+mn-cs"/>
+                        </a:rPr>
+                        <a:t>1 0 0 (dataset – KIBA, model – </a:t>
+                      </a:r>
+                      <a:r>
+                        <a:rPr lang="en-US" sz="1000" dirty="0" err="1"/>
+                        <a:t>GINConvNet</a:t>
+                      </a:r>
+                      <a:r>
+                        <a:rPr lang="en-US" sz="1050" b="0" kern="1200" dirty="0">
+                          <a:solidFill>
+                            <a:schemeClr val="dk1"/>
+                          </a:solidFill>
+                          <a:effectLst/>
+                          <a:latin typeface="+mn-lt"/>
+                          <a:ea typeface="+mn-ea"/>
+                          <a:cs typeface="+mn-cs"/>
+                        </a:rPr>
+                        <a:t>, </a:t>
+                      </a:r>
+                      <a:r>
+                        <a:rPr lang="en-US" sz="1050" b="0" kern="1200" dirty="0" err="1">
+                          <a:solidFill>
+                            <a:schemeClr val="dk1"/>
+                          </a:solidFill>
+                          <a:effectLst/>
+                          <a:latin typeface="+mn-lt"/>
+                          <a:ea typeface="+mn-ea"/>
+                          <a:cs typeface="+mn-cs"/>
+                        </a:rPr>
+                        <a:t>cuda</a:t>
+                      </a:r>
+                      <a:r>
+                        <a:rPr lang="en-US" sz="1050" b="0" kern="1200" dirty="0">
+                          <a:solidFill>
+                            <a:schemeClr val="dk1"/>
+                          </a:solidFill>
+                          <a:effectLst/>
+                          <a:latin typeface="+mn-lt"/>
+                          <a:ea typeface="+mn-ea"/>
+                          <a:cs typeface="+mn-cs"/>
+                        </a:rPr>
+                        <a:t> – cuda:0)</a:t>
+                      </a:r>
+                    </a:p>
+                  </a:txBody>
+                  <a:tcPr/>
+                </a:tc>
+                <a:extLst>
+                  <a:ext uri="{0D108BD9-81ED-4DB2-BD59-A6C34878D82A}">
+                    <a16:rowId xmlns:a16="http://schemas.microsoft.com/office/drawing/2014/main" val="2318273423"/>
+                  </a:ext>
+                </a:extLst>
+              </a:tr>
+              <a:tr h="1756233">
+                <a:tc vMerge="1">
+                  <a:txBody>
+                    <a:bodyPr/>
+                    <a:lstStyle/>
+                    <a:p>
+                      <a:endParaRPr lang="en-US"/>
+                    </a:p>
+                  </a:txBody>
+                  <a:tcPr/>
+                </a:tc>
+                <a:tc>
+                  <a:txBody>
+                    <a:bodyPr/>
+                    <a:lstStyle/>
+                    <a:p>
+                      <a:r>
+                        <a:rPr lang="en-US" sz="1050" dirty="0"/>
+                        <a:t>DAVIS</a:t>
                       </a:r>
                     </a:p>
                   </a:txBody>
@@ -4113,30 +6116,297 @@
                         <a:defRPr/>
                       </a:pPr>
                       <a:r>
-                        <a:rPr lang="en-US" sz="1000" b="0" kern="1200" dirty="0" err="1">
-                          <a:solidFill>
-                            <a:schemeClr val="dk1"/>
-                          </a:solidFill>
-                          <a:effectLst/>
-                          <a:latin typeface="+mn-lt"/>
-                          <a:ea typeface="+mn-ea"/>
-                          <a:cs typeface="+mn-cs"/>
-                        </a:rPr>
-                        <a:t>drug_encoding</a:t>
-                      </a:r>
-                      <a:r>
-                        <a:rPr lang="en-US" sz="1000" b="0" kern="1200" dirty="0">
-                          <a:solidFill>
-                            <a:schemeClr val="dk1"/>
-                          </a:solidFill>
-                          <a:effectLst/>
-                          <a:latin typeface="+mn-lt"/>
-                          <a:ea typeface="+mn-ea"/>
-                          <a:cs typeface="+mn-cs"/>
-                        </a:rPr>
-                        <a:t> = ‘MPNN’, </a:t>
-                      </a:r>
-                    </a:p>
+                        <a:rPr lang="en-US" sz="1050" dirty="0"/>
+                        <a:t>{_,_,0.3362,_,_,0.8473}</a:t>
+                      </a:r>
+                    </a:p>
+                    <a:p>
+                      <a:endParaRPr lang="en-US" sz="1050" dirty="0"/>
+                    </a:p>
+                  </a:txBody>
+                  <a:tcPr/>
+                </a:tc>
+                <a:tc>
+                  <a:txBody>
+                    <a:bodyPr/>
+                    <a:lstStyle/>
+                    <a:p>
+                      <a:r>
+                        <a:rPr lang="en-US" sz="1050" b="0" kern="1200" dirty="0">
+                          <a:solidFill>
+                            <a:schemeClr val="dk1"/>
+                          </a:solidFill>
+                          <a:effectLst/>
+                          <a:latin typeface="+mn-lt"/>
+                          <a:ea typeface="+mn-ea"/>
+                          <a:cs typeface="+mn-cs"/>
+                        </a:rPr>
+                        <a:t>0 0 0 (dataset – DAVIS, model – </a:t>
+                      </a:r>
+                      <a:r>
+                        <a:rPr lang="en-US" sz="1000" dirty="0" err="1"/>
+                        <a:t>GINConvNet</a:t>
+                      </a:r>
+                      <a:r>
+                        <a:rPr lang="en-US" sz="1050" b="0" kern="1200" dirty="0">
+                          <a:solidFill>
+                            <a:schemeClr val="dk1"/>
+                          </a:solidFill>
+                          <a:effectLst/>
+                          <a:latin typeface="+mn-lt"/>
+                          <a:ea typeface="+mn-ea"/>
+                          <a:cs typeface="+mn-cs"/>
+                        </a:rPr>
+                        <a:t>, </a:t>
+                      </a:r>
+                      <a:r>
+                        <a:rPr lang="en-US" sz="1050" b="0" kern="1200" dirty="0" err="1">
+                          <a:solidFill>
+                            <a:schemeClr val="dk1"/>
+                          </a:solidFill>
+                          <a:effectLst/>
+                          <a:latin typeface="+mn-lt"/>
+                          <a:ea typeface="+mn-ea"/>
+                          <a:cs typeface="+mn-cs"/>
+                        </a:rPr>
+                        <a:t>cuda</a:t>
+                      </a:r>
+                      <a:r>
+                        <a:rPr lang="en-US" sz="1050" b="0" kern="1200" dirty="0">
+                          <a:solidFill>
+                            <a:schemeClr val="dk1"/>
+                          </a:solidFill>
+                          <a:effectLst/>
+                          <a:latin typeface="+mn-lt"/>
+                          <a:ea typeface="+mn-ea"/>
+                          <a:cs typeface="+mn-cs"/>
+                        </a:rPr>
+                        <a:t> – cuda:0)</a:t>
+                      </a:r>
+                    </a:p>
+                  </a:txBody>
+                  <a:tcPr/>
+                </a:tc>
+                <a:extLst>
+                  <a:ext uri="{0D108BD9-81ED-4DB2-BD59-A6C34878D82A}">
+                    <a16:rowId xmlns:a16="http://schemas.microsoft.com/office/drawing/2014/main" val="4153704320"/>
+                  </a:ext>
+                </a:extLst>
+              </a:tr>
+            </a:tbl>
+          </a:graphicData>
+        </a:graphic>
+      </p:graphicFrame>
+    </p:spTree>
+    <p:extLst>
+      <p:ext uri="{BB962C8B-B14F-4D97-AF65-F5344CB8AC3E}">
+        <p14:creationId xmlns:p14="http://schemas.microsoft.com/office/powerpoint/2010/main" val="4123900059"/>
+      </p:ext>
+    </p:extLst>
+  </p:cSld>
+  <p:clrMapOvr>
+    <a:masterClrMapping/>
+  </p:clrMapOvr>
+</p:sld>
+</file>
+
+<file path=ppt/slides/slide7.xml><?xml version="1.0" encoding="utf-8"?>
+<p:sld xmlns:a="http://schemas.openxmlformats.org/drawingml/2006/main" xmlns:r="http://schemas.openxmlformats.org/officeDocument/2006/relationships" xmlns:p="http://schemas.openxmlformats.org/presentationml/2006/main">
+  <p:cSld>
+    <p:spTree>
+      <p:nvGrpSpPr>
+        <p:cNvPr id="1" name=""/>
+        <p:cNvGrpSpPr/>
+        <p:nvPr/>
+      </p:nvGrpSpPr>
+      <p:grpSpPr>
+        <a:xfrm>
+          <a:off x="0" y="0"/>
+          <a:ext cx="0" cy="0"/>
+          <a:chOff x="0" y="0"/>
+          <a:chExt cx="0" cy="0"/>
+        </a:xfrm>
+      </p:grpSpPr>
+      <p:sp>
+        <p:nvSpPr>
+          <p:cNvPr id="2" name="Title 1">
+            <a:extLst>
+              <a:ext uri="{FF2B5EF4-FFF2-40B4-BE49-F238E27FC236}">
+                <a16:creationId xmlns:a16="http://schemas.microsoft.com/office/drawing/2014/main" id="{CDEA2061-6291-41E2-AD6E-5EF21C3587E2}"/>
+              </a:ext>
+            </a:extLst>
+          </p:cNvPr>
+          <p:cNvSpPr>
+            <a:spLocks noGrp="1"/>
+          </p:cNvSpPr>
+          <p:nvPr>
+            <p:ph type="title"/>
+          </p:nvPr>
+        </p:nvSpPr>
+        <p:spPr/>
+        <p:txBody>
+          <a:bodyPr/>
+          <a:lstStyle/>
+          <a:p>
+            <a:r>
+              <a:rPr lang="en-US" dirty="0"/>
+              <a:t>Task – DTI Prediction</a:t>
+            </a:r>
+          </a:p>
+        </p:txBody>
+      </p:sp>
+      <p:graphicFrame>
+        <p:nvGraphicFramePr>
+          <p:cNvPr id="4" name="Table 4">
+            <a:extLst>
+              <a:ext uri="{FF2B5EF4-FFF2-40B4-BE49-F238E27FC236}">
+                <a16:creationId xmlns:a16="http://schemas.microsoft.com/office/drawing/2014/main" id="{29112E62-F678-49C5-97E7-6596EF559582}"/>
+              </a:ext>
+            </a:extLst>
+          </p:cNvPr>
+          <p:cNvGraphicFramePr>
+            <a:graphicFrameLocks noGrp="1"/>
+          </p:cNvGraphicFramePr>
+          <p:nvPr>
+            <p:ph idx="1"/>
+            <p:extLst>
+              <p:ext uri="{D42A27DB-BD31-4B8C-83A1-F6EECF244321}">
+                <p14:modId xmlns:p14="http://schemas.microsoft.com/office/powerpoint/2010/main" val="4138301081"/>
+              </p:ext>
+            </p:extLst>
+          </p:nvPr>
+        </p:nvGraphicFramePr>
+        <p:xfrm>
+          <a:off x="838200" y="1825625"/>
+          <a:ext cx="10515600" cy="4074160"/>
+        </p:xfrm>
+        <a:graphic>
+          <a:graphicData uri="http://schemas.openxmlformats.org/drawingml/2006/table">
+            <a:tbl>
+              <a:tblPr firstRow="1" bandRow="1">
+                <a:tableStyleId>{5C22544A-7EE6-4342-B048-85BDC9FD1C3A}</a:tableStyleId>
+              </a:tblPr>
+              <a:tblGrid>
+                <a:gridCol w="2628900">
+                  <a:extLst>
+                    <a:ext uri="{9D8B030D-6E8A-4147-A177-3AD203B41FA5}">
+                      <a16:colId xmlns:a16="http://schemas.microsoft.com/office/drawing/2014/main" val="4171021312"/>
+                    </a:ext>
+                  </a:extLst>
+                </a:gridCol>
+                <a:gridCol w="2628900">
+                  <a:extLst>
+                    <a:ext uri="{9D8B030D-6E8A-4147-A177-3AD203B41FA5}">
+                      <a16:colId xmlns:a16="http://schemas.microsoft.com/office/drawing/2014/main" val="1734734859"/>
+                    </a:ext>
+                  </a:extLst>
+                </a:gridCol>
+                <a:gridCol w="2628900">
+                  <a:extLst>
+                    <a:ext uri="{9D8B030D-6E8A-4147-A177-3AD203B41FA5}">
+                      <a16:colId xmlns:a16="http://schemas.microsoft.com/office/drawing/2014/main" val="4011593856"/>
+                    </a:ext>
+                  </a:extLst>
+                </a:gridCol>
+                <a:gridCol w="2628900">
+                  <a:extLst>
+                    <a:ext uri="{9D8B030D-6E8A-4147-A177-3AD203B41FA5}">
+                      <a16:colId xmlns:a16="http://schemas.microsoft.com/office/drawing/2014/main" val="232216118"/>
+                    </a:ext>
+                  </a:extLst>
+                </a:gridCol>
+              </a:tblGrid>
+              <a:tr h="370840">
+                <a:tc>
+                  <a:txBody>
+                    <a:bodyPr/>
+                    <a:lstStyle/>
+                    <a:p>
+                      <a:r>
+                        <a:rPr lang="en-US" dirty="0"/>
+                        <a:t>Model</a:t>
+                      </a:r>
+                    </a:p>
+                  </a:txBody>
+                  <a:tcPr/>
+                </a:tc>
+                <a:tc>
+                  <a:txBody>
+                    <a:bodyPr/>
+                    <a:lstStyle/>
+                    <a:p>
+                      <a:r>
+                        <a:rPr lang="en-US" dirty="0"/>
+                        <a:t>Dataset</a:t>
+                      </a:r>
+                    </a:p>
+                  </a:txBody>
+                  <a:tcPr/>
+                </a:tc>
+                <a:tc>
+                  <a:txBody>
+                    <a:bodyPr/>
+                    <a:lstStyle/>
+                    <a:p>
+                      <a:r>
+                        <a:rPr lang="en-US" dirty="0"/>
+                        <a:t>Concordance Index</a:t>
+                      </a:r>
+                    </a:p>
+                  </a:txBody>
+                  <a:tcPr/>
+                </a:tc>
+                <a:tc>
+                  <a:txBody>
+                    <a:bodyPr/>
+                    <a:lstStyle/>
+                    <a:p>
+                      <a:r>
+                        <a:rPr lang="en-US" dirty="0"/>
+                        <a:t>MSE</a:t>
+                      </a:r>
+                    </a:p>
+                  </a:txBody>
+                  <a:tcPr/>
+                </a:tc>
+                <a:extLst>
+                  <a:ext uri="{0D108BD9-81ED-4DB2-BD59-A6C34878D82A}">
+                    <a16:rowId xmlns:a16="http://schemas.microsoft.com/office/drawing/2014/main" val="4179254793"/>
+                  </a:ext>
+                </a:extLst>
+              </a:tr>
+              <a:tr h="133378">
+                <a:tc rowSpan="2">
+                  <a:txBody>
+                    <a:bodyPr/>
+                    <a:lstStyle/>
+                    <a:p>
+                      <a:r>
+                        <a:rPr lang="en-US" dirty="0" err="1"/>
+                        <a:t>DeepPurpose</a:t>
+                      </a:r>
+                      <a:endParaRPr lang="en-US" dirty="0"/>
+                    </a:p>
+                  </a:txBody>
+                  <a:tcPr/>
+                </a:tc>
+                <a:tc>
+                  <a:txBody>
+                    <a:bodyPr/>
+                    <a:lstStyle/>
+                    <a:p>
+                      <a:r>
+                        <a:rPr lang="en-US" dirty="0"/>
+                        <a:t>KIBA</a:t>
+                      </a:r>
+                    </a:p>
+                  </a:txBody>
+                  <a:tcPr/>
+                </a:tc>
+                <a:tc>
+                  <a:txBody>
+                    <a:bodyPr/>
+                    <a:lstStyle/>
                     <a:p>
                       <a:pPr marL="0" marR="0" lvl="0" indent="0" algn="l" defTabSz="914400" rtl="0" eaLnBrk="1" fontAlgn="auto" latinLnBrk="0" hangingPunct="1">
                         <a:lnSpc>
@@ -4156,252 +6426,21 @@
                         <a:defRPr/>
                       </a:pPr>
                       <a:r>
-                        <a:rPr lang="en-US" sz="1000" b="0" kern="1200" dirty="0" err="1">
-                          <a:solidFill>
-                            <a:schemeClr val="dk1"/>
-                          </a:solidFill>
-                          <a:effectLst/>
-                          <a:latin typeface="+mn-lt"/>
-                          <a:ea typeface="+mn-ea"/>
-                          <a:cs typeface="+mn-cs"/>
-                        </a:rPr>
-                        <a:t>target_encoding</a:t>
-                      </a:r>
-                      <a:r>
-                        <a:rPr lang="en-US" sz="1000" b="0" kern="1200" dirty="0">
-                          <a:solidFill>
-                            <a:schemeClr val="dk1"/>
-                          </a:solidFill>
-                          <a:effectLst/>
-                          <a:latin typeface="+mn-lt"/>
-                          <a:ea typeface="+mn-ea"/>
-                          <a:cs typeface="+mn-cs"/>
-                        </a:rPr>
-                        <a:t> = 'CNN'</a:t>
-                      </a:r>
-                    </a:p>
-                    <a:p>
-                      <a:r>
-                        <a:rPr lang="en-US" sz="1000" b="0" kern="1200" dirty="0" err="1">
-                          <a:solidFill>
-                            <a:schemeClr val="dk1"/>
-                          </a:solidFill>
-                          <a:effectLst/>
-                          <a:latin typeface="+mn-lt"/>
-                          <a:ea typeface="+mn-ea"/>
-                          <a:cs typeface="+mn-cs"/>
-                        </a:rPr>
-                        <a:t>cls_hidden_dims</a:t>
-                      </a:r>
-                      <a:r>
-                        <a:rPr lang="en-US" sz="1000" b="0" kern="1200" dirty="0">
-                          <a:solidFill>
-                            <a:schemeClr val="dk1"/>
-                          </a:solidFill>
-                          <a:effectLst/>
-                          <a:latin typeface="+mn-lt"/>
-                          <a:ea typeface="+mn-ea"/>
-                          <a:cs typeface="+mn-cs"/>
-                        </a:rPr>
-                        <a:t> = [1024,1024,512], </a:t>
-                      </a:r>
-                    </a:p>
-                    <a:p>
-                      <a:r>
-                        <a:rPr lang="en-US" sz="1000" b="0" kern="1200" dirty="0" err="1">
-                          <a:solidFill>
-                            <a:schemeClr val="dk1"/>
-                          </a:solidFill>
-                          <a:effectLst/>
-                          <a:latin typeface="+mn-lt"/>
-                          <a:ea typeface="+mn-ea"/>
-                          <a:cs typeface="+mn-cs"/>
-                        </a:rPr>
-                        <a:t>train_epoch</a:t>
-                      </a:r>
-                      <a:r>
-                        <a:rPr lang="en-US" sz="1000" b="0" kern="1200" dirty="0">
-                          <a:solidFill>
-                            <a:schemeClr val="dk1"/>
-                          </a:solidFill>
-                          <a:effectLst/>
-                          <a:latin typeface="+mn-lt"/>
-                          <a:ea typeface="+mn-ea"/>
-                          <a:cs typeface="+mn-cs"/>
-                        </a:rPr>
-                        <a:t> = 1, </a:t>
-                      </a:r>
-                    </a:p>
-                    <a:p>
-                      <a:r>
-                        <a:rPr lang="en-US" sz="1000" b="0" kern="1200" dirty="0">
-                          <a:solidFill>
-                            <a:schemeClr val="dk1"/>
-                          </a:solidFill>
-                          <a:effectLst/>
-                          <a:latin typeface="+mn-lt"/>
-                          <a:ea typeface="+mn-ea"/>
-                          <a:cs typeface="+mn-cs"/>
-                        </a:rPr>
-                        <a:t>LR = 0.001,</a:t>
-                      </a:r>
-                    </a:p>
-                    <a:p>
-                      <a:r>
-                        <a:rPr lang="en-US" sz="1000" b="0" kern="1200" dirty="0" err="1">
-                          <a:solidFill>
-                            <a:schemeClr val="dk1"/>
-                          </a:solidFill>
-                          <a:effectLst/>
-                          <a:latin typeface="+mn-lt"/>
-                          <a:ea typeface="+mn-ea"/>
-                          <a:cs typeface="+mn-cs"/>
-                        </a:rPr>
-                        <a:t>batch_size</a:t>
-                      </a:r>
-                      <a:r>
-                        <a:rPr lang="en-US" sz="1000" b="0" kern="1200" dirty="0">
-                          <a:solidFill>
-                            <a:schemeClr val="dk1"/>
-                          </a:solidFill>
-                          <a:effectLst/>
-                          <a:latin typeface="+mn-lt"/>
-                          <a:ea typeface="+mn-ea"/>
-                          <a:cs typeface="+mn-cs"/>
-                        </a:rPr>
-                        <a:t> = 128,</a:t>
-                      </a:r>
-                    </a:p>
-                    <a:p>
-                      <a:r>
-                        <a:rPr lang="en-US" sz="1000" b="0" kern="1200" dirty="0" err="1">
-                          <a:solidFill>
-                            <a:schemeClr val="dk1"/>
-                          </a:solidFill>
-                          <a:effectLst/>
-                          <a:latin typeface="+mn-lt"/>
-                          <a:ea typeface="+mn-ea"/>
-                          <a:cs typeface="+mn-cs"/>
-                        </a:rPr>
-                        <a:t>hidden_dim_drug</a:t>
-                      </a:r>
-                      <a:r>
-                        <a:rPr lang="en-US" sz="1000" b="0" kern="1200" dirty="0">
-                          <a:solidFill>
-                            <a:schemeClr val="dk1"/>
-                          </a:solidFill>
-                          <a:effectLst/>
-                          <a:latin typeface="+mn-lt"/>
-                          <a:ea typeface="+mn-ea"/>
-                          <a:cs typeface="+mn-cs"/>
-                        </a:rPr>
-                        <a:t> = 128,</a:t>
-                      </a:r>
-                    </a:p>
-                    <a:p>
-                      <a:r>
-                        <a:rPr lang="en-US" sz="1000" b="0" kern="1200" dirty="0" err="1">
-                          <a:solidFill>
-                            <a:schemeClr val="dk1"/>
-                          </a:solidFill>
-                          <a:effectLst/>
-                          <a:latin typeface="+mn-lt"/>
-                          <a:ea typeface="+mn-ea"/>
-                          <a:cs typeface="+mn-cs"/>
-                        </a:rPr>
-                        <a:t>mpnn_hidden_size</a:t>
-                      </a:r>
-                      <a:r>
-                        <a:rPr lang="en-US" sz="1000" b="0" kern="1200" dirty="0">
-                          <a:solidFill>
-                            <a:schemeClr val="dk1"/>
-                          </a:solidFill>
-                          <a:effectLst/>
-                          <a:latin typeface="+mn-lt"/>
-                          <a:ea typeface="+mn-ea"/>
-                          <a:cs typeface="+mn-cs"/>
-                        </a:rPr>
-                        <a:t> = 128,</a:t>
-                      </a:r>
-                    </a:p>
-                    <a:p>
-                      <a:r>
-                        <a:rPr lang="en-US" sz="1000" b="0" kern="1200" dirty="0" err="1">
-                          <a:solidFill>
-                            <a:schemeClr val="dk1"/>
-                          </a:solidFill>
-                          <a:effectLst/>
-                          <a:latin typeface="+mn-lt"/>
-                          <a:ea typeface="+mn-ea"/>
-                          <a:cs typeface="+mn-cs"/>
-                        </a:rPr>
-                        <a:t>mpnn_depth</a:t>
-                      </a:r>
-                      <a:r>
-                        <a:rPr lang="en-US" sz="1000" b="0" kern="1200" dirty="0">
-                          <a:solidFill>
-                            <a:schemeClr val="dk1"/>
-                          </a:solidFill>
-                          <a:effectLst/>
-                          <a:latin typeface="+mn-lt"/>
-                          <a:ea typeface="+mn-ea"/>
-                          <a:cs typeface="+mn-cs"/>
-                        </a:rPr>
-                        <a:t> = 3,</a:t>
-                      </a:r>
-                    </a:p>
-                    <a:p>
-                      <a:r>
-                        <a:rPr lang="en-US" sz="1000" b="0" kern="1200" dirty="0" err="1">
-                          <a:solidFill>
-                            <a:schemeClr val="dk1"/>
-                          </a:solidFill>
-                          <a:effectLst/>
-                          <a:latin typeface="+mn-lt"/>
-                          <a:ea typeface="+mn-ea"/>
-                          <a:cs typeface="+mn-cs"/>
-                        </a:rPr>
-                        <a:t>cnn_target_filters</a:t>
-                      </a:r>
-                      <a:r>
-                        <a:rPr lang="en-US" sz="1000" b="0" kern="1200" dirty="0">
-                          <a:solidFill>
-                            <a:schemeClr val="dk1"/>
-                          </a:solidFill>
-                          <a:effectLst/>
-                          <a:latin typeface="+mn-lt"/>
-                          <a:ea typeface="+mn-ea"/>
-                          <a:cs typeface="+mn-cs"/>
-                        </a:rPr>
-                        <a:t> = [32,64,96],</a:t>
-                      </a:r>
-                    </a:p>
-                    <a:p>
-                      <a:r>
-                        <a:rPr lang="en-US" sz="1000" b="0" kern="1200" dirty="0" err="1">
-                          <a:solidFill>
-                            <a:schemeClr val="dk1"/>
-                          </a:solidFill>
-                          <a:effectLst/>
-                          <a:latin typeface="+mn-lt"/>
-                          <a:ea typeface="+mn-ea"/>
-                          <a:cs typeface="+mn-cs"/>
-                        </a:rPr>
-                        <a:t>cnn_target_kernels</a:t>
-                      </a:r>
-                      <a:r>
-                        <a:rPr lang="en-US" sz="1000" b="0" kern="1200" dirty="0">
-                          <a:solidFill>
-                            <a:schemeClr val="dk1"/>
-                          </a:solidFill>
-                          <a:effectLst/>
-                          <a:latin typeface="+mn-lt"/>
-                          <a:ea typeface="+mn-ea"/>
-                          <a:cs typeface="+mn-cs"/>
-                        </a:rPr>
-                        <a:t> = [4,8,12]</a:t>
-                      </a:r>
-                    </a:p>
+                        <a:rPr lang="en-US" sz="1800" dirty="0">
+                          <a:solidFill>
+                            <a:srgbClr val="00B050"/>
+                          </a:solidFill>
+                        </a:rPr>
+                        <a:t>0.6736</a:t>
+                      </a:r>
+                    </a:p>
+                  </a:txBody>
+                  <a:tcPr/>
+                </a:tc>
+                <a:tc>
+                  <a:txBody>
+                    <a:bodyPr/>
+                    <a:lstStyle/>
                     <a:p>
                       <a:pPr marL="0" marR="0" lvl="0" indent="0" algn="l" defTabSz="914400" rtl="0" eaLnBrk="1" fontAlgn="auto" latinLnBrk="0" hangingPunct="1">
                         <a:lnSpc>
@@ -4420,14 +6459,652 @@
                         <a:tabLst/>
                         <a:defRPr/>
                       </a:pPr>
-                      <a:endParaRPr lang="en-US" sz="1000" dirty="0"/>
+                      <a:r>
+                        <a:rPr lang="en-US" sz="1800" dirty="0">
+                          <a:solidFill>
+                            <a:srgbClr val="00B050"/>
+                          </a:solidFill>
+                        </a:rPr>
+                        <a:t>0.6161</a:t>
+                      </a:r>
                     </a:p>
                   </a:txBody>
                   <a:tcPr/>
                 </a:tc>
                 <a:extLst>
                   <a:ext uri="{0D108BD9-81ED-4DB2-BD59-A6C34878D82A}">
-                    <a16:rowId xmlns:a16="http://schemas.microsoft.com/office/drawing/2014/main" val="2810766602"/>
+                    <a16:rowId xmlns:a16="http://schemas.microsoft.com/office/drawing/2014/main" val="3490028031"/>
+                  </a:ext>
+                </a:extLst>
+              </a:tr>
+              <a:tr h="370840">
+                <a:tc vMerge="1">
+                  <a:txBody>
+                    <a:bodyPr/>
+                    <a:lstStyle/>
+                    <a:p>
+                      <a:r>
+                        <a:rPr lang="en-US" dirty="0" err="1"/>
+                        <a:t>DeepPurpose</a:t>
+                      </a:r>
+                      <a:endParaRPr lang="en-US" dirty="0"/>
+                    </a:p>
+                  </a:txBody>
+                  <a:tcPr/>
+                </a:tc>
+                <a:tc>
+                  <a:txBody>
+                    <a:bodyPr/>
+                    <a:lstStyle/>
+                    <a:p>
+                      <a:r>
+                        <a:rPr lang="en-US" dirty="0"/>
+                        <a:t>DAVIS</a:t>
+                      </a:r>
+                    </a:p>
+                  </a:txBody>
+                  <a:tcPr/>
+                </a:tc>
+                <a:tc>
+                  <a:txBody>
+                    <a:bodyPr/>
+                    <a:lstStyle/>
+                    <a:p>
+                      <a:r>
+                        <a:rPr lang="en-US" sz="1800" b="0" i="0" kern="1200" dirty="0">
+                          <a:solidFill>
+                            <a:srgbClr val="00B050"/>
+                          </a:solidFill>
+                          <a:effectLst/>
+                          <a:latin typeface="+mn-lt"/>
+                          <a:ea typeface="+mn-ea"/>
+                          <a:cs typeface="+mn-cs"/>
+                        </a:rPr>
+                        <a:t>0.7245</a:t>
+                      </a:r>
+                      <a:endParaRPr lang="en-US" dirty="0">
+                        <a:solidFill>
+                          <a:srgbClr val="00B050"/>
+                        </a:solidFill>
+                      </a:endParaRPr>
+                    </a:p>
+                  </a:txBody>
+                  <a:tcPr/>
+                </a:tc>
+                <a:tc>
+                  <a:txBody>
+                    <a:bodyPr/>
+                    <a:lstStyle/>
+                    <a:p>
+                      <a:r>
+                        <a:rPr lang="en-US" sz="1800" b="0" i="0" kern="1200" dirty="0">
+                          <a:solidFill>
+                            <a:srgbClr val="00B050"/>
+                          </a:solidFill>
+                          <a:effectLst/>
+                          <a:latin typeface="+mn-lt"/>
+                          <a:ea typeface="+mn-ea"/>
+                          <a:cs typeface="+mn-cs"/>
+                        </a:rPr>
+                        <a:t>0.7337</a:t>
+                      </a:r>
+                      <a:endParaRPr lang="en-US" dirty="0">
+                        <a:solidFill>
+                          <a:srgbClr val="00B050"/>
+                        </a:solidFill>
+                      </a:endParaRPr>
+                    </a:p>
+                  </a:txBody>
+                  <a:tcPr/>
+                </a:tc>
+                <a:extLst>
+                  <a:ext uri="{0D108BD9-81ED-4DB2-BD59-A6C34878D82A}">
+                    <a16:rowId xmlns:a16="http://schemas.microsoft.com/office/drawing/2014/main" val="3144850038"/>
+                  </a:ext>
+                </a:extLst>
+              </a:tr>
+              <a:tr h="370840">
+                <a:tc rowSpan="2">
+                  <a:txBody>
+                    <a:bodyPr/>
+                    <a:lstStyle/>
+                    <a:p>
+                      <a:pPr marL="0" marR="0" lvl="0" indent="0" algn="l" defTabSz="914400" rtl="0" eaLnBrk="1" fontAlgn="auto" latinLnBrk="0" hangingPunct="1">
+                        <a:lnSpc>
+                          <a:spcPct val="100000"/>
+                        </a:lnSpc>
+                        <a:spcBef>
+                          <a:spcPts val="0"/>
+                        </a:spcBef>
+                        <a:spcAft>
+                          <a:spcPts val="0"/>
+                        </a:spcAft>
+                        <a:buClrTx/>
+                        <a:buSzTx/>
+                        <a:buFontTx/>
+                        <a:buNone/>
+                        <a:tabLst/>
+                        <a:defRPr/>
+                      </a:pPr>
+                      <a:r>
+                        <a:rPr lang="en-US" sz="1800" dirty="0" err="1"/>
+                        <a:t>DeepDTA</a:t>
+                      </a:r>
+                      <a:endParaRPr lang="en-US" sz="1800" dirty="0"/>
+                    </a:p>
+                  </a:txBody>
+                  <a:tcPr/>
+                </a:tc>
+                <a:tc>
+                  <a:txBody>
+                    <a:bodyPr/>
+                    <a:lstStyle/>
+                    <a:p>
+                      <a:r>
+                        <a:rPr lang="en-US" dirty="0"/>
+                        <a:t>KIBA</a:t>
+                      </a:r>
+                    </a:p>
+                  </a:txBody>
+                  <a:tcPr/>
+                </a:tc>
+                <a:tc>
+                  <a:txBody>
+                    <a:bodyPr/>
+                    <a:lstStyle/>
+                    <a:p>
+                      <a:r>
+                        <a:rPr lang="en-US" sz="1800" dirty="0">
+                          <a:solidFill>
+                            <a:schemeClr val="tx1"/>
+                          </a:solidFill>
+                          <a:highlight>
+                            <a:srgbClr val="FFFF00"/>
+                          </a:highlight>
+                        </a:rPr>
+                        <a:t>0.8559</a:t>
+                      </a:r>
+                      <a:endParaRPr lang="en-US" dirty="0">
+                        <a:solidFill>
+                          <a:schemeClr val="tx1"/>
+                        </a:solidFill>
+                        <a:highlight>
+                          <a:srgbClr val="FFFF00"/>
+                        </a:highlight>
+                      </a:endParaRPr>
+                    </a:p>
+                  </a:txBody>
+                  <a:tcPr/>
+                </a:tc>
+                <a:tc>
+                  <a:txBody>
+                    <a:bodyPr/>
+                    <a:lstStyle/>
+                    <a:p>
+                      <a:r>
+                        <a:rPr lang="en-US" sz="1800" dirty="0">
+                          <a:solidFill>
+                            <a:schemeClr val="tx1"/>
+                          </a:solidFill>
+                          <a:highlight>
+                            <a:srgbClr val="FFFF00"/>
+                          </a:highlight>
+                        </a:rPr>
+                        <a:t>0.2024</a:t>
+                      </a:r>
+                      <a:endParaRPr lang="en-US" dirty="0">
+                        <a:solidFill>
+                          <a:schemeClr val="tx1"/>
+                        </a:solidFill>
+                        <a:highlight>
+                          <a:srgbClr val="FFFF00"/>
+                        </a:highlight>
+                      </a:endParaRPr>
+                    </a:p>
+                  </a:txBody>
+                  <a:tcPr/>
+                </a:tc>
+                <a:extLst>
+                  <a:ext uri="{0D108BD9-81ED-4DB2-BD59-A6C34878D82A}">
+                    <a16:rowId xmlns:a16="http://schemas.microsoft.com/office/drawing/2014/main" val="687844645"/>
+                  </a:ext>
+                </a:extLst>
+              </a:tr>
+              <a:tr h="370840">
+                <a:tc vMerge="1">
+                  <a:txBody>
+                    <a:bodyPr/>
+                    <a:lstStyle/>
+                    <a:p>
+                      <a:endParaRPr lang="en-US" dirty="0"/>
+                    </a:p>
+                  </a:txBody>
+                  <a:tcPr/>
+                </a:tc>
+                <a:tc>
+                  <a:txBody>
+                    <a:bodyPr/>
+                    <a:lstStyle/>
+                    <a:p>
+                      <a:r>
+                        <a:rPr lang="en-US" dirty="0"/>
+                        <a:t>DAVIS</a:t>
+                      </a:r>
+                    </a:p>
+                  </a:txBody>
+                  <a:tcPr/>
+                </a:tc>
+                <a:tc>
+                  <a:txBody>
+                    <a:bodyPr/>
+                    <a:lstStyle/>
+                    <a:p>
+                      <a:r>
+                        <a:rPr lang="en-US" sz="1800" b="0" i="0" kern="1200" dirty="0">
+                          <a:solidFill>
+                            <a:schemeClr val="tx1"/>
+                          </a:solidFill>
+                          <a:effectLst/>
+                          <a:highlight>
+                            <a:srgbClr val="FFFF00"/>
+                          </a:highlight>
+                          <a:latin typeface="+mn-lt"/>
+                          <a:ea typeface="+mn-ea"/>
+                          <a:cs typeface="+mn-cs"/>
+                        </a:rPr>
+                        <a:t>0.8506</a:t>
+                      </a:r>
+                      <a:endParaRPr lang="en-US" dirty="0">
+                        <a:solidFill>
+                          <a:schemeClr val="tx1"/>
+                        </a:solidFill>
+                        <a:highlight>
+                          <a:srgbClr val="FFFF00"/>
+                        </a:highlight>
+                      </a:endParaRPr>
+                    </a:p>
+                  </a:txBody>
+                  <a:tcPr/>
+                </a:tc>
+                <a:tc>
+                  <a:txBody>
+                    <a:bodyPr/>
+                    <a:lstStyle/>
+                    <a:p>
+                      <a:endParaRPr lang="en-US" dirty="0">
+                        <a:solidFill>
+                          <a:srgbClr val="00B050"/>
+                        </a:solidFill>
+                        <a:highlight>
+                          <a:srgbClr val="FFFF00"/>
+                        </a:highlight>
+                      </a:endParaRPr>
+                    </a:p>
+                  </a:txBody>
+                  <a:tcPr/>
+                </a:tc>
+                <a:extLst>
+                  <a:ext uri="{0D108BD9-81ED-4DB2-BD59-A6C34878D82A}">
+                    <a16:rowId xmlns:a16="http://schemas.microsoft.com/office/drawing/2014/main" val="1674587026"/>
+                  </a:ext>
+                </a:extLst>
+              </a:tr>
+              <a:tr h="370840">
+                <a:tc rowSpan="2">
+                  <a:txBody>
+                    <a:bodyPr/>
+                    <a:lstStyle/>
+                    <a:p>
+                      <a:r>
+                        <a:rPr lang="en-US" dirty="0" err="1"/>
+                        <a:t>GraphDTA</a:t>
+                      </a:r>
+                      <a:endParaRPr lang="en-US" dirty="0"/>
+                    </a:p>
+                  </a:txBody>
+                  <a:tcPr/>
+                </a:tc>
+                <a:tc>
+                  <a:txBody>
+                    <a:bodyPr/>
+                    <a:lstStyle/>
+                    <a:p>
+                      <a:r>
+                        <a:rPr lang="en-US" dirty="0"/>
+                        <a:t>KIBA</a:t>
+                      </a:r>
+                    </a:p>
+                  </a:txBody>
+                  <a:tcPr/>
+                </a:tc>
+                <a:tc>
+                  <a:txBody>
+                    <a:bodyPr/>
+                    <a:lstStyle/>
+                    <a:p>
+                      <a:r>
+                        <a:rPr lang="en-US" dirty="0">
+                          <a:solidFill>
+                            <a:srgbClr val="FF0000"/>
+                          </a:solidFill>
+                        </a:rPr>
+                        <a:t>0.7402</a:t>
+                      </a:r>
+                    </a:p>
+                  </a:txBody>
+                  <a:tcPr/>
+                </a:tc>
+                <a:tc>
+                  <a:txBody>
+                    <a:bodyPr/>
+                    <a:lstStyle/>
+                    <a:p>
+                      <a:r>
+                        <a:rPr lang="en-US" dirty="0">
+                          <a:solidFill>
+                            <a:srgbClr val="FF0000"/>
+                          </a:solidFill>
+                        </a:rPr>
+                        <a:t>0.4639</a:t>
+                      </a:r>
+                    </a:p>
+                  </a:txBody>
+                  <a:tcPr/>
+                </a:tc>
+                <a:extLst>
+                  <a:ext uri="{0D108BD9-81ED-4DB2-BD59-A6C34878D82A}">
+                    <a16:rowId xmlns:a16="http://schemas.microsoft.com/office/drawing/2014/main" val="3965556525"/>
+                  </a:ext>
+                </a:extLst>
+              </a:tr>
+              <a:tr h="370840">
+                <a:tc vMerge="1">
+                  <a:txBody>
+                    <a:bodyPr/>
+                    <a:lstStyle/>
+                    <a:p>
+                      <a:endParaRPr lang="en-US" dirty="0"/>
+                    </a:p>
+                  </a:txBody>
+                  <a:tcPr/>
+                </a:tc>
+                <a:tc>
+                  <a:txBody>
+                    <a:bodyPr/>
+                    <a:lstStyle/>
+                    <a:p>
+                      <a:r>
+                        <a:rPr lang="en-US" dirty="0"/>
+                        <a:t>DAVIS</a:t>
+                      </a:r>
+                    </a:p>
+                  </a:txBody>
+                  <a:tcPr/>
+                </a:tc>
+                <a:tc>
+                  <a:txBody>
+                    <a:bodyPr/>
+                    <a:lstStyle/>
+                    <a:p>
+                      <a:r>
+                        <a:rPr lang="en-US" dirty="0">
+                          <a:solidFill>
+                            <a:schemeClr val="tx1"/>
+                          </a:solidFill>
+                        </a:rPr>
+                        <a:t>0.8935</a:t>
+                      </a:r>
+                    </a:p>
+                  </a:txBody>
+                  <a:tcPr/>
+                </a:tc>
+                <a:tc>
+                  <a:txBody>
+                    <a:bodyPr/>
+                    <a:lstStyle/>
+                    <a:p>
+                      <a:r>
+                        <a:rPr lang="en-US" dirty="0">
+                          <a:solidFill>
+                            <a:schemeClr val="tx1"/>
+                          </a:solidFill>
+                        </a:rPr>
+                        <a:t>0.2275</a:t>
+                      </a:r>
+                    </a:p>
+                  </a:txBody>
+                  <a:tcPr/>
+                </a:tc>
+                <a:extLst>
+                  <a:ext uri="{0D108BD9-81ED-4DB2-BD59-A6C34878D82A}">
+                    <a16:rowId xmlns:a16="http://schemas.microsoft.com/office/drawing/2014/main" val="1403392224"/>
+                  </a:ext>
+                </a:extLst>
+              </a:tr>
+              <a:tr h="370840">
+                <a:tc rowSpan="2">
+                  <a:txBody>
+                    <a:bodyPr/>
+                    <a:lstStyle/>
+                    <a:p>
+                      <a:r>
+                        <a:rPr lang="en-US" dirty="0"/>
+                        <a:t>PADME</a:t>
+                      </a:r>
+                    </a:p>
+                  </a:txBody>
+                  <a:tcPr/>
+                </a:tc>
+                <a:tc>
+                  <a:txBody>
+                    <a:bodyPr/>
+                    <a:lstStyle/>
+                    <a:p>
+                      <a:r>
+                        <a:rPr lang="en-US" dirty="0"/>
+                        <a:t>KIBA</a:t>
+                      </a:r>
+                    </a:p>
+                  </a:txBody>
+                  <a:tcPr/>
+                </a:tc>
+                <a:tc>
+                  <a:txBody>
+                    <a:bodyPr/>
+                    <a:lstStyle/>
+                    <a:p>
+                      <a:endParaRPr lang="en-US" dirty="0"/>
+                    </a:p>
+                  </a:txBody>
+                  <a:tcPr/>
+                </a:tc>
+                <a:tc>
+                  <a:txBody>
+                    <a:bodyPr/>
+                    <a:lstStyle/>
+                    <a:p>
+                      <a:endParaRPr lang="en-US" dirty="0"/>
+                    </a:p>
+                  </a:txBody>
+                  <a:tcPr/>
+                </a:tc>
+                <a:extLst>
+                  <a:ext uri="{0D108BD9-81ED-4DB2-BD59-A6C34878D82A}">
+                    <a16:rowId xmlns:a16="http://schemas.microsoft.com/office/drawing/2014/main" val="467947642"/>
+                  </a:ext>
+                </a:extLst>
+              </a:tr>
+              <a:tr h="370840">
+                <a:tc vMerge="1">
+                  <a:txBody>
+                    <a:bodyPr/>
+                    <a:lstStyle/>
+                    <a:p>
+                      <a:endParaRPr lang="en-US" dirty="0"/>
+                    </a:p>
+                  </a:txBody>
+                  <a:tcPr/>
+                </a:tc>
+                <a:tc>
+                  <a:txBody>
+                    <a:bodyPr/>
+                    <a:lstStyle/>
+                    <a:p>
+                      <a:r>
+                        <a:rPr lang="en-US" dirty="0"/>
+                        <a:t>DAVIS</a:t>
+                      </a:r>
+                    </a:p>
+                  </a:txBody>
+                  <a:tcPr/>
+                </a:tc>
+                <a:tc>
+                  <a:txBody>
+                    <a:bodyPr/>
+                    <a:lstStyle/>
+                    <a:p>
+                      <a:endParaRPr lang="en-US" dirty="0"/>
+                    </a:p>
+                  </a:txBody>
+                  <a:tcPr/>
+                </a:tc>
+                <a:tc>
+                  <a:txBody>
+                    <a:bodyPr/>
+                    <a:lstStyle/>
+                    <a:p>
+                      <a:endParaRPr lang="en-US" dirty="0"/>
+                    </a:p>
+                  </a:txBody>
+                  <a:tcPr/>
+                </a:tc>
+                <a:extLst>
+                  <a:ext uri="{0D108BD9-81ED-4DB2-BD59-A6C34878D82A}">
+                    <a16:rowId xmlns:a16="http://schemas.microsoft.com/office/drawing/2014/main" val="2420846685"/>
+                  </a:ext>
+                </a:extLst>
+              </a:tr>
+              <a:tr h="370840">
+                <a:tc rowSpan="2">
+                  <a:txBody>
+                    <a:bodyPr/>
+                    <a:lstStyle/>
+                    <a:p>
+                      <a:pPr marL="0" marR="0" lvl="0" indent="0" algn="l" defTabSz="914400" rtl="0" eaLnBrk="1" fontAlgn="auto" latinLnBrk="0" hangingPunct="1">
+                        <a:lnSpc>
+                          <a:spcPct val="100000"/>
+                        </a:lnSpc>
+                        <a:spcBef>
+                          <a:spcPts val="0"/>
+                        </a:spcBef>
+                        <a:spcAft>
+                          <a:spcPts val="0"/>
+                        </a:spcAft>
+                        <a:buClrTx/>
+                        <a:buSzTx/>
+                        <a:buFontTx/>
+                        <a:buNone/>
+                        <a:tabLst/>
+                        <a:defRPr/>
+                      </a:pPr>
+                      <a:r>
+                        <a:rPr lang="en-US" dirty="0" err="1"/>
+                        <a:t>DeepConv</a:t>
+                      </a:r>
+                      <a:r>
+                        <a:rPr lang="en-US" dirty="0"/>
+                        <a:t>-DTI</a:t>
+                      </a:r>
+                    </a:p>
+                  </a:txBody>
+                  <a:tcPr/>
+                </a:tc>
+                <a:tc>
+                  <a:txBody>
+                    <a:bodyPr/>
+                    <a:lstStyle/>
+                    <a:p>
+                      <a:r>
+                        <a:rPr lang="en-US" dirty="0"/>
+                        <a:t>KIBA</a:t>
+                      </a:r>
+                    </a:p>
+                  </a:txBody>
+                  <a:tcPr/>
+                </a:tc>
+                <a:tc>
+                  <a:txBody>
+                    <a:bodyPr/>
+                    <a:lstStyle/>
+                    <a:p>
+                      <a:endParaRPr lang="en-US" dirty="0"/>
+                    </a:p>
+                  </a:txBody>
+                  <a:tcPr/>
+                </a:tc>
+                <a:tc>
+                  <a:txBody>
+                    <a:bodyPr/>
+                    <a:lstStyle/>
+                    <a:p>
+                      <a:endParaRPr lang="en-US" dirty="0"/>
+                    </a:p>
+                  </a:txBody>
+                  <a:tcPr/>
+                </a:tc>
+                <a:extLst>
+                  <a:ext uri="{0D108BD9-81ED-4DB2-BD59-A6C34878D82A}">
+                    <a16:rowId xmlns:a16="http://schemas.microsoft.com/office/drawing/2014/main" val="3682852024"/>
+                  </a:ext>
+                </a:extLst>
+              </a:tr>
+              <a:tr h="370840">
+                <a:tc vMerge="1">
+                  <a:txBody>
+                    <a:bodyPr/>
+                    <a:lstStyle/>
+                    <a:p>
+                      <a:endParaRPr lang="en-US" dirty="0"/>
+                    </a:p>
+                  </a:txBody>
+                  <a:tcPr/>
+                </a:tc>
+                <a:tc>
+                  <a:txBody>
+                    <a:bodyPr/>
+                    <a:lstStyle/>
+                    <a:p>
+                      <a:r>
+                        <a:rPr lang="en-US" dirty="0"/>
+                        <a:t>DAVIS</a:t>
+                      </a:r>
+                    </a:p>
+                  </a:txBody>
+                  <a:tcPr/>
+                </a:tc>
+                <a:tc>
+                  <a:txBody>
+                    <a:bodyPr/>
+                    <a:lstStyle/>
+                    <a:p>
+                      <a:endParaRPr lang="en-US" dirty="0"/>
+                    </a:p>
+                  </a:txBody>
+                  <a:tcPr/>
+                </a:tc>
+                <a:tc>
+                  <a:txBody>
+                    <a:bodyPr/>
+                    <a:lstStyle/>
+                    <a:p>
+                      <a:endParaRPr lang="en-US" dirty="0"/>
+                    </a:p>
+                  </a:txBody>
+                  <a:tcPr/>
+                </a:tc>
+                <a:extLst>
+                  <a:ext uri="{0D108BD9-81ED-4DB2-BD59-A6C34878D82A}">
+                    <a16:rowId xmlns:a16="http://schemas.microsoft.com/office/drawing/2014/main" val="1446481810"/>
                   </a:ext>
                 </a:extLst>
               </a:tr>
@@ -4438,7 +7115,7 @@
     </p:spTree>
     <p:extLst>
       <p:ext uri="{BB962C8B-B14F-4D97-AF65-F5344CB8AC3E}">
-        <p14:creationId xmlns:p14="http://schemas.microsoft.com/office/powerpoint/2010/main" val="2211683995"/>
+        <p14:creationId xmlns:p14="http://schemas.microsoft.com/office/powerpoint/2010/main" val="1697311594"/>
       </p:ext>
     </p:extLst>
   </p:cSld>

--- a/articles.pptx
+++ b/articles.pptx
@@ -265,7 +265,7 @@
           <a:p>
             <a:fld id="{415D4241-0516-4243-9AE4-6000D2BA9A19}" type="datetimeFigureOut">
               <a:rPr lang="en-US" smtClean="0"/>
-              <a:t>2/1/2024</a:t>
+              <a:t>2/2/2024</a:t>
             </a:fld>
             <a:endParaRPr lang="en-US"/>
           </a:p>
@@ -463,7 +463,7 @@
           <a:p>
             <a:fld id="{415D4241-0516-4243-9AE4-6000D2BA9A19}" type="datetimeFigureOut">
               <a:rPr lang="en-US" smtClean="0"/>
-              <a:t>2/1/2024</a:t>
+              <a:t>2/2/2024</a:t>
             </a:fld>
             <a:endParaRPr lang="en-US"/>
           </a:p>
@@ -671,7 +671,7 @@
           <a:p>
             <a:fld id="{415D4241-0516-4243-9AE4-6000D2BA9A19}" type="datetimeFigureOut">
               <a:rPr lang="en-US" smtClean="0"/>
-              <a:t>2/1/2024</a:t>
+              <a:t>2/2/2024</a:t>
             </a:fld>
             <a:endParaRPr lang="en-US"/>
           </a:p>
@@ -869,7 +869,7 @@
           <a:p>
             <a:fld id="{415D4241-0516-4243-9AE4-6000D2BA9A19}" type="datetimeFigureOut">
               <a:rPr lang="en-US" smtClean="0"/>
-              <a:t>2/1/2024</a:t>
+              <a:t>2/2/2024</a:t>
             </a:fld>
             <a:endParaRPr lang="en-US"/>
           </a:p>
@@ -1144,7 +1144,7 @@
           <a:p>
             <a:fld id="{415D4241-0516-4243-9AE4-6000D2BA9A19}" type="datetimeFigureOut">
               <a:rPr lang="en-US" smtClean="0"/>
-              <a:t>2/1/2024</a:t>
+              <a:t>2/2/2024</a:t>
             </a:fld>
             <a:endParaRPr lang="en-US"/>
           </a:p>
@@ -1409,7 +1409,7 @@
           <a:p>
             <a:fld id="{415D4241-0516-4243-9AE4-6000D2BA9A19}" type="datetimeFigureOut">
               <a:rPr lang="en-US" smtClean="0"/>
-              <a:t>2/1/2024</a:t>
+              <a:t>2/2/2024</a:t>
             </a:fld>
             <a:endParaRPr lang="en-US"/>
           </a:p>
@@ -1821,7 +1821,7 @@
           <a:p>
             <a:fld id="{415D4241-0516-4243-9AE4-6000D2BA9A19}" type="datetimeFigureOut">
               <a:rPr lang="en-US" smtClean="0"/>
-              <a:t>2/1/2024</a:t>
+              <a:t>2/2/2024</a:t>
             </a:fld>
             <a:endParaRPr lang="en-US"/>
           </a:p>
@@ -1962,7 +1962,7 @@
           <a:p>
             <a:fld id="{415D4241-0516-4243-9AE4-6000D2BA9A19}" type="datetimeFigureOut">
               <a:rPr lang="en-US" smtClean="0"/>
-              <a:t>2/1/2024</a:t>
+              <a:t>2/2/2024</a:t>
             </a:fld>
             <a:endParaRPr lang="en-US"/>
           </a:p>
@@ -2075,7 +2075,7 @@
           <a:p>
             <a:fld id="{415D4241-0516-4243-9AE4-6000D2BA9A19}" type="datetimeFigureOut">
               <a:rPr lang="en-US" smtClean="0"/>
-              <a:t>2/1/2024</a:t>
+              <a:t>2/2/2024</a:t>
             </a:fld>
             <a:endParaRPr lang="en-US"/>
           </a:p>
@@ -2386,7 +2386,7 @@
           <a:p>
             <a:fld id="{415D4241-0516-4243-9AE4-6000D2BA9A19}" type="datetimeFigureOut">
               <a:rPr lang="en-US" smtClean="0"/>
-              <a:t>2/1/2024</a:t>
+              <a:t>2/2/2024</a:t>
             </a:fld>
             <a:endParaRPr lang="en-US"/>
           </a:p>
@@ -2674,7 +2674,7 @@
           <a:p>
             <a:fld id="{415D4241-0516-4243-9AE4-6000D2BA9A19}" type="datetimeFigureOut">
               <a:rPr lang="en-US" smtClean="0"/>
-              <a:t>2/1/2024</a:t>
+              <a:t>2/2/2024</a:t>
             </a:fld>
             <a:endParaRPr lang="en-US"/>
           </a:p>
@@ -2915,7 +2915,7 @@
           <a:p>
             <a:fld id="{415D4241-0516-4243-9AE4-6000D2BA9A19}" type="datetimeFigureOut">
               <a:rPr lang="en-US" smtClean="0"/>
-              <a:t>2/1/2024</a:t>
+              <a:t>2/2/2024</a:t>
             </a:fld>
             <a:endParaRPr lang="en-US"/>
           </a:p>
@@ -5841,7 +5841,7 @@
             <p:ph idx="1"/>
             <p:extLst>
               <p:ext uri="{D42A27DB-BD31-4B8C-83A1-F6EECF244321}">
-                <p14:modId xmlns:p14="http://schemas.microsoft.com/office/powerpoint/2010/main" val="2036339464"/>
+                <p14:modId xmlns:p14="http://schemas.microsoft.com/office/powerpoint/2010/main" val="2978053244"/>
               </p:ext>
             </p:extLst>
           </p:nvPr>
@@ -6117,7 +6117,47 @@
                       </a:pPr>
                       <a:r>
                         <a:rPr lang="en-US" sz="1050" dirty="0"/>
-                        <a:t>{_,_,0.3362,_,_,0.8473}</a:t>
+                        <a:t>{_,_,</a:t>
+                      </a:r>
+                      <a:r>
+                        <a:rPr lang="en-US" sz="1050" dirty="0">
+                          <a:solidFill>
+                            <a:srgbClr val="00B050"/>
+                          </a:solidFill>
+                        </a:rPr>
+                        <a:t> </a:t>
+                      </a:r>
+                      <a:r>
+                        <a:rPr lang="en-US" sz="1050" dirty="0">
+                          <a:solidFill>
+                            <a:schemeClr val="tx1"/>
+                          </a:solidFill>
+                        </a:rPr>
+                        <a:t>0.2275</a:t>
+                      </a:r>
+                      <a:r>
+                        <a:rPr lang="en-US" sz="1050" dirty="0"/>
+                        <a:t>,_,_,</a:t>
+                      </a:r>
+                      <a:r>
+                        <a:rPr lang="en-US" sz="1050" dirty="0">
+                          <a:solidFill>
+                            <a:srgbClr val="00B050"/>
+                          </a:solidFill>
+                        </a:rPr>
+                        <a:t> </a:t>
+                      </a:r>
+                      <a:r>
+                        <a:rPr lang="en-US" sz="1050" dirty="0">
+                          <a:solidFill>
+                            <a:schemeClr val="tx1"/>
+                          </a:solidFill>
+                        </a:rPr>
+                        <a:t>0.8935</a:t>
+                      </a:r>
+                      <a:r>
+                        <a:rPr lang="en-US" sz="1050" dirty="0"/>
+                        <a:t>}</a:t>
                       </a:r>
                     </a:p>
                     <a:p>
@@ -6271,7 +6311,7 @@
             <p:ph idx="1"/>
             <p:extLst>
               <p:ext uri="{D42A27DB-BD31-4B8C-83A1-F6EECF244321}">
-                <p14:modId xmlns:p14="http://schemas.microsoft.com/office/powerpoint/2010/main" val="4138301081"/>
+                <p14:modId xmlns:p14="http://schemas.microsoft.com/office/powerpoint/2010/main" val="2930624624"/>
               </p:ext>
             </p:extLst>
           </p:nvPr>
@@ -6849,7 +6889,7 @@
                       <a:r>
                         <a:rPr lang="en-US" dirty="0">
                           <a:solidFill>
-                            <a:schemeClr val="tx1"/>
+                            <a:srgbClr val="00B050"/>
                           </a:solidFill>
                         </a:rPr>
                         <a:t>0.8935</a:t>
@@ -6866,7 +6906,7 @@
                       <a:r>
                         <a:rPr lang="en-US" dirty="0">
                           <a:solidFill>
-                            <a:schemeClr val="tx1"/>
+                            <a:srgbClr val="00B050"/>
                           </a:solidFill>
                         </a:rPr>
                         <a:t>0.2275</a:t>

--- a/articles.pptx
+++ b/articles.pptx
@@ -265,7 +265,7 @@
           <a:p>
             <a:fld id="{415D4241-0516-4243-9AE4-6000D2BA9A19}" type="datetimeFigureOut">
               <a:rPr lang="en-US" smtClean="0"/>
-              <a:t>2/2/2024</a:t>
+              <a:t>2/3/2024</a:t>
             </a:fld>
             <a:endParaRPr lang="en-US"/>
           </a:p>
@@ -463,7 +463,7 @@
           <a:p>
             <a:fld id="{415D4241-0516-4243-9AE4-6000D2BA9A19}" type="datetimeFigureOut">
               <a:rPr lang="en-US" smtClean="0"/>
-              <a:t>2/2/2024</a:t>
+              <a:t>2/3/2024</a:t>
             </a:fld>
             <a:endParaRPr lang="en-US"/>
           </a:p>
@@ -671,7 +671,7 @@
           <a:p>
             <a:fld id="{415D4241-0516-4243-9AE4-6000D2BA9A19}" type="datetimeFigureOut">
               <a:rPr lang="en-US" smtClean="0"/>
-              <a:t>2/2/2024</a:t>
+              <a:t>2/3/2024</a:t>
             </a:fld>
             <a:endParaRPr lang="en-US"/>
           </a:p>
@@ -869,7 +869,7 @@
           <a:p>
             <a:fld id="{415D4241-0516-4243-9AE4-6000D2BA9A19}" type="datetimeFigureOut">
               <a:rPr lang="en-US" smtClean="0"/>
-              <a:t>2/2/2024</a:t>
+              <a:t>2/3/2024</a:t>
             </a:fld>
             <a:endParaRPr lang="en-US"/>
           </a:p>
@@ -1144,7 +1144,7 @@
           <a:p>
             <a:fld id="{415D4241-0516-4243-9AE4-6000D2BA9A19}" type="datetimeFigureOut">
               <a:rPr lang="en-US" smtClean="0"/>
-              <a:t>2/2/2024</a:t>
+              <a:t>2/3/2024</a:t>
             </a:fld>
             <a:endParaRPr lang="en-US"/>
           </a:p>
@@ -1409,7 +1409,7 @@
           <a:p>
             <a:fld id="{415D4241-0516-4243-9AE4-6000D2BA9A19}" type="datetimeFigureOut">
               <a:rPr lang="en-US" smtClean="0"/>
-              <a:t>2/2/2024</a:t>
+              <a:t>2/3/2024</a:t>
             </a:fld>
             <a:endParaRPr lang="en-US"/>
           </a:p>
@@ -1821,7 +1821,7 @@
           <a:p>
             <a:fld id="{415D4241-0516-4243-9AE4-6000D2BA9A19}" type="datetimeFigureOut">
               <a:rPr lang="en-US" smtClean="0"/>
-              <a:t>2/2/2024</a:t>
+              <a:t>2/3/2024</a:t>
             </a:fld>
             <a:endParaRPr lang="en-US"/>
           </a:p>
@@ -1962,7 +1962,7 @@
           <a:p>
             <a:fld id="{415D4241-0516-4243-9AE4-6000D2BA9A19}" type="datetimeFigureOut">
               <a:rPr lang="en-US" smtClean="0"/>
-              <a:t>2/2/2024</a:t>
+              <a:t>2/3/2024</a:t>
             </a:fld>
             <a:endParaRPr lang="en-US"/>
           </a:p>
@@ -2075,7 +2075,7 @@
           <a:p>
             <a:fld id="{415D4241-0516-4243-9AE4-6000D2BA9A19}" type="datetimeFigureOut">
               <a:rPr lang="en-US" smtClean="0"/>
-              <a:t>2/2/2024</a:t>
+              <a:t>2/3/2024</a:t>
             </a:fld>
             <a:endParaRPr lang="en-US"/>
           </a:p>
@@ -2386,7 +2386,7 @@
           <a:p>
             <a:fld id="{415D4241-0516-4243-9AE4-6000D2BA9A19}" type="datetimeFigureOut">
               <a:rPr lang="en-US" smtClean="0"/>
-              <a:t>2/2/2024</a:t>
+              <a:t>2/3/2024</a:t>
             </a:fld>
             <a:endParaRPr lang="en-US"/>
           </a:p>
@@ -2674,7 +2674,7 @@
           <a:p>
             <a:fld id="{415D4241-0516-4243-9AE4-6000D2BA9A19}" type="datetimeFigureOut">
               <a:rPr lang="en-US" smtClean="0"/>
-              <a:t>2/2/2024</a:t>
+              <a:t>2/3/2024</a:t>
             </a:fld>
             <a:endParaRPr lang="en-US"/>
           </a:p>
@@ -2915,7 +2915,7 @@
           <a:p>
             <a:fld id="{415D4241-0516-4243-9AE4-6000D2BA9A19}" type="datetimeFigureOut">
               <a:rPr lang="en-US" smtClean="0"/>
-              <a:t>2/2/2024</a:t>
+              <a:t>2/3/2024</a:t>
             </a:fld>
             <a:endParaRPr lang="en-US"/>
           </a:p>
@@ -6311,7 +6311,7 @@
             <p:ph idx="1"/>
             <p:extLst>
               <p:ext uri="{D42A27DB-BD31-4B8C-83A1-F6EECF244321}">
-                <p14:modId xmlns:p14="http://schemas.microsoft.com/office/powerpoint/2010/main" val="2930624624"/>
+                <p14:modId xmlns:p14="http://schemas.microsoft.com/office/powerpoint/2010/main" val="2175279237"/>
               </p:ext>
             </p:extLst>
           </p:nvPr>
@@ -6927,109 +6927,6 @@
                     <a:bodyPr/>
                     <a:lstStyle/>
                     <a:p>
-                      <a:r>
-                        <a:rPr lang="en-US" dirty="0"/>
-                        <a:t>PADME</a:t>
-                      </a:r>
-                    </a:p>
-                  </a:txBody>
-                  <a:tcPr/>
-                </a:tc>
-                <a:tc>
-                  <a:txBody>
-                    <a:bodyPr/>
-                    <a:lstStyle/>
-                    <a:p>
-                      <a:r>
-                        <a:rPr lang="en-US" dirty="0"/>
-                        <a:t>KIBA</a:t>
-                      </a:r>
-                    </a:p>
-                  </a:txBody>
-                  <a:tcPr/>
-                </a:tc>
-                <a:tc>
-                  <a:txBody>
-                    <a:bodyPr/>
-                    <a:lstStyle/>
-                    <a:p>
-                      <a:endParaRPr lang="en-US" dirty="0"/>
-                    </a:p>
-                  </a:txBody>
-                  <a:tcPr/>
-                </a:tc>
-                <a:tc>
-                  <a:txBody>
-                    <a:bodyPr/>
-                    <a:lstStyle/>
-                    <a:p>
-                      <a:endParaRPr lang="en-US" dirty="0"/>
-                    </a:p>
-                  </a:txBody>
-                  <a:tcPr/>
-                </a:tc>
-                <a:extLst>
-                  <a:ext uri="{0D108BD9-81ED-4DB2-BD59-A6C34878D82A}">
-                    <a16:rowId xmlns:a16="http://schemas.microsoft.com/office/drawing/2014/main" val="467947642"/>
-                  </a:ext>
-                </a:extLst>
-              </a:tr>
-              <a:tr h="370840">
-                <a:tc vMerge="1">
-                  <a:txBody>
-                    <a:bodyPr/>
-                    <a:lstStyle/>
-                    <a:p>
-                      <a:endParaRPr lang="en-US" dirty="0"/>
-                    </a:p>
-                  </a:txBody>
-                  <a:tcPr/>
-                </a:tc>
-                <a:tc>
-                  <a:txBody>
-                    <a:bodyPr/>
-                    <a:lstStyle/>
-                    <a:p>
-                      <a:r>
-                        <a:rPr lang="en-US" dirty="0"/>
-                        <a:t>DAVIS</a:t>
-                      </a:r>
-                    </a:p>
-                  </a:txBody>
-                  <a:tcPr/>
-                </a:tc>
-                <a:tc>
-                  <a:txBody>
-                    <a:bodyPr/>
-                    <a:lstStyle/>
-                    <a:p>
-                      <a:endParaRPr lang="en-US" dirty="0"/>
-                    </a:p>
-                  </a:txBody>
-                  <a:tcPr/>
-                </a:tc>
-                <a:tc>
-                  <a:txBody>
-                    <a:bodyPr/>
-                    <a:lstStyle/>
-                    <a:p>
-                      <a:endParaRPr lang="en-US" dirty="0"/>
-                    </a:p>
-                  </a:txBody>
-                  <a:tcPr/>
-                </a:tc>
-                <a:extLst>
-                  <a:ext uri="{0D108BD9-81ED-4DB2-BD59-A6C34878D82A}">
-                    <a16:rowId xmlns:a16="http://schemas.microsoft.com/office/drawing/2014/main" val="2420846685"/>
-                  </a:ext>
-                </a:extLst>
-              </a:tr>
-              <a:tr h="370840">
-                <a:tc rowSpan="2">
-                  <a:txBody>
-                    <a:bodyPr/>
-                    <a:lstStyle/>
-                    <a:p>
                       <a:pPr marL="0" marR="0" lvl="0" indent="0" algn="l" defTabSz="914400" rtl="0" eaLnBrk="1" fontAlgn="auto" latinLnBrk="0" hangingPunct="1">
                         <a:lnSpc>
                           <a:spcPct val="100000"/>
@@ -7055,6 +6952,123 @@
                         <a:rPr lang="en-US" dirty="0"/>
                         <a:t>-DTI</a:t>
                       </a:r>
+                    </a:p>
+                  </a:txBody>
+                  <a:tcPr/>
+                </a:tc>
+                <a:tc>
+                  <a:txBody>
+                    <a:bodyPr/>
+                    <a:lstStyle/>
+                    <a:p>
+                      <a:r>
+                        <a:rPr lang="en-US" dirty="0"/>
+                        <a:t>KIBA</a:t>
+                      </a:r>
+                    </a:p>
+                  </a:txBody>
+                  <a:tcPr/>
+                </a:tc>
+                <a:tc>
+                  <a:txBody>
+                    <a:bodyPr/>
+                    <a:lstStyle/>
+                    <a:p>
+                      <a:endParaRPr lang="en-US" dirty="0"/>
+                    </a:p>
+                  </a:txBody>
+                  <a:tcPr/>
+                </a:tc>
+                <a:tc>
+                  <a:txBody>
+                    <a:bodyPr/>
+                    <a:lstStyle/>
+                    <a:p>
+                      <a:endParaRPr lang="en-US" dirty="0"/>
+                    </a:p>
+                  </a:txBody>
+                  <a:tcPr/>
+                </a:tc>
+                <a:extLst>
+                  <a:ext uri="{0D108BD9-81ED-4DB2-BD59-A6C34878D82A}">
+                    <a16:rowId xmlns:a16="http://schemas.microsoft.com/office/drawing/2014/main" val="467947642"/>
+                  </a:ext>
+                </a:extLst>
+              </a:tr>
+              <a:tr h="370840">
+                <a:tc vMerge="1">
+                  <a:txBody>
+                    <a:bodyPr/>
+                    <a:lstStyle/>
+                    <a:p>
+                      <a:endParaRPr lang="en-US" dirty="0"/>
+                    </a:p>
+                  </a:txBody>
+                  <a:tcPr/>
+                </a:tc>
+                <a:tc>
+                  <a:txBody>
+                    <a:bodyPr/>
+                    <a:lstStyle/>
+                    <a:p>
+                      <a:r>
+                        <a:rPr lang="en-US" dirty="0"/>
+                        <a:t>DAVIS</a:t>
+                      </a:r>
+                    </a:p>
+                  </a:txBody>
+                  <a:tcPr/>
+                </a:tc>
+                <a:tc>
+                  <a:txBody>
+                    <a:bodyPr/>
+                    <a:lstStyle/>
+                    <a:p>
+                      <a:endParaRPr lang="en-US" dirty="0"/>
+                    </a:p>
+                  </a:txBody>
+                  <a:tcPr/>
+                </a:tc>
+                <a:tc>
+                  <a:txBody>
+                    <a:bodyPr/>
+                    <a:lstStyle/>
+                    <a:p>
+                      <a:endParaRPr lang="en-US" dirty="0"/>
+                    </a:p>
+                  </a:txBody>
+                  <a:tcPr/>
+                </a:tc>
+                <a:extLst>
+                  <a:ext uri="{0D108BD9-81ED-4DB2-BD59-A6C34878D82A}">
+                    <a16:rowId xmlns:a16="http://schemas.microsoft.com/office/drawing/2014/main" val="2420846685"/>
+                  </a:ext>
+                </a:extLst>
+              </a:tr>
+              <a:tr h="370840">
+                <a:tc rowSpan="2">
+                  <a:txBody>
+                    <a:bodyPr/>
+                    <a:lstStyle/>
+                    <a:p>
+                      <a:pPr marL="0" marR="0" lvl="0" indent="0" algn="l" defTabSz="914400" rtl="0" eaLnBrk="1" fontAlgn="auto" latinLnBrk="0" hangingPunct="1">
+                        <a:lnSpc>
+                          <a:spcPct val="100000"/>
+                        </a:lnSpc>
+                        <a:spcBef>
+                          <a:spcPts val="0"/>
+                        </a:spcBef>
+                        <a:spcAft>
+                          <a:spcPts val="0"/>
+                        </a:spcAft>
+                        <a:buClrTx/>
+                        <a:buSzTx/>
+                        <a:buFontTx/>
+                        <a:buNone/>
+                        <a:tabLst/>
+                        <a:defRPr/>
+                      </a:pPr>
+                      <a:endParaRPr lang="en-US" dirty="0"/>
                     </a:p>
                   </a:txBody>
                   <a:tcPr/>

--- a/articles.pptx
+++ b/articles.pptx
@@ -11,7 +11,9 @@
     <p:sldId id="257" r:id="rId5"/>
     <p:sldId id="258" r:id="rId6"/>
     <p:sldId id="259" r:id="rId7"/>
-    <p:sldId id="260" r:id="rId8"/>
+    <p:sldId id="263" r:id="rId8"/>
+    <p:sldId id="260" r:id="rId9"/>
+    <p:sldId id="264" r:id="rId10"/>
   </p:sldIdLst>
   <p:sldSz cx="12192000" cy="6858000"/>
   <p:notesSz cx="6858000" cy="9144000"/>
@@ -6272,7 +6274,7 @@
           <p:cNvPr id="2" name="Title 1">
             <a:extLst>
               <a:ext uri="{FF2B5EF4-FFF2-40B4-BE49-F238E27FC236}">
-                <a16:creationId xmlns:a16="http://schemas.microsoft.com/office/drawing/2014/main" id="{CDEA2061-6291-41E2-AD6E-5EF21C3587E2}"/>
+                <a16:creationId xmlns:a16="http://schemas.microsoft.com/office/drawing/2014/main" id="{E81F7B50-9BF1-4222-91DC-15309FA2837B}"/>
               </a:ext>
             </a:extLst>
           </p:cNvPr>
@@ -6290,7 +6292,7 @@
           <a:p>
             <a:r>
               <a:rPr lang="en-US" dirty="0"/>
-              <a:t>Task – DTI Prediction</a:t>
+              <a:t>Task – Drug Repurposing</a:t>
             </a:r>
           </a:p>
         </p:txBody>
@@ -6300,7 +6302,7 @@
           <p:cNvPr id="4" name="Table 4">
             <a:extLst>
               <a:ext uri="{FF2B5EF4-FFF2-40B4-BE49-F238E27FC236}">
-                <a16:creationId xmlns:a16="http://schemas.microsoft.com/office/drawing/2014/main" id="{29112E62-F678-49C5-97E7-6596EF559582}"/>
+                <a16:creationId xmlns:a16="http://schemas.microsoft.com/office/drawing/2014/main" id="{51764396-CEAE-4FE5-892C-79C970533BC9}"/>
               </a:ext>
             </a:extLst>
           </p:cNvPr>
@@ -6311,14 +6313,277 @@
             <p:ph idx="1"/>
             <p:extLst>
               <p:ext uri="{D42A27DB-BD31-4B8C-83A1-F6EECF244321}">
-                <p14:modId xmlns:p14="http://schemas.microsoft.com/office/powerpoint/2010/main" val="2175279237"/>
+                <p14:modId xmlns:p14="http://schemas.microsoft.com/office/powerpoint/2010/main" val="582589238"/>
               </p:ext>
             </p:extLst>
           </p:nvPr>
         </p:nvGraphicFramePr>
         <p:xfrm>
           <a:off x="838200" y="1825625"/>
-          <a:ext cx="10515600" cy="4074160"/>
+          <a:ext cx="10515596" cy="2753321"/>
+        </p:xfrm>
+        <a:graphic>
+          <a:graphicData uri="http://schemas.openxmlformats.org/drawingml/2006/table">
+            <a:tbl>
+              <a:tblPr firstRow="1" bandRow="1">
+                <a:tableStyleId>{5C22544A-7EE6-4342-B048-85BDC9FD1C3A}</a:tableStyleId>
+              </a:tblPr>
+              <a:tblGrid>
+                <a:gridCol w="1179443">
+                  <a:extLst>
+                    <a:ext uri="{9D8B030D-6E8A-4147-A177-3AD203B41FA5}">
+                      <a16:colId xmlns:a16="http://schemas.microsoft.com/office/drawing/2014/main" val="1032559416"/>
+                    </a:ext>
+                  </a:extLst>
+                </a:gridCol>
+                <a:gridCol w="834887">
+                  <a:extLst>
+                    <a:ext uri="{9D8B030D-6E8A-4147-A177-3AD203B41FA5}">
+                      <a16:colId xmlns:a16="http://schemas.microsoft.com/office/drawing/2014/main" val="1254089605"/>
+                    </a:ext>
+                  </a:extLst>
+                </a:gridCol>
+                <a:gridCol w="2847561">
+                  <a:extLst>
+                    <a:ext uri="{9D8B030D-6E8A-4147-A177-3AD203B41FA5}">
+                      <a16:colId xmlns:a16="http://schemas.microsoft.com/office/drawing/2014/main" val="3646178479"/>
+                    </a:ext>
+                  </a:extLst>
+                </a:gridCol>
+                <a:gridCol w="5653705">
+                  <a:extLst>
+                    <a:ext uri="{9D8B030D-6E8A-4147-A177-3AD203B41FA5}">
+                      <a16:colId xmlns:a16="http://schemas.microsoft.com/office/drawing/2014/main" val="1207384894"/>
+                    </a:ext>
+                  </a:extLst>
+                </a:gridCol>
+              </a:tblGrid>
+              <a:tr h="997088">
+                <a:tc>
+                  <a:txBody>
+                    <a:bodyPr/>
+                    <a:lstStyle/>
+                    <a:p>
+                      <a:r>
+                        <a:rPr lang="en-US" sz="1050" dirty="0"/>
+                        <a:t>Model</a:t>
+                      </a:r>
+                    </a:p>
+                  </a:txBody>
+                  <a:tcPr/>
+                </a:tc>
+                <a:tc>
+                  <a:txBody>
+                    <a:bodyPr/>
+                    <a:lstStyle/>
+                    <a:p>
+                      <a:r>
+                        <a:rPr lang="en-US" sz="1050" dirty="0"/>
+                        <a:t>Dataset</a:t>
+                      </a:r>
+                    </a:p>
+                  </a:txBody>
+                  <a:tcPr/>
+                </a:tc>
+                <a:tc>
+                  <a:txBody>
+                    <a:bodyPr/>
+                    <a:lstStyle/>
+                    <a:p>
+                      <a:r>
+                        <a:rPr lang="en-US" sz="1050" dirty="0"/>
+                        <a:t>Evaluation Metrics {</a:t>
+                      </a:r>
+                      <a:r>
+                        <a:rPr lang="en-US" sz="1050" b="0" i="0" kern="1200" dirty="0">
+                          <a:solidFill>
+                            <a:schemeClr val="lt1"/>
+                          </a:solidFill>
+                          <a:effectLst/>
+                          <a:latin typeface="+mn-lt"/>
+                          <a:ea typeface="+mn-ea"/>
+                          <a:cs typeface="+mn-cs"/>
+                        </a:rPr>
+                        <a:t>ROC-AUC, PR-AUC, F1 for binary task, MSE, R-squared, Concordance Index</a:t>
+                      </a:r>
+                      <a:r>
+                        <a:rPr lang="en-US" sz="1050" dirty="0"/>
+                        <a:t>}</a:t>
+                      </a:r>
+                    </a:p>
+                  </a:txBody>
+                  <a:tcPr/>
+                </a:tc>
+                <a:tc>
+                  <a:txBody>
+                    <a:bodyPr/>
+                    <a:lstStyle/>
+                    <a:p>
+                      <a:r>
+                        <a:rPr lang="en-US" sz="1050" dirty="0"/>
+                        <a:t>Configuration</a:t>
+                      </a:r>
+                    </a:p>
+                  </a:txBody>
+                  <a:tcPr/>
+                </a:tc>
+                <a:extLst>
+                  <a:ext uri="{0D108BD9-81ED-4DB2-BD59-A6C34878D82A}">
+                    <a16:rowId xmlns:a16="http://schemas.microsoft.com/office/drawing/2014/main" val="1167944617"/>
+                  </a:ext>
+                </a:extLst>
+              </a:tr>
+              <a:tr h="1756233">
+                <a:tc>
+                  <a:txBody>
+                    <a:bodyPr/>
+                    <a:lstStyle/>
+                    <a:p>
+                      <a:r>
+                        <a:rPr lang="en-US" sz="1050" dirty="0" err="1"/>
+                        <a:t>DeepDR</a:t>
+                      </a:r>
+                      <a:endParaRPr lang="en-US" sz="1050" dirty="0"/>
+                    </a:p>
+                  </a:txBody>
+                  <a:tcPr/>
+                </a:tc>
+                <a:tc>
+                  <a:txBody>
+                    <a:bodyPr/>
+                    <a:lstStyle/>
+                    <a:p>
+                      <a:endParaRPr lang="en-US" sz="1050" dirty="0"/>
+                    </a:p>
+                  </a:txBody>
+                  <a:tcPr/>
+                </a:tc>
+                <a:tc>
+                  <a:txBody>
+                    <a:bodyPr/>
+                    <a:lstStyle/>
+                    <a:p>
+                      <a:r>
+                        <a:rPr lang="en-US" sz="1050" dirty="0"/>
+                        <a:t>{0.9057,0.9231,_,_,_,_}</a:t>
+                      </a:r>
+                    </a:p>
+                  </a:txBody>
+                  <a:tcPr/>
+                </a:tc>
+                <a:tc>
+                  <a:txBody>
+                    <a:bodyPr/>
+                    <a:lstStyle/>
+                    <a:p>
+                      <a:r>
+                        <a:rPr lang="en-US" sz="1050" b="0" kern="1200" dirty="0">
+                          <a:solidFill>
+                            <a:schemeClr val="dk1"/>
+                          </a:solidFill>
+                          <a:effectLst/>
+                          <a:latin typeface="+mn-lt"/>
+                          <a:ea typeface="+mn-ea"/>
+                          <a:cs typeface="+mn-cs"/>
+                        </a:rPr>
+                        <a:t>Default</a:t>
+                      </a:r>
+                    </a:p>
+                  </a:txBody>
+                  <a:tcPr/>
+                </a:tc>
+                <a:extLst>
+                  <a:ext uri="{0D108BD9-81ED-4DB2-BD59-A6C34878D82A}">
+                    <a16:rowId xmlns:a16="http://schemas.microsoft.com/office/drawing/2014/main" val="2318273423"/>
+                  </a:ext>
+                </a:extLst>
+              </a:tr>
+            </a:tbl>
+          </a:graphicData>
+        </a:graphic>
+      </p:graphicFrame>
+    </p:spTree>
+    <p:extLst>
+      <p:ext uri="{BB962C8B-B14F-4D97-AF65-F5344CB8AC3E}">
+        <p14:creationId xmlns:p14="http://schemas.microsoft.com/office/powerpoint/2010/main" val="1525859040"/>
+      </p:ext>
+    </p:extLst>
+  </p:cSld>
+  <p:clrMapOvr>
+    <a:masterClrMapping/>
+  </p:clrMapOvr>
+</p:sld>
+</file>
+
+<file path=ppt/slides/slide8.xml><?xml version="1.0" encoding="utf-8"?>
+<p:sld xmlns:a="http://schemas.openxmlformats.org/drawingml/2006/main" xmlns:r="http://schemas.openxmlformats.org/officeDocument/2006/relationships" xmlns:p="http://schemas.openxmlformats.org/presentationml/2006/main">
+  <p:cSld>
+    <p:spTree>
+      <p:nvGrpSpPr>
+        <p:cNvPr id="1" name=""/>
+        <p:cNvGrpSpPr/>
+        <p:nvPr/>
+      </p:nvGrpSpPr>
+      <p:grpSpPr>
+        <a:xfrm>
+          <a:off x="0" y="0"/>
+          <a:ext cx="0" cy="0"/>
+          <a:chOff x="0" y="0"/>
+          <a:chExt cx="0" cy="0"/>
+        </a:xfrm>
+      </p:grpSpPr>
+      <p:sp>
+        <p:nvSpPr>
+          <p:cNvPr id="2" name="Title 1">
+            <a:extLst>
+              <a:ext uri="{FF2B5EF4-FFF2-40B4-BE49-F238E27FC236}">
+                <a16:creationId xmlns:a16="http://schemas.microsoft.com/office/drawing/2014/main" id="{CDEA2061-6291-41E2-AD6E-5EF21C3587E2}"/>
+              </a:ext>
+            </a:extLst>
+          </p:cNvPr>
+          <p:cNvSpPr>
+            <a:spLocks noGrp="1"/>
+          </p:cNvSpPr>
+          <p:nvPr>
+            <p:ph type="title"/>
+          </p:nvPr>
+        </p:nvSpPr>
+        <p:spPr/>
+        <p:txBody>
+          <a:bodyPr/>
+          <a:lstStyle/>
+          <a:p>
+            <a:r>
+              <a:rPr lang="en-US" dirty="0"/>
+              <a:t>Task – DTI Prediction</a:t>
+            </a:r>
+          </a:p>
+        </p:txBody>
+      </p:sp>
+      <p:graphicFrame>
+        <p:nvGraphicFramePr>
+          <p:cNvPr id="4" name="Table 4">
+            <a:extLst>
+              <a:ext uri="{FF2B5EF4-FFF2-40B4-BE49-F238E27FC236}">
+                <a16:creationId xmlns:a16="http://schemas.microsoft.com/office/drawing/2014/main" id="{29112E62-F678-49C5-97E7-6596EF559582}"/>
+              </a:ext>
+            </a:extLst>
+          </p:cNvPr>
+          <p:cNvGraphicFramePr>
+            <a:graphicFrameLocks noGrp="1"/>
+          </p:cNvGraphicFramePr>
+          <p:nvPr>
+            <p:ph idx="1"/>
+            <p:extLst>
+              <p:ext uri="{D42A27DB-BD31-4B8C-83A1-F6EECF244321}">
+                <p14:modId xmlns:p14="http://schemas.microsoft.com/office/powerpoint/2010/main" val="2825146590"/>
+              </p:ext>
+            </p:extLst>
+          </p:nvPr>
+        </p:nvGraphicFramePr>
+        <p:xfrm>
+          <a:off x="838200" y="1825625"/>
+          <a:ext cx="10515600" cy="2590800"/>
         </p:xfrm>
         <a:graphic>
           <a:graphicData uri="http://schemas.openxmlformats.org/drawingml/2006/table">
@@ -6921,8 +7186,214 @@
                   </a:ext>
                 </a:extLst>
               </a:tr>
+            </a:tbl>
+          </a:graphicData>
+        </a:graphic>
+      </p:graphicFrame>
+    </p:spTree>
+    <p:extLst>
+      <p:ext uri="{BB962C8B-B14F-4D97-AF65-F5344CB8AC3E}">
+        <p14:creationId xmlns:p14="http://schemas.microsoft.com/office/powerpoint/2010/main" val="1697311594"/>
+      </p:ext>
+    </p:extLst>
+  </p:cSld>
+  <p:clrMapOvr>
+    <a:masterClrMapping/>
+  </p:clrMapOvr>
+</p:sld>
+</file>
+
+<file path=ppt/slides/slide9.xml><?xml version="1.0" encoding="utf-8"?>
+<p:sld xmlns:a="http://schemas.openxmlformats.org/drawingml/2006/main" xmlns:r="http://schemas.openxmlformats.org/officeDocument/2006/relationships" xmlns:p="http://schemas.openxmlformats.org/presentationml/2006/main">
+  <p:cSld>
+    <p:spTree>
+      <p:nvGrpSpPr>
+        <p:cNvPr id="1" name=""/>
+        <p:cNvGrpSpPr/>
+        <p:nvPr/>
+      </p:nvGrpSpPr>
+      <p:grpSpPr>
+        <a:xfrm>
+          <a:off x="0" y="0"/>
+          <a:ext cx="0" cy="0"/>
+          <a:chOff x="0" y="0"/>
+          <a:chExt cx="0" cy="0"/>
+        </a:xfrm>
+      </p:grpSpPr>
+      <p:sp>
+        <p:nvSpPr>
+          <p:cNvPr id="2" name="Title 1">
+            <a:extLst>
+              <a:ext uri="{FF2B5EF4-FFF2-40B4-BE49-F238E27FC236}">
+                <a16:creationId xmlns:a16="http://schemas.microsoft.com/office/drawing/2014/main" id="{CDEA2061-6291-41E2-AD6E-5EF21C3587E2}"/>
+              </a:ext>
+            </a:extLst>
+          </p:cNvPr>
+          <p:cNvSpPr>
+            <a:spLocks noGrp="1"/>
+          </p:cNvSpPr>
+          <p:nvPr>
+            <p:ph type="title"/>
+          </p:nvPr>
+        </p:nvSpPr>
+        <p:spPr/>
+        <p:txBody>
+          <a:bodyPr/>
+          <a:lstStyle/>
+          <a:p>
+            <a:r>
+              <a:rPr lang="en-US" dirty="0"/>
+              <a:t>Task – Drug Repurposing</a:t>
+            </a:r>
+          </a:p>
+        </p:txBody>
+      </p:sp>
+      <p:graphicFrame>
+        <p:nvGraphicFramePr>
+          <p:cNvPr id="4" name="Table 4">
+            <a:extLst>
+              <a:ext uri="{FF2B5EF4-FFF2-40B4-BE49-F238E27FC236}">
+                <a16:creationId xmlns:a16="http://schemas.microsoft.com/office/drawing/2014/main" id="{29112E62-F678-49C5-97E7-6596EF559582}"/>
+              </a:ext>
+            </a:extLst>
+          </p:cNvPr>
+          <p:cNvGraphicFramePr>
+            <a:graphicFrameLocks noGrp="1"/>
+          </p:cNvGraphicFramePr>
+          <p:nvPr>
+            <p:ph idx="1"/>
+            <p:extLst>
+              <p:ext uri="{D42A27DB-BD31-4B8C-83A1-F6EECF244321}">
+                <p14:modId xmlns:p14="http://schemas.microsoft.com/office/powerpoint/2010/main" val="2460957098"/>
+              </p:ext>
+            </p:extLst>
+          </p:nvPr>
+        </p:nvGraphicFramePr>
+        <p:xfrm>
+          <a:off x="838200" y="1825625"/>
+          <a:ext cx="10515600" cy="736600"/>
+        </p:xfrm>
+        <a:graphic>
+          <a:graphicData uri="http://schemas.openxmlformats.org/drawingml/2006/table">
+            <a:tbl>
+              <a:tblPr firstRow="1" bandRow="1">
+                <a:tableStyleId>{5C22544A-7EE6-4342-B048-85BDC9FD1C3A}</a:tableStyleId>
+              </a:tblPr>
+              <a:tblGrid>
+                <a:gridCol w="2628900">
+                  <a:extLst>
+                    <a:ext uri="{9D8B030D-6E8A-4147-A177-3AD203B41FA5}">
+                      <a16:colId xmlns:a16="http://schemas.microsoft.com/office/drawing/2014/main" val="4171021312"/>
+                    </a:ext>
+                  </a:extLst>
+                </a:gridCol>
+                <a:gridCol w="2628900">
+                  <a:extLst>
+                    <a:ext uri="{9D8B030D-6E8A-4147-A177-3AD203B41FA5}">
+                      <a16:colId xmlns:a16="http://schemas.microsoft.com/office/drawing/2014/main" val="1734734859"/>
+                    </a:ext>
+                  </a:extLst>
+                </a:gridCol>
+                <a:gridCol w="2628900">
+                  <a:extLst>
+                    <a:ext uri="{9D8B030D-6E8A-4147-A177-3AD203B41FA5}">
+                      <a16:colId xmlns:a16="http://schemas.microsoft.com/office/drawing/2014/main" val="4011593856"/>
+                    </a:ext>
+                  </a:extLst>
+                </a:gridCol>
+                <a:gridCol w="2628900">
+                  <a:extLst>
+                    <a:ext uri="{9D8B030D-6E8A-4147-A177-3AD203B41FA5}">
+                      <a16:colId xmlns:a16="http://schemas.microsoft.com/office/drawing/2014/main" val="232216118"/>
+                    </a:ext>
+                  </a:extLst>
+                </a:gridCol>
+              </a:tblGrid>
               <a:tr h="370840">
-                <a:tc rowSpan="2">
+                <a:tc>
+                  <a:txBody>
+                    <a:bodyPr/>
+                    <a:lstStyle/>
+                    <a:p>
+                      <a:r>
+                        <a:rPr lang="en-US" dirty="0"/>
+                        <a:t>Model</a:t>
+                      </a:r>
+                    </a:p>
+                  </a:txBody>
+                  <a:tcPr/>
+                </a:tc>
+                <a:tc>
+                  <a:txBody>
+                    <a:bodyPr/>
+                    <a:lstStyle/>
+                    <a:p>
+                      <a:r>
+                        <a:rPr lang="en-US" dirty="0"/>
+                        <a:t>Dataset</a:t>
+                      </a:r>
+                    </a:p>
+                  </a:txBody>
+                  <a:tcPr/>
+                </a:tc>
+                <a:tc>
+                  <a:txBody>
+                    <a:bodyPr/>
+                    <a:lstStyle/>
+                    <a:p>
+                      <a:r>
+                        <a:rPr lang="en-US" dirty="0"/>
+                        <a:t>ROC-AUC</a:t>
+                      </a:r>
+                    </a:p>
+                  </a:txBody>
+                  <a:tcPr/>
+                </a:tc>
+                <a:tc>
+                  <a:txBody>
+                    <a:bodyPr/>
+                    <a:lstStyle/>
+                    <a:p>
+                      <a:r>
+                        <a:rPr lang="en-US" dirty="0"/>
+                        <a:t>PR-AUC</a:t>
+                      </a:r>
+                    </a:p>
+                  </a:txBody>
+                  <a:tcPr/>
+                </a:tc>
+                <a:extLst>
+                  <a:ext uri="{0D108BD9-81ED-4DB2-BD59-A6C34878D82A}">
+                    <a16:rowId xmlns:a16="http://schemas.microsoft.com/office/drawing/2014/main" val="4179254793"/>
+                  </a:ext>
+                </a:extLst>
+              </a:tr>
+              <a:tr h="133378">
+                <a:tc>
+                  <a:txBody>
+                    <a:bodyPr/>
+                    <a:lstStyle/>
+                    <a:p>
+                      <a:r>
+                        <a:rPr lang="en-US" dirty="0" err="1"/>
+                        <a:t>DeepDR</a:t>
+                      </a:r>
+                      <a:endParaRPr lang="en-US" dirty="0"/>
+                    </a:p>
+                  </a:txBody>
+                  <a:tcPr/>
+                </a:tc>
+                <a:tc>
+                  <a:txBody>
+                    <a:bodyPr/>
+                    <a:lstStyle/>
+                    <a:p>
+                      <a:endParaRPr lang="en-US" dirty="0"/>
+                    </a:p>
+                  </a:txBody>
+                  <a:tcPr/>
+                </a:tc>
+                <a:tc>
                   <a:txBody>
                     <a:bodyPr/>
                     <a:lstStyle/>
@@ -6945,108 +7416,18 @@
                         <a:defRPr/>
                       </a:pPr>
                       <a:r>
-                        <a:rPr lang="en-US" dirty="0" err="1"/>
-                        <a:t>DeepConv</a:t>
-                      </a:r>
-                      <a:r>
-                        <a:rPr lang="en-US" dirty="0"/>
-                        <a:t>-DTI</a:t>
+                        <a:rPr lang="en-US" sz="1800" dirty="0">
+                          <a:solidFill>
+                            <a:srgbClr val="00B050"/>
+                          </a:solidFill>
+                        </a:rPr>
+                        <a:t>0.9057</a:t>
                       </a:r>
                     </a:p>
                   </a:txBody>
                   <a:tcPr/>
                 </a:tc>
                 <a:tc>
-                  <a:txBody>
-                    <a:bodyPr/>
-                    <a:lstStyle/>
-                    <a:p>
-                      <a:r>
-                        <a:rPr lang="en-US" dirty="0"/>
-                        <a:t>KIBA</a:t>
-                      </a:r>
-                    </a:p>
-                  </a:txBody>
-                  <a:tcPr/>
-                </a:tc>
-                <a:tc>
-                  <a:txBody>
-                    <a:bodyPr/>
-                    <a:lstStyle/>
-                    <a:p>
-                      <a:endParaRPr lang="en-US" dirty="0"/>
-                    </a:p>
-                  </a:txBody>
-                  <a:tcPr/>
-                </a:tc>
-                <a:tc>
-                  <a:txBody>
-                    <a:bodyPr/>
-                    <a:lstStyle/>
-                    <a:p>
-                      <a:endParaRPr lang="en-US" dirty="0"/>
-                    </a:p>
-                  </a:txBody>
-                  <a:tcPr/>
-                </a:tc>
-                <a:extLst>
-                  <a:ext uri="{0D108BD9-81ED-4DB2-BD59-A6C34878D82A}">
-                    <a16:rowId xmlns:a16="http://schemas.microsoft.com/office/drawing/2014/main" val="467947642"/>
-                  </a:ext>
-                </a:extLst>
-              </a:tr>
-              <a:tr h="370840">
-                <a:tc vMerge="1">
-                  <a:txBody>
-                    <a:bodyPr/>
-                    <a:lstStyle/>
-                    <a:p>
-                      <a:endParaRPr lang="en-US" dirty="0"/>
-                    </a:p>
-                  </a:txBody>
-                  <a:tcPr/>
-                </a:tc>
-                <a:tc>
-                  <a:txBody>
-                    <a:bodyPr/>
-                    <a:lstStyle/>
-                    <a:p>
-                      <a:r>
-                        <a:rPr lang="en-US" dirty="0"/>
-                        <a:t>DAVIS</a:t>
-                      </a:r>
-                    </a:p>
-                  </a:txBody>
-                  <a:tcPr/>
-                </a:tc>
-                <a:tc>
-                  <a:txBody>
-                    <a:bodyPr/>
-                    <a:lstStyle/>
-                    <a:p>
-                      <a:endParaRPr lang="en-US" dirty="0"/>
-                    </a:p>
-                  </a:txBody>
-                  <a:tcPr/>
-                </a:tc>
-                <a:tc>
-                  <a:txBody>
-                    <a:bodyPr/>
-                    <a:lstStyle/>
-                    <a:p>
-                      <a:endParaRPr lang="en-US" dirty="0"/>
-                    </a:p>
-                  </a:txBody>
-                  <a:tcPr/>
-                </a:tc>
-                <a:extLst>
-                  <a:ext uri="{0D108BD9-81ED-4DB2-BD59-A6C34878D82A}">
-                    <a16:rowId xmlns:a16="http://schemas.microsoft.com/office/drawing/2014/main" val="2420846685"/>
-                  </a:ext>
-                </a:extLst>
-              </a:tr>
-              <a:tr h="370840">
-                <a:tc rowSpan="2">
                   <a:txBody>
                     <a:bodyPr/>
                     <a:lstStyle/>
@@ -7068,97 +7449,21 @@
                         <a:tabLst/>
                         <a:defRPr/>
                       </a:pPr>
-                      <a:endParaRPr lang="en-US" dirty="0"/>
-                    </a:p>
-                  </a:txBody>
-                  <a:tcPr/>
-                </a:tc>
-                <a:tc>
-                  <a:txBody>
-                    <a:bodyPr/>
-                    <a:lstStyle/>
-                    <a:p>
-                      <a:r>
-                        <a:rPr lang="en-US" dirty="0"/>
-                        <a:t>KIBA</a:t>
-                      </a:r>
-                    </a:p>
-                  </a:txBody>
-                  <a:tcPr/>
-                </a:tc>
-                <a:tc>
-                  <a:txBody>
-                    <a:bodyPr/>
-                    <a:lstStyle/>
-                    <a:p>
-                      <a:endParaRPr lang="en-US" dirty="0"/>
-                    </a:p>
-                  </a:txBody>
-                  <a:tcPr/>
-                </a:tc>
-                <a:tc>
-                  <a:txBody>
-                    <a:bodyPr/>
-                    <a:lstStyle/>
-                    <a:p>
-                      <a:endParaRPr lang="en-US" dirty="0"/>
+                      <a:r>
+                        <a:rPr lang="en-US" sz="1800" dirty="0">
+                          <a:solidFill>
+                            <a:srgbClr val="00B050"/>
+                          </a:solidFill>
+                        </a:rPr>
+                        <a:t>0.9231</a:t>
+                      </a:r>
                     </a:p>
                   </a:txBody>
                   <a:tcPr/>
                 </a:tc>
                 <a:extLst>
                   <a:ext uri="{0D108BD9-81ED-4DB2-BD59-A6C34878D82A}">
-                    <a16:rowId xmlns:a16="http://schemas.microsoft.com/office/drawing/2014/main" val="3682852024"/>
-                  </a:ext>
-                </a:extLst>
-              </a:tr>
-              <a:tr h="370840">
-                <a:tc vMerge="1">
-                  <a:txBody>
-                    <a:bodyPr/>
-                    <a:lstStyle/>
-                    <a:p>
-                      <a:endParaRPr lang="en-US" dirty="0"/>
-                    </a:p>
-                  </a:txBody>
-                  <a:tcPr/>
-                </a:tc>
-                <a:tc>
-                  <a:txBody>
-                    <a:bodyPr/>
-                    <a:lstStyle/>
-                    <a:p>
-                      <a:r>
-                        <a:rPr lang="en-US" dirty="0"/>
-                        <a:t>DAVIS</a:t>
-                      </a:r>
-                    </a:p>
-                  </a:txBody>
-                  <a:tcPr/>
-                </a:tc>
-                <a:tc>
-                  <a:txBody>
-                    <a:bodyPr/>
-                    <a:lstStyle/>
-                    <a:p>
-                      <a:endParaRPr lang="en-US" dirty="0"/>
-                    </a:p>
-                  </a:txBody>
-                  <a:tcPr/>
-                </a:tc>
-                <a:tc>
-                  <a:txBody>
-                    <a:bodyPr/>
-                    <a:lstStyle/>
-                    <a:p>
-                      <a:endParaRPr lang="en-US" dirty="0"/>
-                    </a:p>
-                  </a:txBody>
-                  <a:tcPr/>
-                </a:tc>
-                <a:extLst>
-                  <a:ext uri="{0D108BD9-81ED-4DB2-BD59-A6C34878D82A}">
-                    <a16:rowId xmlns:a16="http://schemas.microsoft.com/office/drawing/2014/main" val="1446481810"/>
+                    <a16:rowId xmlns:a16="http://schemas.microsoft.com/office/drawing/2014/main" val="3490028031"/>
                   </a:ext>
                 </a:extLst>
               </a:tr>
@@ -7169,7 +7474,7 @@
     </p:spTree>
     <p:extLst>
       <p:ext uri="{BB962C8B-B14F-4D97-AF65-F5344CB8AC3E}">
-        <p14:creationId xmlns:p14="http://schemas.microsoft.com/office/powerpoint/2010/main" val="1697311594"/>
+        <p14:creationId xmlns:p14="http://schemas.microsoft.com/office/powerpoint/2010/main" val="1461278102"/>
       </p:ext>
     </p:extLst>
   </p:cSld>

--- a/articles.pptx
+++ b/articles.pptx
@@ -7,13 +7,15 @@
   <p:sldIdLst>
     <p:sldId id="256" r:id="rId2"/>
     <p:sldId id="261" r:id="rId3"/>
-    <p:sldId id="262" r:id="rId4"/>
-    <p:sldId id="257" r:id="rId5"/>
-    <p:sldId id="258" r:id="rId6"/>
-    <p:sldId id="259" r:id="rId7"/>
-    <p:sldId id="263" r:id="rId8"/>
-    <p:sldId id="260" r:id="rId9"/>
-    <p:sldId id="264" r:id="rId10"/>
+    <p:sldId id="265" r:id="rId4"/>
+    <p:sldId id="262" r:id="rId5"/>
+    <p:sldId id="257" r:id="rId6"/>
+    <p:sldId id="258" r:id="rId7"/>
+    <p:sldId id="259" r:id="rId8"/>
+    <p:sldId id="266" r:id="rId9"/>
+    <p:sldId id="263" r:id="rId10"/>
+    <p:sldId id="260" r:id="rId11"/>
+    <p:sldId id="264" r:id="rId12"/>
   </p:sldIdLst>
   <p:sldSz cx="12192000" cy="6858000"/>
   <p:notesSz cx="6858000" cy="9144000"/>
@@ -267,7 +269,7 @@
           <a:p>
             <a:fld id="{415D4241-0516-4243-9AE4-6000D2BA9A19}" type="datetimeFigureOut">
               <a:rPr lang="en-US" smtClean="0"/>
-              <a:t>2/3/2024</a:t>
+              <a:t>2/22/2024</a:t>
             </a:fld>
             <a:endParaRPr lang="en-US"/>
           </a:p>
@@ -465,7 +467,7 @@
           <a:p>
             <a:fld id="{415D4241-0516-4243-9AE4-6000D2BA9A19}" type="datetimeFigureOut">
               <a:rPr lang="en-US" smtClean="0"/>
-              <a:t>2/3/2024</a:t>
+              <a:t>2/22/2024</a:t>
             </a:fld>
             <a:endParaRPr lang="en-US"/>
           </a:p>
@@ -673,7 +675,7 @@
           <a:p>
             <a:fld id="{415D4241-0516-4243-9AE4-6000D2BA9A19}" type="datetimeFigureOut">
               <a:rPr lang="en-US" smtClean="0"/>
-              <a:t>2/3/2024</a:t>
+              <a:t>2/22/2024</a:t>
             </a:fld>
             <a:endParaRPr lang="en-US"/>
           </a:p>
@@ -871,7 +873,7 @@
           <a:p>
             <a:fld id="{415D4241-0516-4243-9AE4-6000D2BA9A19}" type="datetimeFigureOut">
               <a:rPr lang="en-US" smtClean="0"/>
-              <a:t>2/3/2024</a:t>
+              <a:t>2/22/2024</a:t>
             </a:fld>
             <a:endParaRPr lang="en-US"/>
           </a:p>
@@ -1146,7 +1148,7 @@
           <a:p>
             <a:fld id="{415D4241-0516-4243-9AE4-6000D2BA9A19}" type="datetimeFigureOut">
               <a:rPr lang="en-US" smtClean="0"/>
-              <a:t>2/3/2024</a:t>
+              <a:t>2/22/2024</a:t>
             </a:fld>
             <a:endParaRPr lang="en-US"/>
           </a:p>
@@ -1411,7 +1413,7 @@
           <a:p>
             <a:fld id="{415D4241-0516-4243-9AE4-6000D2BA9A19}" type="datetimeFigureOut">
               <a:rPr lang="en-US" smtClean="0"/>
-              <a:t>2/3/2024</a:t>
+              <a:t>2/22/2024</a:t>
             </a:fld>
             <a:endParaRPr lang="en-US"/>
           </a:p>
@@ -1823,7 +1825,7 @@
           <a:p>
             <a:fld id="{415D4241-0516-4243-9AE4-6000D2BA9A19}" type="datetimeFigureOut">
               <a:rPr lang="en-US" smtClean="0"/>
-              <a:t>2/3/2024</a:t>
+              <a:t>2/22/2024</a:t>
             </a:fld>
             <a:endParaRPr lang="en-US"/>
           </a:p>
@@ -1964,7 +1966,7 @@
           <a:p>
             <a:fld id="{415D4241-0516-4243-9AE4-6000D2BA9A19}" type="datetimeFigureOut">
               <a:rPr lang="en-US" smtClean="0"/>
-              <a:t>2/3/2024</a:t>
+              <a:t>2/22/2024</a:t>
             </a:fld>
             <a:endParaRPr lang="en-US"/>
           </a:p>
@@ -2077,7 +2079,7 @@
           <a:p>
             <a:fld id="{415D4241-0516-4243-9AE4-6000D2BA9A19}" type="datetimeFigureOut">
               <a:rPr lang="en-US" smtClean="0"/>
-              <a:t>2/3/2024</a:t>
+              <a:t>2/22/2024</a:t>
             </a:fld>
             <a:endParaRPr lang="en-US"/>
           </a:p>
@@ -2388,7 +2390,7 @@
           <a:p>
             <a:fld id="{415D4241-0516-4243-9AE4-6000D2BA9A19}" type="datetimeFigureOut">
               <a:rPr lang="en-US" smtClean="0"/>
-              <a:t>2/3/2024</a:t>
+              <a:t>2/22/2024</a:t>
             </a:fld>
             <a:endParaRPr lang="en-US"/>
           </a:p>
@@ -2676,7 +2678,7 @@
           <a:p>
             <a:fld id="{415D4241-0516-4243-9AE4-6000D2BA9A19}" type="datetimeFigureOut">
               <a:rPr lang="en-US" smtClean="0"/>
-              <a:t>2/3/2024</a:t>
+              <a:t>2/22/2024</a:t>
             </a:fld>
             <a:endParaRPr lang="en-US"/>
           </a:p>
@@ -2917,7 +2919,7 @@
           <a:p>
             <a:fld id="{415D4241-0516-4243-9AE4-6000D2BA9A19}" type="datetimeFigureOut">
               <a:rPr lang="en-US" smtClean="0"/>
-              <a:t>2/3/2024</a:t>
+              <a:t>2/22/2024</a:t>
             </a:fld>
             <a:endParaRPr lang="en-US"/>
           </a:p>
@@ -3400,6 +3402,759 @@
 </p:sld>
 </file>
 
+<file path=ppt/slides/slide10.xml><?xml version="1.0" encoding="utf-8"?>
+<p:sld xmlns:a="http://schemas.openxmlformats.org/drawingml/2006/main" xmlns:r="http://schemas.openxmlformats.org/officeDocument/2006/relationships" xmlns:p="http://schemas.openxmlformats.org/presentationml/2006/main">
+  <p:cSld>
+    <p:spTree>
+      <p:nvGrpSpPr>
+        <p:cNvPr id="1" name=""/>
+        <p:cNvGrpSpPr/>
+        <p:nvPr/>
+      </p:nvGrpSpPr>
+      <p:grpSpPr>
+        <a:xfrm>
+          <a:off x="0" y="0"/>
+          <a:ext cx="0" cy="0"/>
+          <a:chOff x="0" y="0"/>
+          <a:chExt cx="0" cy="0"/>
+        </a:xfrm>
+      </p:grpSpPr>
+      <p:sp>
+        <p:nvSpPr>
+          <p:cNvPr id="2" name="Title 1">
+            <a:extLst>
+              <a:ext uri="{FF2B5EF4-FFF2-40B4-BE49-F238E27FC236}">
+                <a16:creationId xmlns:a16="http://schemas.microsoft.com/office/drawing/2014/main" id="{CDEA2061-6291-41E2-AD6E-5EF21C3587E2}"/>
+              </a:ext>
+            </a:extLst>
+          </p:cNvPr>
+          <p:cNvSpPr>
+            <a:spLocks noGrp="1"/>
+          </p:cNvSpPr>
+          <p:nvPr>
+            <p:ph type="title"/>
+          </p:nvPr>
+        </p:nvSpPr>
+        <p:spPr/>
+        <p:txBody>
+          <a:bodyPr/>
+          <a:lstStyle/>
+          <a:p>
+            <a:r>
+              <a:rPr lang="en-US" dirty="0"/>
+              <a:t>Task – DTI Prediction</a:t>
+            </a:r>
+          </a:p>
+        </p:txBody>
+      </p:sp>
+      <p:graphicFrame>
+        <p:nvGraphicFramePr>
+          <p:cNvPr id="4" name="Table 4">
+            <a:extLst>
+              <a:ext uri="{FF2B5EF4-FFF2-40B4-BE49-F238E27FC236}">
+                <a16:creationId xmlns:a16="http://schemas.microsoft.com/office/drawing/2014/main" id="{29112E62-F678-49C5-97E7-6596EF559582}"/>
+              </a:ext>
+            </a:extLst>
+          </p:cNvPr>
+          <p:cNvGraphicFramePr>
+            <a:graphicFrameLocks noGrp="1"/>
+          </p:cNvGraphicFramePr>
+          <p:nvPr>
+            <p:ph idx="1"/>
+            <p:extLst>
+              <p:ext uri="{D42A27DB-BD31-4B8C-83A1-F6EECF244321}">
+                <p14:modId xmlns:p14="http://schemas.microsoft.com/office/powerpoint/2010/main" val="1856379495"/>
+              </p:ext>
+            </p:extLst>
+          </p:nvPr>
+        </p:nvGraphicFramePr>
+        <p:xfrm>
+          <a:off x="838199" y="2074545"/>
+          <a:ext cx="10515600" cy="3332480"/>
+        </p:xfrm>
+        <a:graphic>
+          <a:graphicData uri="http://schemas.openxmlformats.org/drawingml/2006/table">
+            <a:tbl>
+              <a:tblPr firstRow="1" bandRow="1">
+                <a:tableStyleId>{5C22544A-7EE6-4342-B048-85BDC9FD1C3A}</a:tableStyleId>
+              </a:tblPr>
+              <a:tblGrid>
+                <a:gridCol w="5257800">
+                  <a:extLst>
+                    <a:ext uri="{9D8B030D-6E8A-4147-A177-3AD203B41FA5}">
+                      <a16:colId xmlns:a16="http://schemas.microsoft.com/office/drawing/2014/main" val="4171021312"/>
+                    </a:ext>
+                  </a:extLst>
+                </a:gridCol>
+                <a:gridCol w="5257800">
+                  <a:extLst>
+                    <a:ext uri="{9D8B030D-6E8A-4147-A177-3AD203B41FA5}">
+                      <a16:colId xmlns:a16="http://schemas.microsoft.com/office/drawing/2014/main" val="1734734859"/>
+                    </a:ext>
+                  </a:extLst>
+                </a:gridCol>
+              </a:tblGrid>
+              <a:tr h="370840">
+                <a:tc>
+                  <a:txBody>
+                    <a:bodyPr/>
+                    <a:lstStyle/>
+                    <a:p>
+                      <a:r>
+                        <a:rPr lang="en-US" dirty="0"/>
+                        <a:t>Model</a:t>
+                      </a:r>
+                    </a:p>
+                  </a:txBody>
+                  <a:tcPr/>
+                </a:tc>
+                <a:tc>
+                  <a:txBody>
+                    <a:bodyPr/>
+                    <a:lstStyle/>
+                    <a:p>
+                      <a:r>
+                        <a:rPr lang="en-US" dirty="0"/>
+                        <a:t>Dataset</a:t>
+                      </a:r>
+                    </a:p>
+                  </a:txBody>
+                  <a:tcPr/>
+                </a:tc>
+                <a:extLst>
+                  <a:ext uri="{0D108BD9-81ED-4DB2-BD59-A6C34878D82A}">
+                    <a16:rowId xmlns:a16="http://schemas.microsoft.com/office/drawing/2014/main" val="4179254793"/>
+                  </a:ext>
+                </a:extLst>
+              </a:tr>
+              <a:tr h="133378">
+                <a:tc rowSpan="2">
+                  <a:txBody>
+                    <a:bodyPr/>
+                    <a:lstStyle/>
+                    <a:p>
+                      <a:r>
+                        <a:rPr lang="en-US" dirty="0" err="1"/>
+                        <a:t>DeepPurpose</a:t>
+                      </a:r>
+                      <a:endParaRPr lang="en-US" dirty="0"/>
+                    </a:p>
+                  </a:txBody>
+                  <a:tcPr/>
+                </a:tc>
+                <a:tc>
+                  <a:txBody>
+                    <a:bodyPr/>
+                    <a:lstStyle/>
+                    <a:p>
+                      <a:r>
+                        <a:rPr lang="en-US" dirty="0"/>
+                        <a:t>KIBA</a:t>
+                      </a:r>
+                    </a:p>
+                  </a:txBody>
+                  <a:tcPr/>
+                </a:tc>
+                <a:extLst>
+                  <a:ext uri="{0D108BD9-81ED-4DB2-BD59-A6C34878D82A}">
+                    <a16:rowId xmlns:a16="http://schemas.microsoft.com/office/drawing/2014/main" val="3490028031"/>
+                  </a:ext>
+                </a:extLst>
+              </a:tr>
+              <a:tr h="370840">
+                <a:tc vMerge="1">
+                  <a:txBody>
+                    <a:bodyPr/>
+                    <a:lstStyle/>
+                    <a:p>
+                      <a:r>
+                        <a:rPr lang="en-US" dirty="0" err="1"/>
+                        <a:t>DeepPurpose</a:t>
+                      </a:r>
+                      <a:endParaRPr lang="en-US" dirty="0"/>
+                    </a:p>
+                  </a:txBody>
+                  <a:tcPr/>
+                </a:tc>
+                <a:tc>
+                  <a:txBody>
+                    <a:bodyPr/>
+                    <a:lstStyle/>
+                    <a:p>
+                      <a:r>
+                        <a:rPr lang="en-US" dirty="0"/>
+                        <a:t>DAVIS</a:t>
+                      </a:r>
+                    </a:p>
+                  </a:txBody>
+                  <a:tcPr/>
+                </a:tc>
+                <a:extLst>
+                  <a:ext uri="{0D108BD9-81ED-4DB2-BD59-A6C34878D82A}">
+                    <a16:rowId xmlns:a16="http://schemas.microsoft.com/office/drawing/2014/main" val="3144850038"/>
+                  </a:ext>
+                </a:extLst>
+              </a:tr>
+              <a:tr h="370840">
+                <a:tc rowSpan="2">
+                  <a:txBody>
+                    <a:bodyPr/>
+                    <a:lstStyle/>
+                    <a:p>
+                      <a:pPr marL="0" marR="0" lvl="0" indent="0" algn="l" defTabSz="914400" rtl="0" eaLnBrk="1" fontAlgn="auto" latinLnBrk="0" hangingPunct="1">
+                        <a:lnSpc>
+                          <a:spcPct val="100000"/>
+                        </a:lnSpc>
+                        <a:spcBef>
+                          <a:spcPts val="0"/>
+                        </a:spcBef>
+                        <a:spcAft>
+                          <a:spcPts val="0"/>
+                        </a:spcAft>
+                        <a:buClrTx/>
+                        <a:buSzTx/>
+                        <a:buFontTx/>
+                        <a:buNone/>
+                        <a:tabLst/>
+                        <a:defRPr/>
+                      </a:pPr>
+                      <a:r>
+                        <a:rPr lang="en-US" sz="1800" dirty="0" err="1"/>
+                        <a:t>DeepDTA</a:t>
+                      </a:r>
+                      <a:endParaRPr lang="en-US" sz="1800" dirty="0"/>
+                    </a:p>
+                  </a:txBody>
+                  <a:tcPr/>
+                </a:tc>
+                <a:tc>
+                  <a:txBody>
+                    <a:bodyPr/>
+                    <a:lstStyle/>
+                    <a:p>
+                      <a:r>
+                        <a:rPr lang="en-US" dirty="0"/>
+                        <a:t>KIBA</a:t>
+                      </a:r>
+                    </a:p>
+                  </a:txBody>
+                  <a:tcPr/>
+                </a:tc>
+                <a:extLst>
+                  <a:ext uri="{0D108BD9-81ED-4DB2-BD59-A6C34878D82A}">
+                    <a16:rowId xmlns:a16="http://schemas.microsoft.com/office/drawing/2014/main" val="687844645"/>
+                  </a:ext>
+                </a:extLst>
+              </a:tr>
+              <a:tr h="370840">
+                <a:tc vMerge="1">
+                  <a:txBody>
+                    <a:bodyPr/>
+                    <a:lstStyle/>
+                    <a:p>
+                      <a:endParaRPr lang="en-US" dirty="0"/>
+                    </a:p>
+                  </a:txBody>
+                  <a:tcPr/>
+                </a:tc>
+                <a:tc>
+                  <a:txBody>
+                    <a:bodyPr/>
+                    <a:lstStyle/>
+                    <a:p>
+                      <a:r>
+                        <a:rPr lang="en-US" dirty="0"/>
+                        <a:t>DAVIS</a:t>
+                      </a:r>
+                    </a:p>
+                  </a:txBody>
+                  <a:tcPr/>
+                </a:tc>
+                <a:extLst>
+                  <a:ext uri="{0D108BD9-81ED-4DB2-BD59-A6C34878D82A}">
+                    <a16:rowId xmlns:a16="http://schemas.microsoft.com/office/drawing/2014/main" val="1674587026"/>
+                  </a:ext>
+                </a:extLst>
+              </a:tr>
+              <a:tr h="370840">
+                <a:tc rowSpan="2">
+                  <a:txBody>
+                    <a:bodyPr/>
+                    <a:lstStyle/>
+                    <a:p>
+                      <a:r>
+                        <a:rPr lang="en-US" dirty="0" err="1"/>
+                        <a:t>GraphDTA</a:t>
+                      </a:r>
+                      <a:endParaRPr lang="en-US" dirty="0"/>
+                    </a:p>
+                  </a:txBody>
+                  <a:tcPr/>
+                </a:tc>
+                <a:tc>
+                  <a:txBody>
+                    <a:bodyPr/>
+                    <a:lstStyle/>
+                    <a:p>
+                      <a:r>
+                        <a:rPr lang="en-US" dirty="0"/>
+                        <a:t>KIBA</a:t>
+                      </a:r>
+                    </a:p>
+                  </a:txBody>
+                  <a:tcPr/>
+                </a:tc>
+                <a:extLst>
+                  <a:ext uri="{0D108BD9-81ED-4DB2-BD59-A6C34878D82A}">
+                    <a16:rowId xmlns:a16="http://schemas.microsoft.com/office/drawing/2014/main" val="3965556525"/>
+                  </a:ext>
+                </a:extLst>
+              </a:tr>
+              <a:tr h="370840">
+                <a:tc vMerge="1">
+                  <a:txBody>
+                    <a:bodyPr/>
+                    <a:lstStyle/>
+                    <a:p>
+                      <a:endParaRPr lang="en-US" dirty="0"/>
+                    </a:p>
+                  </a:txBody>
+                  <a:tcPr/>
+                </a:tc>
+                <a:tc>
+                  <a:txBody>
+                    <a:bodyPr/>
+                    <a:lstStyle/>
+                    <a:p>
+                      <a:r>
+                        <a:rPr lang="en-US" dirty="0"/>
+                        <a:t>DAVIS</a:t>
+                      </a:r>
+                    </a:p>
+                  </a:txBody>
+                  <a:tcPr/>
+                </a:tc>
+                <a:extLst>
+                  <a:ext uri="{0D108BD9-81ED-4DB2-BD59-A6C34878D82A}">
+                    <a16:rowId xmlns:a16="http://schemas.microsoft.com/office/drawing/2014/main" val="1403392224"/>
+                  </a:ext>
+                </a:extLst>
+              </a:tr>
+              <a:tr h="370840">
+                <a:tc rowSpan="2">
+                  <a:txBody>
+                    <a:bodyPr/>
+                    <a:lstStyle/>
+                    <a:p>
+                      <a:r>
+                        <a:rPr lang="en-US" dirty="0" err="1"/>
+                        <a:t>DeepLPI</a:t>
+                      </a:r>
+                      <a:endParaRPr lang="en-US" dirty="0"/>
+                    </a:p>
+                  </a:txBody>
+                  <a:tcPr/>
+                </a:tc>
+                <a:tc>
+                  <a:txBody>
+                    <a:bodyPr/>
+                    <a:lstStyle/>
+                    <a:p>
+                      <a:r>
+                        <a:rPr lang="en-US" dirty="0"/>
+                        <a:t>KIBA</a:t>
+                      </a:r>
+                    </a:p>
+                  </a:txBody>
+                  <a:tcPr/>
+                </a:tc>
+                <a:extLst>
+                  <a:ext uri="{0D108BD9-81ED-4DB2-BD59-A6C34878D82A}">
+                    <a16:rowId xmlns:a16="http://schemas.microsoft.com/office/drawing/2014/main" val="3780244722"/>
+                  </a:ext>
+                </a:extLst>
+              </a:tr>
+              <a:tr h="370840">
+                <a:tc vMerge="1">
+                  <a:txBody>
+                    <a:bodyPr/>
+                    <a:lstStyle/>
+                    <a:p>
+                      <a:endParaRPr lang="en-US" dirty="0"/>
+                    </a:p>
+                  </a:txBody>
+                  <a:tcPr/>
+                </a:tc>
+                <a:tc>
+                  <a:txBody>
+                    <a:bodyPr/>
+                    <a:lstStyle/>
+                    <a:p>
+                      <a:r>
+                        <a:rPr lang="en-US" dirty="0"/>
+                        <a:t>DAVIS</a:t>
+                      </a:r>
+                    </a:p>
+                  </a:txBody>
+                  <a:tcPr/>
+                </a:tc>
+                <a:extLst>
+                  <a:ext uri="{0D108BD9-81ED-4DB2-BD59-A6C34878D82A}">
+                    <a16:rowId xmlns:a16="http://schemas.microsoft.com/office/drawing/2014/main" val="3903827991"/>
+                  </a:ext>
+                </a:extLst>
+              </a:tr>
+            </a:tbl>
+          </a:graphicData>
+        </a:graphic>
+      </p:graphicFrame>
+    </p:spTree>
+    <p:extLst>
+      <p:ext uri="{BB962C8B-B14F-4D97-AF65-F5344CB8AC3E}">
+        <p14:creationId xmlns:p14="http://schemas.microsoft.com/office/powerpoint/2010/main" val="1697311594"/>
+      </p:ext>
+    </p:extLst>
+  </p:cSld>
+  <p:clrMapOvr>
+    <a:masterClrMapping/>
+  </p:clrMapOvr>
+</p:sld>
+</file>
+
+<file path=ppt/slides/slide11.xml><?xml version="1.0" encoding="utf-8"?>
+<p:sld xmlns:a="http://schemas.openxmlformats.org/drawingml/2006/main" xmlns:r="http://schemas.openxmlformats.org/officeDocument/2006/relationships" xmlns:p="http://schemas.openxmlformats.org/presentationml/2006/main">
+  <p:cSld>
+    <p:spTree>
+      <p:nvGrpSpPr>
+        <p:cNvPr id="1" name=""/>
+        <p:cNvGrpSpPr/>
+        <p:nvPr/>
+      </p:nvGrpSpPr>
+      <p:grpSpPr>
+        <a:xfrm>
+          <a:off x="0" y="0"/>
+          <a:ext cx="0" cy="0"/>
+          <a:chOff x="0" y="0"/>
+          <a:chExt cx="0" cy="0"/>
+        </a:xfrm>
+      </p:grpSpPr>
+      <p:sp>
+        <p:nvSpPr>
+          <p:cNvPr id="2" name="Title 1">
+            <a:extLst>
+              <a:ext uri="{FF2B5EF4-FFF2-40B4-BE49-F238E27FC236}">
+                <a16:creationId xmlns:a16="http://schemas.microsoft.com/office/drawing/2014/main" id="{CDEA2061-6291-41E2-AD6E-5EF21C3587E2}"/>
+              </a:ext>
+            </a:extLst>
+          </p:cNvPr>
+          <p:cNvSpPr>
+            <a:spLocks noGrp="1"/>
+          </p:cNvSpPr>
+          <p:nvPr>
+            <p:ph type="title"/>
+          </p:nvPr>
+        </p:nvSpPr>
+        <p:spPr/>
+        <p:txBody>
+          <a:bodyPr/>
+          <a:lstStyle/>
+          <a:p>
+            <a:r>
+              <a:rPr lang="en-US" dirty="0"/>
+              <a:t>Task – Drug Repurposing</a:t>
+            </a:r>
+          </a:p>
+        </p:txBody>
+      </p:sp>
+      <p:graphicFrame>
+        <p:nvGraphicFramePr>
+          <p:cNvPr id="4" name="Table 4">
+            <a:extLst>
+              <a:ext uri="{FF2B5EF4-FFF2-40B4-BE49-F238E27FC236}">
+                <a16:creationId xmlns:a16="http://schemas.microsoft.com/office/drawing/2014/main" id="{29112E62-F678-49C5-97E7-6596EF559582}"/>
+              </a:ext>
+            </a:extLst>
+          </p:cNvPr>
+          <p:cNvGraphicFramePr>
+            <a:graphicFrameLocks noGrp="1"/>
+          </p:cNvGraphicFramePr>
+          <p:nvPr>
+            <p:ph idx="1"/>
+            <p:extLst>
+              <p:ext uri="{D42A27DB-BD31-4B8C-83A1-F6EECF244321}">
+                <p14:modId xmlns:p14="http://schemas.microsoft.com/office/powerpoint/2010/main" val="3061328334"/>
+              </p:ext>
+            </p:extLst>
+          </p:nvPr>
+        </p:nvGraphicFramePr>
+        <p:xfrm>
+          <a:off x="838200" y="1825625"/>
+          <a:ext cx="7886700" cy="1102360"/>
+        </p:xfrm>
+        <a:graphic>
+          <a:graphicData uri="http://schemas.openxmlformats.org/drawingml/2006/table">
+            <a:tbl>
+              <a:tblPr firstRow="1" bandRow="1">
+                <a:tableStyleId>{5C22544A-7EE6-4342-B048-85BDC9FD1C3A}</a:tableStyleId>
+              </a:tblPr>
+              <a:tblGrid>
+                <a:gridCol w="2628900">
+                  <a:extLst>
+                    <a:ext uri="{9D8B030D-6E8A-4147-A177-3AD203B41FA5}">
+                      <a16:colId xmlns:a16="http://schemas.microsoft.com/office/drawing/2014/main" val="4171021312"/>
+                    </a:ext>
+                  </a:extLst>
+                </a:gridCol>
+                <a:gridCol w="2628900">
+                  <a:extLst>
+                    <a:ext uri="{9D8B030D-6E8A-4147-A177-3AD203B41FA5}">
+                      <a16:colId xmlns:a16="http://schemas.microsoft.com/office/drawing/2014/main" val="4011593856"/>
+                    </a:ext>
+                  </a:extLst>
+                </a:gridCol>
+                <a:gridCol w="2628900">
+                  <a:extLst>
+                    <a:ext uri="{9D8B030D-6E8A-4147-A177-3AD203B41FA5}">
+                      <a16:colId xmlns:a16="http://schemas.microsoft.com/office/drawing/2014/main" val="232216118"/>
+                    </a:ext>
+                  </a:extLst>
+                </a:gridCol>
+              </a:tblGrid>
+              <a:tr h="370840">
+                <a:tc>
+                  <a:txBody>
+                    <a:bodyPr/>
+                    <a:lstStyle/>
+                    <a:p>
+                      <a:r>
+                        <a:rPr lang="en-US" dirty="0"/>
+                        <a:t>Model</a:t>
+                      </a:r>
+                    </a:p>
+                  </a:txBody>
+                  <a:tcPr/>
+                </a:tc>
+                <a:tc>
+                  <a:txBody>
+                    <a:bodyPr/>
+                    <a:lstStyle/>
+                    <a:p>
+                      <a:r>
+                        <a:rPr lang="en-US" dirty="0"/>
+                        <a:t>ROC-AUC</a:t>
+                      </a:r>
+                    </a:p>
+                  </a:txBody>
+                  <a:tcPr/>
+                </a:tc>
+                <a:tc>
+                  <a:txBody>
+                    <a:bodyPr/>
+                    <a:lstStyle/>
+                    <a:p>
+                      <a:r>
+                        <a:rPr lang="en-US" dirty="0"/>
+                        <a:t>PR-AUC</a:t>
+                      </a:r>
+                    </a:p>
+                  </a:txBody>
+                  <a:tcPr/>
+                </a:tc>
+                <a:extLst>
+                  <a:ext uri="{0D108BD9-81ED-4DB2-BD59-A6C34878D82A}">
+                    <a16:rowId xmlns:a16="http://schemas.microsoft.com/office/drawing/2014/main" val="4179254793"/>
+                  </a:ext>
+                </a:extLst>
+              </a:tr>
+              <a:tr h="133378">
+                <a:tc>
+                  <a:txBody>
+                    <a:bodyPr/>
+                    <a:lstStyle/>
+                    <a:p>
+                      <a:r>
+                        <a:rPr lang="en-US" dirty="0" err="1"/>
+                        <a:t>DeepDR</a:t>
+                      </a:r>
+                      <a:endParaRPr lang="en-US" dirty="0"/>
+                    </a:p>
+                  </a:txBody>
+                  <a:tcPr/>
+                </a:tc>
+                <a:tc>
+                  <a:txBody>
+                    <a:bodyPr/>
+                    <a:lstStyle/>
+                    <a:p>
+                      <a:pPr marL="0" marR="0" lvl="0" indent="0" algn="l" defTabSz="914400" rtl="0" eaLnBrk="1" fontAlgn="auto" latinLnBrk="0" hangingPunct="1">
+                        <a:lnSpc>
+                          <a:spcPct val="100000"/>
+                        </a:lnSpc>
+                        <a:spcBef>
+                          <a:spcPts val="0"/>
+                        </a:spcBef>
+                        <a:spcAft>
+                          <a:spcPts val="0"/>
+                        </a:spcAft>
+                        <a:buClrTx/>
+                        <a:buSzTx/>
+                        <a:buFontTx/>
+                        <a:buNone/>
+                        <a:tabLst/>
+                        <a:defRPr/>
+                      </a:pPr>
+                      <a:r>
+                        <a:rPr lang="en-US" sz="1800" dirty="0">
+                          <a:solidFill>
+                            <a:srgbClr val="00B050"/>
+                          </a:solidFill>
+                        </a:rPr>
+                        <a:t>0.9057</a:t>
+                      </a:r>
+                    </a:p>
+                  </a:txBody>
+                  <a:tcPr/>
+                </a:tc>
+                <a:tc>
+                  <a:txBody>
+                    <a:bodyPr/>
+                    <a:lstStyle/>
+                    <a:p>
+                      <a:pPr marL="0" marR="0" lvl="0" indent="0" algn="l" defTabSz="914400" rtl="0" eaLnBrk="1" fontAlgn="auto" latinLnBrk="0" hangingPunct="1">
+                        <a:lnSpc>
+                          <a:spcPct val="100000"/>
+                        </a:lnSpc>
+                        <a:spcBef>
+                          <a:spcPts val="0"/>
+                        </a:spcBef>
+                        <a:spcAft>
+                          <a:spcPts val="0"/>
+                        </a:spcAft>
+                        <a:buClrTx/>
+                        <a:buSzTx/>
+                        <a:buFontTx/>
+                        <a:buNone/>
+                        <a:tabLst/>
+                        <a:defRPr/>
+                      </a:pPr>
+                      <a:r>
+                        <a:rPr lang="en-US" sz="1800" dirty="0">
+                          <a:solidFill>
+                            <a:srgbClr val="00B050"/>
+                          </a:solidFill>
+                        </a:rPr>
+                        <a:t>0.9231</a:t>
+                      </a:r>
+                    </a:p>
+                  </a:txBody>
+                  <a:tcPr/>
+                </a:tc>
+                <a:extLst>
+                  <a:ext uri="{0D108BD9-81ED-4DB2-BD59-A6C34878D82A}">
+                    <a16:rowId xmlns:a16="http://schemas.microsoft.com/office/drawing/2014/main" val="3490028031"/>
+                  </a:ext>
+                </a:extLst>
+              </a:tr>
+              <a:tr h="133378">
+                <a:tc>
+                  <a:txBody>
+                    <a:bodyPr/>
+                    <a:lstStyle/>
+                    <a:p>
+                      <a:r>
+                        <a:rPr lang="en-US" dirty="0" err="1"/>
+                        <a:t>DeepPurpose</a:t>
+                      </a:r>
+                      <a:endParaRPr lang="en-US" dirty="0"/>
+                    </a:p>
+                  </a:txBody>
+                  <a:tcPr/>
+                </a:tc>
+                <a:tc>
+                  <a:txBody>
+                    <a:bodyPr/>
+                    <a:lstStyle/>
+                    <a:p>
+                      <a:pPr marL="0" marR="0" lvl="0" indent="0" algn="l" defTabSz="914400" rtl="0" eaLnBrk="1" fontAlgn="auto" latinLnBrk="0" hangingPunct="1">
+                        <a:lnSpc>
+                          <a:spcPct val="100000"/>
+                        </a:lnSpc>
+                        <a:spcBef>
+                          <a:spcPts val="0"/>
+                        </a:spcBef>
+                        <a:spcAft>
+                          <a:spcPts val="0"/>
+                        </a:spcAft>
+                        <a:buClrTx/>
+                        <a:buSzTx/>
+                        <a:buFontTx/>
+                        <a:buNone/>
+                        <a:tabLst/>
+                        <a:defRPr/>
+                      </a:pPr>
+                      <a:endParaRPr lang="en-US" sz="1800" dirty="0">
+                        <a:solidFill>
+                          <a:srgbClr val="00B050"/>
+                        </a:solidFill>
+                      </a:endParaRPr>
+                    </a:p>
+                  </a:txBody>
+                  <a:tcPr/>
+                </a:tc>
+                <a:tc>
+                  <a:txBody>
+                    <a:bodyPr/>
+                    <a:lstStyle/>
+                    <a:p>
+                      <a:pPr marL="0" marR="0" lvl="0" indent="0" algn="l" defTabSz="914400" rtl="0" eaLnBrk="1" fontAlgn="auto" latinLnBrk="0" hangingPunct="1">
+                        <a:lnSpc>
+                          <a:spcPct val="100000"/>
+                        </a:lnSpc>
+                        <a:spcBef>
+                          <a:spcPts val="0"/>
+                        </a:spcBef>
+                        <a:spcAft>
+                          <a:spcPts val="0"/>
+                        </a:spcAft>
+                        <a:buClrTx/>
+                        <a:buSzTx/>
+                        <a:buFontTx/>
+                        <a:buNone/>
+                        <a:tabLst/>
+                        <a:defRPr/>
+                      </a:pPr>
+                      <a:endParaRPr lang="en-US" sz="1800" dirty="0">
+                        <a:solidFill>
+                          <a:srgbClr val="00B050"/>
+                        </a:solidFill>
+                      </a:endParaRPr>
+                    </a:p>
+                  </a:txBody>
+                  <a:tcPr/>
+                </a:tc>
+                <a:extLst>
+                  <a:ext uri="{0D108BD9-81ED-4DB2-BD59-A6C34878D82A}">
+                    <a16:rowId xmlns:a16="http://schemas.microsoft.com/office/drawing/2014/main" val="286953807"/>
+                  </a:ext>
+                </a:extLst>
+              </a:tr>
+            </a:tbl>
+          </a:graphicData>
+        </a:graphic>
+      </p:graphicFrame>
+    </p:spTree>
+    <p:extLst>
+      <p:ext uri="{BB962C8B-B14F-4D97-AF65-F5344CB8AC3E}">
+        <p14:creationId xmlns:p14="http://schemas.microsoft.com/office/powerpoint/2010/main" val="1461278102"/>
+      </p:ext>
+    </p:extLst>
+  </p:cSld>
+  <p:clrMapOvr>
+    <a:masterClrMapping/>
+  </p:clrMapOvr>
+</p:sld>
+</file>
+
 <file path=ppt/slides/slide2.xml><?xml version="1.0" encoding="utf-8"?>
 <p:sld xmlns:a="http://schemas.openxmlformats.org/drawingml/2006/main" xmlns:r="http://schemas.openxmlformats.org/officeDocument/2006/relationships" xmlns:p="http://schemas.openxmlformats.org/presentationml/2006/main">
   <p:cSld>
@@ -3514,6 +4269,101 @@
           <p:cNvPr id="2" name="Title 1">
             <a:extLst>
               <a:ext uri="{FF2B5EF4-FFF2-40B4-BE49-F238E27FC236}">
+                <a16:creationId xmlns:a16="http://schemas.microsoft.com/office/drawing/2014/main" id="{14CA4E46-1326-43A1-938B-E1F6EC243A87}"/>
+              </a:ext>
+            </a:extLst>
+          </p:cNvPr>
+          <p:cNvSpPr>
+            <a:spLocks noGrp="1"/>
+          </p:cNvSpPr>
+          <p:nvPr>
+            <p:ph type="title"/>
+          </p:nvPr>
+        </p:nvSpPr>
+        <p:spPr/>
+        <p:txBody>
+          <a:bodyPr/>
+          <a:lstStyle/>
+          <a:p>
+            <a:r>
+              <a:rPr lang="en-US" dirty="0"/>
+              <a:t>Feedback</a:t>
+            </a:r>
+          </a:p>
+        </p:txBody>
+      </p:sp>
+      <p:sp>
+        <p:nvSpPr>
+          <p:cNvPr id="3" name="Content Placeholder 2">
+            <a:extLst>
+              <a:ext uri="{FF2B5EF4-FFF2-40B4-BE49-F238E27FC236}">
+                <a16:creationId xmlns:a16="http://schemas.microsoft.com/office/drawing/2014/main" id="{7DE54177-016D-4B58-A3E1-AF259FB759A3}"/>
+              </a:ext>
+            </a:extLst>
+          </p:cNvPr>
+          <p:cNvSpPr>
+            <a:spLocks noGrp="1"/>
+          </p:cNvSpPr>
+          <p:nvPr>
+            <p:ph idx="1"/>
+          </p:nvPr>
+        </p:nvSpPr>
+        <p:spPr/>
+        <p:txBody>
+          <a:bodyPr/>
+          <a:lstStyle/>
+          <a:p>
+            <a:r>
+              <a:rPr lang="en-US" dirty="0"/>
+              <a:t>Keep track of modalities used by these models</a:t>
+            </a:r>
+          </a:p>
+          <a:p>
+            <a:r>
+              <a:rPr lang="en-US" dirty="0"/>
+              <a:t>How one modality deletion can differ the performance</a:t>
+            </a:r>
+          </a:p>
+          <a:p>
+            <a:endParaRPr lang="en-US" dirty="0"/>
+          </a:p>
+        </p:txBody>
+      </p:sp>
+    </p:spTree>
+    <p:extLst>
+      <p:ext uri="{BB962C8B-B14F-4D97-AF65-F5344CB8AC3E}">
+        <p14:creationId xmlns:p14="http://schemas.microsoft.com/office/powerpoint/2010/main" val="3053851394"/>
+      </p:ext>
+    </p:extLst>
+  </p:cSld>
+  <p:clrMapOvr>
+    <a:masterClrMapping/>
+  </p:clrMapOvr>
+</p:sld>
+</file>
+
+<file path=ppt/slides/slide4.xml><?xml version="1.0" encoding="utf-8"?>
+<p:sld xmlns:a="http://schemas.openxmlformats.org/drawingml/2006/main" xmlns:r="http://schemas.openxmlformats.org/officeDocument/2006/relationships" xmlns:p="http://schemas.openxmlformats.org/presentationml/2006/main">
+  <p:cSld>
+    <p:spTree>
+      <p:nvGrpSpPr>
+        <p:cNvPr id="1" name=""/>
+        <p:cNvGrpSpPr/>
+        <p:nvPr/>
+      </p:nvGrpSpPr>
+      <p:grpSpPr>
+        <a:xfrm>
+          <a:off x="0" y="0"/>
+          <a:ext cx="0" cy="0"/>
+          <a:chOff x="0" y="0"/>
+          <a:chExt cx="0" cy="0"/>
+        </a:xfrm>
+      </p:grpSpPr>
+      <p:sp>
+        <p:nvSpPr>
+          <p:cNvPr id="2" name="Title 1">
+            <a:extLst>
+              <a:ext uri="{FF2B5EF4-FFF2-40B4-BE49-F238E27FC236}">
                 <a16:creationId xmlns:a16="http://schemas.microsoft.com/office/drawing/2014/main" id="{D45CD144-7B57-4CDF-AD0F-9285BF21690A}"/>
               </a:ext>
             </a:extLst>
@@ -3560,12 +4410,12 @@
           </a:bodyPr>
           <a:lstStyle/>
           <a:p>
-            <a:pPr marL="0" indent="0">
-              <a:buNone/>
+            <a:pPr marL="342900" indent="-342900">
+              <a:buAutoNum type="arabicPeriod"/>
             </a:pPr>
             <a:r>
               <a:rPr lang="en-US" sz="1800" dirty="0"/>
-              <a:t>1. Why particularly these papers?</a:t>
+              <a:t>Why particularly these papers?</a:t>
             </a:r>
           </a:p>
         </p:txBody>
@@ -3583,7 +4433,7 @@
 </p:sld>
 </file>
 
-<file path=ppt/slides/slide4.xml><?xml version="1.0" encoding="utf-8"?>
+<file path=ppt/slides/slide5.xml><?xml version="1.0" encoding="utf-8"?>
 <p:sld xmlns:a="http://schemas.openxmlformats.org/drawingml/2006/main" xmlns:r="http://schemas.openxmlformats.org/officeDocument/2006/relationships" xmlns:p="http://schemas.openxmlformats.org/presentationml/2006/main">
   <p:cSld>
     <p:spTree>
@@ -3644,7 +4494,7 @@
             <p:ph idx="1"/>
             <p:extLst>
               <p:ext uri="{D42A27DB-BD31-4B8C-83A1-F6EECF244321}">
-                <p14:modId xmlns:p14="http://schemas.microsoft.com/office/powerpoint/2010/main" val="3319252824"/>
+                <p14:modId xmlns:p14="http://schemas.microsoft.com/office/powerpoint/2010/main" val="3757458970"/>
               </p:ext>
             </p:extLst>
           </p:nvPr>
@@ -3805,7 +4655,11 @@
                     <a:lstStyle/>
                     <a:p>
                       <a:r>
-                        <a:rPr lang="en-US" sz="1000" dirty="0"/>
+                        <a:rPr lang="en-US" sz="1000" dirty="0">
+                          <a:solidFill>
+                            <a:srgbClr val="FF0000"/>
+                          </a:solidFill>
+                        </a:rPr>
                         <a:t>KIBA</a:t>
                       </a:r>
                     </a:p>
@@ -3818,7 +4672,11 @@
                     <a:lstStyle/>
                     <a:p>
                       <a:r>
-                        <a:rPr lang="en-US" sz="1000" dirty="0"/>
+                        <a:rPr lang="en-US" sz="1000" dirty="0">
+                          <a:solidFill>
+                            <a:srgbClr val="FF0000"/>
+                          </a:solidFill>
+                        </a:rPr>
                         <a:t>‘MPNN’, ‘CNN’</a:t>
                       </a:r>
                     </a:p>
@@ -3848,7 +4706,11 @@
                         <a:defRPr/>
                       </a:pPr>
                       <a:r>
-                        <a:rPr lang="en-US" sz="1000" dirty="0"/>
+                        <a:rPr lang="en-US" sz="1000" dirty="0">
+                          <a:solidFill>
+                            <a:srgbClr val="FF0000"/>
+                          </a:solidFill>
+                        </a:rPr>
                         <a:t>{_,_,_, 0.6161,_, 0.6736}</a:t>
                       </a:r>
                     </a:p>
@@ -4193,7 +5055,11 @@
                     <a:lstStyle/>
                     <a:p>
                       <a:r>
-                        <a:rPr lang="en-US" sz="1000" dirty="0"/>
+                        <a:rPr lang="en-US" sz="1000" dirty="0">
+                          <a:solidFill>
+                            <a:srgbClr val="FF0000"/>
+                          </a:solidFill>
+                        </a:rPr>
                         <a:t>DAVIS</a:t>
                       </a:r>
                     </a:p>
@@ -4206,7 +5072,11 @@
                     <a:lstStyle/>
                     <a:p>
                       <a:r>
-                        <a:rPr lang="en-US" sz="1000" dirty="0"/>
+                        <a:rPr lang="en-US" sz="1000" dirty="0">
+                          <a:solidFill>
+                            <a:srgbClr val="FF0000"/>
+                          </a:solidFill>
+                        </a:rPr>
                         <a:t>‘MPNN’, ‘CNN’</a:t>
                       </a:r>
                     </a:p>
@@ -4236,13 +5106,17 @@
                         <a:defRPr/>
                       </a:pPr>
                       <a:r>
-                        <a:rPr lang="en-US" sz="1000" dirty="0"/>
+                        <a:rPr lang="en-US" sz="1000" dirty="0">
+                          <a:solidFill>
+                            <a:srgbClr val="FF0000"/>
+                          </a:solidFill>
+                        </a:rPr>
                         <a:t>{_,_,_,</a:t>
                       </a:r>
                       <a:r>
                         <a:rPr lang="en-US" sz="1000" b="0" i="0" kern="1200" dirty="0">
                           <a:solidFill>
-                            <a:schemeClr val="tx1"/>
+                            <a:srgbClr val="FF0000"/>
                           </a:solidFill>
                           <a:effectLst/>
                           <a:latin typeface="+mn-lt"/>
@@ -4252,13 +5126,17 @@
                         <a:t> 0.7337</a:t>
                       </a:r>
                       <a:r>
-                        <a:rPr lang="en-US" sz="1000" dirty="0"/>
+                        <a:rPr lang="en-US" sz="1000" dirty="0">
+                          <a:solidFill>
+                            <a:srgbClr val="FF0000"/>
+                          </a:solidFill>
+                        </a:rPr>
                         <a:t>,_,</a:t>
                       </a:r>
                       <a:r>
                         <a:rPr lang="en-US" sz="1000" b="0" i="0" kern="1200" dirty="0">
                           <a:solidFill>
-                            <a:schemeClr val="tx1"/>
+                            <a:srgbClr val="FF0000"/>
                           </a:solidFill>
                           <a:effectLst/>
                           <a:latin typeface="+mn-lt"/>
@@ -4268,7 +5146,11 @@
                         <a:t> 0.7245</a:t>
                       </a:r>
                       <a:r>
-                        <a:rPr lang="en-US" sz="1000" dirty="0"/>
+                        <a:rPr lang="en-US" sz="1000" dirty="0">
+                          <a:solidFill>
+                            <a:srgbClr val="FF0000"/>
+                          </a:solidFill>
+                        </a:rPr>
                         <a:t>}</a:t>
                       </a:r>
                     </a:p>
@@ -4290,7 +5172,11 @@
                         <a:tabLst/>
                         <a:defRPr/>
                       </a:pPr>
-                      <a:endParaRPr lang="en-US" sz="1000" dirty="0"/>
+                      <a:endParaRPr lang="en-US" sz="1000" dirty="0">
+                        <a:solidFill>
+                          <a:srgbClr val="FF0000"/>
+                        </a:solidFill>
+                      </a:endParaRPr>
                     </a:p>
                   </a:txBody>
                   <a:tcPr/>
@@ -4644,7 +5530,7 @@
 </p:sld>
 </file>
 
-<file path=ppt/slides/slide5.xml><?xml version="1.0" encoding="utf-8"?>
+<file path=ppt/slides/slide6.xml><?xml version="1.0" encoding="utf-8"?>
 <p:sld xmlns:a="http://schemas.openxmlformats.org/drawingml/2006/main" xmlns:r="http://schemas.openxmlformats.org/officeDocument/2006/relationships" xmlns:p="http://schemas.openxmlformats.org/presentationml/2006/main">
   <p:cSld>
     <p:spTree>
@@ -4705,7 +5591,7 @@
             <p:ph idx="1"/>
             <p:extLst>
               <p:ext uri="{D42A27DB-BD31-4B8C-83A1-F6EECF244321}">
-                <p14:modId xmlns:p14="http://schemas.microsoft.com/office/powerpoint/2010/main" val="1512380297"/>
+                <p14:modId xmlns:p14="http://schemas.microsoft.com/office/powerpoint/2010/main" val="2485586575"/>
               </p:ext>
             </p:extLst>
           </p:nvPr>
@@ -4846,7 +5732,11 @@
                     <a:lstStyle/>
                     <a:p>
                       <a:r>
-                        <a:rPr lang="en-US" sz="1000" dirty="0"/>
+                        <a:rPr lang="en-US" sz="1000" dirty="0">
+                          <a:solidFill>
+                            <a:schemeClr val="tx1"/>
+                          </a:solidFill>
+                        </a:rPr>
                         <a:t>KIBA</a:t>
                       </a:r>
                     </a:p>
@@ -4859,7 +5749,11 @@
                     <a:lstStyle/>
                     <a:p>
                       <a:r>
-                        <a:rPr lang="en-US" sz="1000" dirty="0"/>
+                        <a:rPr lang="en-US" sz="1000" dirty="0">
+                          <a:solidFill>
+                            <a:schemeClr val="tx1"/>
+                          </a:solidFill>
+                        </a:rPr>
                         <a:t>{_,_,_,0.2024,_,0.8559}</a:t>
                       </a:r>
                     </a:p>
@@ -5300,7 +6194,11 @@
                     <a:lstStyle/>
                     <a:p>
                       <a:r>
-                        <a:rPr lang="en-US" sz="1000" dirty="0"/>
+                        <a:rPr lang="en-US" sz="1000" dirty="0">
+                          <a:solidFill>
+                            <a:schemeClr val="tx1"/>
+                          </a:solidFill>
+                        </a:rPr>
                         <a:t>DAVIS</a:t>
                       </a:r>
                     </a:p>
@@ -5330,7 +6228,11 @@
                         <a:defRPr/>
                       </a:pPr>
                       <a:r>
-                        <a:rPr lang="en-US" sz="1000" dirty="0"/>
+                        <a:rPr lang="en-US" sz="1000" dirty="0">
+                          <a:solidFill>
+                            <a:schemeClr val="tx1"/>
+                          </a:solidFill>
+                        </a:rPr>
                         <a:t>{_,_,_,_,_,0.8506}</a:t>
                       </a:r>
                     </a:p>
@@ -5773,476 +6675,6 @@
     <p:extLst>
       <p:ext uri="{BB962C8B-B14F-4D97-AF65-F5344CB8AC3E}">
         <p14:creationId xmlns:p14="http://schemas.microsoft.com/office/powerpoint/2010/main" val="3736606643"/>
-      </p:ext>
-    </p:extLst>
-  </p:cSld>
-  <p:clrMapOvr>
-    <a:masterClrMapping/>
-  </p:clrMapOvr>
-</p:sld>
-</file>
-
-<file path=ppt/slides/slide6.xml><?xml version="1.0" encoding="utf-8"?>
-<p:sld xmlns:a="http://schemas.openxmlformats.org/drawingml/2006/main" xmlns:r="http://schemas.openxmlformats.org/officeDocument/2006/relationships" xmlns:p="http://schemas.openxmlformats.org/presentationml/2006/main">
-  <p:cSld>
-    <p:spTree>
-      <p:nvGrpSpPr>
-        <p:cNvPr id="1" name=""/>
-        <p:cNvGrpSpPr/>
-        <p:nvPr/>
-      </p:nvGrpSpPr>
-      <p:grpSpPr>
-        <a:xfrm>
-          <a:off x="0" y="0"/>
-          <a:ext cx="0" cy="0"/>
-          <a:chOff x="0" y="0"/>
-          <a:chExt cx="0" cy="0"/>
-        </a:xfrm>
-      </p:grpSpPr>
-      <p:sp>
-        <p:nvSpPr>
-          <p:cNvPr id="2" name="Title 1">
-            <a:extLst>
-              <a:ext uri="{FF2B5EF4-FFF2-40B4-BE49-F238E27FC236}">
-                <a16:creationId xmlns:a16="http://schemas.microsoft.com/office/drawing/2014/main" id="{E81F7B50-9BF1-4222-91DC-15309FA2837B}"/>
-              </a:ext>
-            </a:extLst>
-          </p:cNvPr>
-          <p:cNvSpPr>
-            <a:spLocks noGrp="1"/>
-          </p:cNvSpPr>
-          <p:nvPr>
-            <p:ph type="title"/>
-          </p:nvPr>
-        </p:nvSpPr>
-        <p:spPr/>
-        <p:txBody>
-          <a:bodyPr/>
-          <a:lstStyle/>
-          <a:p>
-            <a:r>
-              <a:rPr lang="en-US" dirty="0"/>
-              <a:t>Task – DTI Prediction</a:t>
-            </a:r>
-          </a:p>
-        </p:txBody>
-      </p:sp>
-      <p:graphicFrame>
-        <p:nvGraphicFramePr>
-          <p:cNvPr id="4" name="Table 4">
-            <a:extLst>
-              <a:ext uri="{FF2B5EF4-FFF2-40B4-BE49-F238E27FC236}">
-                <a16:creationId xmlns:a16="http://schemas.microsoft.com/office/drawing/2014/main" id="{51764396-CEAE-4FE5-892C-79C970533BC9}"/>
-              </a:ext>
-            </a:extLst>
-          </p:cNvPr>
-          <p:cNvGraphicFramePr>
-            <a:graphicFrameLocks noGrp="1"/>
-          </p:cNvGraphicFramePr>
-          <p:nvPr>
-            <p:ph idx="1"/>
-            <p:extLst>
-              <p:ext uri="{D42A27DB-BD31-4B8C-83A1-F6EECF244321}">
-                <p14:modId xmlns:p14="http://schemas.microsoft.com/office/powerpoint/2010/main" val="2978053244"/>
-              </p:ext>
-            </p:extLst>
-          </p:nvPr>
-        </p:nvGraphicFramePr>
-        <p:xfrm>
-          <a:off x="838200" y="1825625"/>
-          <a:ext cx="10515596" cy="4509554"/>
-        </p:xfrm>
-        <a:graphic>
-          <a:graphicData uri="http://schemas.openxmlformats.org/drawingml/2006/table">
-            <a:tbl>
-              <a:tblPr firstRow="1" bandRow="1">
-                <a:tableStyleId>{5C22544A-7EE6-4342-B048-85BDC9FD1C3A}</a:tableStyleId>
-              </a:tblPr>
-              <a:tblGrid>
-                <a:gridCol w="1179443">
-                  <a:extLst>
-                    <a:ext uri="{9D8B030D-6E8A-4147-A177-3AD203B41FA5}">
-                      <a16:colId xmlns:a16="http://schemas.microsoft.com/office/drawing/2014/main" val="1032559416"/>
-                    </a:ext>
-                  </a:extLst>
-                </a:gridCol>
-                <a:gridCol w="834887">
-                  <a:extLst>
-                    <a:ext uri="{9D8B030D-6E8A-4147-A177-3AD203B41FA5}">
-                      <a16:colId xmlns:a16="http://schemas.microsoft.com/office/drawing/2014/main" val="1254089605"/>
-                    </a:ext>
-                  </a:extLst>
-                </a:gridCol>
-                <a:gridCol w="2847561">
-                  <a:extLst>
-                    <a:ext uri="{9D8B030D-6E8A-4147-A177-3AD203B41FA5}">
-                      <a16:colId xmlns:a16="http://schemas.microsoft.com/office/drawing/2014/main" val="3646178479"/>
-                    </a:ext>
-                  </a:extLst>
-                </a:gridCol>
-                <a:gridCol w="5653705">
-                  <a:extLst>
-                    <a:ext uri="{9D8B030D-6E8A-4147-A177-3AD203B41FA5}">
-                      <a16:colId xmlns:a16="http://schemas.microsoft.com/office/drawing/2014/main" val="1207384894"/>
-                    </a:ext>
-                  </a:extLst>
-                </a:gridCol>
-              </a:tblGrid>
-              <a:tr h="997088">
-                <a:tc>
-                  <a:txBody>
-                    <a:bodyPr/>
-                    <a:lstStyle/>
-                    <a:p>
-                      <a:r>
-                        <a:rPr lang="en-US" sz="1050" dirty="0"/>
-                        <a:t>Model</a:t>
-                      </a:r>
-                    </a:p>
-                  </a:txBody>
-                  <a:tcPr/>
-                </a:tc>
-                <a:tc>
-                  <a:txBody>
-                    <a:bodyPr/>
-                    <a:lstStyle/>
-                    <a:p>
-                      <a:r>
-                        <a:rPr lang="en-US" sz="1050" dirty="0"/>
-                        <a:t>Dataset</a:t>
-                      </a:r>
-                    </a:p>
-                  </a:txBody>
-                  <a:tcPr/>
-                </a:tc>
-                <a:tc>
-                  <a:txBody>
-                    <a:bodyPr/>
-                    <a:lstStyle/>
-                    <a:p>
-                      <a:r>
-                        <a:rPr lang="en-US" sz="1050" dirty="0"/>
-                        <a:t>Evaluation Metrics {</a:t>
-                      </a:r>
-                      <a:r>
-                        <a:rPr lang="en-US" sz="1050" b="0" i="0" kern="1200" dirty="0">
-                          <a:solidFill>
-                            <a:schemeClr val="lt1"/>
-                          </a:solidFill>
-                          <a:effectLst/>
-                          <a:latin typeface="+mn-lt"/>
-                          <a:ea typeface="+mn-ea"/>
-                          <a:cs typeface="+mn-cs"/>
-                        </a:rPr>
-                        <a:t>ROC-AUC, PR-AUC, F1 for binary task, MSE, R-squared, Concordance Index</a:t>
-                      </a:r>
-                      <a:r>
-                        <a:rPr lang="en-US" sz="1050" dirty="0"/>
-                        <a:t>}</a:t>
-                      </a:r>
-                    </a:p>
-                  </a:txBody>
-                  <a:tcPr/>
-                </a:tc>
-                <a:tc>
-                  <a:txBody>
-                    <a:bodyPr/>
-                    <a:lstStyle/>
-                    <a:p>
-                      <a:r>
-                        <a:rPr lang="en-US" sz="1050" dirty="0"/>
-                        <a:t>Configuration</a:t>
-                      </a:r>
-                    </a:p>
-                  </a:txBody>
-                  <a:tcPr/>
-                </a:tc>
-                <a:extLst>
-                  <a:ext uri="{0D108BD9-81ED-4DB2-BD59-A6C34878D82A}">
-                    <a16:rowId xmlns:a16="http://schemas.microsoft.com/office/drawing/2014/main" val="1167944617"/>
-                  </a:ext>
-                </a:extLst>
-              </a:tr>
-              <a:tr h="1756233">
-                <a:tc rowSpan="2">
-                  <a:txBody>
-                    <a:bodyPr/>
-                    <a:lstStyle/>
-                    <a:p>
-                      <a:r>
-                        <a:rPr lang="en-US" sz="1050" dirty="0" err="1"/>
-                        <a:t>GraphDTA</a:t>
-                      </a:r>
-                      <a:endParaRPr lang="en-US" sz="1050" dirty="0"/>
-                    </a:p>
-                  </a:txBody>
-                  <a:tcPr/>
-                </a:tc>
-                <a:tc>
-                  <a:txBody>
-                    <a:bodyPr/>
-                    <a:lstStyle/>
-                    <a:p>
-                      <a:r>
-                        <a:rPr lang="en-US" sz="1050" dirty="0"/>
-                        <a:t>KIBA</a:t>
-                      </a:r>
-                    </a:p>
-                  </a:txBody>
-                  <a:tcPr/>
-                </a:tc>
-                <a:tc>
-                  <a:txBody>
-                    <a:bodyPr/>
-                    <a:lstStyle/>
-                    <a:p>
-                      <a:r>
-                        <a:rPr lang="en-US" sz="1050" dirty="0"/>
-                        <a:t>{_,_,_,0.4639,_,0.7402}</a:t>
-                      </a:r>
-                    </a:p>
-                  </a:txBody>
-                  <a:tcPr/>
-                </a:tc>
-                <a:tc>
-                  <a:txBody>
-                    <a:bodyPr/>
-                    <a:lstStyle/>
-                    <a:p>
-                      <a:r>
-                        <a:rPr lang="en-US" sz="1050" b="0" kern="1200" dirty="0">
-                          <a:solidFill>
-                            <a:schemeClr val="dk1"/>
-                          </a:solidFill>
-                          <a:effectLst/>
-                          <a:latin typeface="+mn-lt"/>
-                          <a:ea typeface="+mn-ea"/>
-                          <a:cs typeface="+mn-cs"/>
-                        </a:rPr>
-                        <a:t>1 0 0 (dataset – KIBA, model – </a:t>
-                      </a:r>
-                      <a:r>
-                        <a:rPr lang="en-US" sz="1000" dirty="0" err="1"/>
-                        <a:t>GINConvNet</a:t>
-                      </a:r>
-                      <a:r>
-                        <a:rPr lang="en-US" sz="1050" b="0" kern="1200" dirty="0">
-                          <a:solidFill>
-                            <a:schemeClr val="dk1"/>
-                          </a:solidFill>
-                          <a:effectLst/>
-                          <a:latin typeface="+mn-lt"/>
-                          <a:ea typeface="+mn-ea"/>
-                          <a:cs typeface="+mn-cs"/>
-                        </a:rPr>
-                        <a:t>, </a:t>
-                      </a:r>
-                      <a:r>
-                        <a:rPr lang="en-US" sz="1050" b="0" kern="1200" dirty="0" err="1">
-                          <a:solidFill>
-                            <a:schemeClr val="dk1"/>
-                          </a:solidFill>
-                          <a:effectLst/>
-                          <a:latin typeface="+mn-lt"/>
-                          <a:ea typeface="+mn-ea"/>
-                          <a:cs typeface="+mn-cs"/>
-                        </a:rPr>
-                        <a:t>cuda</a:t>
-                      </a:r>
-                      <a:r>
-                        <a:rPr lang="en-US" sz="1050" b="0" kern="1200" dirty="0">
-                          <a:solidFill>
-                            <a:schemeClr val="dk1"/>
-                          </a:solidFill>
-                          <a:effectLst/>
-                          <a:latin typeface="+mn-lt"/>
-                          <a:ea typeface="+mn-ea"/>
-                          <a:cs typeface="+mn-cs"/>
-                        </a:rPr>
-                        <a:t> – cuda:0)</a:t>
-                      </a:r>
-                    </a:p>
-                  </a:txBody>
-                  <a:tcPr/>
-                </a:tc>
-                <a:extLst>
-                  <a:ext uri="{0D108BD9-81ED-4DB2-BD59-A6C34878D82A}">
-                    <a16:rowId xmlns:a16="http://schemas.microsoft.com/office/drawing/2014/main" val="2318273423"/>
-                  </a:ext>
-                </a:extLst>
-              </a:tr>
-              <a:tr h="1756233">
-                <a:tc vMerge="1">
-                  <a:txBody>
-                    <a:bodyPr/>
-                    <a:lstStyle/>
-                    <a:p>
-                      <a:endParaRPr lang="en-US"/>
-                    </a:p>
-                  </a:txBody>
-                  <a:tcPr/>
-                </a:tc>
-                <a:tc>
-                  <a:txBody>
-                    <a:bodyPr/>
-                    <a:lstStyle/>
-                    <a:p>
-                      <a:r>
-                        <a:rPr lang="en-US" sz="1050" dirty="0"/>
-                        <a:t>DAVIS</a:t>
-                      </a:r>
-                    </a:p>
-                  </a:txBody>
-                  <a:tcPr/>
-                </a:tc>
-                <a:tc>
-                  <a:txBody>
-                    <a:bodyPr/>
-                    <a:lstStyle/>
-                    <a:p>
-                      <a:pPr marL="0" marR="0" lvl="0" indent="0" algn="l" defTabSz="914400" rtl="0" eaLnBrk="1" fontAlgn="auto" latinLnBrk="0" hangingPunct="1">
-                        <a:lnSpc>
-                          <a:spcPct val="100000"/>
-                        </a:lnSpc>
-                        <a:spcBef>
-                          <a:spcPts val="0"/>
-                        </a:spcBef>
-                        <a:spcAft>
-                          <a:spcPts val="0"/>
-                        </a:spcAft>
-                        <a:buClrTx/>
-                        <a:buSzTx/>
-                        <a:buFontTx/>
-                        <a:buNone/>
-                        <a:tabLst/>
-                        <a:defRPr/>
-                      </a:pPr>
-                      <a:r>
-                        <a:rPr lang="en-US" sz="1050" dirty="0"/>
-                        <a:t>{_,_,</a:t>
-                      </a:r>
-                      <a:r>
-                        <a:rPr lang="en-US" sz="1050" dirty="0">
-                          <a:solidFill>
-                            <a:srgbClr val="00B050"/>
-                          </a:solidFill>
-                        </a:rPr>
-                        <a:t> </a:t>
-                      </a:r>
-                      <a:r>
-                        <a:rPr lang="en-US" sz="1050" dirty="0">
-                          <a:solidFill>
-                            <a:schemeClr val="tx1"/>
-                          </a:solidFill>
-                        </a:rPr>
-                        <a:t>0.2275</a:t>
-                      </a:r>
-                      <a:r>
-                        <a:rPr lang="en-US" sz="1050" dirty="0"/>
-                        <a:t>,_,_,</a:t>
-                      </a:r>
-                      <a:r>
-                        <a:rPr lang="en-US" sz="1050" dirty="0">
-                          <a:solidFill>
-                            <a:srgbClr val="00B050"/>
-                          </a:solidFill>
-                        </a:rPr>
-                        <a:t> </a:t>
-                      </a:r>
-                      <a:r>
-                        <a:rPr lang="en-US" sz="1050" dirty="0">
-                          <a:solidFill>
-                            <a:schemeClr val="tx1"/>
-                          </a:solidFill>
-                        </a:rPr>
-                        <a:t>0.8935</a:t>
-                      </a:r>
-                      <a:r>
-                        <a:rPr lang="en-US" sz="1050" dirty="0"/>
-                        <a:t>}</a:t>
-                      </a:r>
-                    </a:p>
-                    <a:p>
-                      <a:endParaRPr lang="en-US" sz="1050" dirty="0"/>
-                    </a:p>
-                  </a:txBody>
-                  <a:tcPr/>
-                </a:tc>
-                <a:tc>
-                  <a:txBody>
-                    <a:bodyPr/>
-                    <a:lstStyle/>
-                    <a:p>
-                      <a:r>
-                        <a:rPr lang="en-US" sz="1050" b="0" kern="1200" dirty="0">
-                          <a:solidFill>
-                            <a:schemeClr val="dk1"/>
-                          </a:solidFill>
-                          <a:effectLst/>
-                          <a:latin typeface="+mn-lt"/>
-                          <a:ea typeface="+mn-ea"/>
-                          <a:cs typeface="+mn-cs"/>
-                        </a:rPr>
-                        <a:t>0 0 0 (dataset – DAVIS, model – </a:t>
-                      </a:r>
-                      <a:r>
-                        <a:rPr lang="en-US" sz="1000" dirty="0" err="1"/>
-                        <a:t>GINConvNet</a:t>
-                      </a:r>
-                      <a:r>
-                        <a:rPr lang="en-US" sz="1050" b="0" kern="1200" dirty="0">
-                          <a:solidFill>
-                            <a:schemeClr val="dk1"/>
-                          </a:solidFill>
-                          <a:effectLst/>
-                          <a:latin typeface="+mn-lt"/>
-                          <a:ea typeface="+mn-ea"/>
-                          <a:cs typeface="+mn-cs"/>
-                        </a:rPr>
-                        <a:t>, </a:t>
-                      </a:r>
-                      <a:r>
-                        <a:rPr lang="en-US" sz="1050" b="0" kern="1200" dirty="0" err="1">
-                          <a:solidFill>
-                            <a:schemeClr val="dk1"/>
-                          </a:solidFill>
-                          <a:effectLst/>
-                          <a:latin typeface="+mn-lt"/>
-                          <a:ea typeface="+mn-ea"/>
-                          <a:cs typeface="+mn-cs"/>
-                        </a:rPr>
-                        <a:t>cuda</a:t>
-                      </a:r>
-                      <a:r>
-                        <a:rPr lang="en-US" sz="1050" b="0" kern="1200" dirty="0">
-                          <a:solidFill>
-                            <a:schemeClr val="dk1"/>
-                          </a:solidFill>
-                          <a:effectLst/>
-                          <a:latin typeface="+mn-lt"/>
-                          <a:ea typeface="+mn-ea"/>
-                          <a:cs typeface="+mn-cs"/>
-                        </a:rPr>
-                        <a:t> – cuda:0)</a:t>
-                      </a:r>
-                    </a:p>
-                  </a:txBody>
-                  <a:tcPr/>
-                </a:tc>
-                <a:extLst>
-                  <a:ext uri="{0D108BD9-81ED-4DB2-BD59-A6C34878D82A}">
-                    <a16:rowId xmlns:a16="http://schemas.microsoft.com/office/drawing/2014/main" val="4153704320"/>
-                  </a:ext>
-                </a:extLst>
-              </a:tr>
-            </a:tbl>
-          </a:graphicData>
-        </a:graphic>
-      </p:graphicFrame>
-    </p:spTree>
-    <p:extLst>
-      <p:ext uri="{BB962C8B-B14F-4D97-AF65-F5344CB8AC3E}">
-        <p14:creationId xmlns:p14="http://schemas.microsoft.com/office/powerpoint/2010/main" val="4123900059"/>
       </p:ext>
     </p:extLst>
   </p:cSld>
@@ -6292,7 +6724,7 @@
           <a:p>
             <a:r>
               <a:rPr lang="en-US" dirty="0"/>
-              <a:t>Task – Drug Repurposing</a:t>
+              <a:t>Task – DTI Prediction</a:t>
             </a:r>
           </a:p>
         </p:txBody>
@@ -6313,14 +6745,14 @@
             <p:ph idx="1"/>
             <p:extLst>
               <p:ext uri="{D42A27DB-BD31-4B8C-83A1-F6EECF244321}">
-                <p14:modId xmlns:p14="http://schemas.microsoft.com/office/powerpoint/2010/main" val="582589238"/>
+                <p14:modId xmlns:p14="http://schemas.microsoft.com/office/powerpoint/2010/main" val="2037493201"/>
               </p:ext>
             </p:extLst>
           </p:nvPr>
         </p:nvGraphicFramePr>
         <p:xfrm>
           <a:off x="838200" y="1825625"/>
-          <a:ext cx="10515596" cy="2753321"/>
+          <a:ext cx="10515596" cy="4509558"/>
         </p:xfrm>
         <a:graphic>
           <a:graphicData uri="http://schemas.openxmlformats.org/drawingml/2006/table">
@@ -6433,17 +6865,50 @@
                   </a:ext>
                 </a:extLst>
               </a:tr>
-              <a:tr h="1756233">
+              <a:tr h="439059">
+                <a:tc rowSpan="8">
+                  <a:txBody>
+                    <a:bodyPr/>
+                    <a:lstStyle/>
+                    <a:p>
+                      <a:r>
+                        <a:rPr lang="en-US" sz="1050" dirty="0" err="1"/>
+                        <a:t>GraphDTA</a:t>
+                      </a:r>
+                      <a:endParaRPr lang="en-US" sz="1050" dirty="0"/>
+                    </a:p>
+                  </a:txBody>
+                  <a:tcPr/>
+                </a:tc>
+                <a:tc rowSpan="4">
+                  <a:txBody>
+                    <a:bodyPr/>
+                    <a:lstStyle/>
+                    <a:p>
+                      <a:pPr algn="ctr"/>
+                      <a:r>
+                        <a:rPr lang="en-US" sz="1050" dirty="0"/>
+                        <a:t>KIBA</a:t>
+                      </a:r>
+                    </a:p>
+                  </a:txBody>
+                  <a:tcPr anchor="ctr"/>
+                </a:tc>
                 <a:tc>
                   <a:txBody>
                     <a:bodyPr/>
                     <a:lstStyle/>
                     <a:p>
                       <a:r>
-                        <a:rPr lang="en-US" sz="1050" dirty="0" err="1"/>
-                        <a:t>DeepDR</a:t>
-                      </a:r>
-                      <a:endParaRPr lang="en-US" sz="1050" dirty="0"/>
+                        <a:rPr lang="en-US" sz="1050" dirty="0">
+                          <a:solidFill>
+                            <a:schemeClr val="accent6">
+                              <a:lumMod val="75000"/>
+                            </a:schemeClr>
+                          </a:solidFill>
+                        </a:rPr>
+                        <a:t>{_,_,_,0.1620,_,0.8743}</a:t>
+                      </a:r>
                     </a:p>
                   </a:txBody>
                   <a:tcPr/>
@@ -6453,40 +6918,71 @@
                     <a:bodyPr/>
                     <a:lstStyle/>
                     <a:p>
-                      <a:endParaRPr lang="en-US" sz="1050" dirty="0"/>
-                    </a:p>
-                  </a:txBody>
-                  <a:tcPr/>
-                </a:tc>
-                <a:tc>
-                  <a:txBody>
-                    <a:bodyPr/>
-                    <a:lstStyle/>
-                    <a:p>
-                      <a:r>
-                        <a:rPr lang="en-US" sz="1050" dirty="0"/>
-                        <a:t>{0.9057,0.9231,_,_,_,_}</a:t>
-                      </a:r>
-                    </a:p>
-                  </a:txBody>
-                  <a:tcPr/>
-                </a:tc>
-                <a:tc>
-                  <a:txBody>
-                    <a:bodyPr/>
-                    <a:lstStyle/>
-                    <a:p>
                       <a:r>
                         <a:rPr lang="en-US" sz="1050" b="0" kern="1200" dirty="0">
                           <a:solidFill>
-                            <a:schemeClr val="dk1"/>
-                          </a:solidFill>
-                          <a:effectLst/>
-                          <a:latin typeface="+mn-lt"/>
-                          <a:ea typeface="+mn-ea"/>
-                          <a:cs typeface="+mn-cs"/>
-                        </a:rPr>
-                        <a:t>Default</a:t>
+                            <a:schemeClr val="accent6">
+                              <a:lumMod val="75000"/>
+                            </a:schemeClr>
+                          </a:solidFill>
+                          <a:effectLst/>
+                          <a:latin typeface="+mn-lt"/>
+                          <a:ea typeface="+mn-ea"/>
+                          <a:cs typeface="+mn-cs"/>
+                        </a:rPr>
+                        <a:t>1 0 0 (dataset – KIBA, model – </a:t>
+                      </a:r>
+                      <a:r>
+                        <a:rPr lang="en-US" sz="1000" dirty="0" err="1">
+                          <a:solidFill>
+                            <a:schemeClr val="accent6">
+                              <a:lumMod val="75000"/>
+                            </a:schemeClr>
+                          </a:solidFill>
+                        </a:rPr>
+                        <a:t>GINConvNet</a:t>
+                      </a:r>
+                      <a:r>
+                        <a:rPr lang="en-US" sz="1050" b="0" kern="1200" dirty="0">
+                          <a:solidFill>
+                            <a:schemeClr val="accent6">
+                              <a:lumMod val="75000"/>
+                            </a:schemeClr>
+                          </a:solidFill>
+                          <a:effectLst/>
+                          <a:latin typeface="+mn-lt"/>
+                          <a:ea typeface="+mn-ea"/>
+                          <a:cs typeface="+mn-cs"/>
+                        </a:rPr>
+                        <a:t>, </a:t>
+                      </a:r>
+                      <a:r>
+                        <a:rPr lang="en-US" sz="1050" b="0" kern="1200" dirty="0" err="1">
+                          <a:solidFill>
+                            <a:schemeClr val="accent6">
+                              <a:lumMod val="75000"/>
+                            </a:schemeClr>
+                          </a:solidFill>
+                          <a:effectLst/>
+                          <a:latin typeface="+mn-lt"/>
+                          <a:ea typeface="+mn-ea"/>
+                          <a:cs typeface="+mn-cs"/>
+                        </a:rPr>
+                        <a:t>cuda</a:t>
+                      </a:r>
+                      <a:r>
+                        <a:rPr lang="en-US" sz="1050" b="0" kern="1200" dirty="0">
+                          <a:solidFill>
+                            <a:schemeClr val="accent6">
+                              <a:lumMod val="75000"/>
+                            </a:schemeClr>
+                          </a:solidFill>
+                          <a:effectLst/>
+                          <a:latin typeface="+mn-lt"/>
+                          <a:ea typeface="+mn-ea"/>
+                          <a:cs typeface="+mn-cs"/>
+                        </a:rPr>
+                        <a:t> – cuda:0)</a:t>
                       </a:r>
                     </a:p>
                   </a:txBody>
@@ -6495,6 +6991,951 @@
                 <a:extLst>
                   <a:ext uri="{0D108BD9-81ED-4DB2-BD59-A6C34878D82A}">
                     <a16:rowId xmlns:a16="http://schemas.microsoft.com/office/drawing/2014/main" val="2318273423"/>
+                  </a:ext>
+                </a:extLst>
+              </a:tr>
+              <a:tr h="439059">
+                <a:tc vMerge="1">
+                  <a:txBody>
+                    <a:bodyPr/>
+                    <a:lstStyle/>
+                    <a:p>
+                      <a:endParaRPr lang="en-US"/>
+                    </a:p>
+                  </a:txBody>
+                  <a:tcPr/>
+                </a:tc>
+                <a:tc vMerge="1">
+                  <a:txBody>
+                    <a:bodyPr/>
+                    <a:lstStyle/>
+                    <a:p>
+                      <a:r>
+                        <a:rPr lang="en-US" sz="1050" dirty="0"/>
+                        <a:t>KIBA</a:t>
+                      </a:r>
+                    </a:p>
+                  </a:txBody>
+                  <a:tcPr/>
+                </a:tc>
+                <a:tc>
+                  <a:txBody>
+                    <a:bodyPr/>
+                    <a:lstStyle/>
+                    <a:p>
+                      <a:r>
+                        <a:rPr lang="en-US" sz="1050" dirty="0">
+                          <a:solidFill>
+                            <a:schemeClr val="accent6">
+                              <a:lumMod val="75000"/>
+                            </a:schemeClr>
+                          </a:solidFill>
+                        </a:rPr>
+                        <a:t>{_,_,_,0.1941,_,0.8545}</a:t>
+                      </a:r>
+                    </a:p>
+                  </a:txBody>
+                  <a:tcPr/>
+                </a:tc>
+                <a:tc>
+                  <a:txBody>
+                    <a:bodyPr/>
+                    <a:lstStyle/>
+                    <a:p>
+                      <a:r>
+                        <a:rPr lang="en-US" sz="1050" b="0" kern="1200" dirty="0">
+                          <a:solidFill>
+                            <a:schemeClr val="accent6">
+                              <a:lumMod val="75000"/>
+                            </a:schemeClr>
+                          </a:solidFill>
+                          <a:effectLst/>
+                          <a:latin typeface="+mn-lt"/>
+                          <a:ea typeface="+mn-ea"/>
+                          <a:cs typeface="+mn-cs"/>
+                        </a:rPr>
+                        <a:t>1 1 0 (dataset – KIBA, model – </a:t>
+                      </a:r>
+                      <a:r>
+                        <a:rPr lang="en-US" sz="1000" dirty="0" err="1">
+                          <a:solidFill>
+                            <a:schemeClr val="accent6">
+                              <a:lumMod val="75000"/>
+                            </a:schemeClr>
+                          </a:solidFill>
+                        </a:rPr>
+                        <a:t>GATNet</a:t>
+                      </a:r>
+                      <a:r>
+                        <a:rPr lang="en-US" sz="1050" b="0" kern="1200" dirty="0">
+                          <a:solidFill>
+                            <a:schemeClr val="accent6">
+                              <a:lumMod val="75000"/>
+                            </a:schemeClr>
+                          </a:solidFill>
+                          <a:effectLst/>
+                          <a:latin typeface="+mn-lt"/>
+                          <a:ea typeface="+mn-ea"/>
+                          <a:cs typeface="+mn-cs"/>
+                        </a:rPr>
+                        <a:t>, </a:t>
+                      </a:r>
+                      <a:r>
+                        <a:rPr lang="en-US" sz="1050" b="0" kern="1200" dirty="0" err="1">
+                          <a:solidFill>
+                            <a:schemeClr val="accent6">
+                              <a:lumMod val="75000"/>
+                            </a:schemeClr>
+                          </a:solidFill>
+                          <a:effectLst/>
+                          <a:latin typeface="+mn-lt"/>
+                          <a:ea typeface="+mn-ea"/>
+                          <a:cs typeface="+mn-cs"/>
+                        </a:rPr>
+                        <a:t>cuda</a:t>
+                      </a:r>
+                      <a:r>
+                        <a:rPr lang="en-US" sz="1050" b="0" kern="1200" dirty="0">
+                          <a:solidFill>
+                            <a:schemeClr val="accent6">
+                              <a:lumMod val="75000"/>
+                            </a:schemeClr>
+                          </a:solidFill>
+                          <a:effectLst/>
+                          <a:latin typeface="+mn-lt"/>
+                          <a:ea typeface="+mn-ea"/>
+                          <a:cs typeface="+mn-cs"/>
+                        </a:rPr>
+                        <a:t> – cuda:0)</a:t>
+                      </a:r>
+                    </a:p>
+                  </a:txBody>
+                  <a:tcPr/>
+                </a:tc>
+                <a:extLst>
+                  <a:ext uri="{0D108BD9-81ED-4DB2-BD59-A6C34878D82A}">
+                    <a16:rowId xmlns:a16="http://schemas.microsoft.com/office/drawing/2014/main" val="3417681222"/>
+                  </a:ext>
+                </a:extLst>
+              </a:tr>
+              <a:tr h="439059">
+                <a:tc vMerge="1">
+                  <a:txBody>
+                    <a:bodyPr/>
+                    <a:lstStyle/>
+                    <a:p>
+                      <a:endParaRPr lang="en-US"/>
+                    </a:p>
+                  </a:txBody>
+                  <a:tcPr/>
+                </a:tc>
+                <a:tc vMerge="1">
+                  <a:txBody>
+                    <a:bodyPr/>
+                    <a:lstStyle/>
+                    <a:p>
+                      <a:r>
+                        <a:rPr lang="en-US" sz="1050" dirty="0"/>
+                        <a:t>KIBA</a:t>
+                      </a:r>
+                    </a:p>
+                  </a:txBody>
+                  <a:tcPr/>
+                </a:tc>
+                <a:tc>
+                  <a:txBody>
+                    <a:bodyPr/>
+                    <a:lstStyle/>
+                    <a:p>
+                      <a:r>
+                        <a:rPr lang="en-US" sz="1050" dirty="0">
+                          <a:solidFill>
+                            <a:schemeClr val="accent6">
+                              <a:lumMod val="75000"/>
+                            </a:schemeClr>
+                          </a:solidFill>
+                        </a:rPr>
+                        <a:t>{_,_,_,0.1657,_,0.8758}</a:t>
+                      </a:r>
+                    </a:p>
+                  </a:txBody>
+                  <a:tcPr/>
+                </a:tc>
+                <a:tc>
+                  <a:txBody>
+                    <a:bodyPr/>
+                    <a:lstStyle/>
+                    <a:p>
+                      <a:r>
+                        <a:rPr lang="en-US" sz="1050" b="0" kern="1200" dirty="0">
+                          <a:solidFill>
+                            <a:schemeClr val="accent6">
+                              <a:lumMod val="75000"/>
+                            </a:schemeClr>
+                          </a:solidFill>
+                          <a:effectLst/>
+                          <a:latin typeface="+mn-lt"/>
+                          <a:ea typeface="+mn-ea"/>
+                          <a:cs typeface="+mn-cs"/>
+                        </a:rPr>
+                        <a:t>1 2 0 (dataset – KIBA, model – </a:t>
+                      </a:r>
+                      <a:r>
+                        <a:rPr lang="en-US" sz="1000" b="0" kern="1200" dirty="0">
+                          <a:solidFill>
+                            <a:schemeClr val="accent6">
+                              <a:lumMod val="75000"/>
+                            </a:schemeClr>
+                          </a:solidFill>
+                          <a:effectLst/>
+                          <a:latin typeface="+mn-lt"/>
+                          <a:ea typeface="+mn-ea"/>
+                          <a:cs typeface="+mn-cs"/>
+                        </a:rPr>
+                        <a:t>GAT_GCN</a:t>
+                      </a:r>
+                      <a:r>
+                        <a:rPr lang="en-US" sz="1050" b="0" kern="1200" dirty="0">
+                          <a:solidFill>
+                            <a:schemeClr val="accent6">
+                              <a:lumMod val="75000"/>
+                            </a:schemeClr>
+                          </a:solidFill>
+                          <a:effectLst/>
+                          <a:latin typeface="+mn-lt"/>
+                          <a:ea typeface="+mn-ea"/>
+                          <a:cs typeface="+mn-cs"/>
+                        </a:rPr>
+                        <a:t>, </a:t>
+                      </a:r>
+                      <a:r>
+                        <a:rPr lang="en-US" sz="1050" b="0" kern="1200" dirty="0" err="1">
+                          <a:solidFill>
+                            <a:schemeClr val="accent6">
+                              <a:lumMod val="75000"/>
+                            </a:schemeClr>
+                          </a:solidFill>
+                          <a:effectLst/>
+                          <a:latin typeface="+mn-lt"/>
+                          <a:ea typeface="+mn-ea"/>
+                          <a:cs typeface="+mn-cs"/>
+                        </a:rPr>
+                        <a:t>cuda</a:t>
+                      </a:r>
+                      <a:r>
+                        <a:rPr lang="en-US" sz="1050" b="0" kern="1200" dirty="0">
+                          <a:solidFill>
+                            <a:schemeClr val="accent6">
+                              <a:lumMod val="75000"/>
+                            </a:schemeClr>
+                          </a:solidFill>
+                          <a:effectLst/>
+                          <a:latin typeface="+mn-lt"/>
+                          <a:ea typeface="+mn-ea"/>
+                          <a:cs typeface="+mn-cs"/>
+                        </a:rPr>
+                        <a:t> – cuda:0)</a:t>
+                      </a:r>
+                    </a:p>
+                  </a:txBody>
+                  <a:tcPr/>
+                </a:tc>
+                <a:extLst>
+                  <a:ext uri="{0D108BD9-81ED-4DB2-BD59-A6C34878D82A}">
+                    <a16:rowId xmlns:a16="http://schemas.microsoft.com/office/drawing/2014/main" val="4188754302"/>
+                  </a:ext>
+                </a:extLst>
+              </a:tr>
+              <a:tr h="439059">
+                <a:tc vMerge="1">
+                  <a:txBody>
+                    <a:bodyPr/>
+                    <a:lstStyle/>
+                    <a:p>
+                      <a:endParaRPr lang="en-US"/>
+                    </a:p>
+                  </a:txBody>
+                  <a:tcPr/>
+                </a:tc>
+                <a:tc vMerge="1">
+                  <a:txBody>
+                    <a:bodyPr/>
+                    <a:lstStyle/>
+                    <a:p>
+                      <a:r>
+                        <a:rPr lang="en-US" sz="1050" dirty="0"/>
+                        <a:t>KIBA</a:t>
+                      </a:r>
+                    </a:p>
+                  </a:txBody>
+                  <a:tcPr/>
+                </a:tc>
+                <a:tc>
+                  <a:txBody>
+                    <a:bodyPr/>
+                    <a:lstStyle/>
+                    <a:p>
+                      <a:r>
+                        <a:rPr lang="en-US" sz="1050" dirty="0">
+                          <a:solidFill>
+                            <a:schemeClr val="accent6">
+                              <a:lumMod val="75000"/>
+                            </a:schemeClr>
+                          </a:solidFill>
+                        </a:rPr>
+                        <a:t>{_,_,_,0.1591,_,0.8778}</a:t>
+                      </a:r>
+                    </a:p>
+                  </a:txBody>
+                  <a:tcPr/>
+                </a:tc>
+                <a:tc>
+                  <a:txBody>
+                    <a:bodyPr/>
+                    <a:lstStyle/>
+                    <a:p>
+                      <a:r>
+                        <a:rPr lang="en-US" sz="1050" b="0" kern="1200" dirty="0">
+                          <a:solidFill>
+                            <a:schemeClr val="accent6">
+                              <a:lumMod val="75000"/>
+                            </a:schemeClr>
+                          </a:solidFill>
+                          <a:effectLst/>
+                          <a:latin typeface="+mn-lt"/>
+                          <a:ea typeface="+mn-ea"/>
+                          <a:cs typeface="+mn-cs"/>
+                        </a:rPr>
+                        <a:t>1 3 0 (dataset – KIBA, model – </a:t>
+                      </a:r>
+                      <a:r>
+                        <a:rPr lang="en-US" sz="1000" dirty="0" err="1">
+                          <a:solidFill>
+                            <a:schemeClr val="accent6">
+                              <a:lumMod val="75000"/>
+                            </a:schemeClr>
+                          </a:solidFill>
+                        </a:rPr>
+                        <a:t>GCNNet</a:t>
+                      </a:r>
+                      <a:r>
+                        <a:rPr lang="en-US" sz="1050" b="0" kern="1200" dirty="0">
+                          <a:solidFill>
+                            <a:schemeClr val="accent6">
+                              <a:lumMod val="75000"/>
+                            </a:schemeClr>
+                          </a:solidFill>
+                          <a:effectLst/>
+                          <a:latin typeface="+mn-lt"/>
+                          <a:ea typeface="+mn-ea"/>
+                          <a:cs typeface="+mn-cs"/>
+                        </a:rPr>
+                        <a:t>, </a:t>
+                      </a:r>
+                      <a:r>
+                        <a:rPr lang="en-US" sz="1050" b="0" kern="1200" dirty="0" err="1">
+                          <a:solidFill>
+                            <a:schemeClr val="accent6">
+                              <a:lumMod val="75000"/>
+                            </a:schemeClr>
+                          </a:solidFill>
+                          <a:effectLst/>
+                          <a:latin typeface="+mn-lt"/>
+                          <a:ea typeface="+mn-ea"/>
+                          <a:cs typeface="+mn-cs"/>
+                        </a:rPr>
+                        <a:t>cuda</a:t>
+                      </a:r>
+                      <a:r>
+                        <a:rPr lang="en-US" sz="1050" b="0" kern="1200" dirty="0">
+                          <a:solidFill>
+                            <a:schemeClr val="accent6">
+                              <a:lumMod val="75000"/>
+                            </a:schemeClr>
+                          </a:solidFill>
+                          <a:effectLst/>
+                          <a:latin typeface="+mn-lt"/>
+                          <a:ea typeface="+mn-ea"/>
+                          <a:cs typeface="+mn-cs"/>
+                        </a:rPr>
+                        <a:t> – cuda:0)</a:t>
+                      </a:r>
+                    </a:p>
+                  </a:txBody>
+                  <a:tcPr/>
+                </a:tc>
+                <a:extLst>
+                  <a:ext uri="{0D108BD9-81ED-4DB2-BD59-A6C34878D82A}">
+                    <a16:rowId xmlns:a16="http://schemas.microsoft.com/office/drawing/2014/main" val="3629824743"/>
+                  </a:ext>
+                </a:extLst>
+              </a:tr>
+              <a:tr h="439058">
+                <a:tc vMerge="1">
+                  <a:txBody>
+                    <a:bodyPr/>
+                    <a:lstStyle/>
+                    <a:p>
+                      <a:endParaRPr lang="en-US"/>
+                    </a:p>
+                  </a:txBody>
+                  <a:tcPr/>
+                </a:tc>
+                <a:tc rowSpan="4">
+                  <a:txBody>
+                    <a:bodyPr/>
+                    <a:lstStyle/>
+                    <a:p>
+                      <a:pPr algn="ctr"/>
+                      <a:r>
+                        <a:rPr lang="en-US" sz="1050" dirty="0"/>
+                        <a:t>DAVIS</a:t>
+                      </a:r>
+                    </a:p>
+                  </a:txBody>
+                  <a:tcPr anchor="ctr"/>
+                </a:tc>
+                <a:tc>
+                  <a:txBody>
+                    <a:bodyPr/>
+                    <a:lstStyle/>
+                    <a:p>
+                      <a:pPr marL="0" marR="0" lvl="0" indent="0" algn="l" defTabSz="914400" rtl="0" eaLnBrk="1" fontAlgn="auto" latinLnBrk="0" hangingPunct="1">
+                        <a:lnSpc>
+                          <a:spcPct val="100000"/>
+                        </a:lnSpc>
+                        <a:spcBef>
+                          <a:spcPts val="0"/>
+                        </a:spcBef>
+                        <a:spcAft>
+                          <a:spcPts val="0"/>
+                        </a:spcAft>
+                        <a:buClrTx/>
+                        <a:buSzTx/>
+                        <a:buFontTx/>
+                        <a:buNone/>
+                        <a:tabLst/>
+                        <a:defRPr/>
+                      </a:pPr>
+                      <a:r>
+                        <a:rPr lang="en-US" sz="1050" dirty="0">
+                          <a:solidFill>
+                            <a:schemeClr val="accent6">
+                              <a:lumMod val="75000"/>
+                            </a:schemeClr>
+                          </a:solidFill>
+                        </a:rPr>
+                        <a:t>{_,_,_,0.2673_, 0.878}</a:t>
+                      </a:r>
+                    </a:p>
+                    <a:p>
+                      <a:endParaRPr lang="en-US" sz="1050" dirty="0">
+                        <a:solidFill>
+                          <a:schemeClr val="accent6">
+                            <a:lumMod val="75000"/>
+                          </a:schemeClr>
+                        </a:solidFill>
+                      </a:endParaRPr>
+                    </a:p>
+                  </a:txBody>
+                  <a:tcPr/>
+                </a:tc>
+                <a:tc>
+                  <a:txBody>
+                    <a:bodyPr/>
+                    <a:lstStyle/>
+                    <a:p>
+                      <a:r>
+                        <a:rPr lang="en-US" sz="1050" b="0" kern="1200" dirty="0">
+                          <a:solidFill>
+                            <a:schemeClr val="accent6">
+                              <a:lumMod val="75000"/>
+                            </a:schemeClr>
+                          </a:solidFill>
+                          <a:effectLst/>
+                          <a:latin typeface="+mn-lt"/>
+                          <a:ea typeface="+mn-ea"/>
+                          <a:cs typeface="+mn-cs"/>
+                        </a:rPr>
+                        <a:t>0 0 0 (dataset – DAVIS, model – </a:t>
+                      </a:r>
+                      <a:r>
+                        <a:rPr lang="en-US" sz="1000" dirty="0" err="1">
+                          <a:solidFill>
+                            <a:schemeClr val="accent6">
+                              <a:lumMod val="75000"/>
+                            </a:schemeClr>
+                          </a:solidFill>
+                        </a:rPr>
+                        <a:t>GINConvNet</a:t>
+                      </a:r>
+                      <a:r>
+                        <a:rPr lang="en-US" sz="1050" b="0" kern="1200" dirty="0">
+                          <a:solidFill>
+                            <a:schemeClr val="accent6">
+                              <a:lumMod val="75000"/>
+                            </a:schemeClr>
+                          </a:solidFill>
+                          <a:effectLst/>
+                          <a:latin typeface="+mn-lt"/>
+                          <a:ea typeface="+mn-ea"/>
+                          <a:cs typeface="+mn-cs"/>
+                        </a:rPr>
+                        <a:t>, </a:t>
+                      </a:r>
+                      <a:r>
+                        <a:rPr lang="en-US" sz="1050" b="0" kern="1200" dirty="0" err="1">
+                          <a:solidFill>
+                            <a:schemeClr val="accent6">
+                              <a:lumMod val="75000"/>
+                            </a:schemeClr>
+                          </a:solidFill>
+                          <a:effectLst/>
+                          <a:latin typeface="+mn-lt"/>
+                          <a:ea typeface="+mn-ea"/>
+                          <a:cs typeface="+mn-cs"/>
+                        </a:rPr>
+                        <a:t>cuda</a:t>
+                      </a:r>
+                      <a:r>
+                        <a:rPr lang="en-US" sz="1050" b="0" kern="1200" dirty="0">
+                          <a:solidFill>
+                            <a:schemeClr val="accent6">
+                              <a:lumMod val="75000"/>
+                            </a:schemeClr>
+                          </a:solidFill>
+                          <a:effectLst/>
+                          <a:latin typeface="+mn-lt"/>
+                          <a:ea typeface="+mn-ea"/>
+                          <a:cs typeface="+mn-cs"/>
+                        </a:rPr>
+                        <a:t> – cuda:0)</a:t>
+                      </a:r>
+                    </a:p>
+                  </a:txBody>
+                  <a:tcPr/>
+                </a:tc>
+                <a:extLst>
+                  <a:ext uri="{0D108BD9-81ED-4DB2-BD59-A6C34878D82A}">
+                    <a16:rowId xmlns:a16="http://schemas.microsoft.com/office/drawing/2014/main" val="4153704320"/>
+                  </a:ext>
+                </a:extLst>
+              </a:tr>
+              <a:tr h="439059">
+                <a:tc vMerge="1">
+                  <a:txBody>
+                    <a:bodyPr/>
+                    <a:lstStyle/>
+                    <a:p>
+                      <a:endParaRPr lang="en-US"/>
+                    </a:p>
+                  </a:txBody>
+                  <a:tcPr/>
+                </a:tc>
+                <a:tc vMerge="1">
+                  <a:txBody>
+                    <a:bodyPr/>
+                    <a:lstStyle/>
+                    <a:p>
+                      <a:endParaRPr lang="en-US"/>
+                    </a:p>
+                  </a:txBody>
+                  <a:tcPr/>
+                </a:tc>
+                <a:tc>
+                  <a:txBody>
+                    <a:bodyPr/>
+                    <a:lstStyle/>
+                    <a:p>
+                      <a:pPr marL="0" marR="0" lvl="0" indent="0" algn="l" defTabSz="914400" rtl="0" eaLnBrk="1" fontAlgn="auto" latinLnBrk="0" hangingPunct="1">
+                        <a:lnSpc>
+                          <a:spcPct val="100000"/>
+                        </a:lnSpc>
+                        <a:spcBef>
+                          <a:spcPts val="0"/>
+                        </a:spcBef>
+                        <a:spcAft>
+                          <a:spcPts val="0"/>
+                        </a:spcAft>
+                        <a:buClrTx/>
+                        <a:buSzTx/>
+                        <a:buFontTx/>
+                        <a:buNone/>
+                        <a:tabLst/>
+                        <a:defRPr/>
+                      </a:pPr>
+                      <a:r>
+                        <a:rPr lang="en-US" sz="1050" dirty="0">
+                          <a:solidFill>
+                            <a:schemeClr val="accent6">
+                              <a:lumMod val="75000"/>
+                            </a:schemeClr>
+                          </a:solidFill>
+                        </a:rPr>
+                        <a:t>{_,_,_,0.28,_,0.8721}</a:t>
+                      </a:r>
+                    </a:p>
+                  </a:txBody>
+                  <a:tcPr/>
+                </a:tc>
+                <a:tc>
+                  <a:txBody>
+                    <a:bodyPr/>
+                    <a:lstStyle/>
+                    <a:p>
+                      <a:r>
+                        <a:rPr lang="en-US" sz="1050" b="0" kern="1200" dirty="0">
+                          <a:solidFill>
+                            <a:schemeClr val="accent6">
+                              <a:lumMod val="75000"/>
+                            </a:schemeClr>
+                          </a:solidFill>
+                          <a:effectLst/>
+                          <a:latin typeface="+mn-lt"/>
+                          <a:ea typeface="+mn-ea"/>
+                          <a:cs typeface="+mn-cs"/>
+                        </a:rPr>
+                        <a:t>0 1 0 (dataset – DAVIS, model – </a:t>
+                      </a:r>
+                      <a:r>
+                        <a:rPr lang="en-US" sz="1000" dirty="0" err="1">
+                          <a:solidFill>
+                            <a:schemeClr val="accent6">
+                              <a:lumMod val="75000"/>
+                            </a:schemeClr>
+                          </a:solidFill>
+                        </a:rPr>
+                        <a:t>GATNet</a:t>
+                      </a:r>
+                      <a:r>
+                        <a:rPr lang="en-US" sz="1050" b="0" kern="1200" dirty="0">
+                          <a:solidFill>
+                            <a:schemeClr val="accent6">
+                              <a:lumMod val="75000"/>
+                            </a:schemeClr>
+                          </a:solidFill>
+                          <a:effectLst/>
+                          <a:latin typeface="+mn-lt"/>
+                          <a:ea typeface="+mn-ea"/>
+                          <a:cs typeface="+mn-cs"/>
+                        </a:rPr>
+                        <a:t>, </a:t>
+                      </a:r>
+                      <a:r>
+                        <a:rPr lang="en-US" sz="1050" b="0" kern="1200" dirty="0" err="1">
+                          <a:solidFill>
+                            <a:schemeClr val="accent6">
+                              <a:lumMod val="75000"/>
+                            </a:schemeClr>
+                          </a:solidFill>
+                          <a:effectLst/>
+                          <a:latin typeface="+mn-lt"/>
+                          <a:ea typeface="+mn-ea"/>
+                          <a:cs typeface="+mn-cs"/>
+                        </a:rPr>
+                        <a:t>cuda</a:t>
+                      </a:r>
+                      <a:r>
+                        <a:rPr lang="en-US" sz="1050" b="0" kern="1200" dirty="0">
+                          <a:solidFill>
+                            <a:schemeClr val="accent6">
+                              <a:lumMod val="75000"/>
+                            </a:schemeClr>
+                          </a:solidFill>
+                          <a:effectLst/>
+                          <a:latin typeface="+mn-lt"/>
+                          <a:ea typeface="+mn-ea"/>
+                          <a:cs typeface="+mn-cs"/>
+                        </a:rPr>
+                        <a:t> – cuda:0)</a:t>
+                      </a:r>
+                    </a:p>
+                  </a:txBody>
+                  <a:tcPr/>
+                </a:tc>
+                <a:extLst>
+                  <a:ext uri="{0D108BD9-81ED-4DB2-BD59-A6C34878D82A}">
+                    <a16:rowId xmlns:a16="http://schemas.microsoft.com/office/drawing/2014/main" val="392625426"/>
+                  </a:ext>
+                </a:extLst>
+              </a:tr>
+              <a:tr h="439059">
+                <a:tc vMerge="1">
+                  <a:txBody>
+                    <a:bodyPr/>
+                    <a:lstStyle/>
+                    <a:p>
+                      <a:endParaRPr lang="en-US"/>
+                    </a:p>
+                  </a:txBody>
+                  <a:tcPr/>
+                </a:tc>
+                <a:tc vMerge="1">
+                  <a:txBody>
+                    <a:bodyPr/>
+                    <a:lstStyle/>
+                    <a:p>
+                      <a:endParaRPr lang="en-US"/>
+                    </a:p>
+                  </a:txBody>
+                  <a:tcPr/>
+                </a:tc>
+                <a:tc>
+                  <a:txBody>
+                    <a:bodyPr/>
+                    <a:lstStyle/>
+                    <a:p>
+                      <a:pPr marL="0" marR="0" lvl="0" indent="0" algn="l" defTabSz="914400" rtl="0" eaLnBrk="1" fontAlgn="auto" latinLnBrk="0" hangingPunct="1">
+                        <a:lnSpc>
+                          <a:spcPct val="100000"/>
+                        </a:lnSpc>
+                        <a:spcBef>
+                          <a:spcPts val="0"/>
+                        </a:spcBef>
+                        <a:spcAft>
+                          <a:spcPts val="0"/>
+                        </a:spcAft>
+                        <a:buClrTx/>
+                        <a:buSzTx/>
+                        <a:buFontTx/>
+                        <a:buNone/>
+                        <a:tabLst/>
+                        <a:defRPr/>
+                      </a:pPr>
+                      <a:r>
+                        <a:rPr lang="en-US" sz="1050" dirty="0">
+                          <a:solidFill>
+                            <a:schemeClr val="accent6">
+                              <a:lumMod val="75000"/>
+                            </a:schemeClr>
+                          </a:solidFill>
+                        </a:rPr>
+                        <a:t>{_,_,_,0.2822,_,0.868}</a:t>
+                      </a:r>
+                    </a:p>
+                  </a:txBody>
+                  <a:tcPr/>
+                </a:tc>
+                <a:tc>
+                  <a:txBody>
+                    <a:bodyPr/>
+                    <a:lstStyle/>
+                    <a:p>
+                      <a:r>
+                        <a:rPr lang="en-US" sz="1050" b="0" kern="1200" dirty="0">
+                          <a:solidFill>
+                            <a:schemeClr val="accent6">
+                              <a:lumMod val="75000"/>
+                            </a:schemeClr>
+                          </a:solidFill>
+                          <a:effectLst/>
+                          <a:latin typeface="+mn-lt"/>
+                          <a:ea typeface="+mn-ea"/>
+                          <a:cs typeface="+mn-cs"/>
+                        </a:rPr>
+                        <a:t>0 2 0 (dataset – DAVIS, model – </a:t>
+                      </a:r>
+                      <a:r>
+                        <a:rPr lang="en-US" sz="1000" b="0" kern="1200" dirty="0">
+                          <a:solidFill>
+                            <a:schemeClr val="accent6">
+                              <a:lumMod val="75000"/>
+                            </a:schemeClr>
+                          </a:solidFill>
+                          <a:effectLst/>
+                          <a:latin typeface="+mn-lt"/>
+                          <a:ea typeface="+mn-ea"/>
+                          <a:cs typeface="+mn-cs"/>
+                        </a:rPr>
+                        <a:t>GAT_GCN</a:t>
+                      </a:r>
+                      <a:r>
+                        <a:rPr lang="en-US" sz="1050" b="0" kern="1200" dirty="0">
+                          <a:solidFill>
+                            <a:schemeClr val="accent6">
+                              <a:lumMod val="75000"/>
+                            </a:schemeClr>
+                          </a:solidFill>
+                          <a:effectLst/>
+                          <a:latin typeface="+mn-lt"/>
+                          <a:ea typeface="+mn-ea"/>
+                          <a:cs typeface="+mn-cs"/>
+                        </a:rPr>
+                        <a:t>, </a:t>
+                      </a:r>
+                      <a:r>
+                        <a:rPr lang="en-US" sz="1050" b="0" kern="1200" dirty="0" err="1">
+                          <a:solidFill>
+                            <a:schemeClr val="accent6">
+                              <a:lumMod val="75000"/>
+                            </a:schemeClr>
+                          </a:solidFill>
+                          <a:effectLst/>
+                          <a:latin typeface="+mn-lt"/>
+                          <a:ea typeface="+mn-ea"/>
+                          <a:cs typeface="+mn-cs"/>
+                        </a:rPr>
+                        <a:t>cuda</a:t>
+                      </a:r>
+                      <a:r>
+                        <a:rPr lang="en-US" sz="1050" b="0" kern="1200" dirty="0">
+                          <a:solidFill>
+                            <a:schemeClr val="accent6">
+                              <a:lumMod val="75000"/>
+                            </a:schemeClr>
+                          </a:solidFill>
+                          <a:effectLst/>
+                          <a:latin typeface="+mn-lt"/>
+                          <a:ea typeface="+mn-ea"/>
+                          <a:cs typeface="+mn-cs"/>
+                        </a:rPr>
+                        <a:t> – cuda:0)</a:t>
+                      </a:r>
+                    </a:p>
+                  </a:txBody>
+                  <a:tcPr/>
+                </a:tc>
+                <a:extLst>
+                  <a:ext uri="{0D108BD9-81ED-4DB2-BD59-A6C34878D82A}">
+                    <a16:rowId xmlns:a16="http://schemas.microsoft.com/office/drawing/2014/main" val="1796447239"/>
+                  </a:ext>
+                </a:extLst>
+              </a:tr>
+              <a:tr h="439058">
+                <a:tc vMerge="1">
+                  <a:txBody>
+                    <a:bodyPr/>
+                    <a:lstStyle/>
+                    <a:p>
+                      <a:endParaRPr lang="en-US"/>
+                    </a:p>
+                  </a:txBody>
+                  <a:tcPr/>
+                </a:tc>
+                <a:tc vMerge="1">
+                  <a:txBody>
+                    <a:bodyPr/>
+                    <a:lstStyle/>
+                    <a:p>
+                      <a:endParaRPr lang="en-US"/>
+                    </a:p>
+                  </a:txBody>
+                  <a:tcPr/>
+                </a:tc>
+                <a:tc>
+                  <a:txBody>
+                    <a:bodyPr/>
+                    <a:lstStyle/>
+                    <a:p>
+                      <a:pPr marL="0" marR="0" lvl="0" indent="0" algn="l" defTabSz="914400" rtl="0" eaLnBrk="1" fontAlgn="auto" latinLnBrk="0" hangingPunct="1">
+                        <a:lnSpc>
+                          <a:spcPct val="100000"/>
+                        </a:lnSpc>
+                        <a:spcBef>
+                          <a:spcPts val="0"/>
+                        </a:spcBef>
+                        <a:spcAft>
+                          <a:spcPts val="0"/>
+                        </a:spcAft>
+                        <a:buClrTx/>
+                        <a:buSzTx/>
+                        <a:buFontTx/>
+                        <a:buNone/>
+                        <a:tabLst/>
+                        <a:defRPr/>
+                      </a:pPr>
+                      <a:r>
+                        <a:rPr lang="en-US" sz="1050" dirty="0">
+                          <a:solidFill>
+                            <a:schemeClr val="accent6">
+                              <a:lumMod val="75000"/>
+                            </a:schemeClr>
+                          </a:solidFill>
+                        </a:rPr>
+                        <a:t>{_,_,_,0.2991,_,0.8622}</a:t>
+                      </a:r>
+                    </a:p>
+                  </a:txBody>
+                  <a:tcPr/>
+                </a:tc>
+                <a:tc>
+                  <a:txBody>
+                    <a:bodyPr/>
+                    <a:lstStyle/>
+                    <a:p>
+                      <a:r>
+                        <a:rPr lang="en-US" sz="1050" b="0" kern="1200" dirty="0">
+                          <a:solidFill>
+                            <a:schemeClr val="accent6">
+                              <a:lumMod val="75000"/>
+                            </a:schemeClr>
+                          </a:solidFill>
+                          <a:effectLst/>
+                          <a:latin typeface="+mn-lt"/>
+                          <a:ea typeface="+mn-ea"/>
+                          <a:cs typeface="+mn-cs"/>
+                        </a:rPr>
+                        <a:t>0 3 0 (dataset – DAVIS, model – </a:t>
+                      </a:r>
+                      <a:r>
+                        <a:rPr lang="en-US" sz="1000" dirty="0" err="1">
+                          <a:solidFill>
+                            <a:schemeClr val="accent6">
+                              <a:lumMod val="75000"/>
+                            </a:schemeClr>
+                          </a:solidFill>
+                        </a:rPr>
+                        <a:t>GCNNet</a:t>
+                      </a:r>
+                      <a:r>
+                        <a:rPr lang="en-US" sz="1050" b="0" kern="1200" dirty="0">
+                          <a:solidFill>
+                            <a:schemeClr val="accent6">
+                              <a:lumMod val="75000"/>
+                            </a:schemeClr>
+                          </a:solidFill>
+                          <a:effectLst/>
+                          <a:latin typeface="+mn-lt"/>
+                          <a:ea typeface="+mn-ea"/>
+                          <a:cs typeface="+mn-cs"/>
+                        </a:rPr>
+                        <a:t>, </a:t>
+                      </a:r>
+                      <a:r>
+                        <a:rPr lang="en-US" sz="1050" b="0" kern="1200" dirty="0" err="1">
+                          <a:solidFill>
+                            <a:schemeClr val="accent6">
+                              <a:lumMod val="75000"/>
+                            </a:schemeClr>
+                          </a:solidFill>
+                          <a:effectLst/>
+                          <a:latin typeface="+mn-lt"/>
+                          <a:ea typeface="+mn-ea"/>
+                          <a:cs typeface="+mn-cs"/>
+                        </a:rPr>
+                        <a:t>cuda</a:t>
+                      </a:r>
+                      <a:r>
+                        <a:rPr lang="en-US" sz="1050" b="0" kern="1200" dirty="0">
+                          <a:solidFill>
+                            <a:schemeClr val="accent6">
+                              <a:lumMod val="75000"/>
+                            </a:schemeClr>
+                          </a:solidFill>
+                          <a:effectLst/>
+                          <a:latin typeface="+mn-lt"/>
+                          <a:ea typeface="+mn-ea"/>
+                          <a:cs typeface="+mn-cs"/>
+                        </a:rPr>
+                        <a:t> – cuda:0)</a:t>
+                      </a:r>
+                    </a:p>
+                  </a:txBody>
+                  <a:tcPr/>
+                </a:tc>
+                <a:extLst>
+                  <a:ext uri="{0D108BD9-81ED-4DB2-BD59-A6C34878D82A}">
+                    <a16:rowId xmlns:a16="http://schemas.microsoft.com/office/drawing/2014/main" val="2566939902"/>
                   </a:ext>
                 </a:extLst>
               </a:tr>
@@ -6505,7 +7946,7 @@
     </p:spTree>
     <p:extLst>
       <p:ext uri="{BB962C8B-B14F-4D97-AF65-F5344CB8AC3E}">
-        <p14:creationId xmlns:p14="http://schemas.microsoft.com/office/powerpoint/2010/main" val="1525859040"/>
+        <p14:creationId xmlns:p14="http://schemas.microsoft.com/office/powerpoint/2010/main" val="4123900059"/>
       </p:ext>
     </p:extLst>
   </p:cSld>
@@ -6537,7 +7978,7 @@
           <p:cNvPr id="2" name="Title 1">
             <a:extLst>
               <a:ext uri="{FF2B5EF4-FFF2-40B4-BE49-F238E27FC236}">
-                <a16:creationId xmlns:a16="http://schemas.microsoft.com/office/drawing/2014/main" id="{CDEA2061-6291-41E2-AD6E-5EF21C3587E2}"/>
+                <a16:creationId xmlns:a16="http://schemas.microsoft.com/office/drawing/2014/main" id="{E81F7B50-9BF1-4222-91DC-15309FA2837B}"/>
               </a:ext>
             </a:extLst>
           </p:cNvPr>
@@ -6565,7 +8006,7 @@
           <p:cNvPr id="4" name="Table 4">
             <a:extLst>
               <a:ext uri="{FF2B5EF4-FFF2-40B4-BE49-F238E27FC236}">
-                <a16:creationId xmlns:a16="http://schemas.microsoft.com/office/drawing/2014/main" id="{29112E62-F678-49C5-97E7-6596EF559582}"/>
+                <a16:creationId xmlns:a16="http://schemas.microsoft.com/office/drawing/2014/main" id="{51764396-CEAE-4FE5-892C-79C970533BC9}"/>
               </a:ext>
             </a:extLst>
           </p:cNvPr>
@@ -6576,14 +8017,14 @@
             <p:ph idx="1"/>
             <p:extLst>
               <p:ext uri="{D42A27DB-BD31-4B8C-83A1-F6EECF244321}">
-                <p14:modId xmlns:p14="http://schemas.microsoft.com/office/powerpoint/2010/main" val="2825146590"/>
+                <p14:modId xmlns:p14="http://schemas.microsoft.com/office/powerpoint/2010/main" val="1776962848"/>
               </p:ext>
             </p:extLst>
           </p:nvPr>
         </p:nvGraphicFramePr>
         <p:xfrm>
           <a:off x="838200" y="1825625"/>
-          <a:ext cx="10515600" cy="2590800"/>
+          <a:ext cx="10515596" cy="3631442"/>
         </p:xfrm>
         <a:graphic>
           <a:graphicData uri="http://schemas.openxmlformats.org/drawingml/2006/table">
@@ -6592,43 +8033,43 @@
                 <a:tableStyleId>{5C22544A-7EE6-4342-B048-85BDC9FD1C3A}</a:tableStyleId>
               </a:tblPr>
               <a:tblGrid>
-                <a:gridCol w="2628900">
+                <a:gridCol w="1179443">
                   <a:extLst>
                     <a:ext uri="{9D8B030D-6E8A-4147-A177-3AD203B41FA5}">
-                      <a16:colId xmlns:a16="http://schemas.microsoft.com/office/drawing/2014/main" val="4171021312"/>
+                      <a16:colId xmlns:a16="http://schemas.microsoft.com/office/drawing/2014/main" val="1032559416"/>
                     </a:ext>
                   </a:extLst>
                 </a:gridCol>
-                <a:gridCol w="2628900">
+                <a:gridCol w="2225584">
                   <a:extLst>
                     <a:ext uri="{9D8B030D-6E8A-4147-A177-3AD203B41FA5}">
-                      <a16:colId xmlns:a16="http://schemas.microsoft.com/office/drawing/2014/main" val="1734734859"/>
+                      <a16:colId xmlns:a16="http://schemas.microsoft.com/office/drawing/2014/main" val="1254089605"/>
                     </a:ext>
                   </a:extLst>
                 </a:gridCol>
-                <a:gridCol w="2628900">
+                <a:gridCol w="2517169">
                   <a:extLst>
                     <a:ext uri="{9D8B030D-6E8A-4147-A177-3AD203B41FA5}">
-                      <a16:colId xmlns:a16="http://schemas.microsoft.com/office/drawing/2014/main" val="4011593856"/>
+                      <a16:colId xmlns:a16="http://schemas.microsoft.com/office/drawing/2014/main" val="3646178479"/>
                     </a:ext>
                   </a:extLst>
                 </a:gridCol>
-                <a:gridCol w="2628900">
+                <a:gridCol w="4593400">
                   <a:extLst>
                     <a:ext uri="{9D8B030D-6E8A-4147-A177-3AD203B41FA5}">
-                      <a16:colId xmlns:a16="http://schemas.microsoft.com/office/drawing/2014/main" val="232216118"/>
+                      <a16:colId xmlns:a16="http://schemas.microsoft.com/office/drawing/2014/main" val="1207384894"/>
                     </a:ext>
                   </a:extLst>
                 </a:gridCol>
               </a:tblGrid>
-              <a:tr h="370840">
+              <a:tr h="997088">
                 <a:tc>
                   <a:txBody>
                     <a:bodyPr/>
                     <a:lstStyle/>
                     <a:p>
                       <a:r>
-                        <a:rPr lang="en-US" dirty="0"/>
+                        <a:rPr lang="en-US" sz="1050" dirty="0"/>
                         <a:t>Model</a:t>
                       </a:r>
                     </a:p>
@@ -6641,7 +8082,7 @@
                     <a:lstStyle/>
                     <a:p>
                       <a:r>
-                        <a:rPr lang="en-US" dirty="0"/>
+                        <a:rPr lang="en-US" sz="1050" dirty="0"/>
                         <a:t>Dataset</a:t>
                       </a:r>
                     </a:p>
@@ -6654,8 +8095,24 @@
                     <a:lstStyle/>
                     <a:p>
                       <a:r>
-                        <a:rPr lang="en-US" dirty="0"/>
-                        <a:t>Concordance Index</a:t>
+                        <a:rPr lang="en-US" sz="1050" dirty="0"/>
+                        <a:t>Evaluation Metrics {</a:t>
+                      </a:r>
+                      <a:r>
+                        <a:rPr lang="en-US" sz="1050" b="0" i="0" kern="1200" dirty="0">
+                          <a:solidFill>
+                            <a:schemeClr val="lt1"/>
+                          </a:solidFill>
+                          <a:effectLst/>
+                          <a:latin typeface="+mn-lt"/>
+                          <a:ea typeface="+mn-ea"/>
+                          <a:cs typeface="+mn-cs"/>
+                        </a:rPr>
+                        <a:t>ROC-AUC, PR-AUC, F1 for binary task, MSE, R-squared, Concordance Index</a:t>
+                      </a:r>
+                      <a:r>
+                        <a:rPr lang="en-US" sz="1050" dirty="0"/>
+                        <a:t>}</a:t>
                       </a:r>
                     </a:p>
                   </a:txBody>
@@ -6667,8 +8124,8 @@
                     <a:lstStyle/>
                     <a:p>
                       <a:r>
-                        <a:rPr lang="en-US" dirty="0"/>
-                        <a:t>MSE</a:t>
+                        <a:rPr lang="en-US" sz="1050" dirty="0"/>
+                        <a:t>Configuration</a:t>
                       </a:r>
                     </a:p>
                   </a:txBody>
@@ -6676,37 +8133,56 @@
                 </a:tc>
                 <a:extLst>
                   <a:ext uri="{0D108BD9-81ED-4DB2-BD59-A6C34878D82A}">
-                    <a16:rowId xmlns:a16="http://schemas.microsoft.com/office/drawing/2014/main" val="4179254793"/>
+                    <a16:rowId xmlns:a16="http://schemas.microsoft.com/office/drawing/2014/main" val="1167944617"/>
                   </a:ext>
                 </a:extLst>
               </a:tr>
-              <a:tr h="133378">
+              <a:tr h="439059">
                 <a:tc rowSpan="2">
                   <a:txBody>
                     <a:bodyPr/>
                     <a:lstStyle/>
                     <a:p>
-                      <a:r>
-                        <a:rPr lang="en-US" dirty="0" err="1"/>
-                        <a:t>DeepPurpose</a:t>
-                      </a:r>
-                      <a:endParaRPr lang="en-US" dirty="0"/>
-                    </a:p>
-                  </a:txBody>
-                  <a:tcPr/>
+                      <a:pPr algn="ctr"/>
+                      <a:r>
+                        <a:rPr lang="en-US" sz="1050" dirty="0" err="1">
+                          <a:solidFill>
+                            <a:schemeClr val="tx1"/>
+                          </a:solidFill>
+                        </a:rPr>
+                        <a:t>DeepLPI</a:t>
+                      </a:r>
+                      <a:endParaRPr lang="en-US" sz="1050" dirty="0">
+                        <a:solidFill>
+                          <a:schemeClr val="tx1"/>
+                        </a:solidFill>
+                      </a:endParaRPr>
+                    </a:p>
+                  </a:txBody>
+                  <a:tcPr anchor="ctr"/>
                 </a:tc>
                 <a:tc>
                   <a:txBody>
                     <a:bodyPr/>
                     <a:lstStyle/>
                     <a:p>
-                      <a:r>
-                        <a:rPr lang="en-US" dirty="0"/>
-                        <a:t>KIBA</a:t>
-                      </a:r>
-                    </a:p>
-                  </a:txBody>
-                  <a:tcPr/>
+                      <a:pPr algn="ctr"/>
+                      <a:r>
+                        <a:rPr lang="en-US" sz="1050" dirty="0" err="1">
+                          <a:solidFill>
+                            <a:schemeClr val="tx1"/>
+                          </a:solidFill>
+                        </a:rPr>
+                        <a:t>BindingDB</a:t>
+                      </a:r>
+                      <a:endParaRPr lang="en-US" sz="1050" dirty="0">
+                        <a:solidFill>
+                          <a:schemeClr val="tx1"/>
+                        </a:solidFill>
+                      </a:endParaRPr>
+                    </a:p>
+                  </a:txBody>
+                  <a:tcPr anchor="ctr"/>
                 </a:tc>
                 <a:tc>
                   <a:txBody>
@@ -6731,21 +8207,14 @@
                         <a:defRPr/>
                       </a:pPr>
                       <a:r>
-                        <a:rPr lang="en-US" sz="1800" dirty="0">
-                          <a:solidFill>
-                            <a:srgbClr val="00B050"/>
-                          </a:solidFill>
-                        </a:rPr>
-                        <a:t>0.6736</a:t>
-                      </a:r>
-                    </a:p>
-                  </a:txBody>
-                  <a:tcPr/>
-                </a:tc>
-                <a:tc>
-                  <a:txBody>
-                    <a:bodyPr/>
-                    <a:lstStyle/>
+                        <a:rPr lang="en-US" sz="1050" dirty="0">
+                          <a:solidFill>
+                            <a:schemeClr val="tx1"/>
+                          </a:solidFill>
+                        </a:rPr>
+                        <a:t>{_,_,_,_,_,_}</a:t>
+                      </a:r>
+                    </a:p>
                     <a:p>
                       <a:pPr marL="0" marR="0" lvl="0" indent="0" algn="l" defTabSz="914400" rtl="0" eaLnBrk="1" fontAlgn="auto" latinLnBrk="0" hangingPunct="1">
                         <a:lnSpc>
@@ -6764,112 +8233,94 @@
                         <a:tabLst/>
                         <a:defRPr/>
                       </a:pPr>
-                      <a:r>
-                        <a:rPr lang="en-US" sz="1800" dirty="0">
-                          <a:solidFill>
-                            <a:srgbClr val="00B050"/>
-                          </a:solidFill>
-                        </a:rPr>
-                        <a:t>0.6161</a:t>
-                      </a:r>
-                    </a:p>
-                  </a:txBody>
-                  <a:tcPr/>
+                      <a:endParaRPr lang="en-US" sz="1050" dirty="0">
+                        <a:solidFill>
+                          <a:schemeClr val="tx1"/>
+                        </a:solidFill>
+                      </a:endParaRPr>
+                    </a:p>
+                  </a:txBody>
+                  <a:tcPr/>
+                </a:tc>
+                <a:tc rowSpan="2">
+                  <a:txBody>
+                    <a:bodyPr/>
+                    <a:lstStyle/>
+                    <a:p>
+                      <a:r>
+                        <a:rPr lang="en-US" sz="1050" b="0" kern="1200" dirty="0">
+                          <a:solidFill>
+                            <a:schemeClr val="tx1"/>
+                          </a:solidFill>
+                          <a:effectLst/>
+                          <a:latin typeface="+mn-lt"/>
+                          <a:ea typeface="+mn-ea"/>
+                          <a:cs typeface="+mn-cs"/>
+                        </a:rPr>
+                        <a:t>1D-CNN, </a:t>
+                      </a:r>
+                      <a:r>
+                        <a:rPr lang="en-US" sz="1050" b="0" kern="1200" dirty="0" err="1">
+                          <a:solidFill>
+                            <a:schemeClr val="tx1"/>
+                          </a:solidFill>
+                          <a:effectLst/>
+                          <a:latin typeface="+mn-lt"/>
+                          <a:ea typeface="+mn-ea"/>
+                          <a:cs typeface="+mn-cs"/>
+                        </a:rPr>
+                        <a:t>biLSTM</a:t>
+                      </a:r>
+                      <a:endParaRPr lang="en-US" sz="1050" b="0" kern="1200" dirty="0">
+                        <a:solidFill>
+                          <a:schemeClr val="tx1"/>
+                        </a:solidFill>
+                        <a:effectLst/>
+                        <a:latin typeface="+mn-lt"/>
+                        <a:ea typeface="+mn-ea"/>
+                        <a:cs typeface="+mn-cs"/>
+                      </a:endParaRPr>
+                    </a:p>
+                  </a:txBody>
+                  <a:tcPr anchor="ctr"/>
                 </a:tc>
                 <a:extLst>
                   <a:ext uri="{0D108BD9-81ED-4DB2-BD59-A6C34878D82A}">
-                    <a16:rowId xmlns:a16="http://schemas.microsoft.com/office/drawing/2014/main" val="3490028031"/>
+                    <a16:rowId xmlns:a16="http://schemas.microsoft.com/office/drawing/2014/main" val="2318273423"/>
                   </a:ext>
                 </a:extLst>
               </a:tr>
-              <a:tr h="370840">
+              <a:tr h="439059">
                 <a:tc vMerge="1">
                   <a:txBody>
                     <a:bodyPr/>
                     <a:lstStyle/>
                     <a:p>
-                      <a:r>
-                        <a:rPr lang="en-US" dirty="0" err="1"/>
-                        <a:t>DeepPurpose</a:t>
-                      </a:r>
-                      <a:endParaRPr lang="en-US" dirty="0"/>
-                    </a:p>
-                  </a:txBody>
-                  <a:tcPr/>
+                      <a:pPr algn="ctr"/>
+                      <a:endParaRPr lang="en-US" sz="1050" dirty="0"/>
+                    </a:p>
+                  </a:txBody>
+                  <a:tcPr anchor="ctr"/>
                 </a:tc>
                 <a:tc>
                   <a:txBody>
                     <a:bodyPr/>
                     <a:lstStyle/>
                     <a:p>
-                      <a:r>
-                        <a:rPr lang="en-US" dirty="0"/>
+                      <a:pPr algn="ctr"/>
+                      <a:r>
+                        <a:rPr lang="en-US" sz="1050" dirty="0">
+                          <a:solidFill>
+                            <a:schemeClr val="tx1"/>
+                          </a:solidFill>
+                        </a:rPr>
                         <a:t>DAVIS</a:t>
                       </a:r>
                     </a:p>
                   </a:txBody>
-                  <a:tcPr/>
+                  <a:tcPr anchor="ctr"/>
                 </a:tc>
                 <a:tc>
-                  <a:txBody>
-                    <a:bodyPr/>
-                    <a:lstStyle/>
-                    <a:p>
-                      <a:r>
-                        <a:rPr lang="en-US" sz="1800" b="0" i="0" kern="1200" dirty="0">
-                          <a:solidFill>
-                            <a:srgbClr val="00B050"/>
-                          </a:solidFill>
-                          <a:effectLst/>
-                          <a:latin typeface="+mn-lt"/>
-                          <a:ea typeface="+mn-ea"/>
-                          <a:cs typeface="+mn-cs"/>
-                        </a:rPr>
-                        <a:t>0.7245</a:t>
-                      </a:r>
-                      <a:endParaRPr lang="en-US" dirty="0">
-                        <a:solidFill>
-                          <a:srgbClr val="00B050"/>
-                        </a:solidFill>
-                      </a:endParaRPr>
-                    </a:p>
-                  </a:txBody>
-                  <a:tcPr/>
-                </a:tc>
-                <a:tc>
-                  <a:txBody>
-                    <a:bodyPr/>
-                    <a:lstStyle/>
-                    <a:p>
-                      <a:r>
-                        <a:rPr lang="en-US" sz="1800" b="0" i="0" kern="1200" dirty="0">
-                          <a:solidFill>
-                            <a:srgbClr val="00B050"/>
-                          </a:solidFill>
-                          <a:effectLst/>
-                          <a:latin typeface="+mn-lt"/>
-                          <a:ea typeface="+mn-ea"/>
-                          <a:cs typeface="+mn-cs"/>
-                        </a:rPr>
-                        <a:t>0.7337</a:t>
-                      </a:r>
-                      <a:endParaRPr lang="en-US" dirty="0">
-                        <a:solidFill>
-                          <a:srgbClr val="00B050"/>
-                        </a:solidFill>
-                      </a:endParaRPr>
-                    </a:p>
-                  </a:txBody>
-                  <a:tcPr/>
-                </a:tc>
-                <a:extLst>
-                  <a:ext uri="{0D108BD9-81ED-4DB2-BD59-A6C34878D82A}">
-                    <a16:rowId xmlns:a16="http://schemas.microsoft.com/office/drawing/2014/main" val="3144850038"/>
-                  </a:ext>
-                </a:extLst>
-              </a:tr>
-              <a:tr h="370840">
-                <a:tc rowSpan="2">
                   <a:txBody>
                     <a:bodyPr/>
                     <a:lstStyle/>
@@ -6892,297 +8343,552 @@
                         <a:defRPr/>
                       </a:pPr>
                       <a:r>
-                        <a:rPr lang="en-US" sz="1800" dirty="0" err="1"/>
-                        <a:t>DeepDTA</a:t>
-                      </a:r>
-                      <a:endParaRPr lang="en-US" sz="1800" dirty="0"/>
-                    </a:p>
-                  </a:txBody>
-                  <a:tcPr/>
-                </a:tc>
-                <a:tc>
-                  <a:txBody>
-                    <a:bodyPr/>
-                    <a:lstStyle/>
-                    <a:p>
-                      <a:r>
-                        <a:rPr lang="en-US" dirty="0"/>
-                        <a:t>KIBA</a:t>
-                      </a:r>
-                    </a:p>
-                  </a:txBody>
-                  <a:tcPr/>
-                </a:tc>
-                <a:tc>
-                  <a:txBody>
-                    <a:bodyPr/>
-                    <a:lstStyle/>
-                    <a:p>
-                      <a:r>
-                        <a:rPr lang="en-US" sz="1800" dirty="0">
+                        <a:rPr lang="en-US" sz="1050" dirty="0">
                           <a:solidFill>
                             <a:schemeClr val="tx1"/>
                           </a:solidFill>
-                          <a:highlight>
-                            <a:srgbClr val="FFFF00"/>
-                          </a:highlight>
-                        </a:rPr>
-                        <a:t>0.8559</a:t>
-                      </a:r>
-                      <a:endParaRPr lang="en-US" dirty="0">
+                        </a:rPr>
+                        <a:t>{_,_,_,_,_,_}</a:t>
+                      </a:r>
+                    </a:p>
+                    <a:p>
+                      <a:pPr marL="0" marR="0" lvl="0" indent="0" algn="l" defTabSz="914400" rtl="0" eaLnBrk="1" fontAlgn="auto" latinLnBrk="0" hangingPunct="1">
+                        <a:lnSpc>
+                          <a:spcPct val="100000"/>
+                        </a:lnSpc>
+                        <a:spcBef>
+                          <a:spcPts val="0"/>
+                        </a:spcBef>
+                        <a:spcAft>
+                          <a:spcPts val="0"/>
+                        </a:spcAft>
+                        <a:buClrTx/>
+                        <a:buSzTx/>
+                        <a:buFontTx/>
+                        <a:buNone/>
+                        <a:tabLst/>
+                        <a:defRPr/>
+                      </a:pPr>
+                      <a:endParaRPr lang="en-US" sz="1050" dirty="0">
                         <a:solidFill>
                           <a:schemeClr val="tx1"/>
                         </a:solidFill>
-                        <a:highlight>
-                          <a:srgbClr val="FFFF00"/>
-                        </a:highlight>
                       </a:endParaRPr>
                     </a:p>
                   </a:txBody>
                   <a:tcPr/>
                 </a:tc>
+                <a:tc vMerge="1">
+                  <a:txBody>
+                    <a:bodyPr/>
+                    <a:lstStyle/>
+                    <a:p>
+                      <a:endParaRPr lang="en-US" sz="1050" b="0" kern="1200" dirty="0">
+                        <a:solidFill>
+                          <a:schemeClr val="accent6">
+                            <a:lumMod val="75000"/>
+                          </a:schemeClr>
+                        </a:solidFill>
+                        <a:effectLst/>
+                        <a:latin typeface="+mn-lt"/>
+                        <a:ea typeface="+mn-ea"/>
+                        <a:cs typeface="+mn-cs"/>
+                      </a:endParaRPr>
+                    </a:p>
+                  </a:txBody>
+                  <a:tcPr/>
+                </a:tc>
+                <a:extLst>
+                  <a:ext uri="{0D108BD9-81ED-4DB2-BD59-A6C34878D82A}">
+                    <a16:rowId xmlns:a16="http://schemas.microsoft.com/office/drawing/2014/main" val="2318257198"/>
+                  </a:ext>
+                </a:extLst>
+              </a:tr>
+              <a:tr h="439059">
                 <a:tc>
                   <a:txBody>
                     <a:bodyPr/>
                     <a:lstStyle/>
                     <a:p>
-                      <a:r>
-                        <a:rPr lang="en-US" sz="1800" dirty="0">
-                          <a:solidFill>
-                            <a:schemeClr val="tx1"/>
-                          </a:solidFill>
-                          <a:highlight>
-                            <a:srgbClr val="FFFF00"/>
-                          </a:highlight>
-                        </a:rPr>
-                        <a:t>0.2024</a:t>
-                      </a:r>
-                      <a:endParaRPr lang="en-US" dirty="0">
+                      <a:pPr algn="ctr"/>
+                      <a:r>
+                        <a:rPr lang="en-US" sz="1050" b="0" i="0" kern="1200" dirty="0">
+                          <a:solidFill>
+                            <a:srgbClr val="FF0000"/>
+                          </a:solidFill>
+                          <a:effectLst/>
+                          <a:latin typeface="+mn-lt"/>
+                          <a:ea typeface="+mn-ea"/>
+                          <a:cs typeface="+mn-cs"/>
+                        </a:rPr>
+                        <a:t>IEDTI</a:t>
+                      </a:r>
+                      <a:endParaRPr lang="en-US" sz="1050" dirty="0">
+                        <a:solidFill>
+                          <a:srgbClr val="FF0000"/>
+                        </a:solidFill>
+                      </a:endParaRPr>
+                    </a:p>
+                  </a:txBody>
+                  <a:tcPr anchor="ctr"/>
+                </a:tc>
+                <a:tc rowSpan="2">
+                  <a:txBody>
+                    <a:bodyPr/>
+                    <a:lstStyle/>
+                    <a:p>
+                      <a:pPr algn="ctr"/>
+                      <a:r>
+                        <a:rPr lang="en-US" sz="1050" dirty="0">
+                          <a:solidFill>
+                            <a:srgbClr val="FF0000"/>
+                          </a:solidFill>
+                        </a:rPr>
+                        <a:t>DrugBank, HPRD, </a:t>
+                      </a:r>
+                      <a:r>
+                        <a:rPr lang="en-US" sz="1050" b="0" i="0" kern="1200" dirty="0">
+                          <a:solidFill>
+                            <a:srgbClr val="FF0000"/>
+                          </a:solidFill>
+                          <a:effectLst/>
+                          <a:latin typeface="+mn-lt"/>
+                          <a:ea typeface="+mn-ea"/>
+                          <a:cs typeface="+mn-cs"/>
+                        </a:rPr>
+                        <a:t>Comparative Toxicogenomic database, SIDER</a:t>
+                      </a:r>
+                      <a:endParaRPr lang="en-US" sz="1050" dirty="0">
+                        <a:solidFill>
+                          <a:srgbClr val="FF0000"/>
+                        </a:solidFill>
+                      </a:endParaRPr>
+                    </a:p>
+                  </a:txBody>
+                  <a:tcPr anchor="ctr"/>
+                </a:tc>
+                <a:tc>
+                  <a:txBody>
+                    <a:bodyPr/>
+                    <a:lstStyle/>
+                    <a:p>
+                      <a:pPr marL="0" marR="0" lvl="0" indent="0" algn="l" defTabSz="914400" rtl="0" eaLnBrk="1" fontAlgn="auto" latinLnBrk="0" hangingPunct="1">
+                        <a:lnSpc>
+                          <a:spcPct val="100000"/>
+                        </a:lnSpc>
+                        <a:spcBef>
+                          <a:spcPts val="0"/>
+                        </a:spcBef>
+                        <a:spcAft>
+                          <a:spcPts val="0"/>
+                        </a:spcAft>
+                        <a:buClrTx/>
+                        <a:buSzTx/>
+                        <a:buFontTx/>
+                        <a:buNone/>
+                        <a:tabLst/>
+                        <a:defRPr/>
+                      </a:pPr>
+                      <a:r>
+                        <a:rPr lang="en-US" sz="1050" dirty="0">
+                          <a:solidFill>
+                            <a:srgbClr val="FF0000"/>
+                          </a:solidFill>
+                        </a:rPr>
+                        <a:t>{_,_,_,_,_,_}</a:t>
+                      </a:r>
+                    </a:p>
+                  </a:txBody>
+                  <a:tcPr/>
+                </a:tc>
+                <a:tc rowSpan="2">
+                  <a:txBody>
+                    <a:bodyPr/>
+                    <a:lstStyle/>
+                    <a:p>
+                      <a:r>
+                        <a:rPr lang="en-US" sz="1050" b="0" kern="1200" dirty="0">
+                          <a:solidFill>
+                            <a:srgbClr val="FF0000"/>
+                          </a:solidFill>
+                          <a:effectLst/>
+                          <a:latin typeface="+mn-lt"/>
+                          <a:ea typeface="+mn-ea"/>
+                          <a:cs typeface="+mn-cs"/>
+                        </a:rPr>
+                        <a:t>Embedding Generation, DNN</a:t>
+                      </a:r>
+                    </a:p>
+                  </a:txBody>
+                  <a:tcPr anchor="ctr"/>
+                </a:tc>
+                <a:extLst>
+                  <a:ext uri="{0D108BD9-81ED-4DB2-BD59-A6C34878D82A}">
+                    <a16:rowId xmlns:a16="http://schemas.microsoft.com/office/drawing/2014/main" val="2454841983"/>
+                  </a:ext>
+                </a:extLst>
+              </a:tr>
+              <a:tr h="439059">
+                <a:tc>
+                  <a:txBody>
+                    <a:bodyPr/>
+                    <a:lstStyle/>
+                    <a:p>
+                      <a:pPr algn="ctr"/>
+                      <a:r>
+                        <a:rPr lang="en-US" sz="1050" b="0" i="0" kern="1200" dirty="0">
+                          <a:solidFill>
+                            <a:srgbClr val="FF0000"/>
+                          </a:solidFill>
+                          <a:effectLst/>
+                          <a:latin typeface="+mn-lt"/>
+                          <a:ea typeface="+mn-ea"/>
+                          <a:cs typeface="+mn-cs"/>
+                        </a:rPr>
+                        <a:t>DEDTI</a:t>
+                      </a:r>
+                      <a:endParaRPr lang="en-US" sz="1050" dirty="0">
+                        <a:solidFill>
+                          <a:srgbClr val="FF0000"/>
+                        </a:solidFill>
+                      </a:endParaRPr>
+                    </a:p>
+                  </a:txBody>
+                  <a:tcPr anchor="ctr"/>
+                </a:tc>
+                <a:tc vMerge="1">
+                  <a:txBody>
+                    <a:bodyPr/>
+                    <a:lstStyle/>
+                    <a:p>
+                      <a:pPr algn="ctr"/>
+                      <a:endParaRPr lang="en-US" sz="1050" dirty="0"/>
+                    </a:p>
+                  </a:txBody>
+                  <a:tcPr anchor="ctr"/>
+                </a:tc>
+                <a:tc>
+                  <a:txBody>
+                    <a:bodyPr/>
+                    <a:lstStyle/>
+                    <a:p>
+                      <a:pPr marL="0" marR="0" lvl="0" indent="0" algn="l" defTabSz="914400" rtl="0" eaLnBrk="1" fontAlgn="auto" latinLnBrk="0" hangingPunct="1">
+                        <a:lnSpc>
+                          <a:spcPct val="100000"/>
+                        </a:lnSpc>
+                        <a:spcBef>
+                          <a:spcPts val="0"/>
+                        </a:spcBef>
+                        <a:spcAft>
+                          <a:spcPts val="0"/>
+                        </a:spcAft>
+                        <a:buClrTx/>
+                        <a:buSzTx/>
+                        <a:buFontTx/>
+                        <a:buNone/>
+                        <a:tabLst/>
+                        <a:defRPr/>
+                      </a:pPr>
+                      <a:r>
+                        <a:rPr lang="en-US" sz="1050" dirty="0">
+                          <a:solidFill>
+                            <a:srgbClr val="FF0000"/>
+                          </a:solidFill>
+                        </a:rPr>
+                        <a:t>{_,_,_,_,_,_}</a:t>
+                      </a:r>
+                    </a:p>
+                  </a:txBody>
+                  <a:tcPr/>
+                </a:tc>
+                <a:tc vMerge="1">
+                  <a:txBody>
+                    <a:bodyPr/>
+                    <a:lstStyle/>
+                    <a:p>
+                      <a:endParaRPr lang="en-US" sz="1050" b="0" kern="1200" dirty="0">
                         <a:solidFill>
                           <a:schemeClr val="tx1"/>
                         </a:solidFill>
-                        <a:highlight>
-                          <a:srgbClr val="FFFF00"/>
-                        </a:highlight>
+                        <a:effectLst/>
+                        <a:latin typeface="+mn-lt"/>
+                        <a:ea typeface="+mn-ea"/>
+                        <a:cs typeface="+mn-cs"/>
                       </a:endParaRPr>
                     </a:p>
                   </a:txBody>
-                  <a:tcPr/>
+                  <a:tcPr anchor="ctr"/>
                 </a:tc>
                 <a:extLst>
                   <a:ext uri="{0D108BD9-81ED-4DB2-BD59-A6C34878D82A}">
-                    <a16:rowId xmlns:a16="http://schemas.microsoft.com/office/drawing/2014/main" val="687844645"/>
+                    <a16:rowId xmlns:a16="http://schemas.microsoft.com/office/drawing/2014/main" val="4277976925"/>
                   </a:ext>
                 </a:extLst>
               </a:tr>
-              <a:tr h="370840">
-                <a:tc vMerge="1">
-                  <a:txBody>
-                    <a:bodyPr/>
-                    <a:lstStyle/>
-                    <a:p>
-                      <a:endParaRPr lang="en-US" dirty="0"/>
-                    </a:p>
-                  </a:txBody>
-                  <a:tcPr/>
-                </a:tc>
+              <a:tr h="439059">
                 <a:tc>
                   <a:txBody>
                     <a:bodyPr/>
                     <a:lstStyle/>
                     <a:p>
-                      <a:r>
-                        <a:rPr lang="en-US" dirty="0"/>
-                        <a:t>DAVIS</a:t>
-                      </a:r>
-                    </a:p>
-                  </a:txBody>
-                  <a:tcPr/>
-                </a:tc>
-                <a:tc>
-                  <a:txBody>
-                    <a:bodyPr/>
-                    <a:lstStyle/>
-                    <a:p>
-                      <a:r>
-                        <a:rPr lang="en-US" sz="1800" b="0" i="0" kern="1200" dirty="0">
+                      <a:pPr algn="ctr"/>
+                      <a:r>
+                        <a:rPr lang="en-US" sz="1050" dirty="0" err="1">
                           <a:solidFill>
                             <a:schemeClr val="tx1"/>
                           </a:solidFill>
-                          <a:effectLst/>
-                          <a:highlight>
-                            <a:srgbClr val="FFFF00"/>
-                          </a:highlight>
-                          <a:latin typeface="+mn-lt"/>
-                          <a:ea typeface="+mn-ea"/>
-                          <a:cs typeface="+mn-cs"/>
-                        </a:rPr>
-                        <a:t>0.8506</a:t>
-                      </a:r>
-                      <a:endParaRPr lang="en-US" dirty="0">
+                        </a:rPr>
+                        <a:t>DeepMPF</a:t>
+                      </a:r>
+                      <a:endParaRPr lang="en-US" sz="1050" dirty="0">
                         <a:solidFill>
                           <a:schemeClr val="tx1"/>
                         </a:solidFill>
-                        <a:highlight>
-                          <a:srgbClr val="FFFF00"/>
-                        </a:highlight>
                       </a:endParaRPr>
                     </a:p>
                   </a:txBody>
-                  <a:tcPr/>
+                  <a:tcPr anchor="ctr"/>
                 </a:tc>
                 <a:tc>
                   <a:txBody>
                     <a:bodyPr/>
                     <a:lstStyle/>
                     <a:p>
-                      <a:endParaRPr lang="en-US" dirty="0">
+                      <a:pPr algn="ctr"/>
+                      <a:r>
+                        <a:rPr lang="en-US" sz="1050" dirty="0">
+                          <a:solidFill>
+                            <a:schemeClr val="tx1"/>
+                          </a:solidFill>
+                        </a:rPr>
+                        <a:t>DrugBank, BRENDA, KEGG ERITE</a:t>
+                      </a:r>
+                    </a:p>
+                  </a:txBody>
+                  <a:tcPr anchor="ctr"/>
+                </a:tc>
+                <a:tc>
+                  <a:txBody>
+                    <a:bodyPr/>
+                    <a:lstStyle/>
+                    <a:p>
+                      <a:pPr marL="0" marR="0" lvl="0" indent="0" algn="l" defTabSz="914400" rtl="0" eaLnBrk="1" fontAlgn="auto" latinLnBrk="0" hangingPunct="1">
+                        <a:lnSpc>
+                          <a:spcPct val="100000"/>
+                        </a:lnSpc>
+                        <a:spcBef>
+                          <a:spcPts val="0"/>
+                        </a:spcBef>
+                        <a:spcAft>
+                          <a:spcPts val="0"/>
+                        </a:spcAft>
+                        <a:buClrTx/>
+                        <a:buSzTx/>
+                        <a:buFontTx/>
+                        <a:buNone/>
+                        <a:tabLst/>
+                        <a:defRPr/>
+                      </a:pPr>
+                      <a:r>
+                        <a:rPr lang="en-US" sz="1050" dirty="0">
+                          <a:solidFill>
+                            <a:schemeClr val="tx1"/>
+                          </a:solidFill>
+                        </a:rPr>
+                        <a:t>{_,_,_,_,_,_}</a:t>
+                      </a:r>
+                    </a:p>
+                    <a:p>
+                      <a:pPr marL="0" marR="0" lvl="0" indent="0" algn="l" defTabSz="914400" rtl="0" eaLnBrk="1" fontAlgn="auto" latinLnBrk="0" hangingPunct="1">
+                        <a:lnSpc>
+                          <a:spcPct val="100000"/>
+                        </a:lnSpc>
+                        <a:spcBef>
+                          <a:spcPts val="0"/>
+                        </a:spcBef>
+                        <a:spcAft>
+                          <a:spcPts val="0"/>
+                        </a:spcAft>
+                        <a:buClrTx/>
+                        <a:buSzTx/>
+                        <a:buFontTx/>
+                        <a:buNone/>
+                        <a:tabLst/>
+                        <a:defRPr/>
+                      </a:pPr>
+                      <a:endParaRPr lang="en-US" sz="1050" dirty="0">
                         <a:solidFill>
-                          <a:srgbClr val="00B050"/>
+                          <a:schemeClr val="tx1"/>
                         </a:solidFill>
-                        <a:highlight>
-                          <a:srgbClr val="FFFF00"/>
-                        </a:highlight>
                       </a:endParaRPr>
                     </a:p>
                   </a:txBody>
                   <a:tcPr/>
+                </a:tc>
+                <a:tc>
+                  <a:txBody>
+                    <a:bodyPr/>
+                    <a:lstStyle/>
+                    <a:p>
+                      <a:r>
+                        <a:rPr lang="en-US" sz="1050" b="0" kern="1200" dirty="0">
+                          <a:solidFill>
+                            <a:schemeClr val="tx1"/>
+                          </a:solidFill>
+                          <a:effectLst/>
+                          <a:latin typeface="+mn-lt"/>
+                          <a:ea typeface="+mn-ea"/>
+                          <a:cs typeface="+mn-cs"/>
+                        </a:rPr>
+                        <a:t>Meta-path, </a:t>
+                      </a:r>
+                    </a:p>
+                  </a:txBody>
+                  <a:tcPr anchor="ctr"/>
                 </a:tc>
                 <a:extLst>
                   <a:ext uri="{0D108BD9-81ED-4DB2-BD59-A6C34878D82A}">
-                    <a16:rowId xmlns:a16="http://schemas.microsoft.com/office/drawing/2014/main" val="1674587026"/>
+                    <a16:rowId xmlns:a16="http://schemas.microsoft.com/office/drawing/2014/main" val="782172834"/>
                   </a:ext>
                 </a:extLst>
               </a:tr>
-              <a:tr h="370840">
-                <a:tc rowSpan="2">
-                  <a:txBody>
-                    <a:bodyPr/>
-                    <a:lstStyle/>
-                    <a:p>
-                      <a:r>
-                        <a:rPr lang="en-US" dirty="0" err="1"/>
-                        <a:t>GraphDTA</a:t>
-                      </a:r>
-                      <a:endParaRPr lang="en-US" dirty="0"/>
-                    </a:p>
-                  </a:txBody>
-                  <a:tcPr/>
-                </a:tc>
+              <a:tr h="439059">
                 <a:tc>
                   <a:txBody>
                     <a:bodyPr/>
                     <a:lstStyle/>
                     <a:p>
-                      <a:r>
-                        <a:rPr lang="en-US" dirty="0"/>
-                        <a:t>KIBA</a:t>
-                      </a:r>
-                    </a:p>
-                  </a:txBody>
-                  <a:tcPr/>
+                      <a:pPr algn="ctr"/>
+                      <a:r>
+                        <a:rPr lang="en-US" sz="1050" dirty="0" err="1">
+                          <a:solidFill>
+                            <a:schemeClr val="tx1"/>
+                          </a:solidFill>
+                        </a:rPr>
+                        <a:t>deepDTnet</a:t>
+                      </a:r>
+                      <a:endParaRPr lang="en-US" sz="1050" dirty="0">
+                        <a:solidFill>
+                          <a:schemeClr val="tx1"/>
+                        </a:solidFill>
+                      </a:endParaRPr>
+                    </a:p>
+                  </a:txBody>
+                  <a:tcPr anchor="ctr"/>
                 </a:tc>
                 <a:tc>
                   <a:txBody>
                     <a:bodyPr/>
                     <a:lstStyle/>
                     <a:p>
-                      <a:r>
-                        <a:rPr lang="en-US" dirty="0">
-                          <a:solidFill>
-                            <a:srgbClr val="FF0000"/>
-                          </a:solidFill>
-                        </a:rPr>
-                        <a:t>0.7402</a:t>
-                      </a:r>
-                    </a:p>
-                  </a:txBody>
-                  <a:tcPr/>
+                      <a:pPr algn="ctr"/>
+                      <a:r>
+                        <a:rPr lang="en-US" sz="1050" dirty="0">
+                          <a:solidFill>
+                            <a:schemeClr val="tx1"/>
+                          </a:solidFill>
+                        </a:rPr>
+                        <a:t>LINCS, </a:t>
+                      </a:r>
+                      <a:r>
+                        <a:rPr lang="en-US" sz="1050" dirty="0" err="1">
+                          <a:solidFill>
+                            <a:schemeClr val="tx1"/>
+                          </a:solidFill>
+                        </a:rPr>
+                        <a:t>DrugCentral</a:t>
+                      </a:r>
+                      <a:endParaRPr lang="en-US" sz="1050" dirty="0">
+                        <a:solidFill>
+                          <a:schemeClr val="tx1"/>
+                        </a:solidFill>
+                      </a:endParaRPr>
+                    </a:p>
+                  </a:txBody>
+                  <a:tcPr anchor="ctr"/>
                 </a:tc>
                 <a:tc>
                   <a:txBody>
                     <a:bodyPr/>
                     <a:lstStyle/>
                     <a:p>
-                      <a:r>
-                        <a:rPr lang="en-US" dirty="0">
-                          <a:solidFill>
-                            <a:srgbClr val="FF0000"/>
-                          </a:solidFill>
-                        </a:rPr>
-                        <a:t>0.4639</a:t>
-                      </a:r>
-                    </a:p>
-                  </a:txBody>
-                  <a:tcPr/>
+                      <a:pPr marL="0" marR="0" lvl="0" indent="0" algn="l" defTabSz="914400" rtl="0" eaLnBrk="1" fontAlgn="auto" latinLnBrk="0" hangingPunct="1">
+                        <a:lnSpc>
+                          <a:spcPct val="100000"/>
+                        </a:lnSpc>
+                        <a:spcBef>
+                          <a:spcPts val="0"/>
+                        </a:spcBef>
+                        <a:spcAft>
+                          <a:spcPts val="0"/>
+                        </a:spcAft>
+                        <a:buClrTx/>
+                        <a:buSzTx/>
+                        <a:buFontTx/>
+                        <a:buNone/>
+                        <a:tabLst/>
+                        <a:defRPr/>
+                      </a:pPr>
+                      <a:r>
+                        <a:rPr lang="en-US" sz="1050" dirty="0">
+                          <a:solidFill>
+                            <a:schemeClr val="tx1"/>
+                          </a:solidFill>
+                        </a:rPr>
+                        <a:t>{_,_,_,_,_,_}</a:t>
+                      </a:r>
+                    </a:p>
+                    <a:p>
+                      <a:pPr marL="0" marR="0" lvl="0" indent="0" algn="l" defTabSz="914400" rtl="0" eaLnBrk="1" fontAlgn="auto" latinLnBrk="0" hangingPunct="1">
+                        <a:lnSpc>
+                          <a:spcPct val="100000"/>
+                        </a:lnSpc>
+                        <a:spcBef>
+                          <a:spcPts val="0"/>
+                        </a:spcBef>
+                        <a:spcAft>
+                          <a:spcPts val="0"/>
+                        </a:spcAft>
+                        <a:buClrTx/>
+                        <a:buSzTx/>
+                        <a:buFontTx/>
+                        <a:buNone/>
+                        <a:tabLst/>
+                        <a:defRPr/>
+                      </a:pPr>
+                      <a:endParaRPr lang="en-US" sz="1050" dirty="0">
+                        <a:solidFill>
+                          <a:schemeClr val="tx1"/>
+                        </a:solidFill>
+                      </a:endParaRPr>
+                    </a:p>
+                  </a:txBody>
+                  <a:tcPr/>
+                </a:tc>
+                <a:tc>
+                  <a:txBody>
+                    <a:bodyPr/>
+                    <a:lstStyle/>
+                    <a:p>
+                      <a:r>
+                        <a:rPr lang="en-US" sz="1050" b="0" kern="1200" dirty="0">
+                          <a:solidFill>
+                            <a:schemeClr val="tx1"/>
+                          </a:solidFill>
+                          <a:effectLst/>
+                          <a:latin typeface="+mn-lt"/>
+                          <a:ea typeface="+mn-ea"/>
+                          <a:cs typeface="+mn-cs"/>
+                        </a:rPr>
+                        <a:t>Heterogenous networks, </a:t>
+                      </a:r>
+                    </a:p>
+                  </a:txBody>
+                  <a:tcPr anchor="ctr"/>
                 </a:tc>
                 <a:extLst>
                   <a:ext uri="{0D108BD9-81ED-4DB2-BD59-A6C34878D82A}">
-                    <a16:rowId xmlns:a16="http://schemas.microsoft.com/office/drawing/2014/main" val="3965556525"/>
-                  </a:ext>
-                </a:extLst>
-              </a:tr>
-              <a:tr h="370840">
-                <a:tc vMerge="1">
-                  <a:txBody>
-                    <a:bodyPr/>
-                    <a:lstStyle/>
-                    <a:p>
-                      <a:endParaRPr lang="en-US" dirty="0"/>
-                    </a:p>
-                  </a:txBody>
-                  <a:tcPr/>
-                </a:tc>
-                <a:tc>
-                  <a:txBody>
-                    <a:bodyPr/>
-                    <a:lstStyle/>
-                    <a:p>
-                      <a:r>
-                        <a:rPr lang="en-US" dirty="0"/>
-                        <a:t>DAVIS</a:t>
-                      </a:r>
-                    </a:p>
-                  </a:txBody>
-                  <a:tcPr/>
-                </a:tc>
-                <a:tc>
-                  <a:txBody>
-                    <a:bodyPr/>
-                    <a:lstStyle/>
-                    <a:p>
-                      <a:r>
-                        <a:rPr lang="en-US" dirty="0">
-                          <a:solidFill>
-                            <a:srgbClr val="00B050"/>
-                          </a:solidFill>
-                        </a:rPr>
-                        <a:t>0.8935</a:t>
-                      </a:r>
-                    </a:p>
-                  </a:txBody>
-                  <a:tcPr/>
-                </a:tc>
-                <a:tc>
-                  <a:txBody>
-                    <a:bodyPr/>
-                    <a:lstStyle/>
-                    <a:p>
-                      <a:r>
-                        <a:rPr lang="en-US" dirty="0">
-                          <a:solidFill>
-                            <a:srgbClr val="00B050"/>
-                          </a:solidFill>
-                        </a:rPr>
-                        <a:t>0.2275</a:t>
-                      </a:r>
-                    </a:p>
-                  </a:txBody>
-                  <a:tcPr/>
-                </a:tc>
-                <a:extLst>
-                  <a:ext uri="{0D108BD9-81ED-4DB2-BD59-A6C34878D82A}">
-                    <a16:rowId xmlns:a16="http://schemas.microsoft.com/office/drawing/2014/main" val="1403392224"/>
+                    <a16:rowId xmlns:a16="http://schemas.microsoft.com/office/drawing/2014/main" val="2847873247"/>
                   </a:ext>
                 </a:extLst>
               </a:tr>
@@ -7193,7 +8899,7 @@
     </p:spTree>
     <p:extLst>
       <p:ext uri="{BB962C8B-B14F-4D97-AF65-F5344CB8AC3E}">
-        <p14:creationId xmlns:p14="http://schemas.microsoft.com/office/powerpoint/2010/main" val="1697311594"/>
+        <p14:creationId xmlns:p14="http://schemas.microsoft.com/office/powerpoint/2010/main" val="66759025"/>
       </p:ext>
     </p:extLst>
   </p:cSld>
@@ -7225,7 +8931,7 @@
           <p:cNvPr id="2" name="Title 1">
             <a:extLst>
               <a:ext uri="{FF2B5EF4-FFF2-40B4-BE49-F238E27FC236}">
-                <a16:creationId xmlns:a16="http://schemas.microsoft.com/office/drawing/2014/main" id="{CDEA2061-6291-41E2-AD6E-5EF21C3587E2}"/>
+                <a16:creationId xmlns:a16="http://schemas.microsoft.com/office/drawing/2014/main" id="{E81F7B50-9BF1-4222-91DC-15309FA2837B}"/>
               </a:ext>
             </a:extLst>
           </p:cNvPr>
@@ -7253,7 +8959,7 @@
           <p:cNvPr id="4" name="Table 4">
             <a:extLst>
               <a:ext uri="{FF2B5EF4-FFF2-40B4-BE49-F238E27FC236}">
-                <a16:creationId xmlns:a16="http://schemas.microsoft.com/office/drawing/2014/main" id="{29112E62-F678-49C5-97E7-6596EF559582}"/>
+                <a16:creationId xmlns:a16="http://schemas.microsoft.com/office/drawing/2014/main" id="{51764396-CEAE-4FE5-892C-79C970533BC9}"/>
               </a:ext>
             </a:extLst>
           </p:cNvPr>
@@ -7264,14 +8970,14 @@
             <p:ph idx="1"/>
             <p:extLst>
               <p:ext uri="{D42A27DB-BD31-4B8C-83A1-F6EECF244321}">
-                <p14:modId xmlns:p14="http://schemas.microsoft.com/office/powerpoint/2010/main" val="2460957098"/>
+                <p14:modId xmlns:p14="http://schemas.microsoft.com/office/powerpoint/2010/main" val="252057860"/>
               </p:ext>
             </p:extLst>
           </p:nvPr>
         </p:nvGraphicFramePr>
         <p:xfrm>
           <a:off x="838200" y="1825625"/>
-          <a:ext cx="10515600" cy="736600"/>
+          <a:ext cx="10515597" cy="1698411"/>
         </p:xfrm>
         <a:graphic>
           <a:graphicData uri="http://schemas.openxmlformats.org/drawingml/2006/table">
@@ -7280,43 +8986,50 @@
                 <a:tableStyleId>{5C22544A-7EE6-4342-B048-85BDC9FD1C3A}</a:tableStyleId>
               </a:tblPr>
               <a:tblGrid>
-                <a:gridCol w="2628900">
+                <a:gridCol w="1092689">
                   <a:extLst>
                     <a:ext uri="{9D8B030D-6E8A-4147-A177-3AD203B41FA5}">
-                      <a16:colId xmlns:a16="http://schemas.microsoft.com/office/drawing/2014/main" val="4171021312"/>
+                      <a16:colId xmlns:a16="http://schemas.microsoft.com/office/drawing/2014/main" val="1032559416"/>
                     </a:ext>
                   </a:extLst>
                 </a:gridCol>
-                <a:gridCol w="2628900">
+                <a:gridCol w="1855138">
                   <a:extLst>
                     <a:ext uri="{9D8B030D-6E8A-4147-A177-3AD203B41FA5}">
-                      <a16:colId xmlns:a16="http://schemas.microsoft.com/office/drawing/2014/main" val="1734734859"/>
+                      <a16:colId xmlns:a16="http://schemas.microsoft.com/office/drawing/2014/main" val="1701161676"/>
                     </a:ext>
                   </a:extLst>
                 </a:gridCol>
-                <a:gridCol w="2628900">
+                <a:gridCol w="1556535">
                   <a:extLst>
                     <a:ext uri="{9D8B030D-6E8A-4147-A177-3AD203B41FA5}">
-                      <a16:colId xmlns:a16="http://schemas.microsoft.com/office/drawing/2014/main" val="4011593856"/>
+                      <a16:colId xmlns:a16="http://schemas.microsoft.com/office/drawing/2014/main" val="1254089605"/>
                     </a:ext>
                   </a:extLst>
                 </a:gridCol>
-                <a:gridCol w="2628900">
+                <a:gridCol w="2835667">
                   <a:extLst>
                     <a:ext uri="{9D8B030D-6E8A-4147-A177-3AD203B41FA5}">
-                      <a16:colId xmlns:a16="http://schemas.microsoft.com/office/drawing/2014/main" val="232216118"/>
+                      <a16:colId xmlns:a16="http://schemas.microsoft.com/office/drawing/2014/main" val="3646178479"/>
+                    </a:ext>
+                  </a:extLst>
+                </a:gridCol>
+                <a:gridCol w="3175568">
+                  <a:extLst>
+                    <a:ext uri="{9D8B030D-6E8A-4147-A177-3AD203B41FA5}">
+                      <a16:colId xmlns:a16="http://schemas.microsoft.com/office/drawing/2014/main" val="1207384894"/>
                     </a:ext>
                   </a:extLst>
                 </a:gridCol>
               </a:tblGrid>
-              <a:tr h="370840">
+              <a:tr h="997088">
                 <a:tc>
                   <a:txBody>
                     <a:bodyPr/>
                     <a:lstStyle/>
                     <a:p>
                       <a:r>
-                        <a:rPr lang="en-US" dirty="0"/>
+                        <a:rPr lang="en-US" sz="1050" dirty="0"/>
                         <a:t>Model</a:t>
                       </a:r>
                     </a:p>
@@ -7329,7 +9042,20 @@
                     <a:lstStyle/>
                     <a:p>
                       <a:r>
-                        <a:rPr lang="en-US" dirty="0"/>
+                        <a:rPr lang="en-US" sz="1050" dirty="0"/>
+                        <a:t>Model</a:t>
+                      </a:r>
+                    </a:p>
+                  </a:txBody>
+                  <a:tcPr/>
+                </a:tc>
+                <a:tc>
+                  <a:txBody>
+                    <a:bodyPr/>
+                    <a:lstStyle/>
+                    <a:p>
+                      <a:r>
+                        <a:rPr lang="en-US" sz="1050" dirty="0"/>
                         <a:t>Dataset</a:t>
                       </a:r>
                     </a:p>
@@ -7342,8 +9068,24 @@
                     <a:lstStyle/>
                     <a:p>
                       <a:r>
-                        <a:rPr lang="en-US" dirty="0"/>
-                        <a:t>ROC-AUC</a:t>
+                        <a:rPr lang="en-US" sz="1050" dirty="0"/>
+                        <a:t>Evaluation Metrics {</a:t>
+                      </a:r>
+                      <a:r>
+                        <a:rPr lang="en-US" sz="1050" b="0" i="0" kern="1200" dirty="0">
+                          <a:solidFill>
+                            <a:schemeClr val="lt1"/>
+                          </a:solidFill>
+                          <a:effectLst/>
+                          <a:latin typeface="+mn-lt"/>
+                          <a:ea typeface="+mn-ea"/>
+                          <a:cs typeface="+mn-cs"/>
+                        </a:rPr>
+                        <a:t>ROC-AUC, PR-AUC, F1 for binary task, MSE, R-squared, Concordance Index</a:t>
+                      </a:r>
+                      <a:r>
+                        <a:rPr lang="en-US" sz="1050" dirty="0"/>
+                        <a:t>}</a:t>
                       </a:r>
                     </a:p>
                   </a:txBody>
@@ -7355,8 +9097,8 @@
                     <a:lstStyle/>
                     <a:p>
                       <a:r>
-                        <a:rPr lang="en-US" dirty="0"/>
-                        <a:t>PR-AUC</a:t>
+                        <a:rPr lang="en-US" sz="1050" dirty="0"/>
+                        <a:t>Configuration</a:t>
                       </a:r>
                     </a:p>
                   </a:txBody>
@@ -7364,21 +9106,21 @@
                 </a:tc>
                 <a:extLst>
                   <a:ext uri="{0D108BD9-81ED-4DB2-BD59-A6C34878D82A}">
-                    <a16:rowId xmlns:a16="http://schemas.microsoft.com/office/drawing/2014/main" val="4179254793"/>
+                    <a16:rowId xmlns:a16="http://schemas.microsoft.com/office/drawing/2014/main" val="1167944617"/>
                   </a:ext>
                 </a:extLst>
               </a:tr>
-              <a:tr h="133378">
+              <a:tr h="387961">
                 <a:tc>
                   <a:txBody>
                     <a:bodyPr/>
                     <a:lstStyle/>
                     <a:p>
                       <a:r>
-                        <a:rPr lang="en-US" dirty="0" err="1"/>
+                        <a:rPr lang="en-US" sz="1050" dirty="0" err="1"/>
                         <a:t>DeepDR</a:t>
                       </a:r>
-                      <a:endParaRPr lang="en-US" dirty="0"/>
+                      <a:endParaRPr lang="en-US" sz="1050" dirty="0"/>
                     </a:p>
                   </a:txBody>
                   <a:tcPr/>
@@ -7388,7 +9130,10 @@
                     <a:bodyPr/>
                     <a:lstStyle/>
                     <a:p>
-                      <a:endParaRPr lang="en-US" dirty="0"/>
+                      <a:r>
+                        <a:rPr lang="en-US" sz="1050" dirty="0"/>
+                        <a:t>MDA, VAE</a:t>
+                      </a:r>
                     </a:p>
                   </a:txBody>
                   <a:tcPr/>
@@ -7398,31 +9143,19 @@
                     <a:bodyPr/>
                     <a:lstStyle/>
                     <a:p>
-                      <a:pPr marL="0" marR="0" lvl="0" indent="0" algn="l" defTabSz="914400" rtl="0" eaLnBrk="1" fontAlgn="auto" latinLnBrk="0" hangingPunct="1">
-                        <a:lnSpc>
-                          <a:spcPct val="100000"/>
-                        </a:lnSpc>
-                        <a:spcBef>
-                          <a:spcPts val="0"/>
-                        </a:spcBef>
-                        <a:spcAft>
-                          <a:spcPts val="0"/>
-                        </a:spcAft>
-                        <a:buClrTx/>
-                        <a:buSzTx/>
-                        <a:buFontTx/>
-                        <a:buNone/>
-                        <a:tabLst/>
-                        <a:defRPr/>
-                      </a:pPr>
-                      <a:r>
-                        <a:rPr lang="en-US" sz="1800" dirty="0">
-                          <a:solidFill>
-                            <a:srgbClr val="00B050"/>
-                          </a:solidFill>
-                        </a:rPr>
-                        <a:t>0.9057</a:t>
-                      </a:r>
+                      <a:r>
+                        <a:rPr lang="en-US" sz="1050" dirty="0" err="1"/>
+                        <a:t>DrugBank</a:t>
+                      </a:r>
+                      <a:r>
+                        <a:rPr lang="en-US" sz="1050" dirty="0"/>
+                        <a:t>, </a:t>
+                      </a:r>
+                      <a:r>
+                        <a:rPr lang="en-US" sz="1050" dirty="0" err="1"/>
+                        <a:t>RepoDB</a:t>
+                      </a:r>
+                      <a:endParaRPr lang="en-US" sz="1050" dirty="0"/>
                     </a:p>
                   </a:txBody>
                   <a:tcPr/>
@@ -7432,30 +9165,38 @@
                     <a:bodyPr/>
                     <a:lstStyle/>
                     <a:p>
-                      <a:pPr marL="0" marR="0" lvl="0" indent="0" algn="l" defTabSz="914400" rtl="0" eaLnBrk="1" fontAlgn="auto" latinLnBrk="0" hangingPunct="1">
-                        <a:lnSpc>
-                          <a:spcPct val="100000"/>
-                        </a:lnSpc>
-                        <a:spcBef>
-                          <a:spcPts val="0"/>
-                        </a:spcBef>
-                        <a:spcAft>
-                          <a:spcPts val="0"/>
-                        </a:spcAft>
-                        <a:buClrTx/>
-                        <a:buSzTx/>
-                        <a:buFontTx/>
-                        <a:buNone/>
-                        <a:tabLst/>
-                        <a:defRPr/>
-                      </a:pPr>
-                      <a:r>
-                        <a:rPr lang="en-US" sz="1800" dirty="0">
-                          <a:solidFill>
-                            <a:srgbClr val="00B050"/>
-                          </a:solidFill>
-                        </a:rPr>
-                        <a:t>0.9231</a:t>
+                      <a:r>
+                        <a:rPr lang="en-US" sz="1050" dirty="0">
+                          <a:solidFill>
+                            <a:schemeClr val="accent6">
+                              <a:lumMod val="75000"/>
+                            </a:schemeClr>
+                          </a:solidFill>
+                        </a:rPr>
+                        <a:t>{0.9057,0.9231,_,_,_,_}</a:t>
+                      </a:r>
+                    </a:p>
+                  </a:txBody>
+                  <a:tcPr/>
+                </a:tc>
+                <a:tc>
+                  <a:txBody>
+                    <a:bodyPr/>
+                    <a:lstStyle/>
+                    <a:p>
+                      <a:r>
+                        <a:rPr lang="en-US" sz="1050" b="0" kern="1200" dirty="0">
+                          <a:solidFill>
+                            <a:schemeClr val="accent6">
+                              <a:lumMod val="75000"/>
+                            </a:schemeClr>
+                          </a:solidFill>
+                          <a:effectLst/>
+                          <a:latin typeface="+mn-lt"/>
+                          <a:ea typeface="+mn-ea"/>
+                          <a:cs typeface="+mn-cs"/>
+                        </a:rPr>
+                        <a:t>Default</a:t>
                       </a:r>
                     </a:p>
                   </a:txBody>
@@ -7463,7 +9204,96 @@
                 </a:tc>
                 <a:extLst>
                   <a:ext uri="{0D108BD9-81ED-4DB2-BD59-A6C34878D82A}">
-                    <a16:rowId xmlns:a16="http://schemas.microsoft.com/office/drawing/2014/main" val="3490028031"/>
+                    <a16:rowId xmlns:a16="http://schemas.microsoft.com/office/drawing/2014/main" val="2318273423"/>
+                  </a:ext>
+                </a:extLst>
+              </a:tr>
+              <a:tr h="313362">
+                <a:tc>
+                  <a:txBody>
+                    <a:bodyPr/>
+                    <a:lstStyle/>
+                    <a:p>
+                      <a:r>
+                        <a:rPr lang="en-US" sz="1050" dirty="0"/>
+                        <a:t>CIGER</a:t>
+                      </a:r>
+                    </a:p>
+                  </a:txBody>
+                  <a:tcPr/>
+                </a:tc>
+                <a:tc>
+                  <a:txBody>
+                    <a:bodyPr/>
+                    <a:lstStyle/>
+                    <a:p>
+                      <a:r>
+                        <a:rPr lang="en-US" sz="1050" dirty="0"/>
+                        <a:t>GCN, Attention</a:t>
+                      </a:r>
+                    </a:p>
+                  </a:txBody>
+                  <a:tcPr/>
+                </a:tc>
+                <a:tc>
+                  <a:txBody>
+                    <a:bodyPr/>
+                    <a:lstStyle/>
+                    <a:p>
+                      <a:r>
+                        <a:rPr lang="en-US" sz="1050" dirty="0"/>
+                        <a:t>LINCS1000, </a:t>
+                      </a:r>
+                      <a:r>
+                        <a:rPr lang="en-US" sz="1050" dirty="0" err="1"/>
+                        <a:t>Drugbank</a:t>
+                      </a:r>
+                      <a:endParaRPr lang="en-US" sz="1050" dirty="0"/>
+                    </a:p>
+                  </a:txBody>
+                  <a:tcPr/>
+                </a:tc>
+                <a:tc>
+                  <a:txBody>
+                    <a:bodyPr/>
+                    <a:lstStyle/>
+                    <a:p>
+                      <a:r>
+                        <a:rPr lang="en-US" sz="1050" dirty="0">
+                          <a:solidFill>
+                            <a:schemeClr val="tx1"/>
+                          </a:solidFill>
+                        </a:rPr>
+                        <a:t>{_,_,_,_,_,_}</a:t>
+                      </a:r>
+                    </a:p>
+                  </a:txBody>
+                  <a:tcPr/>
+                </a:tc>
+                <a:tc>
+                  <a:txBody>
+                    <a:bodyPr/>
+                    <a:lstStyle/>
+                    <a:p>
+                      <a:r>
+                        <a:rPr lang="en-US" sz="1050" b="0" kern="1200" dirty="0">
+                          <a:solidFill>
+                            <a:schemeClr val="tx1"/>
+                          </a:solidFill>
+                          <a:effectLst/>
+                          <a:latin typeface="+mn-lt"/>
+                          <a:ea typeface="+mn-ea"/>
+                          <a:cs typeface="+mn-cs"/>
+                        </a:rPr>
+                        <a:t>Default</a:t>
+                      </a:r>
+                    </a:p>
+                  </a:txBody>
+                  <a:tcPr/>
+                </a:tc>
+                <a:extLst>
+                  <a:ext uri="{0D108BD9-81ED-4DB2-BD59-A6C34878D82A}">
+                    <a16:rowId xmlns:a16="http://schemas.microsoft.com/office/drawing/2014/main" val="912173340"/>
                   </a:ext>
                 </a:extLst>
               </a:tr>
@@ -7474,7 +9304,7 @@
     </p:spTree>
     <p:extLst>
       <p:ext uri="{BB962C8B-B14F-4D97-AF65-F5344CB8AC3E}">
-        <p14:creationId xmlns:p14="http://schemas.microsoft.com/office/powerpoint/2010/main" val="1461278102"/>
+        <p14:creationId xmlns:p14="http://schemas.microsoft.com/office/powerpoint/2010/main" val="1525859040"/>
       </p:ext>
     </p:extLst>
   </p:cSld>
